--- a/Cryptanalysis on Asymmetric Ciphers — RSA & RSA.pptx
+++ b/Cryptanalysis on Asymmetric Ciphers — RSA & RSA.pptx
@@ -15,9 +15,12 @@
     <p:sldId id="261" r:id="rId12"/>
     <p:sldId id="262" r:id="rId13"/>
     <p:sldId id="263" r:id="rId14"/>
-    <p:sldId id="264" r:id="rId15"/>
-    <p:sldId id="259" r:id="rId16"/>
-    <p:sldId id="265" r:id="rId17"/>
+    <p:sldId id="270" r:id="rId15"/>
+    <p:sldId id="272" r:id="rId16"/>
+    <p:sldId id="271" r:id="rId17"/>
+    <p:sldId id="264" r:id="rId18"/>
+    <p:sldId id="259" r:id="rId19"/>
+    <p:sldId id="265" r:id="rId20"/>
   </p:sldIdLst>
   <p:sldSz cx="12192000" cy="6858000"/>
   <p:notesSz cx="6858000" cy="9144000"/>
@@ -350,7 +353,7 @@
           <a:p>
             <a:fld id="{E1525300-05E8-4D28-85DB-000DB90F5912}" type="datetimeFigureOut">
               <a:rPr lang="en-US" smtClean="0"/>
-              <a:t>12/24/2025</a:t>
+              <a:t>12/26/2025</a:t>
             </a:fld>
             <a:endParaRPr lang="en-US"/>
           </a:p>
@@ -558,7 +561,7 @@
           <a:p>
             <a:fld id="{E1525300-05E8-4D28-85DB-000DB90F5912}" type="datetimeFigureOut">
               <a:rPr lang="en-US" smtClean="0"/>
-              <a:t>12/24/2025</a:t>
+              <a:t>12/26/2025</a:t>
             </a:fld>
             <a:endParaRPr lang="en-US"/>
           </a:p>
@@ -814,7 +817,7 @@
           <a:p>
             <a:fld id="{E1525300-05E8-4D28-85DB-000DB90F5912}" type="datetimeFigureOut">
               <a:rPr lang="en-US" smtClean="0"/>
-              <a:t>12/24/2025</a:t>
+              <a:t>12/26/2025</a:t>
             </a:fld>
             <a:endParaRPr lang="en-US"/>
           </a:p>
@@ -988,7 +991,7 @@
           <a:p>
             <a:fld id="{E1525300-05E8-4D28-85DB-000DB90F5912}" type="datetimeFigureOut">
               <a:rPr lang="en-US" smtClean="0"/>
-              <a:t>12/24/2025</a:t>
+              <a:t>12/26/2025</a:t>
             </a:fld>
             <a:endParaRPr lang="en-US"/>
           </a:p>
@@ -1331,7 +1334,7 @@
           <a:p>
             <a:fld id="{E1525300-05E8-4D28-85DB-000DB90F5912}" type="datetimeFigureOut">
               <a:rPr lang="en-US" smtClean="0"/>
-              <a:t>12/24/2025</a:t>
+              <a:t>12/26/2025</a:t>
             </a:fld>
             <a:endParaRPr lang="en-US"/>
           </a:p>
@@ -1606,7 +1609,7 @@
           <a:p>
             <a:fld id="{E1525300-05E8-4D28-85DB-000DB90F5912}" type="datetimeFigureOut">
               <a:rPr lang="en-US" smtClean="0"/>
-              <a:t>12/24/2025</a:t>
+              <a:t>12/26/2025</a:t>
             </a:fld>
             <a:endParaRPr lang="en-US"/>
           </a:p>
@@ -1985,7 +1988,7 @@
           <a:p>
             <a:fld id="{E1525300-05E8-4D28-85DB-000DB90F5912}" type="datetimeFigureOut">
               <a:rPr lang="en-US" smtClean="0"/>
-              <a:t>12/24/2025</a:t>
+              <a:t>12/26/2025</a:t>
             </a:fld>
             <a:endParaRPr lang="en-US"/>
           </a:p>
@@ -2103,7 +2106,7 @@
           <a:p>
             <a:fld id="{E1525300-05E8-4D28-85DB-000DB90F5912}" type="datetimeFigureOut">
               <a:rPr lang="en-US" smtClean="0"/>
-              <a:t>12/24/2025</a:t>
+              <a:t>12/26/2025</a:t>
             </a:fld>
             <a:endParaRPr lang="en-US"/>
           </a:p>
@@ -2274,7 +2277,7 @@
           <a:p>
             <a:fld id="{E1525300-05E8-4D28-85DB-000DB90F5912}" type="datetimeFigureOut">
               <a:rPr lang="en-US" smtClean="0"/>
-              <a:t>12/24/2025</a:t>
+              <a:t>12/26/2025</a:t>
             </a:fld>
             <a:endParaRPr lang="en-US"/>
           </a:p>
@@ -2628,7 +2631,7 @@
           <a:p>
             <a:fld id="{E1525300-05E8-4D28-85DB-000DB90F5912}" type="datetimeFigureOut">
               <a:rPr lang="en-US" smtClean="0"/>
-              <a:t>12/24/2025</a:t>
+              <a:t>12/26/2025</a:t>
             </a:fld>
             <a:endParaRPr lang="en-US"/>
           </a:p>
@@ -3010,7 +3013,7 @@
           <a:p>
             <a:fld id="{E1525300-05E8-4D28-85DB-000DB90F5912}" type="datetimeFigureOut">
               <a:rPr lang="en-US" smtClean="0"/>
-              <a:t>12/24/2025</a:t>
+              <a:t>12/26/2025</a:t>
             </a:fld>
             <a:endParaRPr lang="en-US"/>
           </a:p>
@@ -3297,7 +3300,7 @@
           <a:p>
             <a:fld id="{E1525300-05E8-4D28-85DB-000DB90F5912}" type="datetimeFigureOut">
               <a:rPr lang="en-US" smtClean="0"/>
-              <a:t>12/24/2025</a:t>
+              <a:t>12/26/2025</a:t>
             </a:fld>
             <a:endParaRPr lang="en-US"/>
           </a:p>
@@ -3946,7 +3949,1760 @@
               <a:rPr lang="en-US" dirty="0" err="1"/>
               <a:t>quả</a:t>
             </a:r>
-            <a:endParaRPr lang="en-US" dirty="0"/>
+            <a:r>
+              <a:rPr lang="en-US" dirty="0"/>
+              <a:t> - Attack A</a:t>
+            </a:r>
+          </a:p>
+        </p:txBody>
+      </p:sp>
+      <p:graphicFrame>
+        <p:nvGraphicFramePr>
+          <p:cNvPr id="5" name="Table 4">
+            <a:extLst>
+              <a:ext uri="{FF2B5EF4-FFF2-40B4-BE49-F238E27FC236}">
+                <a16:creationId xmlns:a16="http://schemas.microsoft.com/office/drawing/2014/main" id="{9F61B6EB-A329-0870-5659-F3DECF4D066F}"/>
+              </a:ext>
+            </a:extLst>
+          </p:cNvPr>
+          <p:cNvGraphicFramePr>
+            <a:graphicFrameLocks noGrp="1"/>
+          </p:cNvGraphicFramePr>
+          <p:nvPr>
+            <p:extLst>
+              <p:ext uri="{D42A27DB-BD31-4B8C-83A1-F6EECF244321}">
+                <p14:modId xmlns:p14="http://schemas.microsoft.com/office/powerpoint/2010/main" val="2957968570"/>
+              </p:ext>
+            </p:extLst>
+          </p:nvPr>
+        </p:nvGraphicFramePr>
+        <p:xfrm>
+          <a:off x="847592" y="1837396"/>
+          <a:ext cx="10056810" cy="4023206"/>
+        </p:xfrm>
+        <a:graphic>
+          <a:graphicData uri="http://schemas.openxmlformats.org/drawingml/2006/table">
+            <a:tbl>
+              <a:tblPr/>
+              <a:tblGrid>
+                <a:gridCol w="2011362">
+                  <a:extLst>
+                    <a:ext uri="{9D8B030D-6E8A-4147-A177-3AD203B41FA5}">
+                      <a16:colId xmlns:a16="http://schemas.microsoft.com/office/drawing/2014/main" val="1153841641"/>
+                    </a:ext>
+                  </a:extLst>
+                </a:gridCol>
+                <a:gridCol w="2011362">
+                  <a:extLst>
+                    <a:ext uri="{9D8B030D-6E8A-4147-A177-3AD203B41FA5}">
+                      <a16:colId xmlns:a16="http://schemas.microsoft.com/office/drawing/2014/main" val="4206797455"/>
+                    </a:ext>
+                  </a:extLst>
+                </a:gridCol>
+                <a:gridCol w="2011362">
+                  <a:extLst>
+                    <a:ext uri="{9D8B030D-6E8A-4147-A177-3AD203B41FA5}">
+                      <a16:colId xmlns:a16="http://schemas.microsoft.com/office/drawing/2014/main" val="2453286802"/>
+                    </a:ext>
+                  </a:extLst>
+                </a:gridCol>
+                <a:gridCol w="2011362">
+                  <a:extLst>
+                    <a:ext uri="{9D8B030D-6E8A-4147-A177-3AD203B41FA5}">
+                      <a16:colId xmlns:a16="http://schemas.microsoft.com/office/drawing/2014/main" val="1995105878"/>
+                    </a:ext>
+                  </a:extLst>
+                </a:gridCol>
+                <a:gridCol w="2011362">
+                  <a:extLst>
+                    <a:ext uri="{9D8B030D-6E8A-4147-A177-3AD203B41FA5}">
+                      <a16:colId xmlns:a16="http://schemas.microsoft.com/office/drawing/2014/main" val="2954228350"/>
+                    </a:ext>
+                  </a:extLst>
+                </a:gridCol>
+              </a:tblGrid>
+              <a:tr h="365702">
+                <a:tc>
+                  <a:txBody>
+                    <a:bodyPr/>
+                    <a:lstStyle/>
+                    <a:p>
+                      <a:r>
+                        <a:rPr lang="en-US" sz="1800"/>
+                        <a:t>Run</a:t>
+                      </a:r>
+                    </a:p>
+                  </a:txBody>
+                  <a:tcPr marL="91426" marR="91426" marT="45713" marB="45713" anchor="ctr">
+                    <a:lnL>
+                      <a:noFill/>
+                    </a:lnL>
+                    <a:lnR>
+                      <a:noFill/>
+                    </a:lnR>
+                    <a:lnT>
+                      <a:noFill/>
+                    </a:lnT>
+                    <a:lnB>
+                      <a:noFill/>
+                    </a:lnB>
+                    <a:noFill/>
+                  </a:tcPr>
+                </a:tc>
+                <a:tc>
+                  <a:txBody>
+                    <a:bodyPr/>
+                    <a:lstStyle/>
+                    <a:p>
+                      <a:pPr algn="r"/>
+                      <a:r>
+                        <a:rPr lang="en-US" sz="1800"/>
+                        <a:t>Queries</a:t>
+                      </a:r>
+                    </a:p>
+                  </a:txBody>
+                  <a:tcPr marL="91426" marR="91426" marT="45713" marB="45713" anchor="ctr">
+                    <a:lnL>
+                      <a:noFill/>
+                    </a:lnL>
+                    <a:lnR>
+                      <a:noFill/>
+                    </a:lnR>
+                    <a:lnT>
+                      <a:noFill/>
+                    </a:lnT>
+                    <a:lnB>
+                      <a:noFill/>
+                    </a:lnB>
+                    <a:noFill/>
+                  </a:tcPr>
+                </a:tc>
+                <a:tc>
+                  <a:txBody>
+                    <a:bodyPr/>
+                    <a:lstStyle/>
+                    <a:p>
+                      <a:pPr algn="r"/>
+                      <a:r>
+                        <a:rPr lang="en-US" sz="1800"/>
+                        <a:t>Time (s)</a:t>
+                      </a:r>
+                    </a:p>
+                  </a:txBody>
+                  <a:tcPr marL="91426" marR="91426" marT="45713" marB="45713" anchor="ctr">
+                    <a:lnL>
+                      <a:noFill/>
+                    </a:lnL>
+                    <a:lnR>
+                      <a:noFill/>
+                    </a:lnR>
+                    <a:lnT>
+                      <a:noFill/>
+                    </a:lnT>
+                    <a:lnB>
+                      <a:noFill/>
+                    </a:lnB>
+                    <a:noFill/>
+                  </a:tcPr>
+                </a:tc>
+                <a:tc>
+                  <a:txBody>
+                    <a:bodyPr/>
+                    <a:lstStyle/>
+                    <a:p>
+                      <a:pPr algn="r"/>
+                      <a:r>
+                        <a:rPr lang="en-US" sz="1800"/>
+                        <a:t>Avg / query (s)</a:t>
+                      </a:r>
+                    </a:p>
+                  </a:txBody>
+                  <a:tcPr marL="91426" marR="91426" marT="45713" marB="45713" anchor="ctr">
+                    <a:lnL>
+                      <a:noFill/>
+                    </a:lnL>
+                    <a:lnR>
+                      <a:noFill/>
+                    </a:lnR>
+                    <a:lnT>
+                      <a:noFill/>
+                    </a:lnT>
+                    <a:lnB>
+                      <a:noFill/>
+                    </a:lnB>
+                    <a:noFill/>
+                  </a:tcPr>
+                </a:tc>
+                <a:tc>
+                  <a:txBody>
+                    <a:bodyPr/>
+                    <a:lstStyle/>
+                    <a:p>
+                      <a:pPr algn="r"/>
+                      <a:r>
+                        <a:rPr lang="en-US" sz="1800" dirty="0"/>
+                        <a:t>QPS</a:t>
+                      </a:r>
+                    </a:p>
+                  </a:txBody>
+                  <a:tcPr marL="91426" marR="91426" marT="45713" marB="45713" anchor="ctr">
+                    <a:lnL>
+                      <a:noFill/>
+                    </a:lnL>
+                    <a:lnR>
+                      <a:noFill/>
+                    </a:lnR>
+                    <a:lnT>
+                      <a:noFill/>
+                    </a:lnT>
+                    <a:lnB>
+                      <a:noFill/>
+                    </a:lnB>
+                    <a:noFill/>
+                  </a:tcPr>
+                </a:tc>
+                <a:extLst>
+                  <a:ext uri="{0D108BD9-81ED-4DB2-BD59-A6C34878D82A}">
+                    <a16:rowId xmlns:a16="http://schemas.microsoft.com/office/drawing/2014/main" val="3319889057"/>
+                  </a:ext>
+                </a:extLst>
+              </a:tr>
+              <a:tr h="365702">
+                <a:tc>
+                  <a:txBody>
+                    <a:bodyPr/>
+                    <a:lstStyle/>
+                    <a:p>
+                      <a:r>
+                        <a:rPr lang="en-US" sz="1800" dirty="0"/>
+                        <a:t>1</a:t>
+                      </a:r>
+                    </a:p>
+                  </a:txBody>
+                  <a:tcPr marL="91426" marR="91426" marT="45713" marB="45713" anchor="ctr">
+                    <a:lnL>
+                      <a:noFill/>
+                    </a:lnL>
+                    <a:lnR>
+                      <a:noFill/>
+                    </a:lnR>
+                    <a:lnT>
+                      <a:noFill/>
+                    </a:lnT>
+                    <a:lnB>
+                      <a:noFill/>
+                    </a:lnB>
+                    <a:noFill/>
+                  </a:tcPr>
+                </a:tc>
+                <a:tc>
+                  <a:txBody>
+                    <a:bodyPr/>
+                    <a:lstStyle/>
+                    <a:p>
+                      <a:pPr algn="r"/>
+                      <a:r>
+                        <a:rPr lang="en-US" sz="1800"/>
+                        <a:t>183,346</a:t>
+                      </a:r>
+                    </a:p>
+                  </a:txBody>
+                  <a:tcPr marL="91426" marR="91426" marT="45713" marB="45713" anchor="ctr">
+                    <a:lnL>
+                      <a:noFill/>
+                    </a:lnL>
+                    <a:lnR>
+                      <a:noFill/>
+                    </a:lnR>
+                    <a:lnT>
+                      <a:noFill/>
+                    </a:lnT>
+                    <a:lnB>
+                      <a:noFill/>
+                    </a:lnB>
+                    <a:noFill/>
+                  </a:tcPr>
+                </a:tc>
+                <a:tc>
+                  <a:txBody>
+                    <a:bodyPr/>
+                    <a:lstStyle/>
+                    <a:p>
+                      <a:pPr algn="r"/>
+                      <a:r>
+                        <a:rPr lang="en-US" sz="1800"/>
+                        <a:t>360.38</a:t>
+                      </a:r>
+                    </a:p>
+                  </a:txBody>
+                  <a:tcPr marL="91426" marR="91426" marT="45713" marB="45713" anchor="ctr">
+                    <a:lnL>
+                      <a:noFill/>
+                    </a:lnL>
+                    <a:lnR>
+                      <a:noFill/>
+                    </a:lnR>
+                    <a:lnT>
+                      <a:noFill/>
+                    </a:lnT>
+                    <a:lnB>
+                      <a:noFill/>
+                    </a:lnB>
+                    <a:noFill/>
+                  </a:tcPr>
+                </a:tc>
+                <a:tc>
+                  <a:txBody>
+                    <a:bodyPr/>
+                    <a:lstStyle/>
+                    <a:p>
+                      <a:pPr algn="r"/>
+                      <a:r>
+                        <a:rPr lang="en-US" sz="1800"/>
+                        <a:t>0.001966</a:t>
+                      </a:r>
+                    </a:p>
+                  </a:txBody>
+                  <a:tcPr marL="91426" marR="91426" marT="45713" marB="45713" anchor="ctr">
+                    <a:lnL>
+                      <a:noFill/>
+                    </a:lnL>
+                    <a:lnR>
+                      <a:noFill/>
+                    </a:lnR>
+                    <a:lnT>
+                      <a:noFill/>
+                    </a:lnT>
+                    <a:lnB>
+                      <a:noFill/>
+                    </a:lnB>
+                    <a:noFill/>
+                  </a:tcPr>
+                </a:tc>
+                <a:tc>
+                  <a:txBody>
+                    <a:bodyPr/>
+                    <a:lstStyle/>
+                    <a:p>
+                      <a:pPr algn="r"/>
+                      <a:r>
+                        <a:rPr lang="en-US" sz="1800"/>
+                        <a:t>508.76</a:t>
+                      </a:r>
+                    </a:p>
+                  </a:txBody>
+                  <a:tcPr marL="91426" marR="91426" marT="45713" marB="45713" anchor="ctr">
+                    <a:lnL>
+                      <a:noFill/>
+                    </a:lnL>
+                    <a:lnR>
+                      <a:noFill/>
+                    </a:lnR>
+                    <a:lnT>
+                      <a:noFill/>
+                    </a:lnT>
+                    <a:lnB>
+                      <a:noFill/>
+                    </a:lnB>
+                    <a:noFill/>
+                  </a:tcPr>
+                </a:tc>
+                <a:extLst>
+                  <a:ext uri="{0D108BD9-81ED-4DB2-BD59-A6C34878D82A}">
+                    <a16:rowId xmlns:a16="http://schemas.microsoft.com/office/drawing/2014/main" val="2324757432"/>
+                  </a:ext>
+                </a:extLst>
+              </a:tr>
+              <a:tr h="365702">
+                <a:tc>
+                  <a:txBody>
+                    <a:bodyPr/>
+                    <a:lstStyle/>
+                    <a:p>
+                      <a:r>
+                        <a:rPr lang="en-US" sz="1800"/>
+                        <a:t>2</a:t>
+                      </a:r>
+                    </a:p>
+                  </a:txBody>
+                  <a:tcPr marL="91426" marR="91426" marT="45713" marB="45713" anchor="ctr">
+                    <a:lnL>
+                      <a:noFill/>
+                    </a:lnL>
+                    <a:lnR>
+                      <a:noFill/>
+                    </a:lnR>
+                    <a:lnT>
+                      <a:noFill/>
+                    </a:lnT>
+                    <a:lnB>
+                      <a:noFill/>
+                    </a:lnB>
+                    <a:noFill/>
+                  </a:tcPr>
+                </a:tc>
+                <a:tc>
+                  <a:txBody>
+                    <a:bodyPr/>
+                    <a:lstStyle/>
+                    <a:p>
+                      <a:pPr algn="r"/>
+                      <a:r>
+                        <a:rPr lang="en-US" sz="1800"/>
+                        <a:t>194,874</a:t>
+                      </a:r>
+                    </a:p>
+                  </a:txBody>
+                  <a:tcPr marL="91426" marR="91426" marT="45713" marB="45713" anchor="ctr">
+                    <a:lnL>
+                      <a:noFill/>
+                    </a:lnL>
+                    <a:lnR>
+                      <a:noFill/>
+                    </a:lnR>
+                    <a:lnT>
+                      <a:noFill/>
+                    </a:lnT>
+                    <a:lnB>
+                      <a:noFill/>
+                    </a:lnB>
+                    <a:noFill/>
+                  </a:tcPr>
+                </a:tc>
+                <a:tc>
+                  <a:txBody>
+                    <a:bodyPr/>
+                    <a:lstStyle/>
+                    <a:p>
+                      <a:pPr algn="r"/>
+                      <a:r>
+                        <a:rPr lang="en-US" sz="1800"/>
+                        <a:t>381.57</a:t>
+                      </a:r>
+                    </a:p>
+                  </a:txBody>
+                  <a:tcPr marL="91426" marR="91426" marT="45713" marB="45713" anchor="ctr">
+                    <a:lnL>
+                      <a:noFill/>
+                    </a:lnL>
+                    <a:lnR>
+                      <a:noFill/>
+                    </a:lnR>
+                    <a:lnT>
+                      <a:noFill/>
+                    </a:lnT>
+                    <a:lnB>
+                      <a:noFill/>
+                    </a:lnB>
+                    <a:noFill/>
+                  </a:tcPr>
+                </a:tc>
+                <a:tc>
+                  <a:txBody>
+                    <a:bodyPr/>
+                    <a:lstStyle/>
+                    <a:p>
+                      <a:pPr algn="r"/>
+                      <a:r>
+                        <a:rPr lang="en-US" sz="1800"/>
+                        <a:t>0.001958</a:t>
+                      </a:r>
+                    </a:p>
+                  </a:txBody>
+                  <a:tcPr marL="91426" marR="91426" marT="45713" marB="45713" anchor="ctr">
+                    <a:lnL>
+                      <a:noFill/>
+                    </a:lnL>
+                    <a:lnR>
+                      <a:noFill/>
+                    </a:lnR>
+                    <a:lnT>
+                      <a:noFill/>
+                    </a:lnT>
+                    <a:lnB>
+                      <a:noFill/>
+                    </a:lnB>
+                    <a:noFill/>
+                  </a:tcPr>
+                </a:tc>
+                <a:tc>
+                  <a:txBody>
+                    <a:bodyPr/>
+                    <a:lstStyle/>
+                    <a:p>
+                      <a:pPr algn="r"/>
+                      <a:r>
+                        <a:rPr lang="en-US" sz="1800"/>
+                        <a:t>510.72</a:t>
+                      </a:r>
+                    </a:p>
+                  </a:txBody>
+                  <a:tcPr marL="91426" marR="91426" marT="45713" marB="45713" anchor="ctr">
+                    <a:lnL>
+                      <a:noFill/>
+                    </a:lnL>
+                    <a:lnR>
+                      <a:noFill/>
+                    </a:lnR>
+                    <a:lnT>
+                      <a:noFill/>
+                    </a:lnT>
+                    <a:lnB>
+                      <a:noFill/>
+                    </a:lnB>
+                    <a:noFill/>
+                  </a:tcPr>
+                </a:tc>
+                <a:extLst>
+                  <a:ext uri="{0D108BD9-81ED-4DB2-BD59-A6C34878D82A}">
+                    <a16:rowId xmlns:a16="http://schemas.microsoft.com/office/drawing/2014/main" val="3830206877"/>
+                  </a:ext>
+                </a:extLst>
+              </a:tr>
+              <a:tr h="365702">
+                <a:tc>
+                  <a:txBody>
+                    <a:bodyPr/>
+                    <a:lstStyle/>
+                    <a:p>
+                      <a:r>
+                        <a:rPr lang="en-US" sz="1800"/>
+                        <a:t>3</a:t>
+                      </a:r>
+                    </a:p>
+                  </a:txBody>
+                  <a:tcPr marL="91426" marR="91426" marT="45713" marB="45713" anchor="ctr">
+                    <a:lnL>
+                      <a:noFill/>
+                    </a:lnL>
+                    <a:lnR>
+                      <a:noFill/>
+                    </a:lnR>
+                    <a:lnT>
+                      <a:noFill/>
+                    </a:lnT>
+                    <a:lnB>
+                      <a:noFill/>
+                    </a:lnB>
+                    <a:noFill/>
+                  </a:tcPr>
+                </a:tc>
+                <a:tc>
+                  <a:txBody>
+                    <a:bodyPr/>
+                    <a:lstStyle/>
+                    <a:p>
+                      <a:pPr algn="r"/>
+                      <a:r>
+                        <a:rPr lang="en-US" sz="1800"/>
+                        <a:t>298,513</a:t>
+                      </a:r>
+                    </a:p>
+                  </a:txBody>
+                  <a:tcPr marL="91426" marR="91426" marT="45713" marB="45713" anchor="ctr">
+                    <a:lnL>
+                      <a:noFill/>
+                    </a:lnL>
+                    <a:lnR>
+                      <a:noFill/>
+                    </a:lnR>
+                    <a:lnT>
+                      <a:noFill/>
+                    </a:lnT>
+                    <a:lnB>
+                      <a:noFill/>
+                    </a:lnB>
+                    <a:noFill/>
+                  </a:tcPr>
+                </a:tc>
+                <a:tc>
+                  <a:txBody>
+                    <a:bodyPr/>
+                    <a:lstStyle/>
+                    <a:p>
+                      <a:pPr algn="r"/>
+                      <a:r>
+                        <a:rPr lang="en-US" sz="1800"/>
+                        <a:t>576.78</a:t>
+                      </a:r>
+                    </a:p>
+                  </a:txBody>
+                  <a:tcPr marL="91426" marR="91426" marT="45713" marB="45713" anchor="ctr">
+                    <a:lnL>
+                      <a:noFill/>
+                    </a:lnL>
+                    <a:lnR>
+                      <a:noFill/>
+                    </a:lnR>
+                    <a:lnT>
+                      <a:noFill/>
+                    </a:lnT>
+                    <a:lnB>
+                      <a:noFill/>
+                    </a:lnB>
+                    <a:noFill/>
+                  </a:tcPr>
+                </a:tc>
+                <a:tc>
+                  <a:txBody>
+                    <a:bodyPr/>
+                    <a:lstStyle/>
+                    <a:p>
+                      <a:pPr algn="r"/>
+                      <a:r>
+                        <a:rPr lang="en-US" sz="1800"/>
+                        <a:t>0.001932</a:t>
+                      </a:r>
+                    </a:p>
+                  </a:txBody>
+                  <a:tcPr marL="91426" marR="91426" marT="45713" marB="45713" anchor="ctr">
+                    <a:lnL>
+                      <a:noFill/>
+                    </a:lnL>
+                    <a:lnR>
+                      <a:noFill/>
+                    </a:lnR>
+                    <a:lnT>
+                      <a:noFill/>
+                    </a:lnT>
+                    <a:lnB>
+                      <a:noFill/>
+                    </a:lnB>
+                    <a:noFill/>
+                  </a:tcPr>
+                </a:tc>
+                <a:tc>
+                  <a:txBody>
+                    <a:bodyPr/>
+                    <a:lstStyle/>
+                    <a:p>
+                      <a:pPr algn="r"/>
+                      <a:r>
+                        <a:rPr lang="en-US" sz="1800"/>
+                        <a:t>517.55</a:t>
+                      </a:r>
+                    </a:p>
+                  </a:txBody>
+                  <a:tcPr marL="91426" marR="91426" marT="45713" marB="45713" anchor="ctr">
+                    <a:lnL>
+                      <a:noFill/>
+                    </a:lnL>
+                    <a:lnR>
+                      <a:noFill/>
+                    </a:lnR>
+                    <a:lnT>
+                      <a:noFill/>
+                    </a:lnT>
+                    <a:lnB>
+                      <a:noFill/>
+                    </a:lnB>
+                    <a:noFill/>
+                  </a:tcPr>
+                </a:tc>
+                <a:extLst>
+                  <a:ext uri="{0D108BD9-81ED-4DB2-BD59-A6C34878D82A}">
+                    <a16:rowId xmlns:a16="http://schemas.microsoft.com/office/drawing/2014/main" val="474270124"/>
+                  </a:ext>
+                </a:extLst>
+              </a:tr>
+              <a:tr h="365702">
+                <a:tc>
+                  <a:txBody>
+                    <a:bodyPr/>
+                    <a:lstStyle/>
+                    <a:p>
+                      <a:r>
+                        <a:rPr lang="en-US" sz="1800" dirty="0"/>
+                        <a:t>4</a:t>
+                      </a:r>
+                    </a:p>
+                  </a:txBody>
+                  <a:tcPr marL="91426" marR="91426" marT="45713" marB="45713" anchor="ctr">
+                    <a:lnL>
+                      <a:noFill/>
+                    </a:lnL>
+                    <a:lnR>
+                      <a:noFill/>
+                    </a:lnR>
+                    <a:lnT>
+                      <a:noFill/>
+                    </a:lnT>
+                    <a:lnB>
+                      <a:noFill/>
+                    </a:lnB>
+                    <a:noFill/>
+                  </a:tcPr>
+                </a:tc>
+                <a:tc>
+                  <a:txBody>
+                    <a:bodyPr/>
+                    <a:lstStyle/>
+                    <a:p>
+                      <a:pPr algn="r"/>
+                      <a:r>
+                        <a:rPr lang="en-US" sz="1800"/>
+                        <a:t>53,511</a:t>
+                      </a:r>
+                    </a:p>
+                  </a:txBody>
+                  <a:tcPr marL="91426" marR="91426" marT="45713" marB="45713" anchor="ctr">
+                    <a:lnL>
+                      <a:noFill/>
+                    </a:lnL>
+                    <a:lnR>
+                      <a:noFill/>
+                    </a:lnR>
+                    <a:lnT>
+                      <a:noFill/>
+                    </a:lnT>
+                    <a:lnB>
+                      <a:noFill/>
+                    </a:lnB>
+                    <a:noFill/>
+                  </a:tcPr>
+                </a:tc>
+                <a:tc>
+                  <a:txBody>
+                    <a:bodyPr/>
+                    <a:lstStyle/>
+                    <a:p>
+                      <a:pPr algn="r"/>
+                      <a:r>
+                        <a:rPr lang="en-US" sz="1800"/>
+                        <a:t>107.14</a:t>
+                      </a:r>
+                    </a:p>
+                  </a:txBody>
+                  <a:tcPr marL="91426" marR="91426" marT="45713" marB="45713" anchor="ctr">
+                    <a:lnL>
+                      <a:noFill/>
+                    </a:lnL>
+                    <a:lnR>
+                      <a:noFill/>
+                    </a:lnR>
+                    <a:lnT>
+                      <a:noFill/>
+                    </a:lnT>
+                    <a:lnB>
+                      <a:noFill/>
+                    </a:lnB>
+                    <a:noFill/>
+                  </a:tcPr>
+                </a:tc>
+                <a:tc>
+                  <a:txBody>
+                    <a:bodyPr/>
+                    <a:lstStyle/>
+                    <a:p>
+                      <a:pPr algn="r"/>
+                      <a:r>
+                        <a:rPr lang="en-US" sz="1800"/>
+                        <a:t>0.002002</a:t>
+                      </a:r>
+                    </a:p>
+                  </a:txBody>
+                  <a:tcPr marL="91426" marR="91426" marT="45713" marB="45713" anchor="ctr">
+                    <a:lnL>
+                      <a:noFill/>
+                    </a:lnL>
+                    <a:lnR>
+                      <a:noFill/>
+                    </a:lnR>
+                    <a:lnT>
+                      <a:noFill/>
+                    </a:lnT>
+                    <a:lnB>
+                      <a:noFill/>
+                    </a:lnB>
+                    <a:noFill/>
+                  </a:tcPr>
+                </a:tc>
+                <a:tc>
+                  <a:txBody>
+                    <a:bodyPr/>
+                    <a:lstStyle/>
+                    <a:p>
+                      <a:pPr algn="r"/>
+                      <a:r>
+                        <a:rPr lang="en-US" sz="1800"/>
+                        <a:t>499.44</a:t>
+                      </a:r>
+                    </a:p>
+                  </a:txBody>
+                  <a:tcPr marL="91426" marR="91426" marT="45713" marB="45713" anchor="ctr">
+                    <a:lnL>
+                      <a:noFill/>
+                    </a:lnL>
+                    <a:lnR>
+                      <a:noFill/>
+                    </a:lnR>
+                    <a:lnT>
+                      <a:noFill/>
+                    </a:lnT>
+                    <a:lnB>
+                      <a:noFill/>
+                    </a:lnB>
+                    <a:noFill/>
+                  </a:tcPr>
+                </a:tc>
+                <a:extLst>
+                  <a:ext uri="{0D108BD9-81ED-4DB2-BD59-A6C34878D82A}">
+                    <a16:rowId xmlns:a16="http://schemas.microsoft.com/office/drawing/2014/main" val="1991528959"/>
+                  </a:ext>
+                </a:extLst>
+              </a:tr>
+              <a:tr h="365702">
+                <a:tc>
+                  <a:txBody>
+                    <a:bodyPr/>
+                    <a:lstStyle/>
+                    <a:p>
+                      <a:r>
+                        <a:rPr lang="en-US" sz="1800"/>
+                        <a:t>5</a:t>
+                      </a:r>
+                    </a:p>
+                  </a:txBody>
+                  <a:tcPr marL="91426" marR="91426" marT="45713" marB="45713" anchor="ctr">
+                    <a:lnL>
+                      <a:noFill/>
+                    </a:lnL>
+                    <a:lnR>
+                      <a:noFill/>
+                    </a:lnR>
+                    <a:lnT>
+                      <a:noFill/>
+                    </a:lnT>
+                    <a:lnB>
+                      <a:noFill/>
+                    </a:lnB>
+                    <a:noFill/>
+                  </a:tcPr>
+                </a:tc>
+                <a:tc>
+                  <a:txBody>
+                    <a:bodyPr/>
+                    <a:lstStyle/>
+                    <a:p>
+                      <a:pPr algn="r"/>
+                      <a:r>
+                        <a:rPr lang="en-US" sz="1800"/>
+                        <a:t>46,068</a:t>
+                      </a:r>
+                    </a:p>
+                  </a:txBody>
+                  <a:tcPr marL="91426" marR="91426" marT="45713" marB="45713" anchor="ctr">
+                    <a:lnL>
+                      <a:noFill/>
+                    </a:lnL>
+                    <a:lnR>
+                      <a:noFill/>
+                    </a:lnR>
+                    <a:lnT>
+                      <a:noFill/>
+                    </a:lnT>
+                    <a:lnB>
+                      <a:noFill/>
+                    </a:lnB>
+                    <a:noFill/>
+                  </a:tcPr>
+                </a:tc>
+                <a:tc>
+                  <a:txBody>
+                    <a:bodyPr/>
+                    <a:lstStyle/>
+                    <a:p>
+                      <a:pPr algn="r"/>
+                      <a:r>
+                        <a:rPr lang="en-US" sz="1800"/>
+                        <a:t>101.14</a:t>
+                      </a:r>
+                    </a:p>
+                  </a:txBody>
+                  <a:tcPr marL="91426" marR="91426" marT="45713" marB="45713" anchor="ctr">
+                    <a:lnL>
+                      <a:noFill/>
+                    </a:lnL>
+                    <a:lnR>
+                      <a:noFill/>
+                    </a:lnR>
+                    <a:lnT>
+                      <a:noFill/>
+                    </a:lnT>
+                    <a:lnB>
+                      <a:noFill/>
+                    </a:lnB>
+                    <a:noFill/>
+                  </a:tcPr>
+                </a:tc>
+                <a:tc>
+                  <a:txBody>
+                    <a:bodyPr/>
+                    <a:lstStyle/>
+                    <a:p>
+                      <a:pPr algn="r"/>
+                      <a:r>
+                        <a:rPr lang="en-US" sz="1800"/>
+                        <a:t>0.002195</a:t>
+                      </a:r>
+                    </a:p>
+                  </a:txBody>
+                  <a:tcPr marL="91426" marR="91426" marT="45713" marB="45713" anchor="ctr">
+                    <a:lnL>
+                      <a:noFill/>
+                    </a:lnL>
+                    <a:lnR>
+                      <a:noFill/>
+                    </a:lnR>
+                    <a:lnT>
+                      <a:noFill/>
+                    </a:lnT>
+                    <a:lnB>
+                      <a:noFill/>
+                    </a:lnB>
+                    <a:noFill/>
+                  </a:tcPr>
+                </a:tc>
+                <a:tc>
+                  <a:txBody>
+                    <a:bodyPr/>
+                    <a:lstStyle/>
+                    <a:p>
+                      <a:pPr algn="r"/>
+                      <a:r>
+                        <a:rPr lang="en-US" sz="1800"/>
+                        <a:t>455.51</a:t>
+                      </a:r>
+                    </a:p>
+                  </a:txBody>
+                  <a:tcPr marL="91426" marR="91426" marT="45713" marB="45713" anchor="ctr">
+                    <a:lnL>
+                      <a:noFill/>
+                    </a:lnL>
+                    <a:lnR>
+                      <a:noFill/>
+                    </a:lnR>
+                    <a:lnT>
+                      <a:noFill/>
+                    </a:lnT>
+                    <a:lnB>
+                      <a:noFill/>
+                    </a:lnB>
+                    <a:noFill/>
+                  </a:tcPr>
+                </a:tc>
+                <a:extLst>
+                  <a:ext uri="{0D108BD9-81ED-4DB2-BD59-A6C34878D82A}">
+                    <a16:rowId xmlns:a16="http://schemas.microsoft.com/office/drawing/2014/main" val="593268828"/>
+                  </a:ext>
+                </a:extLst>
+              </a:tr>
+              <a:tr h="365702">
+                <a:tc>
+                  <a:txBody>
+                    <a:bodyPr/>
+                    <a:lstStyle/>
+                    <a:p>
+                      <a:r>
+                        <a:rPr lang="en-US" sz="1800"/>
+                        <a:t>6</a:t>
+                      </a:r>
+                    </a:p>
+                  </a:txBody>
+                  <a:tcPr marL="91426" marR="91426" marT="45713" marB="45713" anchor="ctr">
+                    <a:lnL>
+                      <a:noFill/>
+                    </a:lnL>
+                    <a:lnR>
+                      <a:noFill/>
+                    </a:lnR>
+                    <a:lnT>
+                      <a:noFill/>
+                    </a:lnT>
+                    <a:lnB>
+                      <a:noFill/>
+                    </a:lnB>
+                    <a:noFill/>
+                  </a:tcPr>
+                </a:tc>
+                <a:tc>
+                  <a:txBody>
+                    <a:bodyPr/>
+                    <a:lstStyle/>
+                    <a:p>
+                      <a:pPr algn="r"/>
+                      <a:r>
+                        <a:rPr lang="en-US" sz="1800"/>
+                        <a:t>366,681</a:t>
+                      </a:r>
+                    </a:p>
+                  </a:txBody>
+                  <a:tcPr marL="91426" marR="91426" marT="45713" marB="45713" anchor="ctr">
+                    <a:lnL>
+                      <a:noFill/>
+                    </a:lnL>
+                    <a:lnR>
+                      <a:noFill/>
+                    </a:lnR>
+                    <a:lnT>
+                      <a:noFill/>
+                    </a:lnT>
+                    <a:lnB>
+                      <a:noFill/>
+                    </a:lnB>
+                    <a:noFill/>
+                  </a:tcPr>
+                </a:tc>
+                <a:tc>
+                  <a:txBody>
+                    <a:bodyPr/>
+                    <a:lstStyle/>
+                    <a:p>
+                      <a:pPr algn="r"/>
+                      <a:r>
+                        <a:rPr lang="en-US" sz="1800"/>
+                        <a:t>709.11</a:t>
+                      </a:r>
+                    </a:p>
+                  </a:txBody>
+                  <a:tcPr marL="91426" marR="91426" marT="45713" marB="45713" anchor="ctr">
+                    <a:lnL>
+                      <a:noFill/>
+                    </a:lnL>
+                    <a:lnR>
+                      <a:noFill/>
+                    </a:lnR>
+                    <a:lnT>
+                      <a:noFill/>
+                    </a:lnT>
+                    <a:lnB>
+                      <a:noFill/>
+                    </a:lnB>
+                    <a:noFill/>
+                  </a:tcPr>
+                </a:tc>
+                <a:tc>
+                  <a:txBody>
+                    <a:bodyPr/>
+                    <a:lstStyle/>
+                    <a:p>
+                      <a:pPr algn="r"/>
+                      <a:r>
+                        <a:rPr lang="en-US" sz="1800"/>
+                        <a:t>0.001934</a:t>
+                      </a:r>
+                    </a:p>
+                  </a:txBody>
+                  <a:tcPr marL="91426" marR="91426" marT="45713" marB="45713" anchor="ctr">
+                    <a:lnL>
+                      <a:noFill/>
+                    </a:lnL>
+                    <a:lnR>
+                      <a:noFill/>
+                    </a:lnR>
+                    <a:lnT>
+                      <a:noFill/>
+                    </a:lnT>
+                    <a:lnB>
+                      <a:noFill/>
+                    </a:lnB>
+                    <a:noFill/>
+                  </a:tcPr>
+                </a:tc>
+                <a:tc>
+                  <a:txBody>
+                    <a:bodyPr/>
+                    <a:lstStyle/>
+                    <a:p>
+                      <a:pPr algn="r"/>
+                      <a:r>
+                        <a:rPr lang="en-US" sz="1800"/>
+                        <a:t>517.10</a:t>
+                      </a:r>
+                    </a:p>
+                  </a:txBody>
+                  <a:tcPr marL="91426" marR="91426" marT="45713" marB="45713" anchor="ctr">
+                    <a:lnL>
+                      <a:noFill/>
+                    </a:lnL>
+                    <a:lnR>
+                      <a:noFill/>
+                    </a:lnR>
+                    <a:lnT>
+                      <a:noFill/>
+                    </a:lnT>
+                    <a:lnB>
+                      <a:noFill/>
+                    </a:lnB>
+                    <a:noFill/>
+                  </a:tcPr>
+                </a:tc>
+                <a:extLst>
+                  <a:ext uri="{0D108BD9-81ED-4DB2-BD59-A6C34878D82A}">
+                    <a16:rowId xmlns:a16="http://schemas.microsoft.com/office/drawing/2014/main" val="3881476309"/>
+                  </a:ext>
+                </a:extLst>
+              </a:tr>
+              <a:tr h="365702">
+                <a:tc>
+                  <a:txBody>
+                    <a:bodyPr/>
+                    <a:lstStyle/>
+                    <a:p>
+                      <a:r>
+                        <a:rPr lang="en-US" sz="1800"/>
+                        <a:t>7</a:t>
+                      </a:r>
+                    </a:p>
+                  </a:txBody>
+                  <a:tcPr marL="91426" marR="91426" marT="45713" marB="45713" anchor="ctr">
+                    <a:lnL>
+                      <a:noFill/>
+                    </a:lnL>
+                    <a:lnR>
+                      <a:noFill/>
+                    </a:lnR>
+                    <a:lnT>
+                      <a:noFill/>
+                    </a:lnT>
+                    <a:lnB>
+                      <a:noFill/>
+                    </a:lnB>
+                    <a:noFill/>
+                  </a:tcPr>
+                </a:tc>
+                <a:tc>
+                  <a:txBody>
+                    <a:bodyPr/>
+                    <a:lstStyle/>
+                    <a:p>
+                      <a:pPr algn="r"/>
+                      <a:r>
+                        <a:rPr lang="en-US" sz="1800"/>
+                        <a:t>582,094</a:t>
+                      </a:r>
+                    </a:p>
+                  </a:txBody>
+                  <a:tcPr marL="91426" marR="91426" marT="45713" marB="45713" anchor="ctr">
+                    <a:lnL>
+                      <a:noFill/>
+                    </a:lnL>
+                    <a:lnR>
+                      <a:noFill/>
+                    </a:lnR>
+                    <a:lnT>
+                      <a:noFill/>
+                    </a:lnT>
+                    <a:lnB>
+                      <a:noFill/>
+                    </a:lnB>
+                    <a:noFill/>
+                  </a:tcPr>
+                </a:tc>
+                <a:tc>
+                  <a:txBody>
+                    <a:bodyPr/>
+                    <a:lstStyle/>
+                    <a:p>
+                      <a:pPr algn="r"/>
+                      <a:r>
+                        <a:rPr lang="en-US" sz="1800"/>
+                        <a:t>1152.26</a:t>
+                      </a:r>
+                    </a:p>
+                  </a:txBody>
+                  <a:tcPr marL="91426" marR="91426" marT="45713" marB="45713" anchor="ctr">
+                    <a:lnL>
+                      <a:noFill/>
+                    </a:lnL>
+                    <a:lnR>
+                      <a:noFill/>
+                    </a:lnR>
+                    <a:lnT>
+                      <a:noFill/>
+                    </a:lnT>
+                    <a:lnB>
+                      <a:noFill/>
+                    </a:lnB>
+                    <a:noFill/>
+                  </a:tcPr>
+                </a:tc>
+                <a:tc>
+                  <a:txBody>
+                    <a:bodyPr/>
+                    <a:lstStyle/>
+                    <a:p>
+                      <a:pPr algn="r"/>
+                      <a:r>
+                        <a:rPr lang="en-US" sz="1800"/>
+                        <a:t>0.001980</a:t>
+                      </a:r>
+                    </a:p>
+                  </a:txBody>
+                  <a:tcPr marL="91426" marR="91426" marT="45713" marB="45713" anchor="ctr">
+                    <a:lnL>
+                      <a:noFill/>
+                    </a:lnL>
+                    <a:lnR>
+                      <a:noFill/>
+                    </a:lnR>
+                    <a:lnT>
+                      <a:noFill/>
+                    </a:lnT>
+                    <a:lnB>
+                      <a:noFill/>
+                    </a:lnB>
+                    <a:noFill/>
+                  </a:tcPr>
+                </a:tc>
+                <a:tc>
+                  <a:txBody>
+                    <a:bodyPr/>
+                    <a:lstStyle/>
+                    <a:p>
+                      <a:pPr algn="r"/>
+                      <a:r>
+                        <a:rPr lang="en-US" sz="1800"/>
+                        <a:t>505.18</a:t>
+                      </a:r>
+                    </a:p>
+                  </a:txBody>
+                  <a:tcPr marL="91426" marR="91426" marT="45713" marB="45713" anchor="ctr">
+                    <a:lnL>
+                      <a:noFill/>
+                    </a:lnL>
+                    <a:lnR>
+                      <a:noFill/>
+                    </a:lnR>
+                    <a:lnT>
+                      <a:noFill/>
+                    </a:lnT>
+                    <a:lnB>
+                      <a:noFill/>
+                    </a:lnB>
+                    <a:noFill/>
+                  </a:tcPr>
+                </a:tc>
+                <a:extLst>
+                  <a:ext uri="{0D108BD9-81ED-4DB2-BD59-A6C34878D82A}">
+                    <a16:rowId xmlns:a16="http://schemas.microsoft.com/office/drawing/2014/main" val="369069557"/>
+                  </a:ext>
+                </a:extLst>
+              </a:tr>
+              <a:tr h="365702">
+                <a:tc>
+                  <a:txBody>
+                    <a:bodyPr/>
+                    <a:lstStyle/>
+                    <a:p>
+                      <a:r>
+                        <a:rPr lang="en-US" sz="1800"/>
+                        <a:t>8</a:t>
+                      </a:r>
+                    </a:p>
+                  </a:txBody>
+                  <a:tcPr marL="91426" marR="91426" marT="45713" marB="45713" anchor="ctr">
+                    <a:lnL>
+                      <a:noFill/>
+                    </a:lnL>
+                    <a:lnR>
+                      <a:noFill/>
+                    </a:lnR>
+                    <a:lnT>
+                      <a:noFill/>
+                    </a:lnT>
+                    <a:lnB>
+                      <a:noFill/>
+                    </a:lnB>
+                    <a:noFill/>
+                  </a:tcPr>
+                </a:tc>
+                <a:tc>
+                  <a:txBody>
+                    <a:bodyPr/>
+                    <a:lstStyle/>
+                    <a:p>
+                      <a:pPr algn="r"/>
+                      <a:r>
+                        <a:rPr lang="en-US" sz="1800"/>
+                        <a:t>405,583</a:t>
+                      </a:r>
+                    </a:p>
+                  </a:txBody>
+                  <a:tcPr marL="91426" marR="91426" marT="45713" marB="45713" anchor="ctr">
+                    <a:lnL>
+                      <a:noFill/>
+                    </a:lnL>
+                    <a:lnR>
+                      <a:noFill/>
+                    </a:lnR>
+                    <a:lnT>
+                      <a:noFill/>
+                    </a:lnT>
+                    <a:lnB>
+                      <a:noFill/>
+                    </a:lnB>
+                    <a:noFill/>
+                  </a:tcPr>
+                </a:tc>
+                <a:tc>
+                  <a:txBody>
+                    <a:bodyPr/>
+                    <a:lstStyle/>
+                    <a:p>
+                      <a:pPr algn="r"/>
+                      <a:r>
+                        <a:rPr lang="en-US" sz="1800"/>
+                        <a:t>851.15</a:t>
+                      </a:r>
+                    </a:p>
+                  </a:txBody>
+                  <a:tcPr marL="91426" marR="91426" marT="45713" marB="45713" anchor="ctr">
+                    <a:lnL>
+                      <a:noFill/>
+                    </a:lnL>
+                    <a:lnR>
+                      <a:noFill/>
+                    </a:lnR>
+                    <a:lnT>
+                      <a:noFill/>
+                    </a:lnT>
+                    <a:lnB>
+                      <a:noFill/>
+                    </a:lnB>
+                    <a:noFill/>
+                  </a:tcPr>
+                </a:tc>
+                <a:tc>
+                  <a:txBody>
+                    <a:bodyPr/>
+                    <a:lstStyle/>
+                    <a:p>
+                      <a:pPr algn="r"/>
+                      <a:r>
+                        <a:rPr lang="en-US" sz="1800"/>
+                        <a:t>0.002099</a:t>
+                      </a:r>
+                    </a:p>
+                  </a:txBody>
+                  <a:tcPr marL="91426" marR="91426" marT="45713" marB="45713" anchor="ctr">
+                    <a:lnL>
+                      <a:noFill/>
+                    </a:lnL>
+                    <a:lnR>
+                      <a:noFill/>
+                    </a:lnR>
+                    <a:lnT>
+                      <a:noFill/>
+                    </a:lnT>
+                    <a:lnB>
+                      <a:noFill/>
+                    </a:lnB>
+                    <a:noFill/>
+                  </a:tcPr>
+                </a:tc>
+                <a:tc>
+                  <a:txBody>
+                    <a:bodyPr/>
+                    <a:lstStyle/>
+                    <a:p>
+                      <a:pPr algn="r"/>
+                      <a:r>
+                        <a:rPr lang="en-US" sz="1800"/>
+                        <a:t>476.51</a:t>
+                      </a:r>
+                    </a:p>
+                  </a:txBody>
+                  <a:tcPr marL="91426" marR="91426" marT="45713" marB="45713" anchor="ctr">
+                    <a:lnL>
+                      <a:noFill/>
+                    </a:lnL>
+                    <a:lnR>
+                      <a:noFill/>
+                    </a:lnR>
+                    <a:lnT>
+                      <a:noFill/>
+                    </a:lnT>
+                    <a:lnB>
+                      <a:noFill/>
+                    </a:lnB>
+                    <a:noFill/>
+                  </a:tcPr>
+                </a:tc>
+                <a:extLst>
+                  <a:ext uri="{0D108BD9-81ED-4DB2-BD59-A6C34878D82A}">
+                    <a16:rowId xmlns:a16="http://schemas.microsoft.com/office/drawing/2014/main" val="1964440649"/>
+                  </a:ext>
+                </a:extLst>
+              </a:tr>
+              <a:tr h="365702">
+                <a:tc>
+                  <a:txBody>
+                    <a:bodyPr/>
+                    <a:lstStyle/>
+                    <a:p>
+                      <a:r>
+                        <a:rPr lang="en-US" sz="1800"/>
+                        <a:t>9</a:t>
+                      </a:r>
+                    </a:p>
+                  </a:txBody>
+                  <a:tcPr marL="91426" marR="91426" marT="45713" marB="45713" anchor="ctr">
+                    <a:lnL>
+                      <a:noFill/>
+                    </a:lnL>
+                    <a:lnR>
+                      <a:noFill/>
+                    </a:lnR>
+                    <a:lnT>
+                      <a:noFill/>
+                    </a:lnT>
+                    <a:lnB>
+                      <a:noFill/>
+                    </a:lnB>
+                    <a:noFill/>
+                  </a:tcPr>
+                </a:tc>
+                <a:tc>
+                  <a:txBody>
+                    <a:bodyPr/>
+                    <a:lstStyle/>
+                    <a:p>
+                      <a:pPr algn="r"/>
+                      <a:r>
+                        <a:rPr lang="en-US" sz="1800"/>
+                        <a:t>779,375</a:t>
+                      </a:r>
+                    </a:p>
+                  </a:txBody>
+                  <a:tcPr marL="91426" marR="91426" marT="45713" marB="45713" anchor="ctr">
+                    <a:lnL>
+                      <a:noFill/>
+                    </a:lnL>
+                    <a:lnR>
+                      <a:noFill/>
+                    </a:lnR>
+                    <a:lnT>
+                      <a:noFill/>
+                    </a:lnT>
+                    <a:lnB>
+                      <a:noFill/>
+                    </a:lnB>
+                    <a:noFill/>
+                  </a:tcPr>
+                </a:tc>
+                <a:tc>
+                  <a:txBody>
+                    <a:bodyPr/>
+                    <a:lstStyle/>
+                    <a:p>
+                      <a:pPr algn="r"/>
+                      <a:r>
+                        <a:rPr lang="en-US" sz="1800"/>
+                        <a:t>1722.48</a:t>
+                      </a:r>
+                    </a:p>
+                  </a:txBody>
+                  <a:tcPr marL="91426" marR="91426" marT="45713" marB="45713" anchor="ctr">
+                    <a:lnL>
+                      <a:noFill/>
+                    </a:lnL>
+                    <a:lnR>
+                      <a:noFill/>
+                    </a:lnR>
+                    <a:lnT>
+                      <a:noFill/>
+                    </a:lnT>
+                    <a:lnB>
+                      <a:noFill/>
+                    </a:lnB>
+                    <a:noFill/>
+                  </a:tcPr>
+                </a:tc>
+                <a:tc>
+                  <a:txBody>
+                    <a:bodyPr/>
+                    <a:lstStyle/>
+                    <a:p>
+                      <a:pPr algn="r"/>
+                      <a:r>
+                        <a:rPr lang="en-US" sz="1800"/>
+                        <a:t>0.002210</a:t>
+                      </a:r>
+                    </a:p>
+                  </a:txBody>
+                  <a:tcPr marL="91426" marR="91426" marT="45713" marB="45713" anchor="ctr">
+                    <a:lnL>
+                      <a:noFill/>
+                    </a:lnL>
+                    <a:lnR>
+                      <a:noFill/>
+                    </a:lnR>
+                    <a:lnT>
+                      <a:noFill/>
+                    </a:lnT>
+                    <a:lnB>
+                      <a:noFill/>
+                    </a:lnB>
+                    <a:noFill/>
+                  </a:tcPr>
+                </a:tc>
+                <a:tc>
+                  <a:txBody>
+                    <a:bodyPr/>
+                    <a:lstStyle/>
+                    <a:p>
+                      <a:pPr algn="r"/>
+                      <a:r>
+                        <a:rPr lang="en-US" sz="1800"/>
+                        <a:t>452.47</a:t>
+                      </a:r>
+                    </a:p>
+                  </a:txBody>
+                  <a:tcPr marL="91426" marR="91426" marT="45713" marB="45713" anchor="ctr">
+                    <a:lnL>
+                      <a:noFill/>
+                    </a:lnL>
+                    <a:lnR>
+                      <a:noFill/>
+                    </a:lnR>
+                    <a:lnT>
+                      <a:noFill/>
+                    </a:lnT>
+                    <a:lnB>
+                      <a:noFill/>
+                    </a:lnB>
+                    <a:noFill/>
+                  </a:tcPr>
+                </a:tc>
+                <a:extLst>
+                  <a:ext uri="{0D108BD9-81ED-4DB2-BD59-A6C34878D82A}">
+                    <a16:rowId xmlns:a16="http://schemas.microsoft.com/office/drawing/2014/main" val="2801192908"/>
+                  </a:ext>
+                </a:extLst>
+              </a:tr>
+              <a:tr h="365702">
+                <a:tc>
+                  <a:txBody>
+                    <a:bodyPr/>
+                    <a:lstStyle/>
+                    <a:p>
+                      <a:r>
+                        <a:rPr lang="en-US" sz="1800"/>
+                        <a:t>10</a:t>
+                      </a:r>
+                    </a:p>
+                  </a:txBody>
+                  <a:tcPr marL="91426" marR="91426" marT="45713" marB="45713" anchor="ctr">
+                    <a:lnL>
+                      <a:noFill/>
+                    </a:lnL>
+                    <a:lnR>
+                      <a:noFill/>
+                    </a:lnR>
+                    <a:lnT>
+                      <a:noFill/>
+                    </a:lnT>
+                    <a:lnB>
+                      <a:noFill/>
+                    </a:lnB>
+                    <a:noFill/>
+                  </a:tcPr>
+                </a:tc>
+                <a:tc>
+                  <a:txBody>
+                    <a:bodyPr/>
+                    <a:lstStyle/>
+                    <a:p>
+                      <a:pPr algn="r"/>
+                      <a:r>
+                        <a:rPr lang="en-US" sz="1800"/>
+                        <a:t>372,417</a:t>
+                      </a:r>
+                    </a:p>
+                  </a:txBody>
+                  <a:tcPr marL="91426" marR="91426" marT="45713" marB="45713" anchor="ctr">
+                    <a:lnL>
+                      <a:noFill/>
+                    </a:lnL>
+                    <a:lnR>
+                      <a:noFill/>
+                    </a:lnR>
+                    <a:lnT>
+                      <a:noFill/>
+                    </a:lnT>
+                    <a:lnB>
+                      <a:noFill/>
+                    </a:lnB>
+                    <a:noFill/>
+                  </a:tcPr>
+                </a:tc>
+                <a:tc>
+                  <a:txBody>
+                    <a:bodyPr/>
+                    <a:lstStyle/>
+                    <a:p>
+                      <a:pPr algn="r"/>
+                      <a:r>
+                        <a:rPr lang="en-US" sz="1800"/>
+                        <a:t>821.20</a:t>
+                      </a:r>
+                    </a:p>
+                  </a:txBody>
+                  <a:tcPr marL="91426" marR="91426" marT="45713" marB="45713" anchor="ctr">
+                    <a:lnL>
+                      <a:noFill/>
+                    </a:lnL>
+                    <a:lnR>
+                      <a:noFill/>
+                    </a:lnR>
+                    <a:lnT>
+                      <a:noFill/>
+                    </a:lnT>
+                    <a:lnB>
+                      <a:noFill/>
+                    </a:lnB>
+                    <a:noFill/>
+                  </a:tcPr>
+                </a:tc>
+                <a:tc>
+                  <a:txBody>
+                    <a:bodyPr/>
+                    <a:lstStyle/>
+                    <a:p>
+                      <a:pPr algn="r"/>
+                      <a:r>
+                        <a:rPr lang="en-US" sz="1800"/>
+                        <a:t>0.002205</a:t>
+                      </a:r>
+                    </a:p>
+                  </a:txBody>
+                  <a:tcPr marL="91426" marR="91426" marT="45713" marB="45713" anchor="ctr">
+                    <a:lnL>
+                      <a:noFill/>
+                    </a:lnL>
+                    <a:lnR>
+                      <a:noFill/>
+                    </a:lnR>
+                    <a:lnT>
+                      <a:noFill/>
+                    </a:lnT>
+                    <a:lnB>
+                      <a:noFill/>
+                    </a:lnB>
+                    <a:noFill/>
+                  </a:tcPr>
+                </a:tc>
+                <a:tc>
+                  <a:txBody>
+                    <a:bodyPr/>
+                    <a:lstStyle/>
+                    <a:p>
+                      <a:pPr algn="r"/>
+                      <a:r>
+                        <a:rPr lang="en-US" sz="1800" dirty="0"/>
+                        <a:t>453.50</a:t>
+                      </a:r>
+                    </a:p>
+                  </a:txBody>
+                  <a:tcPr marL="91426" marR="91426" marT="45713" marB="45713" anchor="ctr">
+                    <a:lnL>
+                      <a:noFill/>
+                    </a:lnL>
+                    <a:lnR>
+                      <a:noFill/>
+                    </a:lnR>
+                    <a:lnT>
+                      <a:noFill/>
+                    </a:lnT>
+                    <a:lnB>
+                      <a:noFill/>
+                    </a:lnB>
+                    <a:noFill/>
+                  </a:tcPr>
+                </a:tc>
+                <a:extLst>
+                  <a:ext uri="{0D108BD9-81ED-4DB2-BD59-A6C34878D82A}">
+                    <a16:rowId xmlns:a16="http://schemas.microsoft.com/office/drawing/2014/main" val="1454671703"/>
+                  </a:ext>
+                </a:extLst>
+              </a:tr>
+            </a:tbl>
+          </a:graphicData>
+        </a:graphic>
+      </p:graphicFrame>
+    </p:spTree>
+    <p:extLst>
+      <p:ext uri="{BB962C8B-B14F-4D97-AF65-F5344CB8AC3E}">
+        <p14:creationId xmlns:p14="http://schemas.microsoft.com/office/powerpoint/2010/main" val="3163057977"/>
+      </p:ext>
+    </p:extLst>
+  </p:cSld>
+  <p:clrMapOvr>
+    <a:masterClrMapping/>
+  </p:clrMapOvr>
+</p:sld>
+</file>
+
+<file path=ppt/slides/slide11.xml><?xml version="1.0" encoding="utf-8"?>
+<p:sld xmlns:a="http://schemas.openxmlformats.org/drawingml/2006/main" xmlns:r="http://schemas.openxmlformats.org/officeDocument/2006/relationships" xmlns:p="http://schemas.openxmlformats.org/presentationml/2006/main">
+  <p:cSld>
+    <p:spTree>
+      <p:nvGrpSpPr>
+        <p:cNvPr id="1" name=""/>
+        <p:cNvGrpSpPr/>
+        <p:nvPr/>
+      </p:nvGrpSpPr>
+      <p:grpSpPr>
+        <a:xfrm>
+          <a:off x="0" y="0"/>
+          <a:ext cx="0" cy="0"/>
+          <a:chOff x="0" y="0"/>
+          <a:chExt cx="0" cy="0"/>
+        </a:xfrm>
+      </p:grpSpPr>
+      <p:sp>
+        <p:nvSpPr>
+          <p:cNvPr id="2" name="Title 1">
+            <a:extLst>
+              <a:ext uri="{FF2B5EF4-FFF2-40B4-BE49-F238E27FC236}">
+                <a16:creationId xmlns:a16="http://schemas.microsoft.com/office/drawing/2014/main" id="{512B0150-081F-3211-A95E-E15A98B8D537}"/>
+              </a:ext>
+            </a:extLst>
+          </p:cNvPr>
+          <p:cNvSpPr>
+            <a:spLocks noGrp="1"/>
+          </p:cNvSpPr>
+          <p:nvPr>
+            <p:ph type="title"/>
+          </p:nvPr>
+        </p:nvSpPr>
+        <p:spPr>
+          <a:xfrm>
+            <a:off x="0" y="263527"/>
+            <a:ext cx="10058400" cy="1450757"/>
+          </a:xfrm>
+        </p:spPr>
+        <p:txBody>
+          <a:bodyPr/>
+          <a:lstStyle/>
+          <a:p>
+            <a:r>
+              <a:rPr lang="en-US" dirty="0" err="1"/>
+              <a:t>Kết</a:t>
+            </a:r>
+            <a:r>
+              <a:rPr lang="en-US" dirty="0"/>
+              <a:t> </a:t>
+            </a:r>
+            <a:r>
+              <a:rPr lang="en-US" dirty="0" err="1"/>
+              <a:t>quả</a:t>
+            </a:r>
+            <a:r>
+              <a:rPr lang="en-US" dirty="0"/>
+              <a:t> - Attack A</a:t>
+            </a:r>
           </a:p>
         </p:txBody>
       </p:sp>
@@ -3976,49 +5732,473 @@
           <a:bodyPr/>
           <a:lstStyle/>
           <a:p>
-            <a:pPr marL="0" indent="0">
-              <a:buNone/>
+            <a:pPr lvl="1">
+              <a:buFontTx/>
+              <a:buChar char="-"/>
             </a:pPr>
             <a:r>
-              <a:rPr lang="en-US" dirty="0"/>
-              <a:t>// </a:t>
-            </a:r>
-            <a:r>
-              <a:rPr lang="en-US" dirty="0" err="1"/>
-              <a:t>đưa</a:t>
-            </a:r>
-            <a:r>
-              <a:rPr lang="en-US" dirty="0"/>
-              <a:t> </a:t>
-            </a:r>
-            <a:r>
-              <a:rPr lang="en-US" dirty="0" err="1"/>
-              <a:t>số</a:t>
-            </a:r>
-            <a:r>
-              <a:rPr lang="en-US" dirty="0"/>
-              <a:t> </a:t>
-            </a:r>
-            <a:r>
-              <a:rPr lang="en-US" dirty="0" err="1"/>
-              <a:t>liệu</a:t>
-            </a:r>
-            <a:r>
-              <a:rPr lang="en-US" dirty="0"/>
-              <a:t> </a:t>
-            </a:r>
-            <a:r>
-              <a:rPr lang="en-US" dirty="0" err="1"/>
+              <a:rPr lang="en-US" dirty="0" err="1">
+                <a:latin typeface="Calibri (Body)"/>
+              </a:rPr>
+              <a:t>Số</a:t>
+            </a:r>
+            <a:r>
+              <a:rPr lang="en-US" dirty="0">
+                <a:latin typeface="Calibri (Body)"/>
+              </a:rPr>
+              <a:t> oracle queries </a:t>
+            </a:r>
+            <a:r>
+              <a:rPr lang="en-US" dirty="0" err="1">
+                <a:latin typeface="Calibri (Body)"/>
+              </a:rPr>
+              <a:t>trung</a:t>
+            </a:r>
+            <a:r>
+              <a:rPr lang="en-US" dirty="0">
+                <a:latin typeface="Calibri (Body)"/>
+              </a:rPr>
+              <a:t> </a:t>
+            </a:r>
+            <a:r>
+              <a:rPr lang="en-US" dirty="0" err="1">
+                <a:latin typeface="Calibri (Body)"/>
+              </a:rPr>
+              <a:t>bình</a:t>
+            </a:r>
+            <a:r>
+              <a:rPr lang="en-US" dirty="0">
+                <a:latin typeface="Calibri (Body)"/>
+              </a:rPr>
+              <a:t>≈ 327,846 queries / run</a:t>
+            </a:r>
+          </a:p>
+          <a:p>
+            <a:pPr lvl="1">
+              <a:buFontTx/>
+              <a:buChar char="-"/>
+            </a:pPr>
+            <a:r>
+              <a:rPr lang="en-US" dirty="0" err="1">
+                <a:latin typeface="Calibri (Body)"/>
+              </a:rPr>
+              <a:t>Thời</a:t>
+            </a:r>
+            <a:r>
+              <a:rPr lang="en-US" dirty="0">
+                <a:latin typeface="Calibri (Body)"/>
+              </a:rPr>
+              <a:t> </a:t>
+            </a:r>
+            <a:r>
+              <a:rPr lang="en-US" dirty="0" err="1">
+                <a:latin typeface="Calibri (Body)"/>
+              </a:rPr>
+              <a:t>gian</a:t>
+            </a:r>
+            <a:r>
+              <a:rPr lang="en-US" dirty="0">
+                <a:latin typeface="Calibri (Body)"/>
+              </a:rPr>
+              <a:t> </a:t>
+            </a:r>
+            <a:r>
+              <a:rPr lang="en-US" dirty="0" err="1">
+                <a:latin typeface="Calibri (Body)"/>
+              </a:rPr>
+              <a:t>tấn</a:t>
+            </a:r>
+            <a:r>
+              <a:rPr lang="en-US" dirty="0">
+                <a:latin typeface="Calibri (Body)"/>
+              </a:rPr>
+              <a:t> </a:t>
+            </a:r>
+            <a:r>
+              <a:rPr lang="en-US" dirty="0" err="1">
+                <a:latin typeface="Calibri (Body)"/>
+              </a:rPr>
+              <a:t>công</a:t>
+            </a:r>
+            <a:r>
+              <a:rPr lang="en-US" dirty="0">
+                <a:latin typeface="Calibri (Body)"/>
+              </a:rPr>
+              <a:t> </a:t>
+            </a:r>
+            <a:r>
+              <a:rPr lang="en-US" dirty="0" err="1">
+                <a:latin typeface="Calibri (Body)"/>
+              </a:rPr>
+              <a:t>trung</a:t>
+            </a:r>
+            <a:r>
+              <a:rPr lang="en-US" dirty="0">
+                <a:latin typeface="Calibri (Body)"/>
+              </a:rPr>
+              <a:t> </a:t>
+            </a:r>
+            <a:r>
+              <a:rPr lang="en-US" dirty="0" err="1">
+                <a:latin typeface="Calibri (Body)"/>
+              </a:rPr>
+              <a:t>bình</a:t>
+            </a:r>
+            <a:r>
+              <a:rPr lang="en-US" dirty="0">
+                <a:latin typeface="Calibri (Body)"/>
+              </a:rPr>
+              <a:t>≈ 678.72 </a:t>
+            </a:r>
+            <a:r>
+              <a:rPr lang="en-US" dirty="0" err="1">
+                <a:latin typeface="Calibri (Body)"/>
+              </a:rPr>
+              <a:t>giây</a:t>
+            </a:r>
+            <a:r>
+              <a:rPr lang="en-US" dirty="0">
+                <a:latin typeface="Calibri (Body)"/>
+              </a:rPr>
+              <a:t> ≈ 11.31 </a:t>
+            </a:r>
+            <a:r>
+              <a:rPr lang="en-US" dirty="0" err="1">
+                <a:latin typeface="Calibri (Body)"/>
+              </a:rPr>
+              <a:t>phút</a:t>
+            </a:r>
+            <a:endParaRPr lang="en-US" dirty="0">
+              <a:latin typeface="Calibri (Body)"/>
+            </a:endParaRPr>
+          </a:p>
+          <a:p>
+            <a:pPr lvl="1">
+              <a:buFontTx/>
+              <a:buChar char="-"/>
+            </a:pPr>
+            <a:r>
+              <a:rPr lang="en-US" dirty="0" err="1">
+                <a:latin typeface="Calibri (Body)"/>
+              </a:rPr>
+              <a:t>Thời</a:t>
+            </a:r>
+            <a:r>
+              <a:rPr lang="en-US" dirty="0">
+                <a:latin typeface="Calibri (Body)"/>
+              </a:rPr>
+              <a:t> </a:t>
+            </a:r>
+            <a:r>
+              <a:rPr lang="en-US" dirty="0" err="1">
+                <a:latin typeface="Calibri (Body)"/>
+              </a:rPr>
+              <a:t>gian</a:t>
+            </a:r>
+            <a:r>
+              <a:rPr lang="en-US" dirty="0">
+                <a:latin typeface="Calibri (Body)"/>
+              </a:rPr>
+              <a:t> </a:t>
+            </a:r>
+            <a:r>
+              <a:rPr lang="en-US" dirty="0" err="1">
+                <a:latin typeface="Calibri (Body)"/>
+              </a:rPr>
+              <a:t>trung</a:t>
+            </a:r>
+            <a:r>
+              <a:rPr lang="en-US" dirty="0">
+                <a:latin typeface="Calibri (Body)"/>
+              </a:rPr>
+              <a:t> </a:t>
+            </a:r>
+            <a:r>
+              <a:rPr lang="en-US" dirty="0" err="1">
+                <a:latin typeface="Calibri (Body)"/>
+              </a:rPr>
+              <a:t>bình</a:t>
+            </a:r>
+            <a:r>
+              <a:rPr lang="en-US" dirty="0">
+                <a:latin typeface="Calibri (Body)"/>
+              </a:rPr>
+              <a:t> / query≈ 0.002048 </a:t>
+            </a:r>
+            <a:r>
+              <a:rPr lang="en-US" dirty="0" err="1">
+                <a:latin typeface="Calibri (Body)"/>
+              </a:rPr>
+              <a:t>giây</a:t>
+            </a:r>
+            <a:r>
+              <a:rPr lang="en-US" dirty="0">
+                <a:latin typeface="Calibri (Body)"/>
+              </a:rPr>
+              <a:t> ≈ 2.05 </a:t>
+            </a:r>
+            <a:r>
+              <a:rPr lang="en-US" dirty="0" err="1">
+                <a:latin typeface="Calibri (Body)"/>
+              </a:rPr>
+              <a:t>ms</a:t>
+            </a:r>
+            <a:endParaRPr lang="en-US" dirty="0">
+              <a:latin typeface="Calibri (Body)"/>
+            </a:endParaRPr>
+          </a:p>
+          <a:p>
+            <a:pPr lvl="1">
+              <a:buFontTx/>
+              <a:buChar char="-"/>
+            </a:pPr>
+            <a:r>
+              <a:rPr lang="en-US" dirty="0">
+                <a:latin typeface="Calibri (Body)"/>
+              </a:rPr>
+              <a:t>Throughput (QPS) </a:t>
+            </a:r>
+            <a:r>
+              <a:rPr lang="en-US" dirty="0" err="1">
+                <a:latin typeface="Calibri (Body)"/>
+              </a:rPr>
+              <a:t>trung</a:t>
+            </a:r>
+            <a:r>
+              <a:rPr lang="en-US" dirty="0">
+                <a:latin typeface="Calibri (Body)"/>
+              </a:rPr>
+              <a:t> </a:t>
+            </a:r>
+            <a:r>
+              <a:rPr lang="en-US" dirty="0" err="1">
+                <a:latin typeface="Calibri (Body)"/>
+              </a:rPr>
+              <a:t>bình</a:t>
+            </a:r>
+            <a:r>
+              <a:rPr lang="en-US" dirty="0">
+                <a:latin typeface="Calibri (Body)"/>
+              </a:rPr>
+              <a:t>≈ 489.82 queries / second</a:t>
+            </a:r>
+          </a:p>
+          <a:p>
+            <a:pPr lvl="1">
+              <a:buFontTx/>
+              <a:buChar char="-"/>
+            </a:pPr>
+            <a:r>
+              <a:rPr lang="vi-VN" dirty="0">
+                <a:latin typeface="Calibri (Body)"/>
+              </a:rPr>
+              <a:t>Avg time / query:Rất ổn định: ~1.93–2.21 ms</a:t>
+            </a:r>
+            <a:r>
+              <a:rPr lang="en-US" dirty="0">
+                <a:latin typeface="Calibri (Body)"/>
+              </a:rPr>
+              <a:t> -&gt;</a:t>
+            </a:r>
+            <a:r>
+              <a:rPr lang="vi-VN" dirty="0">
+                <a:latin typeface="Calibri (Body)"/>
+              </a:rPr>
+              <a:t> chứng minh uniform timing path</a:t>
+            </a:r>
+            <a:endParaRPr lang="en-US" dirty="0">
+              <a:latin typeface="Calibri (Body)"/>
+            </a:endParaRPr>
+          </a:p>
+          <a:p>
+            <a:pPr lvl="1">
+              <a:buFontTx/>
+              <a:buChar char="-"/>
+            </a:pPr>
+            <a:r>
+              <a:rPr lang="en-US" dirty="0">
+                <a:latin typeface="Calibri (Body)"/>
+              </a:rPr>
+              <a:t>QPS: ~450–520 QPS</a:t>
+            </a:r>
+          </a:p>
+          <a:p>
+            <a:pPr lvl="1">
+              <a:buFontTx/>
+              <a:buChar char="-"/>
+            </a:pPr>
+            <a:r>
+              <a:rPr lang="vi-VN" dirty="0">
+                <a:latin typeface="Calibri (Body)"/>
+              </a:rPr>
+              <a:t>Queries:</a:t>
+            </a:r>
+            <a:endParaRPr lang="en-US" dirty="0">
+              <a:latin typeface="Calibri (Body)"/>
+            </a:endParaRPr>
+          </a:p>
+          <a:p>
+            <a:pPr lvl="2">
+              <a:buFontTx/>
+              <a:buChar char="-"/>
+            </a:pPr>
+            <a:r>
+              <a:rPr lang="vi-VN" dirty="0">
+                <a:latin typeface="Calibri (Body)"/>
+              </a:rPr>
+              <a:t>Min: 46k</a:t>
+            </a:r>
+            <a:endParaRPr lang="en-US" dirty="0">
+              <a:latin typeface="Calibri (Body)"/>
+            </a:endParaRPr>
+          </a:p>
+          <a:p>
+            <a:pPr lvl="2">
+              <a:buFontTx/>
+              <a:buChar char="-"/>
+            </a:pPr>
+            <a:r>
+              <a:rPr lang="vi-VN" dirty="0">
+                <a:latin typeface="Calibri (Body)"/>
+              </a:rPr>
+              <a:t>Max: 779k</a:t>
+            </a:r>
+            <a:r>
+              <a:rPr lang="en-US" dirty="0">
+                <a:latin typeface="Calibri (Body)"/>
+              </a:rPr>
+              <a:t> -&gt; </a:t>
+            </a:r>
+            <a:r>
+              <a:rPr lang="vi-VN" dirty="0">
+                <a:latin typeface="Calibri (Body)"/>
+              </a:rPr>
+              <a:t>dao động lớn (</a:t>
+            </a:r>
+            <a:r>
+              <a:rPr lang="en-US" dirty="0" err="1">
+                <a:latin typeface="Calibri (Body)"/>
+              </a:rPr>
+              <a:t>phụ</a:t>
+            </a:r>
+            <a:r>
+              <a:rPr lang="en-US" dirty="0">
+                <a:latin typeface="Calibri (Body)"/>
+              </a:rPr>
+              <a:t> </a:t>
+            </a:r>
+            <a:r>
+              <a:rPr lang="en-US" dirty="0" err="1">
+                <a:latin typeface="Calibri (Body)"/>
+              </a:rPr>
+              <a:t>thuộc</a:t>
+            </a:r>
+            <a:r>
+              <a:rPr lang="en-US" dirty="0">
+                <a:latin typeface="Calibri (Body)"/>
+              </a:rPr>
+              <a:t> </a:t>
+            </a:r>
+            <a:r>
+              <a:rPr lang="en-US" dirty="0" err="1">
+                <a:latin typeface="Calibri (Body)"/>
+              </a:rPr>
               <a:t>vào</a:t>
             </a:r>
-            <a:endParaRPr lang="en-US" dirty="0"/>
+            <a:r>
+              <a:rPr lang="en-US" dirty="0">
+                <a:latin typeface="Calibri (Body)"/>
+              </a:rPr>
+              <a:t> </a:t>
+            </a:r>
+            <a:r>
+              <a:rPr lang="en-US" dirty="0" err="1">
+                <a:latin typeface="Calibri (Body)"/>
+              </a:rPr>
+              <a:t>việc</a:t>
+            </a:r>
+            <a:r>
+              <a:rPr lang="en-US" dirty="0">
+                <a:latin typeface="Calibri (Body)"/>
+              </a:rPr>
+              <a:t> </a:t>
+            </a:r>
+            <a:r>
+              <a:rPr lang="en-US" dirty="0" err="1">
+                <a:latin typeface="Calibri (Body)"/>
+              </a:rPr>
+              <a:t>đoán</a:t>
+            </a:r>
+            <a:r>
+              <a:rPr lang="en-US" dirty="0">
+                <a:latin typeface="Calibri (Body)"/>
+              </a:rPr>
+              <a:t> s0 </a:t>
+            </a:r>
+            <a:r>
+              <a:rPr lang="en-US" dirty="0" err="1">
+                <a:latin typeface="Calibri (Body)"/>
+              </a:rPr>
+              <a:t>và</a:t>
+            </a:r>
+            <a:r>
+              <a:rPr lang="en-US" dirty="0">
+                <a:latin typeface="Calibri (Body)"/>
+              </a:rPr>
+              <a:t> </a:t>
+            </a:r>
+            <a:r>
+              <a:rPr lang="en-US" dirty="0" err="1">
+                <a:latin typeface="Calibri (Body)"/>
+              </a:rPr>
+              <a:t>độ</a:t>
+            </a:r>
+            <a:r>
+              <a:rPr lang="en-US" dirty="0">
+                <a:latin typeface="Calibri (Body)"/>
+              </a:rPr>
+              <a:t> </a:t>
+            </a:r>
+            <a:r>
+              <a:rPr lang="en-US" dirty="0" err="1">
+                <a:latin typeface="Calibri (Body)"/>
+              </a:rPr>
+              <a:t>hẹp</a:t>
+            </a:r>
+            <a:r>
+              <a:rPr lang="en-US" dirty="0">
+                <a:latin typeface="Calibri (Body)"/>
+              </a:rPr>
+              <a:t> </a:t>
+            </a:r>
+            <a:r>
+              <a:rPr lang="en-US" dirty="0" err="1">
+                <a:latin typeface="Calibri (Body)"/>
+              </a:rPr>
+              <a:t>khoảng</a:t>
+            </a:r>
+            <a:r>
+              <a:rPr lang="en-US" dirty="0">
+                <a:latin typeface="Calibri (Body)"/>
+              </a:rPr>
+              <a:t> M</a:t>
+            </a:r>
+            <a:r>
+              <a:rPr lang="vi-VN" dirty="0">
+                <a:latin typeface="Calibri (Body)"/>
+              </a:rPr>
+              <a:t>)</a:t>
+            </a:r>
+            <a:endParaRPr lang="en-US" dirty="0">
+              <a:latin typeface="Calibri (Body)"/>
+            </a:endParaRPr>
           </a:p>
         </p:txBody>
       </p:sp>
     </p:spTree>
     <p:extLst>
       <p:ext uri="{BB962C8B-B14F-4D97-AF65-F5344CB8AC3E}">
-        <p14:creationId xmlns:p14="http://schemas.microsoft.com/office/powerpoint/2010/main" val="3163057977"/>
+        <p14:creationId xmlns:p14="http://schemas.microsoft.com/office/powerpoint/2010/main" val="3609478514"/>
       </p:ext>
     </p:extLst>
   </p:cSld>
@@ -4028,7 +6208,845 @@
 </p:sld>
 </file>
 
-<file path=ppt/slides/slide11.xml><?xml version="1.0" encoding="utf-8"?>
+<file path=ppt/slides/slide12.xml><?xml version="1.0" encoding="utf-8"?>
+<p:sld xmlns:a="http://schemas.openxmlformats.org/drawingml/2006/main" xmlns:r="http://schemas.openxmlformats.org/officeDocument/2006/relationships" xmlns:p="http://schemas.openxmlformats.org/presentationml/2006/main">
+  <p:cSld>
+    <p:spTree>
+      <p:nvGrpSpPr>
+        <p:cNvPr id="1" name=""/>
+        <p:cNvGrpSpPr/>
+        <p:nvPr/>
+      </p:nvGrpSpPr>
+      <p:grpSpPr>
+        <a:xfrm>
+          <a:off x="0" y="0"/>
+          <a:ext cx="0" cy="0"/>
+          <a:chOff x="0" y="0"/>
+          <a:chExt cx="0" cy="0"/>
+        </a:xfrm>
+      </p:grpSpPr>
+      <p:sp>
+        <p:nvSpPr>
+          <p:cNvPr id="2" name="Title 1">
+            <a:extLst>
+              <a:ext uri="{FF2B5EF4-FFF2-40B4-BE49-F238E27FC236}">
+                <a16:creationId xmlns:a16="http://schemas.microsoft.com/office/drawing/2014/main" id="{512B0150-081F-3211-A95E-E15A98B8D537}"/>
+              </a:ext>
+            </a:extLst>
+          </p:cNvPr>
+          <p:cNvSpPr>
+            <a:spLocks noGrp="1"/>
+          </p:cNvSpPr>
+          <p:nvPr>
+            <p:ph type="title"/>
+          </p:nvPr>
+        </p:nvSpPr>
+        <p:spPr>
+          <a:xfrm>
+            <a:off x="0" y="263527"/>
+            <a:ext cx="10058400" cy="1450757"/>
+          </a:xfrm>
+        </p:spPr>
+        <p:txBody>
+          <a:bodyPr/>
+          <a:lstStyle/>
+          <a:p>
+            <a:r>
+              <a:rPr lang="en-US" dirty="0" err="1"/>
+              <a:t>Kết</a:t>
+            </a:r>
+            <a:r>
+              <a:rPr lang="en-US" dirty="0"/>
+              <a:t> </a:t>
+            </a:r>
+            <a:r>
+              <a:rPr lang="en-US" dirty="0" err="1"/>
+              <a:t>quả</a:t>
+            </a:r>
+            <a:r>
+              <a:rPr lang="en-US" dirty="0"/>
+              <a:t> - Attack A</a:t>
+            </a:r>
+          </a:p>
+        </p:txBody>
+      </p:sp>
+      <p:sp>
+        <p:nvSpPr>
+          <p:cNvPr id="3" name="Content Placeholder 2">
+            <a:extLst>
+              <a:ext uri="{FF2B5EF4-FFF2-40B4-BE49-F238E27FC236}">
+                <a16:creationId xmlns:a16="http://schemas.microsoft.com/office/drawing/2014/main" id="{C5050B79-4971-0890-4933-4B8D772F68A7}"/>
+              </a:ext>
+            </a:extLst>
+          </p:cNvPr>
+          <p:cNvSpPr>
+            <a:spLocks noGrp="1"/>
+          </p:cNvSpPr>
+          <p:nvPr>
+            <p:ph idx="1"/>
+          </p:nvPr>
+        </p:nvSpPr>
+        <p:spPr>
+          <a:xfrm>
+            <a:off x="0" y="1940625"/>
+            <a:ext cx="5727940" cy="4023360"/>
+          </a:xfrm>
+        </p:spPr>
+        <p:txBody>
+          <a:bodyPr>
+            <a:normAutofit/>
+          </a:bodyPr>
+          <a:lstStyle/>
+          <a:p>
+            <a:pPr lvl="1">
+              <a:buFontTx/>
+              <a:buChar char="-"/>
+            </a:pPr>
+            <a:r>
+              <a:rPr lang="en-US" sz="2400" dirty="0">
+                <a:latin typeface="Calibri (Body)"/>
+              </a:rPr>
+              <a:t>Sau </a:t>
+            </a:r>
+            <a:r>
+              <a:rPr lang="en-US" sz="2400" dirty="0" err="1">
+                <a:latin typeface="Calibri (Body)"/>
+              </a:rPr>
+              <a:t>khi</a:t>
+            </a:r>
+            <a:r>
+              <a:rPr lang="en-US" sz="2400" dirty="0">
+                <a:latin typeface="Calibri (Body)"/>
+              </a:rPr>
+              <a:t> </a:t>
+            </a:r>
+            <a:r>
+              <a:rPr lang="en-US" sz="2400" dirty="0" err="1">
+                <a:latin typeface="Calibri (Body)"/>
+              </a:rPr>
+              <a:t>vá</a:t>
+            </a:r>
+            <a:r>
+              <a:rPr lang="en-US" sz="2400" dirty="0">
+                <a:latin typeface="Calibri (Body)"/>
+              </a:rPr>
+              <a:t>, ta </a:t>
+            </a:r>
+            <a:r>
+              <a:rPr lang="en-US" sz="2400" dirty="0" err="1">
+                <a:latin typeface="Calibri (Body)"/>
+              </a:rPr>
+              <a:t>gửi</a:t>
+            </a:r>
+            <a:r>
+              <a:rPr lang="en-US" sz="2400" dirty="0">
+                <a:latin typeface="Calibri (Body)"/>
+              </a:rPr>
+              <a:t> </a:t>
+            </a:r>
+            <a:r>
+              <a:rPr lang="en-US" sz="2400" dirty="0" err="1">
+                <a:latin typeface="Calibri (Body)"/>
+              </a:rPr>
+              <a:t>các</a:t>
+            </a:r>
+            <a:r>
+              <a:rPr lang="en-US" sz="2400" dirty="0">
+                <a:latin typeface="Calibri (Body)"/>
+              </a:rPr>
+              <a:t> </a:t>
+            </a:r>
+            <a:r>
+              <a:rPr lang="en-US" sz="2400" dirty="0" err="1">
+                <a:latin typeface="Calibri (Body)"/>
+              </a:rPr>
+              <a:t>gói</a:t>
+            </a:r>
+            <a:r>
+              <a:rPr lang="en-US" sz="2400" dirty="0">
+                <a:latin typeface="Calibri (Body)"/>
+              </a:rPr>
+              <a:t> tin </a:t>
+            </a:r>
+            <a:r>
+              <a:rPr lang="en-US" sz="2400" dirty="0" err="1">
+                <a:latin typeface="Calibri (Body)"/>
+              </a:rPr>
+              <a:t>để</a:t>
+            </a:r>
+            <a:r>
+              <a:rPr lang="en-US" sz="2400" dirty="0">
+                <a:latin typeface="Calibri (Body)"/>
+              </a:rPr>
+              <a:t> </a:t>
+            </a:r>
+            <a:r>
+              <a:rPr lang="en-US" sz="2400" dirty="0" err="1">
+                <a:latin typeface="Calibri (Body)"/>
+              </a:rPr>
+              <a:t>kiểm</a:t>
+            </a:r>
+            <a:r>
+              <a:rPr lang="en-US" sz="2400" dirty="0">
+                <a:latin typeface="Calibri (Body)"/>
+              </a:rPr>
+              <a:t> </a:t>
+            </a:r>
+            <a:r>
+              <a:rPr lang="en-US" sz="2400" dirty="0" err="1">
+                <a:latin typeface="Calibri (Body)"/>
+              </a:rPr>
+              <a:t>thử</a:t>
+            </a:r>
+            <a:endParaRPr lang="en-US" sz="2400" dirty="0">
+              <a:latin typeface="Calibri (Body)"/>
+            </a:endParaRPr>
+          </a:p>
+          <a:p>
+            <a:pPr marL="201168" lvl="1" indent="0">
+              <a:buNone/>
+            </a:pPr>
+            <a:r>
+              <a:rPr lang="en-US" sz="2400" dirty="0">
+                <a:latin typeface="Calibri (Body)"/>
+              </a:rPr>
+              <a:t>=&gt; </a:t>
+            </a:r>
+            <a:r>
+              <a:rPr lang="en-US" sz="2400" dirty="0" err="1">
+                <a:latin typeface="Calibri (Body)"/>
+              </a:rPr>
+              <a:t>Các</a:t>
+            </a:r>
+            <a:r>
+              <a:rPr lang="en-US" sz="2400" dirty="0">
+                <a:latin typeface="Calibri (Body)"/>
+              </a:rPr>
+              <a:t> response </a:t>
+            </a:r>
+            <a:r>
+              <a:rPr lang="en-US" sz="2400" dirty="0" err="1">
+                <a:latin typeface="Calibri (Body)"/>
+              </a:rPr>
+              <a:t>từ</a:t>
+            </a:r>
+            <a:r>
+              <a:rPr lang="en-US" sz="2400" dirty="0">
+                <a:latin typeface="Calibri (Body)"/>
+              </a:rPr>
+              <a:t> server </a:t>
+            </a:r>
+            <a:r>
+              <a:rPr lang="en-US" sz="2400" dirty="0" err="1">
+                <a:latin typeface="Calibri (Body)"/>
+              </a:rPr>
+              <a:t>đều</a:t>
+            </a:r>
+            <a:r>
+              <a:rPr lang="en-US" sz="2400" dirty="0">
+                <a:latin typeface="Calibri (Body)"/>
+              </a:rPr>
+              <a:t> </a:t>
+            </a:r>
+            <a:r>
+              <a:rPr lang="en-US" sz="2400" dirty="0" err="1">
+                <a:latin typeface="Calibri (Body)"/>
+              </a:rPr>
+              <a:t>là</a:t>
+            </a:r>
+            <a:r>
+              <a:rPr lang="en-US" sz="2400" dirty="0">
+                <a:latin typeface="Calibri (Body)"/>
+              </a:rPr>
+              <a:t> OK </a:t>
+            </a:r>
+            <a:r>
+              <a:rPr lang="en-US" sz="2400" dirty="0" err="1">
+                <a:latin typeface="Calibri (Body)"/>
+              </a:rPr>
+              <a:t>và</a:t>
+            </a:r>
+            <a:r>
+              <a:rPr lang="en-US" sz="2400" dirty="0">
+                <a:latin typeface="Calibri (Body)"/>
+              </a:rPr>
+              <a:t> </a:t>
+            </a:r>
+            <a:r>
+              <a:rPr lang="en-US" sz="2400" dirty="0" err="1">
+                <a:latin typeface="Calibri (Body)"/>
+              </a:rPr>
+              <a:t>có</a:t>
+            </a:r>
+            <a:r>
+              <a:rPr lang="en-US" sz="2400" dirty="0">
+                <a:latin typeface="Calibri (Body)"/>
+              </a:rPr>
+              <a:t> </a:t>
+            </a:r>
+            <a:r>
+              <a:rPr lang="en-US" sz="2400" dirty="0" err="1">
+                <a:latin typeface="Calibri (Body)"/>
+              </a:rPr>
+              <a:t>thời</a:t>
+            </a:r>
+            <a:r>
+              <a:rPr lang="en-US" sz="2400" dirty="0">
+                <a:latin typeface="Calibri (Body)"/>
+              </a:rPr>
+              <a:t> </a:t>
+            </a:r>
+            <a:r>
+              <a:rPr lang="en-US" sz="2400" dirty="0" err="1">
+                <a:latin typeface="Calibri (Body)"/>
+              </a:rPr>
+              <a:t>gian</a:t>
+            </a:r>
+            <a:r>
+              <a:rPr lang="en-US" sz="2400" dirty="0">
+                <a:latin typeface="Calibri (Body)"/>
+              </a:rPr>
+              <a:t> </a:t>
+            </a:r>
+            <a:r>
+              <a:rPr lang="en-US" sz="2400" dirty="0" err="1">
+                <a:latin typeface="Calibri (Body)"/>
+              </a:rPr>
+              <a:t>trả</a:t>
+            </a:r>
+            <a:r>
+              <a:rPr lang="en-US" sz="2400" dirty="0">
+                <a:latin typeface="Calibri (Body)"/>
+              </a:rPr>
+              <a:t> </a:t>
+            </a:r>
+            <a:r>
+              <a:rPr lang="en-US" sz="2400" dirty="0" err="1">
+                <a:latin typeface="Calibri (Body)"/>
+              </a:rPr>
+              <a:t>lời</a:t>
+            </a:r>
+            <a:r>
+              <a:rPr lang="en-US" sz="2400" dirty="0">
+                <a:latin typeface="Calibri (Body)"/>
+              </a:rPr>
+              <a:t> </a:t>
+            </a:r>
+            <a:r>
+              <a:rPr lang="en-US" sz="2400" dirty="0" err="1">
+                <a:latin typeface="Calibri (Body)"/>
+              </a:rPr>
+              <a:t>gần</a:t>
+            </a:r>
+            <a:r>
+              <a:rPr lang="en-US" sz="2400" dirty="0">
+                <a:latin typeface="Calibri (Body)"/>
+              </a:rPr>
+              <a:t> </a:t>
+            </a:r>
+            <a:r>
+              <a:rPr lang="en-US" sz="2400" dirty="0" err="1">
+                <a:latin typeface="Calibri (Body)"/>
+              </a:rPr>
+              <a:t>nhau</a:t>
+            </a:r>
+            <a:endParaRPr lang="en-US" sz="2400" dirty="0">
+              <a:latin typeface="Calibri (Body)"/>
+            </a:endParaRPr>
+          </a:p>
+        </p:txBody>
+      </p:sp>
+      <p:pic>
+        <p:nvPicPr>
+          <p:cNvPr id="5" name="Picture 4">
+            <a:extLst>
+              <a:ext uri="{FF2B5EF4-FFF2-40B4-BE49-F238E27FC236}">
+                <a16:creationId xmlns:a16="http://schemas.microsoft.com/office/drawing/2014/main" id="{FCA4CBC2-8ECE-729F-847D-534F99875A57}"/>
+              </a:ext>
+            </a:extLst>
+          </p:cNvPr>
+          <p:cNvPicPr>
+            <a:picLocks noChangeAspect="1"/>
+          </p:cNvPicPr>
+          <p:nvPr/>
+        </p:nvPicPr>
+        <p:blipFill>
+          <a:blip r:embed="rId2"/>
+          <a:stretch>
+            <a:fillRect/>
+          </a:stretch>
+        </p:blipFill>
+        <p:spPr>
+          <a:xfrm>
+            <a:off x="5820889" y="2046628"/>
+            <a:ext cx="5915851" cy="2419688"/>
+          </a:xfrm>
+          <a:prstGeom prst="rect">
+            <a:avLst/>
+          </a:prstGeom>
+        </p:spPr>
+      </p:pic>
+    </p:spTree>
+    <p:extLst>
+      <p:ext uri="{BB962C8B-B14F-4D97-AF65-F5344CB8AC3E}">
+        <p14:creationId xmlns:p14="http://schemas.microsoft.com/office/powerpoint/2010/main" val="2345255331"/>
+      </p:ext>
+    </p:extLst>
+  </p:cSld>
+  <p:clrMapOvr>
+    <a:masterClrMapping/>
+  </p:clrMapOvr>
+</p:sld>
+</file>
+
+<file path=ppt/slides/slide13.xml><?xml version="1.0" encoding="utf-8"?>
+<p:sld xmlns:a="http://schemas.openxmlformats.org/drawingml/2006/main" xmlns:r="http://schemas.openxmlformats.org/officeDocument/2006/relationships" xmlns:p="http://schemas.openxmlformats.org/presentationml/2006/main">
+  <p:cSld>
+    <p:spTree>
+      <p:nvGrpSpPr>
+        <p:cNvPr id="1" name=""/>
+        <p:cNvGrpSpPr/>
+        <p:nvPr/>
+      </p:nvGrpSpPr>
+      <p:grpSpPr>
+        <a:xfrm>
+          <a:off x="0" y="0"/>
+          <a:ext cx="0" cy="0"/>
+          <a:chOff x="0" y="0"/>
+          <a:chExt cx="0" cy="0"/>
+        </a:xfrm>
+      </p:grpSpPr>
+      <p:sp>
+        <p:nvSpPr>
+          <p:cNvPr id="2" name="Title 1">
+            <a:extLst>
+              <a:ext uri="{FF2B5EF4-FFF2-40B4-BE49-F238E27FC236}">
+                <a16:creationId xmlns:a16="http://schemas.microsoft.com/office/drawing/2014/main" id="{512B0150-081F-3211-A95E-E15A98B8D537}"/>
+              </a:ext>
+            </a:extLst>
+          </p:cNvPr>
+          <p:cNvSpPr>
+            <a:spLocks noGrp="1"/>
+          </p:cNvSpPr>
+          <p:nvPr>
+            <p:ph type="title"/>
+          </p:nvPr>
+        </p:nvSpPr>
+        <p:spPr>
+          <a:xfrm>
+            <a:off x="0" y="263527"/>
+            <a:ext cx="10058400" cy="1450757"/>
+          </a:xfrm>
+        </p:spPr>
+        <p:txBody>
+          <a:bodyPr/>
+          <a:lstStyle/>
+          <a:p>
+            <a:r>
+              <a:rPr lang="en-US" dirty="0" err="1"/>
+              <a:t>Kết</a:t>
+            </a:r>
+            <a:r>
+              <a:rPr lang="en-US" dirty="0"/>
+              <a:t> </a:t>
+            </a:r>
+            <a:r>
+              <a:rPr lang="en-US" dirty="0" err="1"/>
+              <a:t>quả</a:t>
+            </a:r>
+            <a:r>
+              <a:rPr lang="en-US" dirty="0"/>
+              <a:t> - Attack C</a:t>
+            </a:r>
+          </a:p>
+        </p:txBody>
+      </p:sp>
+      <p:pic>
+        <p:nvPicPr>
+          <p:cNvPr id="5" name="Content Placeholder 4">
+            <a:extLst>
+              <a:ext uri="{FF2B5EF4-FFF2-40B4-BE49-F238E27FC236}">
+                <a16:creationId xmlns:a16="http://schemas.microsoft.com/office/drawing/2014/main" id="{565CED2E-5034-A152-2EF1-5CE331C2DB32}"/>
+              </a:ext>
+            </a:extLst>
+          </p:cNvPr>
+          <p:cNvPicPr>
+            <a:picLocks noGrp="1" noChangeAspect="1"/>
+          </p:cNvPicPr>
+          <p:nvPr>
+            <p:ph idx="1"/>
+          </p:nvPr>
+        </p:nvPicPr>
+        <p:blipFill>
+          <a:blip r:embed="rId2"/>
+          <a:stretch>
+            <a:fillRect/>
+          </a:stretch>
+        </p:blipFill>
+        <p:spPr>
+          <a:xfrm>
+            <a:off x="3804777" y="1855703"/>
+            <a:ext cx="8387223" cy="4024313"/>
+          </a:xfrm>
+        </p:spPr>
+      </p:pic>
+      <p:sp>
+        <p:nvSpPr>
+          <p:cNvPr id="6" name="Content Placeholder 2">
+            <a:extLst>
+              <a:ext uri="{FF2B5EF4-FFF2-40B4-BE49-F238E27FC236}">
+                <a16:creationId xmlns:a16="http://schemas.microsoft.com/office/drawing/2014/main" id="{9BA28423-2208-1782-0F63-59F4812F628A}"/>
+              </a:ext>
+            </a:extLst>
+          </p:cNvPr>
+          <p:cNvSpPr txBox="1">
+            <a:spLocks/>
+          </p:cNvSpPr>
+          <p:nvPr/>
+        </p:nvSpPr>
+        <p:spPr>
+          <a:xfrm>
+            <a:off x="0" y="1940625"/>
+            <a:ext cx="3663616" cy="4023360"/>
+          </a:xfrm>
+          <a:prstGeom prst="rect">
+            <a:avLst/>
+          </a:prstGeom>
+        </p:spPr>
+        <p:txBody>
+          <a:bodyPr vert="horz" lIns="0" tIns="45720" rIns="0" bIns="45720" rtlCol="0">
+            <a:normAutofit/>
+          </a:bodyPr>
+          <a:lstStyle>
+            <a:lvl1pPr marL="91440" indent="-91440" algn="l" defTabSz="914400" rtl="0" eaLnBrk="1" latinLnBrk="0" hangingPunct="1">
+              <a:lnSpc>
+                <a:spcPct val="90000"/>
+              </a:lnSpc>
+              <a:spcBef>
+                <a:spcPts val="1200"/>
+              </a:spcBef>
+              <a:spcAft>
+                <a:spcPts val="200"/>
+              </a:spcAft>
+              <a:buClr>
+                <a:schemeClr val="accent1"/>
+              </a:buClr>
+              <a:buSzPct val="100000"/>
+              <a:buFont typeface="Calibri" panose="020F0502020204030204" pitchFamily="34" charset="0"/>
+              <a:buChar char=" "/>
+              <a:defRPr sz="2000" kern="1200">
+                <a:solidFill>
+                  <a:schemeClr val="tx1">
+                    <a:lumMod val="75000"/>
+                    <a:lumOff val="25000"/>
+                  </a:schemeClr>
+                </a:solidFill>
+                <a:latin typeface="+mn-lt"/>
+                <a:ea typeface="+mn-ea"/>
+                <a:cs typeface="+mn-cs"/>
+              </a:defRPr>
+            </a:lvl1pPr>
+            <a:lvl2pPr marL="384048" indent="-182880" algn="l" defTabSz="914400" rtl="0" eaLnBrk="1" latinLnBrk="0" hangingPunct="1">
+              <a:lnSpc>
+                <a:spcPct val="90000"/>
+              </a:lnSpc>
+              <a:spcBef>
+                <a:spcPts val="200"/>
+              </a:spcBef>
+              <a:spcAft>
+                <a:spcPts val="400"/>
+              </a:spcAft>
+              <a:buClr>
+                <a:schemeClr val="accent1"/>
+              </a:buClr>
+              <a:buFont typeface="Calibri" pitchFamily="34" charset="0"/>
+              <a:buChar char="◦"/>
+              <a:defRPr sz="1800" kern="1200">
+                <a:solidFill>
+                  <a:schemeClr val="tx1">
+                    <a:lumMod val="75000"/>
+                    <a:lumOff val="25000"/>
+                  </a:schemeClr>
+                </a:solidFill>
+                <a:latin typeface="+mn-lt"/>
+                <a:ea typeface="+mn-ea"/>
+                <a:cs typeface="+mn-cs"/>
+              </a:defRPr>
+            </a:lvl2pPr>
+            <a:lvl3pPr marL="566928" indent="-182880" algn="l" defTabSz="914400" rtl="0" eaLnBrk="1" latinLnBrk="0" hangingPunct="1">
+              <a:lnSpc>
+                <a:spcPct val="90000"/>
+              </a:lnSpc>
+              <a:spcBef>
+                <a:spcPts val="200"/>
+              </a:spcBef>
+              <a:spcAft>
+                <a:spcPts val="400"/>
+              </a:spcAft>
+              <a:buClr>
+                <a:schemeClr val="accent1"/>
+              </a:buClr>
+              <a:buFont typeface="Calibri" pitchFamily="34" charset="0"/>
+              <a:buChar char="◦"/>
+              <a:defRPr sz="1400" kern="1200">
+                <a:solidFill>
+                  <a:schemeClr val="tx1">
+                    <a:lumMod val="75000"/>
+                    <a:lumOff val="25000"/>
+                  </a:schemeClr>
+                </a:solidFill>
+                <a:latin typeface="+mn-lt"/>
+                <a:ea typeface="+mn-ea"/>
+                <a:cs typeface="+mn-cs"/>
+              </a:defRPr>
+            </a:lvl3pPr>
+            <a:lvl4pPr marL="749808" indent="-182880" algn="l" defTabSz="914400" rtl="0" eaLnBrk="1" latinLnBrk="0" hangingPunct="1">
+              <a:lnSpc>
+                <a:spcPct val="90000"/>
+              </a:lnSpc>
+              <a:spcBef>
+                <a:spcPts val="200"/>
+              </a:spcBef>
+              <a:spcAft>
+                <a:spcPts val="400"/>
+              </a:spcAft>
+              <a:buClr>
+                <a:schemeClr val="accent1"/>
+              </a:buClr>
+              <a:buFont typeface="Calibri" pitchFamily="34" charset="0"/>
+              <a:buChar char="◦"/>
+              <a:defRPr sz="1400" kern="1200">
+                <a:solidFill>
+                  <a:schemeClr val="tx1">
+                    <a:lumMod val="75000"/>
+                    <a:lumOff val="25000"/>
+                  </a:schemeClr>
+                </a:solidFill>
+                <a:latin typeface="+mn-lt"/>
+                <a:ea typeface="+mn-ea"/>
+                <a:cs typeface="+mn-cs"/>
+              </a:defRPr>
+            </a:lvl4pPr>
+            <a:lvl5pPr marL="932688" indent="-182880" algn="l" defTabSz="914400" rtl="0" eaLnBrk="1" latinLnBrk="0" hangingPunct="1">
+              <a:lnSpc>
+                <a:spcPct val="90000"/>
+              </a:lnSpc>
+              <a:spcBef>
+                <a:spcPts val="200"/>
+              </a:spcBef>
+              <a:spcAft>
+                <a:spcPts val="400"/>
+              </a:spcAft>
+              <a:buClr>
+                <a:schemeClr val="accent1"/>
+              </a:buClr>
+              <a:buFont typeface="Calibri" pitchFamily="34" charset="0"/>
+              <a:buChar char="◦"/>
+              <a:defRPr sz="1400" kern="1200">
+                <a:solidFill>
+                  <a:schemeClr val="tx1">
+                    <a:lumMod val="75000"/>
+                    <a:lumOff val="25000"/>
+                  </a:schemeClr>
+                </a:solidFill>
+                <a:latin typeface="+mn-lt"/>
+                <a:ea typeface="+mn-ea"/>
+                <a:cs typeface="+mn-cs"/>
+              </a:defRPr>
+            </a:lvl5pPr>
+            <a:lvl6pPr marL="1100000" indent="-228600" algn="l" defTabSz="914400" rtl="0" eaLnBrk="1" latinLnBrk="0" hangingPunct="1">
+              <a:lnSpc>
+                <a:spcPct val="90000"/>
+              </a:lnSpc>
+              <a:spcBef>
+                <a:spcPts val="200"/>
+              </a:spcBef>
+              <a:spcAft>
+                <a:spcPts val="400"/>
+              </a:spcAft>
+              <a:buClr>
+                <a:schemeClr val="accent1"/>
+              </a:buClr>
+              <a:buFont typeface="Calibri" pitchFamily="34" charset="0"/>
+              <a:buChar char="◦"/>
+              <a:defRPr sz="1400" kern="1200">
+                <a:solidFill>
+                  <a:schemeClr val="tx1">
+                    <a:lumMod val="75000"/>
+                    <a:lumOff val="25000"/>
+                  </a:schemeClr>
+                </a:solidFill>
+                <a:latin typeface="+mn-lt"/>
+                <a:ea typeface="+mn-ea"/>
+                <a:cs typeface="+mn-cs"/>
+              </a:defRPr>
+            </a:lvl6pPr>
+            <a:lvl7pPr marL="1300000" indent="-228600" algn="l" defTabSz="914400" rtl="0" eaLnBrk="1" latinLnBrk="0" hangingPunct="1">
+              <a:lnSpc>
+                <a:spcPct val="90000"/>
+              </a:lnSpc>
+              <a:spcBef>
+                <a:spcPts val="200"/>
+              </a:spcBef>
+              <a:spcAft>
+                <a:spcPts val="400"/>
+              </a:spcAft>
+              <a:buClr>
+                <a:schemeClr val="accent1"/>
+              </a:buClr>
+              <a:buFont typeface="Calibri" pitchFamily="34" charset="0"/>
+              <a:buChar char="◦"/>
+              <a:defRPr sz="1400" kern="1200">
+                <a:solidFill>
+                  <a:schemeClr val="tx1">
+                    <a:lumMod val="75000"/>
+                    <a:lumOff val="25000"/>
+                  </a:schemeClr>
+                </a:solidFill>
+                <a:latin typeface="+mn-lt"/>
+                <a:ea typeface="+mn-ea"/>
+                <a:cs typeface="+mn-cs"/>
+              </a:defRPr>
+            </a:lvl7pPr>
+            <a:lvl8pPr marL="1500000" indent="-228600" algn="l" defTabSz="914400" rtl="0" eaLnBrk="1" latinLnBrk="0" hangingPunct="1">
+              <a:lnSpc>
+                <a:spcPct val="90000"/>
+              </a:lnSpc>
+              <a:spcBef>
+                <a:spcPts val="200"/>
+              </a:spcBef>
+              <a:spcAft>
+                <a:spcPts val="400"/>
+              </a:spcAft>
+              <a:buClr>
+                <a:schemeClr val="accent1"/>
+              </a:buClr>
+              <a:buFont typeface="Calibri" pitchFamily="34" charset="0"/>
+              <a:buChar char="◦"/>
+              <a:defRPr sz="1400" kern="1200">
+                <a:solidFill>
+                  <a:schemeClr val="tx1">
+                    <a:lumMod val="75000"/>
+                    <a:lumOff val="25000"/>
+                  </a:schemeClr>
+                </a:solidFill>
+                <a:latin typeface="+mn-lt"/>
+                <a:ea typeface="+mn-ea"/>
+                <a:cs typeface="+mn-cs"/>
+              </a:defRPr>
+            </a:lvl8pPr>
+            <a:lvl9pPr marL="1700000" indent="-228600" algn="l" defTabSz="914400" rtl="0" eaLnBrk="1" latinLnBrk="0" hangingPunct="1">
+              <a:lnSpc>
+                <a:spcPct val="90000"/>
+              </a:lnSpc>
+              <a:spcBef>
+                <a:spcPts val="200"/>
+              </a:spcBef>
+              <a:spcAft>
+                <a:spcPts val="400"/>
+              </a:spcAft>
+              <a:buClr>
+                <a:schemeClr val="accent1"/>
+              </a:buClr>
+              <a:buFont typeface="Calibri" pitchFamily="34" charset="0"/>
+              <a:buChar char="◦"/>
+              <a:defRPr sz="1400" kern="1200">
+                <a:solidFill>
+                  <a:schemeClr val="tx1">
+                    <a:lumMod val="75000"/>
+                    <a:lumOff val="25000"/>
+                  </a:schemeClr>
+                </a:solidFill>
+                <a:latin typeface="+mn-lt"/>
+                <a:ea typeface="+mn-ea"/>
+                <a:cs typeface="+mn-cs"/>
+              </a:defRPr>
+            </a:lvl9pPr>
+          </a:lstStyle>
+          <a:p>
+            <a:pPr marL="201168" lvl="1" indent="0">
+              <a:buNone/>
+            </a:pPr>
+            <a:r>
+              <a:rPr lang="en-US" sz="2400" dirty="0">
+                <a:latin typeface="Calibri (Body)"/>
+              </a:rPr>
+              <a:t>=&gt; </a:t>
+            </a:r>
+            <a:r>
+              <a:rPr lang="en-US" sz="2400" dirty="0" err="1">
+                <a:latin typeface="Calibri (Body)"/>
+              </a:rPr>
+              <a:t>Tốn</a:t>
+            </a:r>
+            <a:r>
+              <a:rPr lang="en-US" sz="2400" dirty="0">
+                <a:latin typeface="Calibri (Body)"/>
+              </a:rPr>
+              <a:t> </a:t>
+            </a:r>
+            <a:r>
+              <a:rPr lang="en-US" sz="2400" dirty="0" err="1">
+                <a:latin typeface="Calibri (Body)"/>
+              </a:rPr>
+              <a:t>khoảng</a:t>
+            </a:r>
+            <a:r>
+              <a:rPr lang="en-US" sz="2400" dirty="0">
+                <a:latin typeface="Calibri (Body)"/>
+              </a:rPr>
+              <a:t> 0.02s </a:t>
+            </a:r>
+            <a:r>
+              <a:rPr lang="en-US" sz="2400" dirty="0" err="1">
+                <a:latin typeface="Calibri (Body)"/>
+              </a:rPr>
+              <a:t>để</a:t>
+            </a:r>
+            <a:r>
+              <a:rPr lang="en-US" sz="2400" dirty="0">
+                <a:latin typeface="Calibri (Body)"/>
+              </a:rPr>
+              <a:t> attack </a:t>
+            </a:r>
+            <a:r>
+              <a:rPr lang="en-US" sz="2400" dirty="0" err="1">
+                <a:latin typeface="Calibri (Body)"/>
+              </a:rPr>
+              <a:t>thành</a:t>
+            </a:r>
+            <a:r>
+              <a:rPr lang="en-US" sz="2400" dirty="0">
+                <a:latin typeface="Calibri (Body)"/>
+              </a:rPr>
+              <a:t> </a:t>
+            </a:r>
+            <a:r>
+              <a:rPr lang="en-US" sz="2400" dirty="0" err="1">
+                <a:latin typeface="Calibri (Body)"/>
+              </a:rPr>
+              <a:t>công</a:t>
+            </a:r>
+            <a:endParaRPr lang="en-US" sz="2400" dirty="0">
+              <a:latin typeface="Calibri (Body)"/>
+            </a:endParaRPr>
+          </a:p>
+        </p:txBody>
+      </p:sp>
+    </p:spTree>
+    <p:extLst>
+      <p:ext uri="{BB962C8B-B14F-4D97-AF65-F5344CB8AC3E}">
+        <p14:creationId xmlns:p14="http://schemas.microsoft.com/office/powerpoint/2010/main" val="1552816970"/>
+      </p:ext>
+    </p:extLst>
+  </p:cSld>
+  <p:clrMapOvr>
+    <a:masterClrMapping/>
+  </p:clrMapOvr>
+</p:sld>
+</file>
+
+<file path=ppt/slides/slide14.xml><?xml version="1.0" encoding="utf-8"?>
 <p:sld xmlns:a="http://schemas.openxmlformats.org/drawingml/2006/main" xmlns:r="http://schemas.openxmlformats.org/officeDocument/2006/relationships" xmlns:p="http://schemas.openxmlformats.org/presentationml/2006/main">
   <p:cSld>
     <p:spTree>
@@ -4226,7 +7244,7 @@
 </p:sld>
 </file>
 
-<file path=ppt/slides/slide12.xml><?xml version="1.0" encoding="utf-8"?>
+<file path=ppt/slides/slide15.xml><?xml version="1.0" encoding="utf-8"?>
 <p:sld xmlns:a="http://schemas.openxmlformats.org/drawingml/2006/main" xmlns:r="http://schemas.openxmlformats.org/officeDocument/2006/relationships" xmlns:p="http://schemas.openxmlformats.org/presentationml/2006/main">
   <p:cSld>
     <p:spTree>
@@ -4968,7 +7986,7 @@
 </p:sld>
 </file>
 
-<file path=ppt/slides/slide13.xml><?xml version="1.0" encoding="utf-8"?>
+<file path=ppt/slides/slide16.xml><?xml version="1.0" encoding="utf-8"?>
 <p:sld xmlns:a="http://schemas.openxmlformats.org/drawingml/2006/main" xmlns:r="http://schemas.openxmlformats.org/officeDocument/2006/relationships" xmlns:p="http://schemas.openxmlformats.org/presentationml/2006/main">
   <p:cSld>
     <p:spTree>
@@ -5055,7 +8073,74 @@
           <a:p>
             <a:r>
               <a:rPr lang="en-US" dirty="0"/>
-              <a:t>//</a:t>
+              <a:t>- RSA </a:t>
+            </a:r>
+            <a:r>
+              <a:rPr lang="en-US" dirty="0" err="1"/>
+              <a:t>vẫn</a:t>
+            </a:r>
+            <a:r>
+              <a:rPr lang="en-US" dirty="0"/>
+              <a:t> an </a:t>
+            </a:r>
+            <a:r>
+              <a:rPr lang="en-US" dirty="0" err="1"/>
+              <a:t>toàn</a:t>
+            </a:r>
+            <a:r>
+              <a:rPr lang="en-US" dirty="0"/>
+              <a:t> </a:t>
+            </a:r>
+            <a:r>
+              <a:rPr lang="en-US" dirty="0" err="1"/>
+              <a:t>nếu</a:t>
+            </a:r>
+            <a:r>
+              <a:rPr lang="en-US" dirty="0"/>
+              <a:t> </a:t>
+            </a:r>
+            <a:r>
+              <a:rPr lang="en-US" dirty="0" err="1"/>
+              <a:t>triển</a:t>
+            </a:r>
+            <a:r>
+              <a:rPr lang="en-US" dirty="0"/>
+              <a:t> </a:t>
+            </a:r>
+            <a:r>
+              <a:rPr lang="en-US" dirty="0" err="1"/>
+              <a:t>khai</a:t>
+            </a:r>
+            <a:r>
+              <a:rPr lang="en-US" dirty="0"/>
+              <a:t> </a:t>
+            </a:r>
+            <a:r>
+              <a:rPr lang="en-US" dirty="0" err="1"/>
+              <a:t>chuẩn</a:t>
+            </a:r>
+            <a:r>
+              <a:rPr lang="en-US" dirty="0"/>
+              <a:t>, </a:t>
+            </a:r>
+            <a:r>
+              <a:rPr lang="en-US" dirty="0" err="1"/>
+              <a:t>đầy</a:t>
+            </a:r>
+            <a:r>
+              <a:rPr lang="en-US" dirty="0"/>
+              <a:t> </a:t>
+            </a:r>
+            <a:r>
+              <a:rPr lang="en-US" dirty="0" err="1"/>
+              <a:t>đủ</a:t>
+            </a:r>
+            <a:endParaRPr lang="en-US" dirty="0"/>
+          </a:p>
+          <a:p>
+            <a:r>
+              <a:rPr lang="en-US" dirty="0"/>
+              <a:t>- </a:t>
             </a:r>
           </a:p>
         </p:txBody>
@@ -8111,15 +11196,7 @@
             </a:r>
             <a:r>
               <a:rPr lang="en-US" sz="2800" dirty="0"/>
-              <a:t> session se </a:t>
-            </a:r>
-            <a:r>
-              <a:rPr lang="en-US" sz="2800" dirty="0" err="1"/>
-              <a:t>cret</a:t>
-            </a:r>
-            <a:r>
-              <a:rPr lang="en-US" sz="2800" dirty="0"/>
-              <a:t>; </a:t>
+              <a:t> session secret; </a:t>
             </a:r>
             <a:r>
               <a:rPr lang="en-US" sz="2800" dirty="0" err="1"/>
@@ -8641,21 +11718,6 @@
 </file>
 
 <file path=customXml/item1.xml><?xml version="1.0" encoding="utf-8"?>
-<p:properties xmlns:p="http://schemas.microsoft.com/office/2006/metadata/properties" xmlns:xsi="http://www.w3.org/2001/XMLSchema-instance" xmlns:pc="http://schemas.microsoft.com/office/infopath/2007/PartnerControls">
-  <documentManagement/>
-</p:properties>
-</file>
-
-<file path=customXml/item2.xml><?xml version="1.0" encoding="utf-8"?>
-<?mso-contentType ?>
-<FormTemplates xmlns="http://schemas.microsoft.com/sharepoint/v3/contenttype/forms">
-  <Display>DocumentLibraryForm</Display>
-  <Edit>DocumentLibraryForm</Edit>
-  <New>DocumentLibraryForm</New>
-</FormTemplates>
-</file>
-
-<file path=customXml/item3.xml><?xml version="1.0" encoding="utf-8"?>
 <ct:contentTypeSchema xmlns:ct="http://schemas.microsoft.com/office/2006/metadata/contentType" xmlns:ma="http://schemas.microsoft.com/office/2006/metadata/properties/metaAttributes" ct:_="" ma:_="" ma:contentTypeName="Tài liệu" ma:contentTypeID="0x010100B1C9C9CFBA54554FAB72A368ED558EE9" ma:contentTypeVersion="4" ma:contentTypeDescription="Tạo tài liệu mới." ma:contentTypeScope="" ma:versionID="7afe8246de33ba856f7f9004637ff618">
   <xsd:schema xmlns:xsd="http://www.w3.org/2001/XMLSchema" xmlns:xs="http://www.w3.org/2001/XMLSchema" xmlns:p="http://schemas.microsoft.com/office/2006/metadata/properties" xmlns:ns3="7804a6fb-3003-4c78-85cc-87186ae6e246" targetNamespace="http://schemas.microsoft.com/office/2006/metadata/properties" ma:root="true" ma:fieldsID="1dbbbb438070c4d288d95d0c153f475e" ns3:_="">
     <xsd:import namespace="7804a6fb-3003-4c78-85cc-87186ae6e246"/>
@@ -8799,31 +11861,22 @@
 </ct:contentTypeSchema>
 </file>
 
-<file path=customXml/itemProps1.xml><?xml version="1.0" encoding="utf-8"?>
-<ds:datastoreItem xmlns:ds="http://schemas.openxmlformats.org/officeDocument/2006/customXml" ds:itemID="{9EA5A663-36CB-4D52-ACF0-0994F2B58167}">
-  <ds:schemaRefs>
-    <ds:schemaRef ds:uri="http://purl.org/dc/dcmitype/"/>
-    <ds:schemaRef ds:uri="http://schemas.openxmlformats.org/package/2006/metadata/core-properties"/>
-    <ds:schemaRef ds:uri="http://purl.org/dc/elements/1.1/"/>
-    <ds:schemaRef ds:uri="http://purl.org/dc/terms/"/>
-    <ds:schemaRef ds:uri="http://www.w3.org/XML/1998/namespace"/>
-    <ds:schemaRef ds:uri="http://schemas.microsoft.com/office/2006/documentManagement/types"/>
-    <ds:schemaRef ds:uri="http://schemas.microsoft.com/office/infopath/2007/PartnerControls"/>
-    <ds:schemaRef ds:uri="7804a6fb-3003-4c78-85cc-87186ae6e246"/>
-    <ds:schemaRef ds:uri="http://schemas.microsoft.com/office/2006/metadata/properties"/>
-  </ds:schemaRefs>
-</ds:datastoreItem>
+<file path=customXml/item2.xml><?xml version="1.0" encoding="utf-8"?>
+<?mso-contentType ?>
+<FormTemplates xmlns="http://schemas.microsoft.com/sharepoint/v3/contenttype/forms">
+  <Display>DocumentLibraryForm</Display>
+  <Edit>DocumentLibraryForm</Edit>
+  <New>DocumentLibraryForm</New>
+</FormTemplates>
 </file>
 
-<file path=customXml/itemProps2.xml><?xml version="1.0" encoding="utf-8"?>
-<ds:datastoreItem xmlns:ds="http://schemas.openxmlformats.org/officeDocument/2006/customXml" ds:itemID="{02A294DC-FDDB-4C19-A732-9D70B934EFDB}">
-  <ds:schemaRefs>
-    <ds:schemaRef ds:uri="http://schemas.microsoft.com/sharepoint/v3/contenttype/forms"/>
-  </ds:schemaRefs>
-</ds:datastoreItem>
+<file path=customXml/item3.xml><?xml version="1.0" encoding="utf-8"?>
+<p:properties xmlns:p="http://schemas.microsoft.com/office/2006/metadata/properties" xmlns:xsi="http://www.w3.org/2001/XMLSchema-instance" xmlns:pc="http://schemas.microsoft.com/office/infopath/2007/PartnerControls">
+  <documentManagement/>
+</p:properties>
 </file>
 
-<file path=customXml/itemProps3.xml><?xml version="1.0" encoding="utf-8"?>
+<file path=customXml/itemProps1.xml><?xml version="1.0" encoding="utf-8"?>
 <ds:datastoreItem xmlns:ds="http://schemas.openxmlformats.org/officeDocument/2006/customXml" ds:itemID="{FDB0FCB8-DB46-4959-B9E6-F720DF2AB4B9}">
   <ds:schemaRefs>
     <ds:schemaRef ds:uri="http://schemas.microsoft.com/office/2006/metadata/contentType"/>
@@ -8839,4 +11892,28 @@
     <ds:schemaRef ds:uri="http://schemas.microsoft.com/internal/obd"/>
   </ds:schemaRefs>
 </ds:datastoreItem>
+</file>
+
+<file path=customXml/itemProps2.xml><?xml version="1.0" encoding="utf-8"?>
+<ds:datastoreItem xmlns:ds="http://schemas.openxmlformats.org/officeDocument/2006/customXml" ds:itemID="{02A294DC-FDDB-4C19-A732-9D70B934EFDB}">
+  <ds:schemaRefs>
+    <ds:schemaRef ds:uri="http://schemas.microsoft.com/sharepoint/v3/contenttype/forms"/>
+  </ds:schemaRefs>
+</ds:datastoreItem>
+</file>
+
+<file path=customXml/itemProps3.xml><?xml version="1.0" encoding="utf-8"?>
+<ds:datastoreItem xmlns:ds="http://schemas.openxmlformats.org/officeDocument/2006/customXml" ds:itemID="{9EA5A663-36CB-4D52-ACF0-0994F2B58167}">
+  <ds:schemaRefs>
+    <ds:schemaRef ds:uri="http://purl.org/dc/dcmitype/"/>
+    <ds:schemaRef ds:uri="http://schemas.openxmlformats.org/package/2006/metadata/core-properties"/>
+    <ds:schemaRef ds:uri="http://purl.org/dc/elements/1.1/"/>
+    <ds:schemaRef ds:uri="http://purl.org/dc/terms/"/>
+    <ds:schemaRef ds:uri="http://www.w3.org/XML/1998/namespace"/>
+    <ds:schemaRef ds:uri="http://schemas.microsoft.com/office/2006/documentManagement/types"/>
+    <ds:schemaRef ds:uri="http://schemas.microsoft.com/office/infopath/2007/PartnerControls"/>
+    <ds:schemaRef ds:uri="7804a6fb-3003-4c78-85cc-87186ae6e246"/>
+    <ds:schemaRef ds:uri="http://schemas.microsoft.com/office/2006/metadata/properties"/>
+  </ds:schemaRefs>
+</ds:datastoreItem>
 </file>
--- a/Cryptanalysis on Asymmetric Ciphers — RSA & RSA.pptx
+++ b/Cryptanalysis on Asymmetric Ciphers — RSA & RSA.pptx
@@ -14,13 +14,24 @@
     <p:sldId id="268" r:id="rId11"/>
     <p:sldId id="261" r:id="rId12"/>
     <p:sldId id="262" r:id="rId13"/>
-    <p:sldId id="263" r:id="rId14"/>
-    <p:sldId id="270" r:id="rId15"/>
-    <p:sldId id="272" r:id="rId16"/>
-    <p:sldId id="271" r:id="rId17"/>
-    <p:sldId id="264" r:id="rId18"/>
-    <p:sldId id="259" r:id="rId19"/>
-    <p:sldId id="265" r:id="rId20"/>
+    <p:sldId id="274" r:id="rId14"/>
+    <p:sldId id="275" r:id="rId15"/>
+    <p:sldId id="278" r:id="rId16"/>
+    <p:sldId id="276" r:id="rId17"/>
+    <p:sldId id="277" r:id="rId18"/>
+    <p:sldId id="263" r:id="rId19"/>
+    <p:sldId id="270" r:id="rId20"/>
+    <p:sldId id="272" r:id="rId21"/>
+    <p:sldId id="273" r:id="rId22"/>
+    <p:sldId id="279" r:id="rId23"/>
+    <p:sldId id="280" r:id="rId24"/>
+    <p:sldId id="281" r:id="rId25"/>
+    <p:sldId id="286" r:id="rId26"/>
+    <p:sldId id="271" r:id="rId27"/>
+    <p:sldId id="283" r:id="rId28"/>
+    <p:sldId id="284" r:id="rId29"/>
+    <p:sldId id="259" r:id="rId30"/>
+    <p:sldId id="264" r:id="rId31"/>
   </p:sldIdLst>
   <p:sldSz cx="12192000" cy="6858000"/>
   <p:notesSz cx="6858000" cy="9144000"/>
@@ -353,7 +364,7 @@
           <a:p>
             <a:fld id="{E1525300-05E8-4D28-85DB-000DB90F5912}" type="datetimeFigureOut">
               <a:rPr lang="en-US" smtClean="0"/>
-              <a:t>12/26/2025</a:t>
+              <a:t>12/27/2025</a:t>
             </a:fld>
             <a:endParaRPr lang="en-US"/>
           </a:p>
@@ -561,7 +572,7 @@
           <a:p>
             <a:fld id="{E1525300-05E8-4D28-85DB-000DB90F5912}" type="datetimeFigureOut">
               <a:rPr lang="en-US" smtClean="0"/>
-              <a:t>12/26/2025</a:t>
+              <a:t>12/27/2025</a:t>
             </a:fld>
             <a:endParaRPr lang="en-US"/>
           </a:p>
@@ -817,7 +828,7 @@
           <a:p>
             <a:fld id="{E1525300-05E8-4D28-85DB-000DB90F5912}" type="datetimeFigureOut">
               <a:rPr lang="en-US" smtClean="0"/>
-              <a:t>12/26/2025</a:t>
+              <a:t>12/27/2025</a:t>
             </a:fld>
             <a:endParaRPr lang="en-US"/>
           </a:p>
@@ -991,7 +1002,7 @@
           <a:p>
             <a:fld id="{E1525300-05E8-4D28-85DB-000DB90F5912}" type="datetimeFigureOut">
               <a:rPr lang="en-US" smtClean="0"/>
-              <a:t>12/26/2025</a:t>
+              <a:t>12/27/2025</a:t>
             </a:fld>
             <a:endParaRPr lang="en-US"/>
           </a:p>
@@ -1334,7 +1345,7 @@
           <a:p>
             <a:fld id="{E1525300-05E8-4D28-85DB-000DB90F5912}" type="datetimeFigureOut">
               <a:rPr lang="en-US" smtClean="0"/>
-              <a:t>12/26/2025</a:t>
+              <a:t>12/27/2025</a:t>
             </a:fld>
             <a:endParaRPr lang="en-US"/>
           </a:p>
@@ -1609,7 +1620,7 @@
           <a:p>
             <a:fld id="{E1525300-05E8-4D28-85DB-000DB90F5912}" type="datetimeFigureOut">
               <a:rPr lang="en-US" smtClean="0"/>
-              <a:t>12/26/2025</a:t>
+              <a:t>12/27/2025</a:t>
             </a:fld>
             <a:endParaRPr lang="en-US"/>
           </a:p>
@@ -1988,7 +1999,7 @@
           <a:p>
             <a:fld id="{E1525300-05E8-4D28-85DB-000DB90F5912}" type="datetimeFigureOut">
               <a:rPr lang="en-US" smtClean="0"/>
-              <a:t>12/26/2025</a:t>
+              <a:t>12/27/2025</a:t>
             </a:fld>
             <a:endParaRPr lang="en-US"/>
           </a:p>
@@ -2106,7 +2117,7 @@
           <a:p>
             <a:fld id="{E1525300-05E8-4D28-85DB-000DB90F5912}" type="datetimeFigureOut">
               <a:rPr lang="en-US" smtClean="0"/>
-              <a:t>12/26/2025</a:t>
+              <a:t>12/27/2025</a:t>
             </a:fld>
             <a:endParaRPr lang="en-US"/>
           </a:p>
@@ -2277,7 +2288,7 @@
           <a:p>
             <a:fld id="{E1525300-05E8-4D28-85DB-000DB90F5912}" type="datetimeFigureOut">
               <a:rPr lang="en-US" smtClean="0"/>
-              <a:t>12/26/2025</a:t>
+              <a:t>12/27/2025</a:t>
             </a:fld>
             <a:endParaRPr lang="en-US"/>
           </a:p>
@@ -2631,7 +2642,7 @@
           <a:p>
             <a:fld id="{E1525300-05E8-4D28-85DB-000DB90F5912}" type="datetimeFigureOut">
               <a:rPr lang="en-US" smtClean="0"/>
-              <a:t>12/26/2025</a:t>
+              <a:t>12/27/2025</a:t>
             </a:fld>
             <a:endParaRPr lang="en-US"/>
           </a:p>
@@ -3013,7 +3024,7 @@
           <a:p>
             <a:fld id="{E1525300-05E8-4D28-85DB-000DB90F5912}" type="datetimeFigureOut">
               <a:rPr lang="en-US" smtClean="0"/>
-              <a:t>12/26/2025</a:t>
+              <a:t>12/27/2025</a:t>
             </a:fld>
             <a:endParaRPr lang="en-US"/>
           </a:p>
@@ -3300,7 +3311,7 @@
           <a:p>
             <a:fld id="{E1525300-05E8-4D28-85DB-000DB90F5912}" type="datetimeFigureOut">
               <a:rPr lang="en-US" smtClean="0"/>
-              <a:t>12/26/2025</a:t>
+              <a:t>12/27/2025</a:t>
             </a:fld>
             <a:endParaRPr lang="en-US"/>
           </a:p>
@@ -3938,6 +3949,1359 @@
           <a:lstStyle/>
           <a:p>
             <a:r>
+              <a:rPr lang="en-US" dirty="0"/>
+              <a:t>Attack A - </a:t>
+            </a:r>
+            <a:r>
+              <a:rPr lang="en-US" sz="4800" dirty="0" err="1"/>
+              <a:t>Bleichenbacher</a:t>
+            </a:r>
+            <a:r>
+              <a:rPr lang="en-US" sz="4800" dirty="0"/>
+              <a:t> padding oracle </a:t>
+            </a:r>
+            <a:endParaRPr lang="en-US" dirty="0"/>
+          </a:p>
+        </p:txBody>
+      </p:sp>
+      <p:sp>
+        <p:nvSpPr>
+          <p:cNvPr id="3" name="Content Placeholder 2">
+            <a:extLst>
+              <a:ext uri="{FF2B5EF4-FFF2-40B4-BE49-F238E27FC236}">
+                <a16:creationId xmlns:a16="http://schemas.microsoft.com/office/drawing/2014/main" id="{34C92A57-AE48-CD21-6442-DDCBC7625A70}"/>
+              </a:ext>
+            </a:extLst>
+          </p:cNvPr>
+          <p:cNvSpPr>
+            <a:spLocks noGrp="1"/>
+          </p:cNvSpPr>
+          <p:nvPr>
+            <p:ph idx="1"/>
+          </p:nvPr>
+        </p:nvSpPr>
+        <p:spPr>
+          <a:xfrm>
+            <a:off x="0" y="1877384"/>
+            <a:ext cx="10515600" cy="4351338"/>
+          </a:xfrm>
+        </p:spPr>
+        <p:txBody>
+          <a:bodyPr>
+            <a:normAutofit/>
+          </a:bodyPr>
+          <a:lstStyle/>
+          <a:p>
+            <a:pPr>
+              <a:buFontTx/>
+              <a:buChar char="-"/>
+            </a:pPr>
+            <a:r>
+              <a:rPr lang="en-US" sz="2800" dirty="0"/>
+              <a:t> </a:t>
+            </a:r>
+            <a:r>
+              <a:rPr lang="en-US" sz="2800" dirty="0" err="1"/>
+              <a:t>Mục</a:t>
+            </a:r>
+            <a:r>
+              <a:rPr lang="en-US" sz="2800" dirty="0"/>
+              <a:t> </a:t>
+            </a:r>
+            <a:r>
+              <a:rPr lang="en-US" sz="2800" dirty="0" err="1"/>
+              <a:t>tiêu</a:t>
+            </a:r>
+            <a:endParaRPr lang="en-US" sz="2800" dirty="0"/>
+          </a:p>
+          <a:p>
+            <a:pPr lvl="1">
+              <a:buFontTx/>
+              <a:buChar char="-"/>
+            </a:pPr>
+            <a:r>
+              <a:rPr lang="en-US" sz="2600" dirty="0"/>
+              <a:t> </a:t>
+            </a:r>
+            <a:r>
+              <a:rPr lang="en-US" sz="2600" dirty="0" err="1"/>
+              <a:t>Đánh</a:t>
+            </a:r>
+            <a:r>
+              <a:rPr lang="en-US" sz="2600" dirty="0"/>
+              <a:t> </a:t>
+            </a:r>
+            <a:r>
+              <a:rPr lang="en-US" sz="2600" dirty="0" err="1"/>
+              <a:t>vào</a:t>
+            </a:r>
+            <a:r>
+              <a:rPr lang="en-US" sz="2600" dirty="0"/>
+              <a:t> </a:t>
+            </a:r>
+            <a:r>
+              <a:rPr lang="en-US" sz="2600" dirty="0" err="1"/>
+              <a:t>điểm</a:t>
+            </a:r>
+            <a:r>
+              <a:rPr lang="en-US" sz="2600" dirty="0"/>
+              <a:t> </a:t>
+            </a:r>
+            <a:r>
+              <a:rPr lang="en-US" sz="2600" dirty="0" err="1"/>
+              <a:t>yếu</a:t>
+            </a:r>
+            <a:r>
+              <a:rPr lang="en-US" sz="2600" dirty="0"/>
+              <a:t> padding </a:t>
+            </a:r>
+            <a:r>
+              <a:rPr lang="en-US" sz="2600" dirty="0" err="1"/>
+              <a:t>của</a:t>
+            </a:r>
+            <a:r>
+              <a:rPr lang="en-US" sz="2600" dirty="0"/>
+              <a:t> </a:t>
+            </a:r>
+            <a:r>
+              <a:rPr lang="en-US" sz="2600" dirty="0" err="1"/>
+              <a:t>hệ</a:t>
+            </a:r>
+            <a:r>
+              <a:rPr lang="en-US" sz="2600" dirty="0"/>
+              <a:t> </a:t>
+            </a:r>
+            <a:r>
+              <a:rPr lang="en-US" sz="2600" dirty="0" err="1"/>
+              <a:t>thống</a:t>
+            </a:r>
+            <a:endParaRPr lang="en-US" sz="2600" dirty="0"/>
+          </a:p>
+          <a:p>
+            <a:pPr lvl="1">
+              <a:buFontTx/>
+              <a:buChar char="-"/>
+            </a:pPr>
+            <a:r>
+              <a:rPr lang="en-US" sz="2600" dirty="0"/>
+              <a:t> </a:t>
+            </a:r>
+            <a:r>
+              <a:rPr lang="en-US" sz="2600" dirty="0" err="1"/>
+              <a:t>Không</a:t>
+            </a:r>
+            <a:r>
+              <a:rPr lang="en-US" sz="2600" dirty="0"/>
+              <a:t> </a:t>
+            </a:r>
+            <a:r>
+              <a:rPr lang="en-US" sz="2600" dirty="0" err="1"/>
+              <a:t>cần</a:t>
+            </a:r>
+            <a:r>
+              <a:rPr lang="en-US" sz="2600" dirty="0"/>
+              <a:t> private key, </a:t>
+            </a:r>
+            <a:r>
+              <a:rPr lang="en-US" sz="2600" dirty="0" err="1"/>
+              <a:t>chỉ</a:t>
+            </a:r>
+            <a:r>
+              <a:rPr lang="en-US" sz="2600" dirty="0"/>
+              <a:t> </a:t>
+            </a:r>
+            <a:r>
+              <a:rPr lang="en-US" sz="2600" dirty="0" err="1"/>
+              <a:t>cần</a:t>
+            </a:r>
+            <a:r>
+              <a:rPr lang="en-US" sz="2600" dirty="0"/>
+              <a:t> </a:t>
+            </a:r>
+            <a:r>
+              <a:rPr lang="en-US" sz="2600" dirty="0" err="1"/>
+              <a:t>tồn</a:t>
+            </a:r>
+            <a:r>
+              <a:rPr lang="en-US" sz="2600" dirty="0"/>
+              <a:t> </a:t>
+            </a:r>
+            <a:r>
+              <a:rPr lang="en-US" sz="2600" dirty="0" err="1"/>
+              <a:t>tại</a:t>
+            </a:r>
+            <a:r>
+              <a:rPr lang="en-US" sz="2600" dirty="0"/>
+              <a:t> oracle </a:t>
+            </a:r>
+          </a:p>
+          <a:p>
+            <a:pPr>
+              <a:buFontTx/>
+              <a:buChar char="-"/>
+            </a:pPr>
+            <a:r>
+              <a:rPr lang="en-US" sz="2800" dirty="0"/>
+              <a:t> </a:t>
+            </a:r>
+            <a:r>
+              <a:rPr lang="en-US" sz="2800" dirty="0" err="1"/>
+              <a:t>Điều</a:t>
+            </a:r>
+            <a:r>
+              <a:rPr lang="en-US" sz="2800" dirty="0"/>
+              <a:t> </a:t>
+            </a:r>
+            <a:r>
+              <a:rPr lang="en-US" sz="2800" dirty="0" err="1"/>
+              <a:t>kiện</a:t>
+            </a:r>
+            <a:r>
+              <a:rPr lang="en-US" sz="2800" dirty="0"/>
+              <a:t> </a:t>
+            </a:r>
+          </a:p>
+          <a:p>
+            <a:pPr lvl="1">
+              <a:buFontTx/>
+              <a:buChar char="-"/>
+            </a:pPr>
+            <a:r>
+              <a:rPr lang="en-US" sz="2600" dirty="0"/>
+              <a:t> Server </a:t>
+            </a:r>
+            <a:r>
+              <a:rPr lang="en-US" sz="2600" dirty="0" err="1"/>
+              <a:t>sử</a:t>
+            </a:r>
+            <a:r>
+              <a:rPr lang="en-US" sz="2600" dirty="0"/>
+              <a:t> </a:t>
+            </a:r>
+            <a:r>
+              <a:rPr lang="en-US" sz="2600" dirty="0" err="1"/>
+              <a:t>dụng</a:t>
+            </a:r>
+            <a:r>
+              <a:rPr lang="en-US" sz="2600" dirty="0"/>
+              <a:t> RSA key exchange + PKCS#1 v1.5</a:t>
+            </a:r>
+          </a:p>
+          <a:p>
+            <a:pPr lvl="1">
+              <a:buFontTx/>
+              <a:buChar char="-"/>
+            </a:pPr>
+            <a:r>
+              <a:rPr lang="en-US" sz="2600" dirty="0"/>
+              <a:t> Server </a:t>
+            </a:r>
+            <a:r>
+              <a:rPr lang="en-US" sz="2600" dirty="0" err="1"/>
+              <a:t>phản</a:t>
+            </a:r>
+            <a:r>
+              <a:rPr lang="en-US" sz="2600" dirty="0"/>
+              <a:t> </a:t>
+            </a:r>
+            <a:r>
+              <a:rPr lang="en-US" sz="2600" dirty="0" err="1"/>
+              <a:t>hồi</a:t>
+            </a:r>
+            <a:r>
+              <a:rPr lang="en-US" sz="2600" dirty="0"/>
+              <a:t> </a:t>
+            </a:r>
+            <a:r>
+              <a:rPr lang="en-US" sz="2600" dirty="0" err="1"/>
+              <a:t>khác</a:t>
+            </a:r>
+            <a:r>
+              <a:rPr lang="en-US" sz="2600" dirty="0"/>
+              <a:t> </a:t>
+            </a:r>
+            <a:r>
+              <a:rPr lang="en-US" sz="2600" dirty="0" err="1"/>
+              <a:t>nhau</a:t>
+            </a:r>
+            <a:r>
+              <a:rPr lang="en-US" sz="2600" dirty="0"/>
+              <a:t> </a:t>
+            </a:r>
+            <a:r>
+              <a:rPr lang="en-US" sz="2600" dirty="0" err="1"/>
+              <a:t>khi</a:t>
+            </a:r>
+            <a:r>
+              <a:rPr lang="en-US" sz="2600" dirty="0"/>
+              <a:t> padding </a:t>
+            </a:r>
+            <a:r>
+              <a:rPr lang="en-US" sz="2600" dirty="0" err="1"/>
+              <a:t>hợp</a:t>
+            </a:r>
+            <a:r>
+              <a:rPr lang="en-US" sz="2600" dirty="0"/>
+              <a:t> </a:t>
+            </a:r>
+            <a:r>
+              <a:rPr lang="en-US" sz="2600" dirty="0" err="1"/>
+              <a:t>và</a:t>
+            </a:r>
+            <a:r>
+              <a:rPr lang="en-US" sz="2600" dirty="0"/>
+              <a:t> </a:t>
+            </a:r>
+            <a:r>
+              <a:rPr lang="en-US" sz="2600" dirty="0" err="1"/>
+              <a:t>không</a:t>
+            </a:r>
+            <a:r>
+              <a:rPr lang="en-US" sz="2600" dirty="0"/>
+              <a:t> </a:t>
+            </a:r>
+            <a:r>
+              <a:rPr lang="en-US" sz="2600" dirty="0" err="1"/>
+              <a:t>hợp</a:t>
+            </a:r>
+            <a:r>
+              <a:rPr lang="en-US" sz="2600" dirty="0"/>
+              <a:t> </a:t>
+            </a:r>
+            <a:r>
+              <a:rPr lang="en-US" sz="2600" dirty="0" err="1"/>
+              <a:t>lệ</a:t>
+            </a:r>
+            <a:endParaRPr lang="en-US" sz="2600" dirty="0"/>
+          </a:p>
+          <a:p>
+            <a:pPr>
+              <a:buFontTx/>
+              <a:buChar char="-"/>
+            </a:pPr>
+            <a:r>
+              <a:rPr lang="en-US" sz="2800" dirty="0"/>
+              <a:t> Attacker </a:t>
+            </a:r>
+            <a:r>
+              <a:rPr lang="en-US" sz="2800" dirty="0" err="1"/>
+              <a:t>được</a:t>
+            </a:r>
+            <a:r>
+              <a:rPr lang="en-US" sz="2800" dirty="0"/>
+              <a:t> </a:t>
+            </a:r>
+            <a:r>
+              <a:rPr lang="en-US" sz="2800" dirty="0" err="1"/>
+              <a:t>gửi</a:t>
+            </a:r>
+            <a:r>
+              <a:rPr lang="en-US" sz="2800" dirty="0"/>
+              <a:t> ciphertext </a:t>
+            </a:r>
+            <a:r>
+              <a:rPr lang="en-US" sz="2800" dirty="0" err="1"/>
+              <a:t>tùy</a:t>
+            </a:r>
+            <a:r>
+              <a:rPr lang="en-US" sz="2800" dirty="0"/>
+              <a:t> ý </a:t>
+            </a:r>
+            <a:r>
+              <a:rPr lang="en-US" sz="2800" dirty="0" err="1"/>
+              <a:t>liên</a:t>
+            </a:r>
+            <a:r>
+              <a:rPr lang="en-US" sz="2800" dirty="0"/>
+              <a:t> </a:t>
+            </a:r>
+            <a:r>
+              <a:rPr lang="en-US" sz="2800" dirty="0" err="1"/>
+              <a:t>tục</a:t>
+            </a:r>
+            <a:r>
+              <a:rPr lang="en-US" sz="2800" dirty="0"/>
+              <a:t> </a:t>
+            </a:r>
+            <a:r>
+              <a:rPr lang="en-US" sz="2800" dirty="0" err="1"/>
+              <a:t>và</a:t>
+            </a:r>
+            <a:r>
+              <a:rPr lang="en-US" sz="2800" dirty="0"/>
+              <a:t> </a:t>
+            </a:r>
+            <a:r>
+              <a:rPr lang="en-US" sz="2800" dirty="0" err="1"/>
+              <a:t>quan</a:t>
+            </a:r>
+            <a:r>
+              <a:rPr lang="en-US" sz="2800" dirty="0"/>
+              <a:t> </a:t>
+            </a:r>
+            <a:r>
+              <a:rPr lang="en-US" sz="2800" dirty="0" err="1"/>
+              <a:t>sát</a:t>
+            </a:r>
+            <a:r>
+              <a:rPr lang="en-US" sz="2800" dirty="0"/>
+              <a:t> </a:t>
+            </a:r>
+            <a:r>
+              <a:rPr lang="en-US" sz="2800" dirty="0" err="1"/>
+              <a:t>phản</a:t>
+            </a:r>
+            <a:r>
+              <a:rPr lang="en-US" sz="2800" dirty="0"/>
+              <a:t> </a:t>
+            </a:r>
+            <a:r>
+              <a:rPr lang="en-US" sz="2800" dirty="0" err="1"/>
+              <a:t>hồi</a:t>
+            </a:r>
+            <a:endParaRPr lang="en-US" sz="2800" dirty="0"/>
+          </a:p>
+        </p:txBody>
+      </p:sp>
+    </p:spTree>
+    <p:extLst>
+      <p:ext uri="{BB962C8B-B14F-4D97-AF65-F5344CB8AC3E}">
+        <p14:creationId xmlns:p14="http://schemas.microsoft.com/office/powerpoint/2010/main" val="1976019320"/>
+      </p:ext>
+    </p:extLst>
+  </p:cSld>
+  <p:clrMapOvr>
+    <a:masterClrMapping/>
+  </p:clrMapOvr>
+</p:sld>
+</file>
+
+<file path=ppt/slides/slide11.xml><?xml version="1.0" encoding="utf-8"?>
+<p:sld xmlns:a="http://schemas.openxmlformats.org/drawingml/2006/main" xmlns:r="http://schemas.openxmlformats.org/officeDocument/2006/relationships" xmlns:p="http://schemas.openxmlformats.org/presentationml/2006/main">
+  <p:cSld>
+    <p:spTree>
+      <p:nvGrpSpPr>
+        <p:cNvPr id="1" name=""/>
+        <p:cNvGrpSpPr/>
+        <p:nvPr/>
+      </p:nvGrpSpPr>
+      <p:grpSpPr>
+        <a:xfrm>
+          <a:off x="0" y="0"/>
+          <a:ext cx="0" cy="0"/>
+          <a:chOff x="0" y="0"/>
+          <a:chExt cx="0" cy="0"/>
+        </a:xfrm>
+      </p:grpSpPr>
+      <p:sp>
+        <p:nvSpPr>
+          <p:cNvPr id="2" name="Title 1">
+            <a:extLst>
+              <a:ext uri="{FF2B5EF4-FFF2-40B4-BE49-F238E27FC236}">
+                <a16:creationId xmlns:a16="http://schemas.microsoft.com/office/drawing/2014/main" id="{512B0150-081F-3211-A95E-E15A98B8D537}"/>
+              </a:ext>
+            </a:extLst>
+          </p:cNvPr>
+          <p:cNvSpPr>
+            <a:spLocks noGrp="1"/>
+          </p:cNvSpPr>
+          <p:nvPr>
+            <p:ph type="title"/>
+          </p:nvPr>
+        </p:nvSpPr>
+        <p:spPr>
+          <a:xfrm>
+            <a:off x="1066800" y="277442"/>
+            <a:ext cx="10058400" cy="1450757"/>
+          </a:xfrm>
+        </p:spPr>
+        <p:txBody>
+          <a:bodyPr/>
+          <a:lstStyle/>
+          <a:p>
+            <a:pPr algn="ctr"/>
+            <a:r>
+              <a:rPr lang="en-US" dirty="0"/>
+              <a:t>PKCS#1 v1.5 Padding</a:t>
+            </a:r>
+          </a:p>
+        </p:txBody>
+      </p:sp>
+      <p:pic>
+        <p:nvPicPr>
+          <p:cNvPr id="1026" name="Picture 2" descr="rsa - Why PS does differ between PKCS1 v1.5 padding for signature ...">
+            <a:extLst>
+              <a:ext uri="{FF2B5EF4-FFF2-40B4-BE49-F238E27FC236}">
+                <a16:creationId xmlns:a16="http://schemas.microsoft.com/office/drawing/2014/main" id="{BDDA7800-D983-6D82-685C-503D3E5D2850}"/>
+              </a:ext>
+            </a:extLst>
+          </p:cNvPr>
+          <p:cNvPicPr>
+            <a:picLocks noChangeAspect="1" noChangeArrowheads="1"/>
+          </p:cNvPicPr>
+          <p:nvPr/>
+        </p:nvPicPr>
+        <p:blipFill>
+          <a:blip r:embed="rId2">
+            <a:extLst>
+              <a:ext uri="{28A0092B-C50C-407E-A947-70E740481C1C}">
+                <a14:useLocalDpi xmlns:a14="http://schemas.microsoft.com/office/drawing/2010/main" val="0"/>
+              </a:ext>
+            </a:extLst>
+          </a:blip>
+          <a:srcRect/>
+          <a:stretch>
+            <a:fillRect/>
+          </a:stretch>
+        </p:blipFill>
+        <p:spPr bwMode="auto">
+          <a:xfrm>
+            <a:off x="1465772" y="2055243"/>
+            <a:ext cx="8915400" cy="3886200"/>
+          </a:xfrm>
+          <a:prstGeom prst="rect">
+            <a:avLst/>
+          </a:prstGeom>
+          <a:noFill/>
+          <a:extLst>
+            <a:ext uri="{909E8E84-426E-40DD-AFC4-6F175D3DCCD1}">
+              <a14:hiddenFill xmlns:a14="http://schemas.microsoft.com/office/drawing/2010/main">
+                <a:solidFill>
+                  <a:srgbClr val="FFFFFF"/>
+                </a:solidFill>
+              </a14:hiddenFill>
+            </a:ext>
+          </a:extLst>
+        </p:spPr>
+      </p:pic>
+    </p:spTree>
+    <p:extLst>
+      <p:ext uri="{BB962C8B-B14F-4D97-AF65-F5344CB8AC3E}">
+        <p14:creationId xmlns:p14="http://schemas.microsoft.com/office/powerpoint/2010/main" val="2213151347"/>
+      </p:ext>
+    </p:extLst>
+  </p:cSld>
+  <p:clrMapOvr>
+    <a:masterClrMapping/>
+  </p:clrMapOvr>
+</p:sld>
+</file>
+
+<file path=ppt/slides/slide12.xml><?xml version="1.0" encoding="utf-8"?>
+<p:sld xmlns:a="http://schemas.openxmlformats.org/drawingml/2006/main" xmlns:r="http://schemas.openxmlformats.org/officeDocument/2006/relationships" xmlns:p="http://schemas.openxmlformats.org/presentationml/2006/main">
+  <p:cSld>
+    <p:spTree>
+      <p:nvGrpSpPr>
+        <p:cNvPr id="1" name=""/>
+        <p:cNvGrpSpPr/>
+        <p:nvPr/>
+      </p:nvGrpSpPr>
+      <p:grpSpPr>
+        <a:xfrm>
+          <a:off x="0" y="0"/>
+          <a:ext cx="0" cy="0"/>
+          <a:chOff x="0" y="0"/>
+          <a:chExt cx="0" cy="0"/>
+        </a:xfrm>
+      </p:grpSpPr>
+      <p:sp>
+        <p:nvSpPr>
+          <p:cNvPr id="2" name="Title 1">
+            <a:extLst>
+              <a:ext uri="{FF2B5EF4-FFF2-40B4-BE49-F238E27FC236}">
+                <a16:creationId xmlns:a16="http://schemas.microsoft.com/office/drawing/2014/main" id="{512B0150-081F-3211-A95E-E15A98B8D537}"/>
+              </a:ext>
+            </a:extLst>
+          </p:cNvPr>
+          <p:cNvSpPr>
+            <a:spLocks noGrp="1"/>
+          </p:cNvSpPr>
+          <p:nvPr>
+            <p:ph type="title"/>
+          </p:nvPr>
+        </p:nvSpPr>
+        <p:spPr>
+          <a:xfrm>
+            <a:off x="247650" y="254002"/>
+            <a:ext cx="10058400" cy="1450757"/>
+          </a:xfrm>
+        </p:spPr>
+        <p:txBody>
+          <a:bodyPr/>
+          <a:lstStyle/>
+          <a:p>
+            <a:r>
+              <a:rPr lang="en-US" dirty="0"/>
+              <a:t>Padding Oracle </a:t>
+            </a:r>
+            <a:r>
+              <a:rPr lang="en-US" dirty="0" err="1"/>
+              <a:t>là</a:t>
+            </a:r>
+            <a:r>
+              <a:rPr lang="en-US" dirty="0"/>
+              <a:t> </a:t>
+            </a:r>
+            <a:r>
+              <a:rPr lang="en-US" dirty="0" err="1"/>
+              <a:t>gì</a:t>
+            </a:r>
+            <a:r>
+              <a:rPr lang="en-US" dirty="0"/>
+              <a:t>?</a:t>
+            </a:r>
+          </a:p>
+        </p:txBody>
+      </p:sp>
+      <p:sp>
+        <p:nvSpPr>
+          <p:cNvPr id="3" name="Content Placeholder 2">
+            <a:extLst>
+              <a:ext uri="{FF2B5EF4-FFF2-40B4-BE49-F238E27FC236}">
+                <a16:creationId xmlns:a16="http://schemas.microsoft.com/office/drawing/2014/main" id="{34C92A57-AE48-CD21-6442-DDCBC7625A70}"/>
+              </a:ext>
+            </a:extLst>
+          </p:cNvPr>
+          <p:cNvSpPr>
+            <a:spLocks noGrp="1"/>
+          </p:cNvSpPr>
+          <p:nvPr>
+            <p:ph idx="1"/>
+          </p:nvPr>
+        </p:nvSpPr>
+        <p:spPr>
+          <a:xfrm>
+            <a:off x="247650" y="1972634"/>
+            <a:ext cx="10515600" cy="4351338"/>
+          </a:xfrm>
+        </p:spPr>
+        <p:txBody>
+          <a:bodyPr>
+            <a:normAutofit/>
+          </a:bodyPr>
+          <a:lstStyle/>
+          <a:p>
+            <a:pPr>
+              <a:buFontTx/>
+              <a:buChar char="-"/>
+            </a:pPr>
+            <a:r>
+              <a:rPr lang="en-US" sz="2800" dirty="0">
+                <a:latin typeface="Calibri (Body)"/>
+              </a:rPr>
+              <a:t> </a:t>
+            </a:r>
+            <a:r>
+              <a:rPr lang="en-US" sz="2800" dirty="0" err="1">
+                <a:latin typeface="Calibri (Body)"/>
+              </a:rPr>
+              <a:t>Là</a:t>
+            </a:r>
+            <a:r>
+              <a:rPr lang="en-US" sz="2800" dirty="0">
+                <a:latin typeface="Calibri (Body)"/>
+              </a:rPr>
+              <a:t> </a:t>
+            </a:r>
+            <a:r>
+              <a:rPr lang="vi-VN" sz="2800" dirty="0">
+                <a:latin typeface="Calibri (Body)"/>
+              </a:rPr>
+              <a:t>một thành phần cho phép attacker biết </a:t>
+            </a:r>
+            <a:r>
+              <a:rPr lang="vi-VN" sz="2800" b="1" dirty="0">
+                <a:latin typeface="Calibri (Body)"/>
+              </a:rPr>
+              <a:t>ciphertext sau khi decrypt có vượt qua kiểm tra padding hay không</a:t>
+            </a:r>
+            <a:r>
+              <a:rPr lang="vi-VN" sz="2800" dirty="0">
+                <a:latin typeface="Calibri (Body)"/>
+              </a:rPr>
+              <a:t>, thông qua </a:t>
+            </a:r>
+            <a:r>
+              <a:rPr lang="vi-VN" sz="2800" b="1" dirty="0">
+                <a:latin typeface="Calibri (Body)"/>
+              </a:rPr>
+              <a:t>phản hồi hoặc timing khác nhau</a:t>
+            </a:r>
+            <a:r>
+              <a:rPr lang="vi-VN" sz="2800" dirty="0">
+                <a:latin typeface="Calibri (Body)"/>
+              </a:rPr>
+              <a:t>.</a:t>
+            </a:r>
+            <a:endParaRPr lang="en-US" sz="2800" dirty="0">
+              <a:latin typeface="Calibri (Body)"/>
+            </a:endParaRPr>
+          </a:p>
+          <a:p>
+            <a:pPr>
+              <a:buFontTx/>
+              <a:buChar char="-"/>
+            </a:pPr>
+            <a:r>
+              <a:rPr lang="en-US" sz="2800" dirty="0">
+                <a:latin typeface="Calibri (Body)"/>
+              </a:rPr>
+              <a:t> Khi server </a:t>
+            </a:r>
+            <a:r>
+              <a:rPr lang="en-US" sz="2800" dirty="0" err="1">
+                <a:latin typeface="Calibri (Body)"/>
+              </a:rPr>
+              <a:t>thực</a:t>
+            </a:r>
+            <a:r>
+              <a:rPr lang="en-US" sz="2800" dirty="0">
+                <a:latin typeface="Calibri (Body)"/>
+              </a:rPr>
+              <a:t> </a:t>
+            </a:r>
+            <a:r>
+              <a:rPr lang="en-US" sz="2800" dirty="0" err="1">
+                <a:latin typeface="Calibri (Body)"/>
+              </a:rPr>
+              <a:t>hiện</a:t>
+            </a:r>
+            <a:r>
+              <a:rPr lang="en-US" sz="2800" dirty="0">
+                <a:latin typeface="Calibri (Body)"/>
+              </a:rPr>
+              <a:t> </a:t>
+            </a:r>
+            <a:r>
+              <a:rPr lang="en-US" sz="2800" dirty="0" err="1">
+                <a:latin typeface="Calibri (Body)"/>
+              </a:rPr>
+              <a:t>giải</a:t>
+            </a:r>
+            <a:r>
+              <a:rPr lang="en-US" sz="2800" dirty="0">
+                <a:latin typeface="Calibri (Body)"/>
+              </a:rPr>
+              <a:t> </a:t>
+            </a:r>
+            <a:r>
+              <a:rPr lang="en-US" sz="2800" dirty="0" err="1">
+                <a:latin typeface="Calibri (Body)"/>
+              </a:rPr>
+              <a:t>mã</a:t>
+            </a:r>
+            <a:r>
+              <a:rPr lang="en-US" sz="2800" dirty="0">
+                <a:latin typeface="Calibri (Body)"/>
+              </a:rPr>
+              <a:t> RSA </a:t>
+            </a:r>
+            <a:r>
+              <a:rPr lang="en-US" sz="2800" dirty="0" err="1">
+                <a:latin typeface="Calibri (Body)"/>
+              </a:rPr>
+              <a:t>hoặc</a:t>
+            </a:r>
+            <a:r>
+              <a:rPr lang="en-US" sz="2800" dirty="0">
+                <a:latin typeface="Calibri (Body)"/>
+              </a:rPr>
+              <a:t> </a:t>
+            </a:r>
+            <a:r>
+              <a:rPr lang="en-US" sz="2800" dirty="0" err="1">
+                <a:latin typeface="Calibri (Body)"/>
+              </a:rPr>
+              <a:t>kiểm</a:t>
+            </a:r>
+            <a:r>
+              <a:rPr lang="en-US" sz="2800" dirty="0">
+                <a:latin typeface="Calibri (Body)"/>
+              </a:rPr>
+              <a:t> </a:t>
+            </a:r>
+            <a:r>
+              <a:rPr lang="en-US" sz="2800" dirty="0" err="1">
+                <a:latin typeface="Calibri (Body)"/>
+              </a:rPr>
+              <a:t>tra</a:t>
+            </a:r>
+            <a:r>
+              <a:rPr lang="en-US" sz="2800" dirty="0">
+                <a:latin typeface="Calibri (Body)"/>
+              </a:rPr>
+              <a:t> padding PKCS#1 v1.5, server </a:t>
+            </a:r>
+            <a:r>
+              <a:rPr lang="en-US" sz="2800" dirty="0" err="1">
+                <a:latin typeface="Calibri (Body)"/>
+              </a:rPr>
+              <a:t>sẽ</a:t>
+            </a:r>
+            <a:r>
+              <a:rPr lang="en-US" sz="2800" dirty="0">
+                <a:latin typeface="Calibri (Body)"/>
+              </a:rPr>
+              <a:t> </a:t>
+            </a:r>
+            <a:r>
+              <a:rPr lang="en-US" sz="2800" dirty="0" err="1">
+                <a:latin typeface="Calibri (Body)"/>
+              </a:rPr>
+              <a:t>để</a:t>
+            </a:r>
+            <a:r>
+              <a:rPr lang="en-US" sz="2800" dirty="0">
+                <a:latin typeface="Calibri (Body)"/>
+              </a:rPr>
+              <a:t> </a:t>
+            </a:r>
+            <a:r>
+              <a:rPr lang="en-US" sz="2800" dirty="0" err="1">
+                <a:latin typeface="Calibri (Body)"/>
+              </a:rPr>
+              <a:t>lộ</a:t>
+            </a:r>
+            <a:r>
+              <a:rPr lang="en-US" sz="2800" dirty="0">
+                <a:latin typeface="Calibri (Body)"/>
+              </a:rPr>
+              <a:t> </a:t>
+            </a:r>
+            <a:r>
+              <a:rPr lang="en-US" sz="2800" dirty="0" err="1">
+                <a:latin typeface="Calibri (Body)"/>
+              </a:rPr>
+              <a:t>kết</a:t>
+            </a:r>
+            <a:r>
+              <a:rPr lang="en-US" sz="2800" dirty="0">
+                <a:latin typeface="Calibri (Body)"/>
+              </a:rPr>
+              <a:t> </a:t>
+            </a:r>
+            <a:r>
+              <a:rPr lang="en-US" sz="2800" dirty="0" err="1">
+                <a:latin typeface="Calibri (Body)"/>
+              </a:rPr>
+              <a:t>quả</a:t>
+            </a:r>
+            <a:r>
+              <a:rPr lang="en-US" sz="2800" dirty="0">
+                <a:latin typeface="Calibri (Body)"/>
+              </a:rPr>
+              <a:t> </a:t>
+            </a:r>
+            <a:r>
+              <a:rPr lang="en-US" sz="2800" dirty="0" err="1">
+                <a:latin typeface="Calibri (Body)"/>
+              </a:rPr>
+              <a:t>kiểm</a:t>
+            </a:r>
+            <a:r>
+              <a:rPr lang="en-US" sz="2800" dirty="0">
+                <a:latin typeface="Calibri (Body)"/>
+              </a:rPr>
+              <a:t> </a:t>
+            </a:r>
+            <a:r>
+              <a:rPr lang="en-US" sz="2800" dirty="0" err="1">
+                <a:latin typeface="Calibri (Body)"/>
+              </a:rPr>
+              <a:t>tra</a:t>
+            </a:r>
+            <a:r>
+              <a:rPr lang="en-US" sz="2800" dirty="0">
+                <a:latin typeface="Calibri (Body)"/>
+              </a:rPr>
+              <a:t> padding:</a:t>
+            </a:r>
+          </a:p>
+          <a:p>
+            <a:pPr lvl="1">
+              <a:buFontTx/>
+              <a:buChar char="-"/>
+            </a:pPr>
+            <a:r>
+              <a:rPr lang="en-US" sz="2600" dirty="0" err="1">
+                <a:latin typeface="Calibri (Body)"/>
+              </a:rPr>
+              <a:t>Trả</a:t>
+            </a:r>
+            <a:r>
+              <a:rPr lang="en-US" sz="2600" dirty="0">
+                <a:latin typeface="Calibri (Body)"/>
+              </a:rPr>
+              <a:t> </a:t>
+            </a:r>
+            <a:r>
+              <a:rPr lang="en-US" sz="2600" dirty="0" err="1">
+                <a:latin typeface="Calibri (Body)"/>
+              </a:rPr>
+              <a:t>về</a:t>
+            </a:r>
+            <a:r>
+              <a:rPr lang="en-US" sz="2600" dirty="0">
+                <a:latin typeface="Calibri (Body)"/>
+              </a:rPr>
+              <a:t> OK/FAIL</a:t>
+            </a:r>
+          </a:p>
+          <a:p>
+            <a:pPr lvl="1">
+              <a:buFontTx/>
+              <a:buChar char="-"/>
+            </a:pPr>
+            <a:r>
+              <a:rPr lang="en-US" sz="2600" dirty="0">
+                <a:latin typeface="Calibri (Body)"/>
+              </a:rPr>
+              <a:t>Timing </a:t>
+            </a:r>
+            <a:r>
+              <a:rPr lang="en-US" sz="2600" dirty="0" err="1">
+                <a:latin typeface="Calibri (Body)"/>
+              </a:rPr>
+              <a:t>khác</a:t>
+            </a:r>
+            <a:r>
+              <a:rPr lang="en-US" sz="2600" dirty="0">
+                <a:latin typeface="Calibri (Body)"/>
+              </a:rPr>
+              <a:t> </a:t>
+            </a:r>
+            <a:r>
+              <a:rPr lang="en-US" sz="2600" dirty="0" err="1">
+                <a:latin typeface="Calibri (Body)"/>
+              </a:rPr>
+              <a:t>nhau</a:t>
+            </a:r>
+            <a:endParaRPr lang="en-US" sz="2600" dirty="0">
+              <a:latin typeface="Calibri (Body)"/>
+            </a:endParaRPr>
+          </a:p>
+        </p:txBody>
+      </p:sp>
+    </p:spTree>
+    <p:extLst>
+      <p:ext uri="{BB962C8B-B14F-4D97-AF65-F5344CB8AC3E}">
+        <p14:creationId xmlns:p14="http://schemas.microsoft.com/office/powerpoint/2010/main" val="2663286938"/>
+      </p:ext>
+    </p:extLst>
+  </p:cSld>
+  <p:clrMapOvr>
+    <a:masterClrMapping/>
+  </p:clrMapOvr>
+</p:sld>
+</file>
+
+<file path=ppt/slides/slide13.xml><?xml version="1.0" encoding="utf-8"?>
+<p:sld xmlns:a="http://schemas.openxmlformats.org/drawingml/2006/main" xmlns:r="http://schemas.openxmlformats.org/officeDocument/2006/relationships" xmlns:p="http://schemas.openxmlformats.org/presentationml/2006/main">
+  <p:cSld>
+    <p:spTree>
+      <p:nvGrpSpPr>
+        <p:cNvPr id="1" name=""/>
+        <p:cNvGrpSpPr/>
+        <p:nvPr/>
+      </p:nvGrpSpPr>
+      <p:grpSpPr>
+        <a:xfrm>
+          <a:off x="0" y="0"/>
+          <a:ext cx="0" cy="0"/>
+          <a:chOff x="0" y="0"/>
+          <a:chExt cx="0" cy="0"/>
+        </a:xfrm>
+      </p:grpSpPr>
+      <p:sp>
+        <p:nvSpPr>
+          <p:cNvPr id="2" name="Title 1">
+            <a:extLst>
+              <a:ext uri="{FF2B5EF4-FFF2-40B4-BE49-F238E27FC236}">
+                <a16:creationId xmlns:a16="http://schemas.microsoft.com/office/drawing/2014/main" id="{512B0150-081F-3211-A95E-E15A98B8D537}"/>
+              </a:ext>
+            </a:extLst>
+          </p:cNvPr>
+          <p:cNvSpPr>
+            <a:spLocks noGrp="1"/>
+          </p:cNvSpPr>
+          <p:nvPr>
+            <p:ph type="title"/>
+          </p:nvPr>
+        </p:nvSpPr>
+        <p:spPr>
+          <a:xfrm>
+            <a:off x="0" y="263527"/>
+            <a:ext cx="10058400" cy="1450757"/>
+          </a:xfrm>
+        </p:spPr>
+        <p:txBody>
+          <a:bodyPr/>
+          <a:lstStyle/>
+          <a:p>
+            <a:r>
+              <a:rPr lang="en-US" dirty="0"/>
+              <a:t>Attack A - </a:t>
+            </a:r>
+            <a:r>
+              <a:rPr lang="en-US" sz="4800" dirty="0" err="1"/>
+              <a:t>Bleichenbacher</a:t>
+            </a:r>
+            <a:r>
+              <a:rPr lang="en-US" sz="4800" dirty="0"/>
+              <a:t> padding oracle </a:t>
+            </a:r>
+            <a:endParaRPr lang="en-US" dirty="0"/>
+          </a:p>
+        </p:txBody>
+      </p:sp>
+      <p:pic>
+        <p:nvPicPr>
+          <p:cNvPr id="31" name="Content Placeholder 30" descr="A diagram of a computer&#10;&#10;AI-generated content may be incorrect.">
+            <a:extLst>
+              <a:ext uri="{FF2B5EF4-FFF2-40B4-BE49-F238E27FC236}">
+                <a16:creationId xmlns:a16="http://schemas.microsoft.com/office/drawing/2014/main" id="{5E5E9C88-CB8B-0BEA-A81F-FBA26CF5E622}"/>
+              </a:ext>
+            </a:extLst>
+          </p:cNvPr>
+          <p:cNvPicPr>
+            <a:picLocks noGrp="1" noChangeAspect="1"/>
+          </p:cNvPicPr>
+          <p:nvPr>
+            <p:ph idx="1"/>
+          </p:nvPr>
+        </p:nvPicPr>
+        <p:blipFill>
+          <a:blip r:embed="rId2">
+            <a:extLst>
+              <a:ext uri="{28A0092B-C50C-407E-A947-70E740481C1C}">
+                <a14:useLocalDpi xmlns:a14="http://schemas.microsoft.com/office/drawing/2010/main" val="0"/>
+              </a:ext>
+            </a:extLst>
+          </a:blip>
+          <a:stretch>
+            <a:fillRect/>
+          </a:stretch>
+        </p:blipFill>
+        <p:spPr>
+          <a:xfrm>
+            <a:off x="0" y="2631058"/>
+            <a:ext cx="12192000" cy="2301754"/>
+          </a:xfrm>
+        </p:spPr>
+      </p:pic>
+    </p:spTree>
+    <p:extLst>
+      <p:ext uri="{BB962C8B-B14F-4D97-AF65-F5344CB8AC3E}">
+        <p14:creationId xmlns:p14="http://schemas.microsoft.com/office/powerpoint/2010/main" val="1710472379"/>
+      </p:ext>
+    </p:extLst>
+  </p:cSld>
+  <p:clrMapOvr>
+    <a:masterClrMapping/>
+  </p:clrMapOvr>
+</p:sld>
+</file>
+
+<file path=ppt/slides/slide14.xml><?xml version="1.0" encoding="utf-8"?>
+<p:sld xmlns:a="http://schemas.openxmlformats.org/drawingml/2006/main" xmlns:r="http://schemas.openxmlformats.org/officeDocument/2006/relationships" xmlns:p="http://schemas.openxmlformats.org/presentationml/2006/main">
+  <p:cSld>
+    <p:spTree>
+      <p:nvGrpSpPr>
+        <p:cNvPr id="1" name=""/>
+        <p:cNvGrpSpPr/>
+        <p:nvPr/>
+      </p:nvGrpSpPr>
+      <p:grpSpPr>
+        <a:xfrm>
+          <a:off x="0" y="0"/>
+          <a:ext cx="0" cy="0"/>
+          <a:chOff x="0" y="0"/>
+          <a:chExt cx="0" cy="0"/>
+        </a:xfrm>
+      </p:grpSpPr>
+      <p:sp>
+        <p:nvSpPr>
+          <p:cNvPr id="2" name="Title 1">
+            <a:extLst>
+              <a:ext uri="{FF2B5EF4-FFF2-40B4-BE49-F238E27FC236}">
+                <a16:creationId xmlns:a16="http://schemas.microsoft.com/office/drawing/2014/main" id="{512B0150-081F-3211-A95E-E15A98B8D537}"/>
+              </a:ext>
+            </a:extLst>
+          </p:cNvPr>
+          <p:cNvSpPr>
+            <a:spLocks noGrp="1"/>
+          </p:cNvSpPr>
+          <p:nvPr>
+            <p:ph type="title"/>
+          </p:nvPr>
+        </p:nvSpPr>
+        <p:spPr>
+          <a:xfrm>
+            <a:off x="0" y="263527"/>
+            <a:ext cx="10058400" cy="1450757"/>
+          </a:xfrm>
+        </p:spPr>
+        <p:txBody>
+          <a:bodyPr/>
+          <a:lstStyle/>
+          <a:p>
+            <a:r>
+              <a:rPr lang="en-US" dirty="0"/>
+              <a:t>Attack A - </a:t>
+            </a:r>
+            <a:r>
+              <a:rPr lang="en-US" sz="4800" dirty="0" err="1"/>
+              <a:t>Bleichenbacher</a:t>
+            </a:r>
+            <a:r>
+              <a:rPr lang="en-US" sz="4800" dirty="0"/>
+              <a:t> padding oracle </a:t>
+            </a:r>
+            <a:endParaRPr lang="en-US" dirty="0"/>
+          </a:p>
+        </p:txBody>
+      </p:sp>
+      <p:sp>
+        <p:nvSpPr>
+          <p:cNvPr id="4" name="Content Placeholder 3">
+            <a:extLst>
+              <a:ext uri="{FF2B5EF4-FFF2-40B4-BE49-F238E27FC236}">
+                <a16:creationId xmlns:a16="http://schemas.microsoft.com/office/drawing/2014/main" id="{75CC01D4-651F-4472-7EE1-4BFB0762C34B}"/>
+              </a:ext>
+            </a:extLst>
+          </p:cNvPr>
+          <p:cNvSpPr>
+            <a:spLocks noGrp="1"/>
+          </p:cNvSpPr>
+          <p:nvPr>
+            <p:ph idx="1"/>
+          </p:nvPr>
+        </p:nvSpPr>
+        <p:spPr>
+          <a:xfrm>
+            <a:off x="112145" y="1948383"/>
+            <a:ext cx="7240846" cy="1848884"/>
+          </a:xfrm>
+        </p:spPr>
+        <p:txBody>
+          <a:bodyPr>
+            <a:normAutofit/>
+          </a:bodyPr>
+          <a:lstStyle/>
+          <a:p>
+            <a:r>
+              <a:rPr lang="en-US" dirty="0"/>
+              <a:t>- Demo Lab:</a:t>
+            </a:r>
+          </a:p>
+          <a:p>
+            <a:pPr lvl="1"/>
+            <a:r>
+              <a:rPr lang="en-US" dirty="0"/>
+              <a:t>Server </a:t>
+            </a:r>
+            <a:r>
+              <a:rPr lang="en-US" dirty="0" err="1"/>
+              <a:t>dùng</a:t>
+            </a:r>
+            <a:r>
+              <a:rPr lang="en-US" dirty="0"/>
+              <a:t> RSA PCKS#1 v1.5 </a:t>
+            </a:r>
+            <a:r>
+              <a:rPr lang="en-US" dirty="0" err="1"/>
+              <a:t>để</a:t>
+            </a:r>
+            <a:r>
+              <a:rPr lang="en-US" dirty="0"/>
+              <a:t> gen key </a:t>
+            </a:r>
+            <a:r>
+              <a:rPr lang="en-US" dirty="0" err="1"/>
+              <a:t>và</a:t>
+            </a:r>
+            <a:r>
+              <a:rPr lang="en-US" dirty="0"/>
+              <a:t> </a:t>
+            </a:r>
+            <a:r>
+              <a:rPr lang="en-US" dirty="0" err="1"/>
+              <a:t>giải</a:t>
+            </a:r>
+            <a:r>
+              <a:rPr lang="en-US" dirty="0"/>
+              <a:t> </a:t>
+            </a:r>
+            <a:r>
+              <a:rPr lang="en-US" dirty="0" err="1"/>
+              <a:t>mã</a:t>
+            </a:r>
+            <a:endParaRPr lang="en-US" dirty="0"/>
+          </a:p>
+          <a:p>
+            <a:pPr lvl="1"/>
+            <a:r>
+              <a:rPr lang="en-US" dirty="0"/>
+              <a:t>Server </a:t>
+            </a:r>
+            <a:r>
+              <a:rPr lang="en-US" dirty="0" err="1"/>
+              <a:t>trả</a:t>
+            </a:r>
+            <a:r>
+              <a:rPr lang="en-US" dirty="0"/>
+              <a:t> </a:t>
+            </a:r>
+            <a:r>
+              <a:rPr lang="en-US" dirty="0" err="1"/>
+              <a:t>về</a:t>
+            </a:r>
+            <a:r>
+              <a:rPr lang="en-US" dirty="0"/>
+              <a:t> OK/FAIL</a:t>
+            </a:r>
+          </a:p>
+          <a:p>
+            <a:r>
+              <a:rPr lang="en-US" dirty="0"/>
+              <a:t>- </a:t>
+            </a:r>
+            <a:r>
+              <a:rPr lang="en-US" dirty="0" err="1"/>
+              <a:t>Phục</a:t>
+            </a:r>
+            <a:r>
+              <a:rPr lang="en-US" dirty="0"/>
+              <a:t> </a:t>
+            </a:r>
+            <a:r>
+              <a:rPr lang="en-US" dirty="0" err="1"/>
+              <a:t>hồi</a:t>
+            </a:r>
+            <a:r>
+              <a:rPr lang="en-US" dirty="0"/>
+              <a:t> 48 byte premaster secret (plaintext)</a:t>
+            </a:r>
+          </a:p>
+        </p:txBody>
+      </p:sp>
+      <p:pic>
+        <p:nvPicPr>
+          <p:cNvPr id="20" name="Picture 19">
+            <a:extLst>
+              <a:ext uri="{FF2B5EF4-FFF2-40B4-BE49-F238E27FC236}">
+                <a16:creationId xmlns:a16="http://schemas.microsoft.com/office/drawing/2014/main" id="{4D32CD3A-B210-41D0-F547-DA6B19A8E9FD}"/>
+              </a:ext>
+            </a:extLst>
+          </p:cNvPr>
+          <p:cNvPicPr>
+            <a:picLocks noChangeAspect="1"/>
+          </p:cNvPicPr>
+          <p:nvPr/>
+        </p:nvPicPr>
+        <p:blipFill>
+          <a:blip r:embed="rId2"/>
+          <a:stretch>
+            <a:fillRect/>
+          </a:stretch>
+        </p:blipFill>
+        <p:spPr>
+          <a:xfrm>
+            <a:off x="0" y="3797268"/>
+            <a:ext cx="7352990" cy="2555257"/>
+          </a:xfrm>
+          <a:prstGeom prst="rect">
+            <a:avLst/>
+          </a:prstGeom>
+        </p:spPr>
+      </p:pic>
+      <p:pic>
+        <p:nvPicPr>
+          <p:cNvPr id="26" name="Picture 25">
+            <a:extLst>
+              <a:ext uri="{FF2B5EF4-FFF2-40B4-BE49-F238E27FC236}">
+                <a16:creationId xmlns:a16="http://schemas.microsoft.com/office/drawing/2014/main" id="{E7108EC3-6A2C-AE20-EF98-01E93F2FDC10}"/>
+              </a:ext>
+            </a:extLst>
+          </p:cNvPr>
+          <p:cNvPicPr>
+            <a:picLocks noChangeAspect="1"/>
+          </p:cNvPicPr>
+          <p:nvPr/>
+        </p:nvPicPr>
+        <p:blipFill>
+          <a:blip r:embed="rId3"/>
+          <a:stretch>
+            <a:fillRect/>
+          </a:stretch>
+        </p:blipFill>
+        <p:spPr>
+          <a:xfrm>
+            <a:off x="7352990" y="2059583"/>
+            <a:ext cx="4839010" cy="4292941"/>
+          </a:xfrm>
+          <a:prstGeom prst="rect">
+            <a:avLst/>
+          </a:prstGeom>
+        </p:spPr>
+      </p:pic>
+    </p:spTree>
+    <p:extLst>
+      <p:ext uri="{BB962C8B-B14F-4D97-AF65-F5344CB8AC3E}">
+        <p14:creationId xmlns:p14="http://schemas.microsoft.com/office/powerpoint/2010/main" val="4130099809"/>
+      </p:ext>
+    </p:extLst>
+  </p:cSld>
+  <p:clrMapOvr>
+    <a:masterClrMapping/>
+  </p:clrMapOvr>
+</p:sld>
+</file>
+
+<file path=ppt/slides/slide15.xml><?xml version="1.0" encoding="utf-8"?>
+<p:sld xmlns:a="http://schemas.openxmlformats.org/drawingml/2006/main" xmlns:r="http://schemas.openxmlformats.org/officeDocument/2006/relationships" xmlns:p="http://schemas.openxmlformats.org/presentationml/2006/main">
+  <p:cSld>
+    <p:spTree>
+      <p:nvGrpSpPr>
+        <p:cNvPr id="1" name=""/>
+        <p:cNvGrpSpPr/>
+        <p:nvPr/>
+      </p:nvGrpSpPr>
+      <p:grpSpPr>
+        <a:xfrm>
+          <a:off x="0" y="0"/>
+          <a:ext cx="0" cy="0"/>
+          <a:chOff x="0" y="0"/>
+          <a:chExt cx="0" cy="0"/>
+        </a:xfrm>
+      </p:grpSpPr>
+      <p:sp>
+        <p:nvSpPr>
+          <p:cNvPr id="2" name="Title 1">
+            <a:extLst>
+              <a:ext uri="{FF2B5EF4-FFF2-40B4-BE49-F238E27FC236}">
+                <a16:creationId xmlns:a16="http://schemas.microsoft.com/office/drawing/2014/main" id="{512B0150-081F-3211-A95E-E15A98B8D537}"/>
+              </a:ext>
+            </a:extLst>
+          </p:cNvPr>
+          <p:cNvSpPr>
+            <a:spLocks noGrp="1"/>
+          </p:cNvSpPr>
+          <p:nvPr>
+            <p:ph type="title"/>
+          </p:nvPr>
+        </p:nvSpPr>
+        <p:spPr>
+          <a:xfrm>
+            <a:off x="0" y="263527"/>
+            <a:ext cx="10058400" cy="1450757"/>
+          </a:xfrm>
+        </p:spPr>
+        <p:txBody>
+          <a:bodyPr/>
+          <a:lstStyle/>
+          <a:p>
+            <a:r>
               <a:rPr lang="en-US" dirty="0" err="1"/>
               <a:t>Kết</a:t>
             </a:r>
@@ -4786,7 +6150,7 @@
                     <a:p>
                       <a:pPr algn="r"/>
                       <a:r>
-                        <a:rPr lang="en-US" sz="1800"/>
+                        <a:rPr lang="en-US" sz="1800" dirty="0"/>
                         <a:t>46,068</a:t>
                       </a:r>
                     </a:p>
@@ -5644,7 +7008,7 @@
 </p:sld>
 </file>
 
-<file path=ppt/slides/slide11.xml><?xml version="1.0" encoding="utf-8"?>
+<file path=ppt/slides/slide16.xml><?xml version="1.0" encoding="utf-8"?>
 <p:sld xmlns:a="http://schemas.openxmlformats.org/drawingml/2006/main" xmlns:r="http://schemas.openxmlformats.org/officeDocument/2006/relationships" xmlns:p="http://schemas.openxmlformats.org/presentationml/2006/main">
   <p:cSld>
     <p:spTree>
@@ -6208,7 +7572,7 @@
 </p:sld>
 </file>
 
-<file path=ppt/slides/slide12.xml><?xml version="1.0" encoding="utf-8"?>
+<file path=ppt/slides/slide17.xml><?xml version="1.0" encoding="utf-8"?>
 <p:sld xmlns:a="http://schemas.openxmlformats.org/drawingml/2006/main" xmlns:r="http://schemas.openxmlformats.org/officeDocument/2006/relationships" xmlns:p="http://schemas.openxmlformats.org/presentationml/2006/main">
   <p:cSld>
     <p:spTree>
@@ -6288,7 +7652,7 @@
         </p:nvSpPr>
         <p:spPr>
           <a:xfrm>
-            <a:off x="0" y="1940625"/>
+            <a:off x="0" y="2264475"/>
             <a:ext cx="5727940" cy="4023360"/>
           </a:xfrm>
         </p:spPr>
@@ -6578,7 +7942,7 @@
         </p:blipFill>
         <p:spPr>
           <a:xfrm>
-            <a:off x="5820889" y="2046628"/>
+            <a:off x="5830414" y="2264475"/>
             <a:ext cx="5915851" cy="2419688"/>
           </a:xfrm>
           <a:prstGeom prst="rect">
@@ -6599,7 +7963,3254 @@
 </p:sld>
 </file>
 
-<file path=ppt/slides/slide13.xml><?xml version="1.0" encoding="utf-8"?>
+<file path=ppt/slides/slide18.xml><?xml version="1.0" encoding="utf-8"?>
+<p:sld xmlns:a="http://schemas.openxmlformats.org/drawingml/2006/main" xmlns:r="http://schemas.openxmlformats.org/officeDocument/2006/relationships" xmlns:p="http://schemas.openxmlformats.org/presentationml/2006/main">
+  <p:cSld>
+    <p:spTree>
+      <p:nvGrpSpPr>
+        <p:cNvPr id="1" name=""/>
+        <p:cNvGrpSpPr/>
+        <p:nvPr/>
+      </p:nvGrpSpPr>
+      <p:grpSpPr>
+        <a:xfrm>
+          <a:off x="0" y="0"/>
+          <a:ext cx="0" cy="0"/>
+          <a:chOff x="0" y="0"/>
+          <a:chExt cx="0" cy="0"/>
+        </a:xfrm>
+      </p:grpSpPr>
+      <p:sp>
+        <p:nvSpPr>
+          <p:cNvPr id="2" name="Title 1">
+            <a:extLst>
+              <a:ext uri="{FF2B5EF4-FFF2-40B4-BE49-F238E27FC236}">
+                <a16:creationId xmlns:a16="http://schemas.microsoft.com/office/drawing/2014/main" id="{512B0150-081F-3211-A95E-E15A98B8D537}"/>
+              </a:ext>
+            </a:extLst>
+          </p:cNvPr>
+          <p:cNvSpPr>
+            <a:spLocks noGrp="1"/>
+          </p:cNvSpPr>
+          <p:nvPr>
+            <p:ph type="title"/>
+          </p:nvPr>
+        </p:nvSpPr>
+        <p:spPr>
+          <a:xfrm>
+            <a:off x="0" y="263527"/>
+            <a:ext cx="10058400" cy="1450757"/>
+          </a:xfrm>
+        </p:spPr>
+        <p:txBody>
+          <a:bodyPr/>
+          <a:lstStyle/>
+          <a:p>
+            <a:r>
+              <a:rPr lang="en-US" dirty="0" err="1"/>
+              <a:t>Trả</a:t>
+            </a:r>
+            <a:r>
+              <a:rPr lang="en-US" dirty="0"/>
+              <a:t> </a:t>
+            </a:r>
+            <a:r>
+              <a:rPr lang="en-US" dirty="0" err="1"/>
+              <a:t>lời</a:t>
+            </a:r>
+            <a:r>
+              <a:rPr lang="en-US" dirty="0"/>
+              <a:t> </a:t>
+            </a:r>
+            <a:r>
+              <a:rPr lang="en-US" dirty="0" err="1"/>
+              <a:t>câu</a:t>
+            </a:r>
+            <a:r>
+              <a:rPr lang="en-US" dirty="0"/>
+              <a:t> </a:t>
+            </a:r>
+            <a:r>
+              <a:rPr lang="en-US" dirty="0" err="1"/>
+              <a:t>hỏi</a:t>
+            </a:r>
+            <a:r>
+              <a:rPr lang="en-US" dirty="0"/>
+              <a:t> RQ2</a:t>
+            </a:r>
+          </a:p>
+        </p:txBody>
+      </p:sp>
+      <p:sp>
+        <p:nvSpPr>
+          <p:cNvPr id="3" name="Content Placeholder 2">
+            <a:extLst>
+              <a:ext uri="{FF2B5EF4-FFF2-40B4-BE49-F238E27FC236}">
+                <a16:creationId xmlns:a16="http://schemas.microsoft.com/office/drawing/2014/main" id="{C5050B79-4971-0890-4933-4B8D772F68A7}"/>
+              </a:ext>
+            </a:extLst>
+          </p:cNvPr>
+          <p:cNvSpPr>
+            <a:spLocks noGrp="1"/>
+          </p:cNvSpPr>
+          <p:nvPr>
+            <p:ph idx="1"/>
+          </p:nvPr>
+        </p:nvSpPr>
+        <p:spPr>
+          <a:xfrm>
+            <a:off x="0" y="1940625"/>
+            <a:ext cx="5727940" cy="4023360"/>
+          </a:xfrm>
+        </p:spPr>
+        <p:txBody>
+          <a:bodyPr>
+            <a:normAutofit/>
+          </a:bodyPr>
+          <a:lstStyle/>
+          <a:p>
+            <a:pPr lvl="1">
+              <a:buFontTx/>
+              <a:buChar char="-"/>
+            </a:pPr>
+            <a:endParaRPr lang="en-US" sz="2400" dirty="0">
+              <a:latin typeface="Calibri (Body)"/>
+            </a:endParaRPr>
+          </a:p>
+        </p:txBody>
+      </p:sp>
+    </p:spTree>
+    <p:extLst>
+      <p:ext uri="{BB962C8B-B14F-4D97-AF65-F5344CB8AC3E}">
+        <p14:creationId xmlns:p14="http://schemas.microsoft.com/office/powerpoint/2010/main" val="3784287316"/>
+      </p:ext>
+    </p:extLst>
+  </p:cSld>
+  <p:clrMapOvr>
+    <a:masterClrMapping/>
+  </p:clrMapOvr>
+</p:sld>
+</file>
+
+<file path=ppt/slides/slide19.xml><?xml version="1.0" encoding="utf-8"?>
+<p:sld xmlns:a="http://schemas.openxmlformats.org/drawingml/2006/main" xmlns:r="http://schemas.openxmlformats.org/officeDocument/2006/relationships" xmlns:p="http://schemas.openxmlformats.org/presentationml/2006/main">
+  <p:cSld>
+    <p:spTree>
+      <p:nvGrpSpPr>
+        <p:cNvPr id="1" name=""/>
+        <p:cNvGrpSpPr/>
+        <p:nvPr/>
+      </p:nvGrpSpPr>
+      <p:grpSpPr>
+        <a:xfrm>
+          <a:off x="0" y="0"/>
+          <a:ext cx="0" cy="0"/>
+          <a:chOff x="0" y="0"/>
+          <a:chExt cx="0" cy="0"/>
+        </a:xfrm>
+      </p:grpSpPr>
+      <p:sp>
+        <p:nvSpPr>
+          <p:cNvPr id="2" name="Title 1">
+            <a:extLst>
+              <a:ext uri="{FF2B5EF4-FFF2-40B4-BE49-F238E27FC236}">
+                <a16:creationId xmlns:a16="http://schemas.microsoft.com/office/drawing/2014/main" id="{8F40763E-AC7F-EB28-BD09-03DC5045D1FC}"/>
+              </a:ext>
+            </a:extLst>
+          </p:cNvPr>
+          <p:cNvSpPr>
+            <a:spLocks noGrp="1"/>
+          </p:cNvSpPr>
+          <p:nvPr>
+            <p:ph type="title"/>
+          </p:nvPr>
+        </p:nvSpPr>
+        <p:spPr>
+          <a:xfrm>
+            <a:off x="192405" y="286603"/>
+            <a:ext cx="10058400" cy="1450757"/>
+          </a:xfrm>
+        </p:spPr>
+        <p:txBody>
+          <a:bodyPr/>
+          <a:lstStyle/>
+          <a:p>
+            <a:r>
+              <a:rPr lang="en-US" dirty="0"/>
+              <a:t>Attack C – Wiener’s Attack / low d</a:t>
+            </a:r>
+          </a:p>
+        </p:txBody>
+      </p:sp>
+      <p:sp>
+        <p:nvSpPr>
+          <p:cNvPr id="3" name="Content Placeholder 2">
+            <a:extLst>
+              <a:ext uri="{FF2B5EF4-FFF2-40B4-BE49-F238E27FC236}">
+                <a16:creationId xmlns:a16="http://schemas.microsoft.com/office/drawing/2014/main" id="{DE7A103C-824D-63E5-19B2-5C4B19B5AC17}"/>
+              </a:ext>
+            </a:extLst>
+          </p:cNvPr>
+          <p:cNvSpPr>
+            <a:spLocks noGrp="1"/>
+          </p:cNvSpPr>
+          <p:nvPr>
+            <p:ph idx="1"/>
+          </p:nvPr>
+        </p:nvSpPr>
+        <p:spPr>
+          <a:xfrm>
+            <a:off x="0" y="1969343"/>
+            <a:ext cx="12191999" cy="3783757"/>
+          </a:xfrm>
+        </p:spPr>
+        <p:txBody>
+          <a:bodyPr>
+            <a:normAutofit/>
+          </a:bodyPr>
+          <a:lstStyle/>
+          <a:p>
+            <a:r>
+              <a:rPr lang="en-US" sz="2800" dirty="0"/>
+              <a:t>- </a:t>
+            </a:r>
+            <a:r>
+              <a:rPr lang="en-US" sz="2800" dirty="0" err="1"/>
+              <a:t>Khai</a:t>
+            </a:r>
+            <a:r>
+              <a:rPr lang="en-US" sz="2800" dirty="0"/>
+              <a:t> </a:t>
+            </a:r>
+            <a:r>
+              <a:rPr lang="en-US" sz="2800" dirty="0" err="1"/>
+              <a:t>thác</a:t>
+            </a:r>
+            <a:r>
+              <a:rPr lang="en-US" sz="2800" dirty="0"/>
+              <a:t> </a:t>
+            </a:r>
+            <a:r>
+              <a:rPr lang="en-US" sz="2800" dirty="0" err="1"/>
+              <a:t>cấu</a:t>
+            </a:r>
+            <a:r>
+              <a:rPr lang="en-US" sz="2800" dirty="0"/>
+              <a:t> </a:t>
+            </a:r>
+            <a:r>
+              <a:rPr lang="en-US" sz="2800" dirty="0" err="1"/>
+              <a:t>hình</a:t>
+            </a:r>
+            <a:r>
+              <a:rPr lang="en-US" sz="2800" dirty="0"/>
+              <a:t> RSA </a:t>
+            </a:r>
+            <a:r>
+              <a:rPr lang="en-US" sz="2800" b="1" dirty="0" err="1"/>
+              <a:t>không</a:t>
+            </a:r>
+            <a:r>
+              <a:rPr lang="en-US" sz="2800" b="1" dirty="0"/>
+              <a:t> an </a:t>
+            </a:r>
+            <a:r>
+              <a:rPr lang="en-US" sz="2800" b="1" dirty="0" err="1"/>
+              <a:t>toàn</a:t>
+            </a:r>
+            <a:r>
+              <a:rPr lang="en-US" sz="2800" b="1" dirty="0"/>
+              <a:t> </a:t>
+            </a:r>
+            <a:r>
+              <a:rPr lang="en-US" sz="2800" dirty="0" err="1"/>
+              <a:t>khi</a:t>
+            </a:r>
+            <a:r>
+              <a:rPr lang="en-US" sz="2800" dirty="0"/>
+              <a:t> </a:t>
+            </a:r>
+            <a:r>
+              <a:rPr lang="en-US" sz="2800" b="1" dirty="0"/>
+              <a:t>private exponent 𝑑 </a:t>
+            </a:r>
+            <a:r>
+              <a:rPr lang="en-US" sz="2800" b="1" dirty="0" err="1"/>
+              <a:t>quá</a:t>
+            </a:r>
+            <a:r>
+              <a:rPr lang="en-US" sz="2800" b="1" dirty="0"/>
+              <a:t> </a:t>
+            </a:r>
+            <a:r>
+              <a:rPr lang="en-US" sz="2800" b="1" dirty="0" err="1"/>
+              <a:t>nhỏ</a:t>
+            </a:r>
+            <a:r>
+              <a:rPr lang="en-US" sz="2800" dirty="0"/>
+              <a:t>, </a:t>
+            </a:r>
+            <a:r>
+              <a:rPr lang="en-US" sz="2800" dirty="0" err="1"/>
+              <a:t>cho</a:t>
+            </a:r>
+            <a:r>
+              <a:rPr lang="en-US" sz="2800" dirty="0"/>
+              <a:t> </a:t>
+            </a:r>
+            <a:r>
+              <a:rPr lang="en-US" sz="2800" dirty="0" err="1"/>
+              <a:t>phép</a:t>
+            </a:r>
+            <a:r>
+              <a:rPr lang="en-US" sz="2800" dirty="0"/>
+              <a:t>:</a:t>
+            </a:r>
+          </a:p>
+          <a:p>
+            <a:pPr lvl="1"/>
+            <a:r>
+              <a:rPr lang="en-US" sz="2800" dirty="0" err="1"/>
+              <a:t>Khôi</a:t>
+            </a:r>
+            <a:r>
+              <a:rPr lang="en-US" sz="2800" dirty="0"/>
+              <a:t> </a:t>
+            </a:r>
+            <a:r>
+              <a:rPr lang="en-US" sz="2800" dirty="0" err="1"/>
+              <a:t>phục</a:t>
+            </a:r>
+            <a:r>
+              <a:rPr lang="en-US" sz="2800" dirty="0"/>
+              <a:t> private key</a:t>
+            </a:r>
+          </a:p>
+          <a:p>
+            <a:pPr lvl="1"/>
+            <a:r>
+              <a:rPr lang="en-US" sz="2800" dirty="0" err="1"/>
+              <a:t>Chỉ</a:t>
+            </a:r>
+            <a:r>
+              <a:rPr lang="en-US" sz="2800" dirty="0"/>
+              <a:t> </a:t>
+            </a:r>
+            <a:r>
+              <a:rPr lang="en-US" sz="2800" dirty="0" err="1"/>
+              <a:t>cần</a:t>
+            </a:r>
+            <a:r>
+              <a:rPr lang="en-US" sz="2800" dirty="0"/>
+              <a:t> </a:t>
+            </a:r>
+            <a:r>
+              <a:rPr lang="en-US" sz="2800" dirty="0" err="1"/>
+              <a:t>khóa</a:t>
+            </a:r>
+            <a:r>
+              <a:rPr lang="en-US" sz="2800" dirty="0"/>
+              <a:t> </a:t>
+            </a:r>
+            <a:r>
+              <a:rPr lang="en-US" sz="2800" dirty="0" err="1"/>
+              <a:t>công</a:t>
+            </a:r>
+            <a:r>
+              <a:rPr lang="en-US" sz="2800" dirty="0"/>
+              <a:t> </a:t>
+            </a:r>
+            <a:r>
+              <a:rPr lang="en-US" sz="2800" dirty="0" err="1"/>
+              <a:t>khai</a:t>
+            </a:r>
+            <a:r>
+              <a:rPr lang="en-US" sz="2800" dirty="0"/>
+              <a:t> (</a:t>
+            </a:r>
+            <a:r>
+              <a:rPr lang="en-US" sz="2800" dirty="0" err="1"/>
+              <a:t>N,e</a:t>
+            </a:r>
+            <a:r>
+              <a:rPr lang="en-US" sz="2800" dirty="0"/>
+              <a:t>)</a:t>
+            </a:r>
+          </a:p>
+          <a:p>
+            <a:pPr marL="201168" lvl="1" indent="0">
+              <a:buNone/>
+            </a:pPr>
+            <a:r>
+              <a:rPr lang="en-US" sz="2800" dirty="0"/>
+              <a:t>=&gt; </a:t>
+            </a:r>
+            <a:r>
+              <a:rPr lang="en-US" sz="2800" dirty="0" err="1"/>
+              <a:t>Dẫn</a:t>
+            </a:r>
+            <a:r>
+              <a:rPr lang="en-US" sz="2800" dirty="0"/>
+              <a:t> </a:t>
+            </a:r>
+            <a:r>
+              <a:rPr lang="en-US" sz="2800" dirty="0" err="1"/>
+              <a:t>tới</a:t>
+            </a:r>
+            <a:r>
+              <a:rPr lang="en-US" sz="2800" dirty="0"/>
+              <a:t> forgery </a:t>
+            </a:r>
+            <a:r>
+              <a:rPr lang="en-US" sz="2800" dirty="0" err="1"/>
+              <a:t>chữ</a:t>
+            </a:r>
+            <a:r>
+              <a:rPr lang="en-US" sz="2800" dirty="0"/>
+              <a:t> </a:t>
+            </a:r>
+            <a:r>
+              <a:rPr lang="en-US" sz="2800" dirty="0" err="1"/>
+              <a:t>kí</a:t>
+            </a:r>
+            <a:r>
+              <a:rPr lang="en-US" sz="2800" dirty="0"/>
+              <a:t> </a:t>
+            </a:r>
+            <a:r>
+              <a:rPr lang="en-US" sz="2800" dirty="0" err="1"/>
+              <a:t>số</a:t>
+            </a:r>
+            <a:r>
+              <a:rPr lang="en-US" sz="2800" dirty="0"/>
+              <a:t> </a:t>
+            </a:r>
+            <a:r>
+              <a:rPr lang="en-US" sz="2800" dirty="0" err="1"/>
+              <a:t>và</a:t>
+            </a:r>
+            <a:r>
+              <a:rPr lang="en-US" sz="2800" dirty="0"/>
+              <a:t> Broken Access Control</a:t>
+            </a:r>
+          </a:p>
+        </p:txBody>
+      </p:sp>
+    </p:spTree>
+    <p:extLst>
+      <p:ext uri="{BB962C8B-B14F-4D97-AF65-F5344CB8AC3E}">
+        <p14:creationId xmlns:p14="http://schemas.microsoft.com/office/powerpoint/2010/main" val="3987054973"/>
+      </p:ext>
+    </p:extLst>
+  </p:cSld>
+  <p:clrMapOvr>
+    <a:masterClrMapping/>
+  </p:clrMapOvr>
+</p:sld>
+</file>
+
+<file path=ppt/slides/slide2.xml><?xml version="1.0" encoding="utf-8"?>
+<p:sld xmlns:a="http://schemas.openxmlformats.org/drawingml/2006/main" xmlns:r="http://schemas.openxmlformats.org/officeDocument/2006/relationships" xmlns:p="http://schemas.openxmlformats.org/presentationml/2006/main">
+  <p:cSld>
+    <p:spTree>
+      <p:nvGrpSpPr>
+        <p:cNvPr id="1" name=""/>
+        <p:cNvGrpSpPr/>
+        <p:nvPr/>
+      </p:nvGrpSpPr>
+      <p:grpSpPr>
+        <a:xfrm>
+          <a:off x="0" y="0"/>
+          <a:ext cx="0" cy="0"/>
+          <a:chOff x="0" y="0"/>
+          <a:chExt cx="0" cy="0"/>
+        </a:xfrm>
+      </p:grpSpPr>
+      <p:sp>
+        <p:nvSpPr>
+          <p:cNvPr id="2" name="Title 1">
+            <a:extLst>
+              <a:ext uri="{FF2B5EF4-FFF2-40B4-BE49-F238E27FC236}">
+                <a16:creationId xmlns:a16="http://schemas.microsoft.com/office/drawing/2014/main" id="{5463F865-B938-0204-A786-4DFC29D08F36}"/>
+              </a:ext>
+            </a:extLst>
+          </p:cNvPr>
+          <p:cNvSpPr>
+            <a:spLocks noGrp="1"/>
+          </p:cNvSpPr>
+          <p:nvPr>
+            <p:ph type="title"/>
+          </p:nvPr>
+        </p:nvSpPr>
+        <p:spPr>
+          <a:xfrm>
+            <a:off x="0" y="353413"/>
+            <a:ext cx="10515600" cy="1325563"/>
+          </a:xfrm>
+        </p:spPr>
+        <p:txBody>
+          <a:bodyPr/>
+          <a:lstStyle/>
+          <a:p>
+            <a:r>
+              <a:rPr lang="en-US" dirty="0"/>
+              <a:t>1. </a:t>
+            </a:r>
+            <a:r>
+              <a:rPr lang="en-US" dirty="0" err="1"/>
+              <a:t>Bối</a:t>
+            </a:r>
+            <a:r>
+              <a:rPr lang="en-US" dirty="0"/>
+              <a:t> </a:t>
+            </a:r>
+            <a:r>
+              <a:rPr lang="en-US" dirty="0" err="1"/>
+              <a:t>cảnh</a:t>
+            </a:r>
+            <a:endParaRPr lang="en-US" dirty="0"/>
+          </a:p>
+        </p:txBody>
+      </p:sp>
+      <p:sp>
+        <p:nvSpPr>
+          <p:cNvPr id="3" name="Content Placeholder 2">
+            <a:extLst>
+              <a:ext uri="{FF2B5EF4-FFF2-40B4-BE49-F238E27FC236}">
+                <a16:creationId xmlns:a16="http://schemas.microsoft.com/office/drawing/2014/main" id="{83D87684-54E6-6F24-93FC-5F8A1EE2801B}"/>
+              </a:ext>
+            </a:extLst>
+          </p:cNvPr>
+          <p:cNvSpPr>
+            <a:spLocks noGrp="1"/>
+          </p:cNvSpPr>
+          <p:nvPr>
+            <p:ph idx="1"/>
+          </p:nvPr>
+        </p:nvSpPr>
+        <p:spPr>
+          <a:xfrm>
+            <a:off x="87702" y="1747987"/>
+            <a:ext cx="10515600" cy="4351338"/>
+          </a:xfrm>
+        </p:spPr>
+        <p:txBody>
+          <a:bodyPr/>
+          <a:lstStyle/>
+          <a:p>
+            <a:r>
+              <a:rPr lang="en-US" dirty="0"/>
+              <a:t>RSA </a:t>
+            </a:r>
+            <a:r>
+              <a:rPr lang="en-US" dirty="0" err="1"/>
+              <a:t>là</a:t>
+            </a:r>
+            <a:r>
+              <a:rPr lang="en-US" dirty="0"/>
+              <a:t> </a:t>
+            </a:r>
+            <a:r>
+              <a:rPr lang="en-US" dirty="0" err="1"/>
+              <a:t>thuật</a:t>
+            </a:r>
+            <a:r>
+              <a:rPr lang="en-US" dirty="0"/>
+              <a:t> </a:t>
+            </a:r>
+            <a:r>
+              <a:rPr lang="en-US" dirty="0" err="1"/>
+              <a:t>toán</a:t>
+            </a:r>
+            <a:r>
+              <a:rPr lang="en-US" dirty="0"/>
+              <a:t> </a:t>
+            </a:r>
+            <a:r>
+              <a:rPr lang="en-US" dirty="0" err="1"/>
+              <a:t>mã</a:t>
+            </a:r>
+            <a:r>
+              <a:rPr lang="en-US" dirty="0"/>
+              <a:t> </a:t>
+            </a:r>
+            <a:r>
+              <a:rPr lang="en-US" dirty="0" err="1"/>
+              <a:t>hóa</a:t>
+            </a:r>
+            <a:r>
+              <a:rPr lang="en-US" dirty="0"/>
+              <a:t> </a:t>
+            </a:r>
+            <a:r>
+              <a:rPr lang="en-US" dirty="0" err="1"/>
+              <a:t>được</a:t>
+            </a:r>
+            <a:r>
+              <a:rPr lang="en-US" dirty="0"/>
+              <a:t> </a:t>
+            </a:r>
+            <a:r>
+              <a:rPr lang="en-US" dirty="0" err="1"/>
+              <a:t>sử</a:t>
+            </a:r>
+            <a:r>
+              <a:rPr lang="en-US" dirty="0"/>
+              <a:t> </a:t>
+            </a:r>
+            <a:r>
+              <a:rPr lang="en-US" dirty="0" err="1"/>
+              <a:t>dụng</a:t>
+            </a:r>
+            <a:r>
+              <a:rPr lang="en-US" dirty="0"/>
+              <a:t> </a:t>
+            </a:r>
+            <a:r>
+              <a:rPr lang="en-US" dirty="0" err="1"/>
+              <a:t>rộng</a:t>
+            </a:r>
+            <a:r>
+              <a:rPr lang="en-US" dirty="0"/>
+              <a:t> </a:t>
+            </a:r>
+            <a:r>
+              <a:rPr lang="en-US" dirty="0" err="1"/>
+              <a:t>rãi</a:t>
+            </a:r>
+            <a:r>
+              <a:rPr lang="en-US" dirty="0"/>
+              <a:t> ở </a:t>
+            </a:r>
+            <a:r>
+              <a:rPr lang="en-US" dirty="0" err="1"/>
+              <a:t>nhiều</a:t>
+            </a:r>
+            <a:r>
+              <a:rPr lang="en-US" dirty="0"/>
+              <a:t> </a:t>
+            </a:r>
+            <a:r>
+              <a:rPr lang="en-US" dirty="0" err="1"/>
+              <a:t>công</a:t>
+            </a:r>
+            <a:r>
+              <a:rPr lang="en-US" dirty="0"/>
+              <a:t> </a:t>
+            </a:r>
+            <a:r>
+              <a:rPr lang="en-US" dirty="0" err="1"/>
+              <a:t>nghệ</a:t>
+            </a:r>
+            <a:r>
+              <a:rPr lang="en-US" dirty="0"/>
+              <a:t>:</a:t>
+            </a:r>
+          </a:p>
+          <a:p>
+            <a:pPr>
+              <a:buFontTx/>
+              <a:buChar char="-"/>
+            </a:pPr>
+            <a:r>
+              <a:rPr lang="en-US" dirty="0"/>
+              <a:t>Giao </a:t>
+            </a:r>
+            <a:r>
+              <a:rPr lang="en-US" dirty="0" err="1"/>
+              <a:t>thức</a:t>
+            </a:r>
+            <a:r>
+              <a:rPr lang="en-US" dirty="0"/>
+              <a:t> </a:t>
+            </a:r>
+            <a:r>
+              <a:rPr lang="en-US" dirty="0" err="1"/>
+              <a:t>mạng</a:t>
+            </a:r>
+            <a:r>
+              <a:rPr lang="en-US" dirty="0"/>
+              <a:t> </a:t>
+            </a:r>
+            <a:r>
+              <a:rPr lang="en-US" dirty="0" err="1"/>
+              <a:t>như</a:t>
+            </a:r>
+            <a:r>
+              <a:rPr lang="en-US" dirty="0"/>
+              <a:t> SSL/TLS, SSH, …</a:t>
+            </a:r>
+          </a:p>
+          <a:p>
+            <a:pPr>
+              <a:buFontTx/>
+              <a:buChar char="-"/>
+            </a:pPr>
+            <a:r>
+              <a:rPr lang="en-US" dirty="0" err="1"/>
+              <a:t>Dịch</a:t>
+            </a:r>
+            <a:r>
+              <a:rPr lang="en-US" dirty="0"/>
+              <a:t> </a:t>
+            </a:r>
+            <a:r>
+              <a:rPr lang="en-US" dirty="0" err="1"/>
+              <a:t>vụ</a:t>
+            </a:r>
+            <a:r>
+              <a:rPr lang="en-US" dirty="0"/>
+              <a:t> VPN</a:t>
+            </a:r>
+          </a:p>
+          <a:p>
+            <a:pPr>
+              <a:buFontTx/>
+              <a:buChar char="-"/>
+            </a:pPr>
+            <a:r>
+              <a:rPr lang="en-US" dirty="0"/>
+              <a:t>Smart Cards, </a:t>
+            </a:r>
+            <a:r>
+              <a:rPr lang="en-US" dirty="0" err="1"/>
+              <a:t>các</a:t>
+            </a:r>
+            <a:r>
+              <a:rPr lang="en-US" dirty="0"/>
+              <a:t> </a:t>
+            </a:r>
+            <a:r>
+              <a:rPr lang="en-US" dirty="0" err="1"/>
+              <a:t>thiết</a:t>
+            </a:r>
+            <a:r>
+              <a:rPr lang="en-US" dirty="0"/>
+              <a:t> </a:t>
+            </a:r>
+            <a:r>
+              <a:rPr lang="en-US" dirty="0" err="1"/>
+              <a:t>bị</a:t>
+            </a:r>
+            <a:r>
+              <a:rPr lang="en-US" dirty="0"/>
+              <a:t> IoT</a:t>
+            </a:r>
+          </a:p>
+          <a:p>
+            <a:r>
+              <a:rPr lang="en-US" dirty="0" err="1"/>
+              <a:t>Vấn</a:t>
+            </a:r>
+            <a:r>
+              <a:rPr lang="en-US" dirty="0"/>
+              <a:t> </a:t>
+            </a:r>
+            <a:r>
+              <a:rPr lang="en-US" dirty="0" err="1"/>
+              <a:t>đề</a:t>
+            </a:r>
+            <a:r>
+              <a:rPr lang="en-US" dirty="0"/>
+              <a:t>: </a:t>
+            </a:r>
+            <a:r>
+              <a:rPr lang="en-US" dirty="0" err="1"/>
+              <a:t>tuy</a:t>
+            </a:r>
+            <a:r>
+              <a:rPr lang="en-US" dirty="0"/>
+              <a:t> </a:t>
+            </a:r>
+            <a:r>
+              <a:rPr lang="en-US" dirty="0" err="1"/>
+              <a:t>phổ</a:t>
+            </a:r>
+            <a:r>
+              <a:rPr lang="en-US" dirty="0"/>
+              <a:t> </a:t>
+            </a:r>
+            <a:r>
+              <a:rPr lang="en-US" dirty="0" err="1"/>
+              <a:t>biến</a:t>
+            </a:r>
+            <a:r>
+              <a:rPr lang="en-US" dirty="0"/>
+              <a:t>, RSA </a:t>
+            </a:r>
+            <a:r>
+              <a:rPr lang="en-US" dirty="0" err="1"/>
+              <a:t>vẫn</a:t>
+            </a:r>
+            <a:r>
+              <a:rPr lang="en-US" dirty="0"/>
+              <a:t> </a:t>
+            </a:r>
+            <a:r>
+              <a:rPr lang="en-US" dirty="0" err="1"/>
+              <a:t>tiềm</a:t>
+            </a:r>
+            <a:r>
+              <a:rPr lang="en-US" dirty="0"/>
+              <a:t> </a:t>
+            </a:r>
+            <a:r>
+              <a:rPr lang="en-US" dirty="0" err="1"/>
+              <a:t>ẩn</a:t>
+            </a:r>
+            <a:r>
+              <a:rPr lang="en-US" dirty="0"/>
+              <a:t> </a:t>
+            </a:r>
+            <a:r>
+              <a:rPr lang="en-US" dirty="0" err="1"/>
+              <a:t>rủi</a:t>
+            </a:r>
+            <a:r>
+              <a:rPr lang="en-US" dirty="0"/>
+              <a:t> </a:t>
+            </a:r>
+            <a:r>
+              <a:rPr lang="en-US" dirty="0" err="1"/>
+              <a:t>ro</a:t>
+            </a:r>
+            <a:r>
+              <a:rPr lang="en-US" dirty="0"/>
+              <a:t> </a:t>
+            </a:r>
+            <a:r>
+              <a:rPr lang="en-US" dirty="0" err="1"/>
+              <a:t>cao</a:t>
+            </a:r>
+            <a:r>
+              <a:rPr lang="en-US" dirty="0"/>
+              <a:t> </a:t>
+            </a:r>
+            <a:r>
+              <a:rPr lang="en-US" dirty="0" err="1"/>
+              <a:t>nếu</a:t>
+            </a:r>
+            <a:r>
+              <a:rPr lang="en-US" dirty="0"/>
+              <a:t> </a:t>
+            </a:r>
+            <a:r>
+              <a:rPr lang="en-US" dirty="0" err="1"/>
+              <a:t>triển</a:t>
+            </a:r>
+            <a:r>
+              <a:rPr lang="en-US" dirty="0"/>
+              <a:t> </a:t>
+            </a:r>
+            <a:r>
+              <a:rPr lang="en-US" dirty="0" err="1"/>
+              <a:t>khai</a:t>
+            </a:r>
+            <a:r>
+              <a:rPr lang="en-US" dirty="0"/>
+              <a:t> </a:t>
+            </a:r>
+            <a:r>
+              <a:rPr lang="en-US" dirty="0" err="1"/>
+              <a:t>sai</a:t>
+            </a:r>
+            <a:r>
+              <a:rPr lang="en-US" dirty="0"/>
+              <a:t> </a:t>
+            </a:r>
+            <a:r>
+              <a:rPr lang="en-US" dirty="0" err="1"/>
+              <a:t>hoặc</a:t>
+            </a:r>
+            <a:r>
+              <a:rPr lang="en-US" dirty="0"/>
+              <a:t> </a:t>
+            </a:r>
+            <a:r>
+              <a:rPr lang="en-US" dirty="0" err="1"/>
+              <a:t>tham</a:t>
+            </a:r>
+            <a:r>
+              <a:rPr lang="en-US" dirty="0"/>
+              <a:t> </a:t>
+            </a:r>
+            <a:r>
+              <a:rPr lang="en-US" dirty="0" err="1"/>
+              <a:t>số</a:t>
+            </a:r>
+            <a:r>
+              <a:rPr lang="en-US" dirty="0"/>
+              <a:t> </a:t>
+            </a:r>
+            <a:r>
+              <a:rPr lang="en-US" dirty="0" err="1"/>
+              <a:t>đầu</a:t>
+            </a:r>
+            <a:r>
+              <a:rPr lang="en-US" dirty="0"/>
+              <a:t> </a:t>
+            </a:r>
+            <a:r>
+              <a:rPr lang="en-US" dirty="0" err="1"/>
+              <a:t>vào</a:t>
+            </a:r>
+            <a:r>
+              <a:rPr lang="en-US" dirty="0"/>
+              <a:t> </a:t>
+            </a:r>
+            <a:r>
+              <a:rPr lang="en-US" dirty="0" err="1"/>
+              <a:t>không</a:t>
+            </a:r>
+            <a:r>
+              <a:rPr lang="en-US" dirty="0"/>
+              <a:t> </a:t>
+            </a:r>
+            <a:r>
+              <a:rPr lang="en-US" dirty="0" err="1"/>
+              <a:t>đạt</a:t>
+            </a:r>
+            <a:r>
+              <a:rPr lang="en-US" dirty="0"/>
+              <a:t> </a:t>
+            </a:r>
+            <a:r>
+              <a:rPr lang="en-US" dirty="0" err="1"/>
+              <a:t>chuẩn</a:t>
+            </a:r>
+            <a:r>
+              <a:rPr lang="en-US" dirty="0"/>
+              <a:t>.</a:t>
+            </a:r>
+          </a:p>
+          <a:p>
+            <a:endParaRPr lang="en-US" dirty="0"/>
+          </a:p>
+        </p:txBody>
+      </p:sp>
+    </p:spTree>
+    <p:extLst>
+      <p:ext uri="{BB962C8B-B14F-4D97-AF65-F5344CB8AC3E}">
+        <p14:creationId xmlns:p14="http://schemas.microsoft.com/office/powerpoint/2010/main" val="4165499216"/>
+      </p:ext>
+    </p:extLst>
+  </p:cSld>
+  <p:clrMapOvr>
+    <a:masterClrMapping/>
+  </p:clrMapOvr>
+</p:sld>
+</file>
+
+<file path=ppt/slides/slide20.xml><?xml version="1.0" encoding="utf-8"?>
+<p:sld xmlns:a="http://schemas.openxmlformats.org/drawingml/2006/main" xmlns:r="http://schemas.openxmlformats.org/officeDocument/2006/relationships" xmlns:p="http://schemas.openxmlformats.org/presentationml/2006/main">
+  <p:cSld>
+    <p:spTree>
+      <p:nvGrpSpPr>
+        <p:cNvPr id="1" name=""/>
+        <p:cNvGrpSpPr/>
+        <p:nvPr/>
+      </p:nvGrpSpPr>
+      <p:grpSpPr>
+        <a:xfrm>
+          <a:off x="0" y="0"/>
+          <a:ext cx="0" cy="0"/>
+          <a:chOff x="0" y="0"/>
+          <a:chExt cx="0" cy="0"/>
+        </a:xfrm>
+      </p:grpSpPr>
+      <p:sp>
+        <p:nvSpPr>
+          <p:cNvPr id="2" name="Title 1">
+            <a:extLst>
+              <a:ext uri="{FF2B5EF4-FFF2-40B4-BE49-F238E27FC236}">
+                <a16:creationId xmlns:a16="http://schemas.microsoft.com/office/drawing/2014/main" id="{8F40763E-AC7F-EB28-BD09-03DC5045D1FC}"/>
+              </a:ext>
+            </a:extLst>
+          </p:cNvPr>
+          <p:cNvSpPr>
+            <a:spLocks noGrp="1"/>
+          </p:cNvSpPr>
+          <p:nvPr>
+            <p:ph type="title"/>
+          </p:nvPr>
+        </p:nvSpPr>
+        <p:spPr>
+          <a:xfrm>
+            <a:off x="192405" y="286603"/>
+            <a:ext cx="10058400" cy="1450757"/>
+          </a:xfrm>
+        </p:spPr>
+        <p:txBody>
+          <a:bodyPr/>
+          <a:lstStyle/>
+          <a:p>
+            <a:r>
+              <a:rPr lang="en-US" dirty="0" err="1"/>
+              <a:t>Điều</a:t>
+            </a:r>
+            <a:r>
+              <a:rPr lang="en-US" dirty="0"/>
+              <a:t> </a:t>
+            </a:r>
+            <a:r>
+              <a:rPr lang="en-US" dirty="0" err="1"/>
+              <a:t>kiện</a:t>
+            </a:r>
+            <a:endParaRPr lang="en-US" dirty="0"/>
+          </a:p>
+        </p:txBody>
+      </p:sp>
+      <mc:AlternateContent xmlns:mc="http://schemas.openxmlformats.org/markup-compatibility/2006">
+        <mc:Choice xmlns:a14="http://schemas.microsoft.com/office/drawing/2010/main" Requires="a14">
+          <p:sp>
+            <p:nvSpPr>
+              <p:cNvPr id="3" name="Content Placeholder 2">
+                <a:extLst>
+                  <a:ext uri="{FF2B5EF4-FFF2-40B4-BE49-F238E27FC236}">
+                    <a16:creationId xmlns:a16="http://schemas.microsoft.com/office/drawing/2014/main" id="{DE7A103C-824D-63E5-19B2-5C4B19B5AC17}"/>
+                  </a:ext>
+                </a:extLst>
+              </p:cNvPr>
+              <p:cNvSpPr>
+                <a:spLocks noGrp="1"/>
+              </p:cNvSpPr>
+              <p:nvPr>
+                <p:ph idx="1"/>
+              </p:nvPr>
+            </p:nvSpPr>
+            <p:spPr>
+              <a:xfrm>
+                <a:off x="0" y="1969343"/>
+                <a:ext cx="12191999" cy="3783757"/>
+              </a:xfrm>
+            </p:spPr>
+            <p:txBody>
+              <a:bodyPr>
+                <a:normAutofit/>
+              </a:bodyPr>
+              <a:lstStyle/>
+              <a:p>
+                <a:r>
+                  <a:rPr lang="en-US" sz="3200" dirty="0"/>
+                  <a:t>Wiener </a:t>
+                </a:r>
+                <a:r>
+                  <a:rPr lang="en-US" sz="3200" dirty="0" err="1"/>
+                  <a:t>chứng</a:t>
+                </a:r>
+                <a:r>
+                  <a:rPr lang="en-US" sz="3200" dirty="0"/>
+                  <a:t> </a:t>
+                </a:r>
+                <a:r>
+                  <a:rPr lang="en-US" sz="3200" dirty="0" err="1"/>
+                  <a:t>minh</a:t>
+                </a:r>
+                <a:r>
+                  <a:rPr lang="en-US" sz="3200" dirty="0"/>
+                  <a:t> </a:t>
+                </a:r>
+                <a:r>
+                  <a:rPr lang="en-US" sz="3200" dirty="0" err="1"/>
+                  <a:t>tấn</a:t>
+                </a:r>
+                <a:r>
+                  <a:rPr lang="en-US" sz="3200" dirty="0"/>
+                  <a:t> </a:t>
+                </a:r>
+                <a:r>
+                  <a:rPr lang="en-US" sz="3200" dirty="0" err="1"/>
+                  <a:t>công</a:t>
+                </a:r>
+                <a:r>
+                  <a:rPr lang="en-US" sz="3200" dirty="0"/>
+                  <a:t> </a:t>
+                </a:r>
+                <a:r>
+                  <a:rPr lang="en-US" sz="3200" dirty="0" err="1"/>
+                  <a:t>thành</a:t>
+                </a:r>
+                <a:r>
+                  <a:rPr lang="en-US" sz="3200" dirty="0"/>
+                  <a:t> </a:t>
+                </a:r>
+                <a:r>
+                  <a:rPr lang="en-US" sz="3200" dirty="0" err="1"/>
+                  <a:t>công</a:t>
+                </a:r>
+                <a:r>
+                  <a:rPr lang="en-US" sz="3200" dirty="0"/>
+                  <a:t> </a:t>
+                </a:r>
+                <a:r>
+                  <a:rPr lang="en-US" sz="3200" dirty="0" err="1"/>
+                  <a:t>nếu</a:t>
+                </a:r>
+                <a:r>
+                  <a:rPr lang="en-US" sz="3200" dirty="0"/>
+                  <a:t>:</a:t>
+                </a:r>
+              </a:p>
+              <a:p>
+                <a:pPr algn="ctr"/>
+                <a14:m>
+                  <m:oMath xmlns:m="http://schemas.openxmlformats.org/officeDocument/2006/math">
+                    <m:r>
+                      <a:rPr lang="en-US" sz="3200" b="0" i="1" smtClean="0">
+                        <a:latin typeface="Cambria Math" panose="02040503050406030204" pitchFamily="18" charset="0"/>
+                      </a:rPr>
+                      <m:t>𝑑</m:t>
+                    </m:r>
+                    <m:r>
+                      <a:rPr lang="en-US" sz="3200" b="0" i="1" smtClean="0">
+                        <a:latin typeface="Cambria Math" panose="02040503050406030204" pitchFamily="18" charset="0"/>
+                      </a:rPr>
+                      <m:t>&lt; </m:t>
+                    </m:r>
+                    <m:f>
+                      <m:fPr>
+                        <m:ctrlPr>
+                          <a:rPr lang="en-US" sz="3200" b="0" i="1" smtClean="0">
+                            <a:latin typeface="Cambria Math" panose="02040503050406030204" pitchFamily="18" charset="0"/>
+                          </a:rPr>
+                        </m:ctrlPr>
+                      </m:fPr>
+                      <m:num>
+                        <m:r>
+                          <a:rPr lang="en-US" sz="3200" b="0" i="1" smtClean="0">
+                            <a:latin typeface="Cambria Math" panose="02040503050406030204" pitchFamily="18" charset="0"/>
+                          </a:rPr>
+                          <m:t>1</m:t>
+                        </m:r>
+                      </m:num>
+                      <m:den>
+                        <m:r>
+                          <a:rPr lang="en-US" sz="3200" b="0" i="1" smtClean="0">
+                            <a:latin typeface="Cambria Math" panose="02040503050406030204" pitchFamily="18" charset="0"/>
+                          </a:rPr>
+                          <m:t>3</m:t>
+                        </m:r>
+                      </m:den>
+                    </m:f>
+                    <m:sSup>
+                      <m:sSupPr>
+                        <m:ctrlPr>
+                          <a:rPr lang="en-US" sz="3200" b="0" i="1" smtClean="0">
+                            <a:latin typeface="Cambria Math" panose="02040503050406030204" pitchFamily="18" charset="0"/>
+                          </a:rPr>
+                        </m:ctrlPr>
+                      </m:sSupPr>
+                      <m:e>
+                        <m:r>
+                          <a:rPr lang="en-US" sz="3200" b="0" i="1" smtClean="0">
+                            <a:latin typeface="Cambria Math" panose="02040503050406030204" pitchFamily="18" charset="0"/>
+                          </a:rPr>
+                          <m:t>𝑁</m:t>
+                        </m:r>
+                      </m:e>
+                      <m:sup>
+                        <m:f>
+                          <m:fPr>
+                            <m:ctrlPr>
+                              <a:rPr lang="en-US" sz="3200" b="0" i="1" smtClean="0">
+                                <a:latin typeface="Cambria Math" panose="02040503050406030204" pitchFamily="18" charset="0"/>
+                              </a:rPr>
+                            </m:ctrlPr>
+                          </m:fPr>
+                          <m:num>
+                            <m:r>
+                              <a:rPr lang="en-US" sz="3200" b="0" i="1" smtClean="0">
+                                <a:latin typeface="Cambria Math" panose="02040503050406030204" pitchFamily="18" charset="0"/>
+                              </a:rPr>
+                              <m:t>1</m:t>
+                            </m:r>
+                          </m:num>
+                          <m:den>
+                            <m:r>
+                              <a:rPr lang="en-US" sz="3200" b="0" i="1" smtClean="0">
+                                <a:latin typeface="Cambria Math" panose="02040503050406030204" pitchFamily="18" charset="0"/>
+                              </a:rPr>
+                              <m:t>4</m:t>
+                            </m:r>
+                          </m:den>
+                        </m:f>
+                      </m:sup>
+                    </m:sSup>
+                  </m:oMath>
+                </a14:m>
+                <a:endParaRPr lang="en-US" sz="3200" dirty="0"/>
+              </a:p>
+              <a:p>
+                <a:r>
+                  <a:rPr lang="vi-VN" sz="3200" dirty="0">
+                    <a:latin typeface="Calibri (Body)"/>
+                  </a:rPr>
+                  <a:t>với giả thiết RSA chuẩn: p, q có kích thước gần nhau.</a:t>
+                </a:r>
+              </a:p>
+              <a:p>
+                <a:r>
+                  <a:rPr lang="en-US" sz="2800" dirty="0"/>
+                  <a:t>- </a:t>
+                </a:r>
+                <a:r>
+                  <a:rPr lang="en-US" sz="2800" dirty="0" err="1"/>
+                  <a:t>Thường</a:t>
+                </a:r>
+                <a:r>
+                  <a:rPr lang="en-US" sz="2800" dirty="0"/>
+                  <a:t> </a:t>
+                </a:r>
+                <a:r>
+                  <a:rPr lang="en-US" sz="2800" dirty="0" err="1"/>
+                  <a:t>thấy</a:t>
+                </a:r>
+                <a:r>
+                  <a:rPr lang="en-US" sz="2800" dirty="0"/>
+                  <a:t> </a:t>
+                </a:r>
+                <a:r>
+                  <a:rPr lang="en-US" sz="2800" dirty="0" err="1"/>
+                  <a:t>trong</a:t>
+                </a:r>
+                <a:r>
+                  <a:rPr lang="en-US" sz="2800" dirty="0"/>
+                  <a:t> </a:t>
+                </a:r>
+                <a:r>
+                  <a:rPr lang="en-US" sz="2800" dirty="0" err="1"/>
+                  <a:t>việc</a:t>
+                </a:r>
+                <a:r>
+                  <a:rPr lang="en-US" sz="2800" dirty="0"/>
+                  <a:t> </a:t>
+                </a:r>
+                <a:r>
+                  <a:rPr lang="en-US" sz="2800" dirty="0" err="1"/>
+                  <a:t>tự</a:t>
+                </a:r>
+                <a:r>
+                  <a:rPr lang="en-US" sz="2800" dirty="0"/>
+                  <a:t> </a:t>
+                </a:r>
+                <a:r>
+                  <a:rPr lang="en-US" sz="2800" dirty="0" err="1"/>
+                  <a:t>triển</a:t>
+                </a:r>
+                <a:r>
+                  <a:rPr lang="en-US" sz="2800" dirty="0"/>
+                  <a:t> </a:t>
+                </a:r>
+                <a:r>
+                  <a:rPr lang="en-US" sz="2800" dirty="0" err="1"/>
+                  <a:t>khai</a:t>
+                </a:r>
+                <a:r>
+                  <a:rPr lang="en-US" sz="2800" dirty="0"/>
+                  <a:t> RSA</a:t>
+                </a:r>
+              </a:p>
+              <a:p>
+                <a:r>
+                  <a:rPr lang="en-US" sz="2800" dirty="0"/>
+                  <a:t>- </a:t>
+                </a:r>
+                <a:r>
+                  <a:rPr lang="en-US" sz="2800" dirty="0" err="1"/>
+                  <a:t>Các</a:t>
+                </a:r>
+                <a:r>
+                  <a:rPr lang="en-US" sz="2800" dirty="0"/>
+                  <a:t> </a:t>
+                </a:r>
+                <a:r>
+                  <a:rPr lang="en-US" sz="2800" dirty="0" err="1"/>
+                  <a:t>phần</a:t>
+                </a:r>
+                <a:r>
+                  <a:rPr lang="en-US" sz="2800" dirty="0"/>
+                  <a:t> </a:t>
+                </a:r>
+                <a:r>
+                  <a:rPr lang="en-US" sz="2800" dirty="0" err="1"/>
+                  <a:t>cứng</a:t>
+                </a:r>
+                <a:r>
+                  <a:rPr lang="en-US" sz="2800" dirty="0"/>
+                  <a:t> </a:t>
+                </a:r>
+                <a:r>
+                  <a:rPr lang="en-US" sz="2800" dirty="0" err="1"/>
+                  <a:t>bị</a:t>
+                </a:r>
+                <a:r>
+                  <a:rPr lang="en-US" sz="2800" dirty="0"/>
+                  <a:t> </a:t>
+                </a:r>
+                <a:r>
+                  <a:rPr lang="en-US" sz="2800" dirty="0" err="1"/>
+                  <a:t>hạn</a:t>
+                </a:r>
+                <a:r>
+                  <a:rPr lang="en-US" sz="2800" dirty="0"/>
+                  <a:t> </a:t>
+                </a:r>
+                <a:r>
+                  <a:rPr lang="en-US" sz="2800" dirty="0" err="1"/>
+                  <a:t>chế</a:t>
+                </a:r>
+                <a:r>
+                  <a:rPr lang="en-US" sz="2800" dirty="0"/>
+                  <a:t>, </a:t>
+                </a:r>
+                <a:r>
+                  <a:rPr lang="en-US" sz="2800" dirty="0" err="1"/>
+                  <a:t>phải</a:t>
+                </a:r>
+                <a:r>
+                  <a:rPr lang="en-US" sz="2800" dirty="0"/>
+                  <a:t> </a:t>
+                </a:r>
+                <a:r>
+                  <a:rPr lang="en-US" sz="2800" dirty="0" err="1"/>
+                  <a:t>tối</a:t>
+                </a:r>
+                <a:r>
+                  <a:rPr lang="en-US" sz="2800" dirty="0"/>
+                  <a:t> </a:t>
+                </a:r>
+                <a:r>
+                  <a:rPr lang="en-US" sz="2800" dirty="0" err="1"/>
+                  <a:t>ưu</a:t>
+                </a:r>
+                <a:endParaRPr lang="en-US" sz="2800" dirty="0"/>
+              </a:p>
+              <a:p>
+                <a:pPr marL="0" indent="0">
+                  <a:buNone/>
+                </a:pPr>
+                <a:endParaRPr lang="en-US" sz="2800" dirty="0"/>
+              </a:p>
+            </p:txBody>
+          </p:sp>
+        </mc:Choice>
+        <mc:Fallback>
+          <p:sp>
+            <p:nvSpPr>
+              <p:cNvPr id="3" name="Content Placeholder 2">
+                <a:extLst>
+                  <a:ext uri="{FF2B5EF4-FFF2-40B4-BE49-F238E27FC236}">
+                    <a16:creationId xmlns:a16="http://schemas.microsoft.com/office/drawing/2014/main" id="{DE7A103C-824D-63E5-19B2-5C4B19B5AC17}"/>
+                  </a:ext>
+                </a:extLst>
+              </p:cNvPr>
+              <p:cNvSpPr>
+                <a:spLocks noGrp="1" noRot="1" noChangeAspect="1" noMove="1" noResize="1" noEditPoints="1" noAdjustHandles="1" noChangeArrowheads="1" noChangeShapeType="1" noTextEdit="1"/>
+              </p:cNvSpPr>
+              <p:nvPr>
+                <p:ph idx="1"/>
+              </p:nvPr>
+            </p:nvSpPr>
+            <p:spPr>
+              <a:xfrm>
+                <a:off x="0" y="1969343"/>
+                <a:ext cx="12191999" cy="3783757"/>
+              </a:xfrm>
+              <a:blipFill>
+                <a:blip r:embed="rId2"/>
+                <a:stretch>
+                  <a:fillRect l="-1250" t="-3382"/>
+                </a:stretch>
+              </a:blipFill>
+            </p:spPr>
+            <p:txBody>
+              <a:bodyPr/>
+              <a:lstStyle/>
+              <a:p>
+                <a:r>
+                  <a:rPr lang="en-US">
+                    <a:noFill/>
+                  </a:rPr>
+                  <a:t> </a:t>
+                </a:r>
+              </a:p>
+            </p:txBody>
+          </p:sp>
+        </mc:Fallback>
+      </mc:AlternateContent>
+    </p:spTree>
+    <p:extLst>
+      <p:ext uri="{BB962C8B-B14F-4D97-AF65-F5344CB8AC3E}">
+        <p14:creationId xmlns:p14="http://schemas.microsoft.com/office/powerpoint/2010/main" val="3026365047"/>
+      </p:ext>
+    </p:extLst>
+  </p:cSld>
+  <p:clrMapOvr>
+    <a:masterClrMapping/>
+  </p:clrMapOvr>
+</p:sld>
+</file>
+
+<file path=ppt/slides/slide21.xml><?xml version="1.0" encoding="utf-8"?>
+<p:sld xmlns:a="http://schemas.openxmlformats.org/drawingml/2006/main" xmlns:r="http://schemas.openxmlformats.org/officeDocument/2006/relationships" xmlns:p="http://schemas.openxmlformats.org/presentationml/2006/main">
+  <p:cSld>
+    <p:spTree>
+      <p:nvGrpSpPr>
+        <p:cNvPr id="1" name=""/>
+        <p:cNvGrpSpPr/>
+        <p:nvPr/>
+      </p:nvGrpSpPr>
+      <p:grpSpPr>
+        <a:xfrm>
+          <a:off x="0" y="0"/>
+          <a:ext cx="0" cy="0"/>
+          <a:chOff x="0" y="0"/>
+          <a:chExt cx="0" cy="0"/>
+        </a:xfrm>
+      </p:grpSpPr>
+      <p:sp>
+        <p:nvSpPr>
+          <p:cNvPr id="2" name="Title 1">
+            <a:extLst>
+              <a:ext uri="{FF2B5EF4-FFF2-40B4-BE49-F238E27FC236}">
+                <a16:creationId xmlns:a16="http://schemas.microsoft.com/office/drawing/2014/main" id="{07AE38B6-F7AA-F477-A900-EC70CD091C66}"/>
+              </a:ext>
+            </a:extLst>
+          </p:cNvPr>
+          <p:cNvSpPr>
+            <a:spLocks noGrp="1"/>
+          </p:cNvSpPr>
+          <p:nvPr>
+            <p:ph type="title"/>
+          </p:nvPr>
+        </p:nvSpPr>
+        <p:spPr>
+          <a:xfrm>
+            <a:off x="1249680" y="301627"/>
+            <a:ext cx="10058400" cy="1450757"/>
+          </a:xfrm>
+        </p:spPr>
+        <p:txBody>
+          <a:bodyPr/>
+          <a:lstStyle/>
+          <a:p>
+            <a:r>
+              <a:rPr lang="en-US" dirty="0"/>
+              <a:t>Ý </a:t>
+            </a:r>
+            <a:r>
+              <a:rPr lang="en-US" dirty="0" err="1"/>
+              <a:t>tưởng</a:t>
+            </a:r>
+            <a:endParaRPr lang="en-US" dirty="0"/>
+          </a:p>
+        </p:txBody>
+      </p:sp>
+      <mc:AlternateContent xmlns:mc="http://schemas.openxmlformats.org/markup-compatibility/2006">
+        <mc:Choice xmlns:a14="http://schemas.microsoft.com/office/drawing/2010/main" Requires="a14">
+          <p:sp>
+            <p:nvSpPr>
+              <p:cNvPr id="3" name="Content Placeholder 2">
+                <a:extLst>
+                  <a:ext uri="{FF2B5EF4-FFF2-40B4-BE49-F238E27FC236}">
+                    <a16:creationId xmlns:a16="http://schemas.microsoft.com/office/drawing/2014/main" id="{48148CA2-C224-7EF2-54DA-633C3196CDD8}"/>
+                  </a:ext>
+                </a:extLst>
+              </p:cNvPr>
+              <p:cNvSpPr>
+                <a:spLocks noGrp="1"/>
+              </p:cNvSpPr>
+              <p:nvPr>
+                <p:ph idx="1"/>
+              </p:nvPr>
+            </p:nvSpPr>
+            <p:spPr>
+              <a:xfrm>
+                <a:off x="1325880" y="1883834"/>
+                <a:ext cx="7237095" cy="4364566"/>
+              </a:xfrm>
+            </p:spPr>
+            <p:txBody>
+              <a:bodyPr>
+                <a:normAutofit fontScale="85000" lnSpcReduction="20000"/>
+              </a:bodyPr>
+              <a:lstStyle/>
+              <a:p>
+                <a:r>
+                  <a:rPr lang="en-US" b="1" dirty="0"/>
+                  <a:t>Quan </a:t>
+                </a:r>
+                <a:r>
+                  <a:rPr lang="en-US" b="1" dirty="0" err="1"/>
+                  <a:t>sát</a:t>
+                </a:r>
+                <a:r>
+                  <a:rPr lang="en-US" b="1" dirty="0"/>
+                  <a:t> </a:t>
+                </a:r>
+                <a:r>
+                  <a:rPr lang="en-US" b="1" dirty="0" err="1"/>
+                  <a:t>chính</a:t>
+                </a:r>
+                <a:endParaRPr lang="en-US" b="1" dirty="0"/>
+              </a:p>
+              <a:p>
+                <a:r>
+                  <a:rPr lang="en-US" dirty="0"/>
+                  <a:t>Trong RSA, ta </a:t>
+                </a:r>
+                <a:r>
+                  <a:rPr lang="en-US" dirty="0" err="1"/>
+                  <a:t>có</a:t>
+                </a:r>
+                <a:r>
+                  <a:rPr lang="en-US" dirty="0"/>
+                  <a:t>:</a:t>
+                </a:r>
+              </a:p>
+              <a:p>
+                <a:pPr algn="ctr"/>
+                <a14:m>
+                  <m:oMath xmlns:m="http://schemas.openxmlformats.org/officeDocument/2006/math">
+                    <m:r>
+                      <a:rPr lang="en-US" b="0" i="1" smtClean="0">
+                        <a:latin typeface="Cambria Math" panose="02040503050406030204" pitchFamily="18" charset="0"/>
+                      </a:rPr>
+                      <m:t>𝑒𝑑</m:t>
+                    </m:r>
+                    <m:r>
+                      <a:rPr lang="en-US" b="0" i="1" smtClean="0">
+                        <a:latin typeface="Cambria Math" panose="02040503050406030204" pitchFamily="18" charset="0"/>
+                        <a:ea typeface="Cambria Math" panose="02040503050406030204" pitchFamily="18" charset="0"/>
+                      </a:rPr>
+                      <m:t>≡1 </m:t>
+                    </m:r>
+                    <m:d>
+                      <m:dPr>
+                        <m:ctrlPr>
+                          <a:rPr lang="en-US" b="0" i="1" smtClean="0">
+                            <a:latin typeface="Cambria Math" panose="02040503050406030204" pitchFamily="18" charset="0"/>
+                            <a:ea typeface="Cambria Math" panose="02040503050406030204" pitchFamily="18" charset="0"/>
+                          </a:rPr>
+                        </m:ctrlPr>
+                      </m:dPr>
+                      <m:e>
+                        <m:r>
+                          <a:rPr lang="en-US" b="0" i="1" smtClean="0">
+                            <a:latin typeface="Cambria Math" panose="02040503050406030204" pitchFamily="18" charset="0"/>
+                            <a:ea typeface="Cambria Math" panose="02040503050406030204" pitchFamily="18" charset="0"/>
+                          </a:rPr>
+                          <m:t>𝑚𝑜𝑑</m:t>
+                        </m:r>
+                        <m:r>
+                          <a:rPr lang="en-US" b="0" i="1" smtClean="0">
+                            <a:latin typeface="Cambria Math" panose="02040503050406030204" pitchFamily="18" charset="0"/>
+                            <a:ea typeface="Cambria Math" panose="02040503050406030204" pitchFamily="18" charset="0"/>
+                          </a:rPr>
+                          <m:t>𝜑</m:t>
+                        </m:r>
+                        <m:d>
+                          <m:dPr>
+                            <m:ctrlPr>
+                              <a:rPr lang="en-US" b="0" i="1" smtClean="0">
+                                <a:latin typeface="Cambria Math" panose="02040503050406030204" pitchFamily="18" charset="0"/>
+                                <a:ea typeface="Cambria Math" panose="02040503050406030204" pitchFamily="18" charset="0"/>
+                              </a:rPr>
+                            </m:ctrlPr>
+                          </m:dPr>
+                          <m:e>
+                            <m:r>
+                              <a:rPr lang="en-US" b="0" i="1" smtClean="0">
+                                <a:latin typeface="Cambria Math" panose="02040503050406030204" pitchFamily="18" charset="0"/>
+                                <a:ea typeface="Cambria Math" panose="02040503050406030204" pitchFamily="18" charset="0"/>
+                              </a:rPr>
+                              <m:t>𝑁</m:t>
+                            </m:r>
+                          </m:e>
+                        </m:d>
+                      </m:e>
+                    </m:d>
+                    <m:r>
+                      <a:rPr lang="en-US" b="0" i="1" smtClean="0">
+                        <a:latin typeface="Cambria Math" panose="02040503050406030204" pitchFamily="18" charset="0"/>
+                        <a:ea typeface="Cambria Math" panose="02040503050406030204" pitchFamily="18" charset="0"/>
+                      </a:rPr>
+                      <m:t>⇒</m:t>
+                    </m:r>
+                    <m:r>
+                      <a:rPr lang="en-US" b="0" i="1" smtClean="0">
+                        <a:latin typeface="Cambria Math" panose="02040503050406030204" pitchFamily="18" charset="0"/>
+                        <a:ea typeface="Cambria Math" panose="02040503050406030204" pitchFamily="18" charset="0"/>
+                      </a:rPr>
+                      <m:t>𝑒𝑑</m:t>
+                    </m:r>
+                    <m:r>
+                      <a:rPr lang="en-US" b="0" i="1" smtClean="0">
+                        <a:latin typeface="Cambria Math" panose="02040503050406030204" pitchFamily="18" charset="0"/>
+                        <a:ea typeface="Cambria Math" panose="02040503050406030204" pitchFamily="18" charset="0"/>
+                      </a:rPr>
+                      <m:t>−</m:t>
+                    </m:r>
+                    <m:r>
+                      <a:rPr lang="en-US" b="0" i="1" smtClean="0">
+                        <a:latin typeface="Cambria Math" panose="02040503050406030204" pitchFamily="18" charset="0"/>
+                        <a:ea typeface="Cambria Math" panose="02040503050406030204" pitchFamily="18" charset="0"/>
+                      </a:rPr>
+                      <m:t>𝑘</m:t>
+                    </m:r>
+                    <m:r>
+                      <a:rPr lang="en-US" b="0" i="1" smtClean="0">
+                        <a:latin typeface="Cambria Math" panose="02040503050406030204" pitchFamily="18" charset="0"/>
+                        <a:ea typeface="Cambria Math" panose="02040503050406030204" pitchFamily="18" charset="0"/>
+                      </a:rPr>
+                      <m:t>𝜑</m:t>
+                    </m:r>
+                    <m:d>
+                      <m:dPr>
+                        <m:ctrlPr>
+                          <a:rPr lang="en-US" b="0" i="1" smtClean="0">
+                            <a:latin typeface="Cambria Math" panose="02040503050406030204" pitchFamily="18" charset="0"/>
+                            <a:ea typeface="Cambria Math" panose="02040503050406030204" pitchFamily="18" charset="0"/>
+                          </a:rPr>
+                        </m:ctrlPr>
+                      </m:dPr>
+                      <m:e>
+                        <m:r>
+                          <a:rPr lang="en-US" b="0" i="1" smtClean="0">
+                            <a:latin typeface="Cambria Math" panose="02040503050406030204" pitchFamily="18" charset="0"/>
+                            <a:ea typeface="Cambria Math" panose="02040503050406030204" pitchFamily="18" charset="0"/>
+                          </a:rPr>
+                          <m:t>𝑁</m:t>
+                        </m:r>
+                      </m:e>
+                    </m:d>
+                    <m:r>
+                      <a:rPr lang="en-US" b="0" i="1" smtClean="0">
+                        <a:latin typeface="Cambria Math" panose="02040503050406030204" pitchFamily="18" charset="0"/>
+                        <a:ea typeface="Cambria Math" panose="02040503050406030204" pitchFamily="18" charset="0"/>
+                      </a:rPr>
+                      <m:t>=1</m:t>
+                    </m:r>
+                  </m:oMath>
+                </a14:m>
+                <a:endParaRPr lang="en-US" dirty="0"/>
+              </a:p>
+              <a:p>
+                <a:r>
+                  <a:rPr lang="en-US" dirty="0"/>
+                  <a:t>Chia </a:t>
+                </a:r>
+                <a:r>
+                  <a:rPr lang="en-US" dirty="0" err="1"/>
+                  <a:t>hai</a:t>
+                </a:r>
+                <a:r>
+                  <a:rPr lang="en-US" dirty="0"/>
+                  <a:t> </a:t>
+                </a:r>
+                <a:r>
+                  <a:rPr lang="en-US" dirty="0" err="1"/>
+                  <a:t>vế</a:t>
+                </a:r>
+                <a:r>
+                  <a:rPr lang="en-US" dirty="0"/>
+                  <a:t> </a:t>
+                </a:r>
+                <a:r>
+                  <a:rPr lang="en-US" dirty="0" err="1"/>
+                  <a:t>cho</a:t>
+                </a:r>
+                <a:r>
+                  <a:rPr lang="en-US" b="0" dirty="0"/>
+                  <a:t> </a:t>
+                </a:r>
+                <a14:m>
+                  <m:oMath xmlns:m="http://schemas.openxmlformats.org/officeDocument/2006/math">
+                    <m:r>
+                      <a:rPr lang="en-US" b="0" i="1" smtClean="0">
+                        <a:latin typeface="Cambria Math" panose="02040503050406030204" pitchFamily="18" charset="0"/>
+                      </a:rPr>
+                      <m:t>𝑑</m:t>
+                    </m:r>
+                    <m:r>
+                      <a:rPr lang="en-US" b="0" i="1" smtClean="0">
+                        <a:latin typeface="Cambria Math" panose="02040503050406030204" pitchFamily="18" charset="0"/>
+                        <a:ea typeface="Cambria Math" panose="02040503050406030204" pitchFamily="18" charset="0"/>
+                      </a:rPr>
+                      <m:t>𝜑</m:t>
+                    </m:r>
+                    <m:r>
+                      <a:rPr lang="en-US" b="0" i="1" smtClean="0">
+                        <a:latin typeface="Cambria Math" panose="02040503050406030204" pitchFamily="18" charset="0"/>
+                        <a:ea typeface="Cambria Math" panose="02040503050406030204" pitchFamily="18" charset="0"/>
+                      </a:rPr>
+                      <m:t>(</m:t>
+                    </m:r>
+                    <m:r>
+                      <a:rPr lang="en-US" b="0" i="1" smtClean="0">
+                        <a:latin typeface="Cambria Math" panose="02040503050406030204" pitchFamily="18" charset="0"/>
+                        <a:ea typeface="Cambria Math" panose="02040503050406030204" pitchFamily="18" charset="0"/>
+                      </a:rPr>
+                      <m:t>𝑁</m:t>
+                    </m:r>
+                    <m:r>
+                      <a:rPr lang="en-US" b="0" i="1" smtClean="0">
+                        <a:latin typeface="Cambria Math" panose="02040503050406030204" pitchFamily="18" charset="0"/>
+                        <a:ea typeface="Cambria Math" panose="02040503050406030204" pitchFamily="18" charset="0"/>
+                      </a:rPr>
+                      <m:t>)</m:t>
+                    </m:r>
+                  </m:oMath>
+                </a14:m>
+                <a:r>
+                  <a:rPr lang="en-US" dirty="0"/>
+                  <a:t>:</a:t>
+                </a:r>
+              </a:p>
+              <a:p>
+                <a:pPr algn="ctr"/>
+                <a14:m>
+                  <m:oMath xmlns:m="http://schemas.openxmlformats.org/officeDocument/2006/math">
+                    <m:f>
+                      <m:fPr>
+                        <m:ctrlPr>
+                          <a:rPr lang="en-US" i="1" smtClean="0">
+                            <a:latin typeface="Cambria Math" panose="02040503050406030204" pitchFamily="18" charset="0"/>
+                          </a:rPr>
+                        </m:ctrlPr>
+                      </m:fPr>
+                      <m:num>
+                        <m:r>
+                          <a:rPr lang="en-US" b="0" i="1" smtClean="0">
+                            <a:latin typeface="Cambria Math" panose="02040503050406030204" pitchFamily="18" charset="0"/>
+                          </a:rPr>
+                          <m:t>𝑒</m:t>
+                        </m:r>
+                      </m:num>
+                      <m:den>
+                        <m:r>
+                          <a:rPr lang="en-US" i="1" smtClean="0">
+                            <a:latin typeface="Cambria Math" panose="02040503050406030204" pitchFamily="18" charset="0"/>
+                            <a:ea typeface="Cambria Math" panose="02040503050406030204" pitchFamily="18" charset="0"/>
+                          </a:rPr>
+                          <m:t>𝜑</m:t>
+                        </m:r>
+                        <m:r>
+                          <a:rPr lang="en-US" b="0" i="1" smtClean="0">
+                            <a:latin typeface="Cambria Math" panose="02040503050406030204" pitchFamily="18" charset="0"/>
+                            <a:ea typeface="Cambria Math" panose="02040503050406030204" pitchFamily="18" charset="0"/>
+                          </a:rPr>
+                          <m:t>(</m:t>
+                        </m:r>
+                        <m:r>
+                          <a:rPr lang="en-US" b="0" i="1" smtClean="0">
+                            <a:latin typeface="Cambria Math" panose="02040503050406030204" pitchFamily="18" charset="0"/>
+                            <a:ea typeface="Cambria Math" panose="02040503050406030204" pitchFamily="18" charset="0"/>
+                          </a:rPr>
+                          <m:t>𝑁</m:t>
+                        </m:r>
+                        <m:r>
+                          <a:rPr lang="en-US" b="0" i="1" smtClean="0">
+                            <a:latin typeface="Cambria Math" panose="02040503050406030204" pitchFamily="18" charset="0"/>
+                            <a:ea typeface="Cambria Math" panose="02040503050406030204" pitchFamily="18" charset="0"/>
+                          </a:rPr>
+                          <m:t>)</m:t>
+                        </m:r>
+                      </m:den>
+                    </m:f>
+                    <m:r>
+                      <a:rPr lang="en-US" b="0" i="1" smtClean="0">
+                        <a:latin typeface="Cambria Math" panose="02040503050406030204" pitchFamily="18" charset="0"/>
+                      </a:rPr>
+                      <m:t>−</m:t>
+                    </m:r>
+                    <m:f>
+                      <m:fPr>
+                        <m:ctrlPr>
+                          <a:rPr lang="en-US" b="0" i="1" smtClean="0">
+                            <a:latin typeface="Cambria Math" panose="02040503050406030204" pitchFamily="18" charset="0"/>
+                          </a:rPr>
+                        </m:ctrlPr>
+                      </m:fPr>
+                      <m:num>
+                        <m:r>
+                          <a:rPr lang="en-US" b="0" i="1" smtClean="0">
+                            <a:latin typeface="Cambria Math" panose="02040503050406030204" pitchFamily="18" charset="0"/>
+                          </a:rPr>
+                          <m:t>𝑘</m:t>
+                        </m:r>
+                      </m:num>
+                      <m:den>
+                        <m:r>
+                          <a:rPr lang="en-US" b="0" i="1" smtClean="0">
+                            <a:latin typeface="Cambria Math" panose="02040503050406030204" pitchFamily="18" charset="0"/>
+                          </a:rPr>
+                          <m:t>𝑑</m:t>
+                        </m:r>
+                      </m:den>
+                    </m:f>
+                    <m:r>
+                      <a:rPr lang="en-US" b="0" i="1" smtClean="0">
+                        <a:latin typeface="Cambria Math" panose="02040503050406030204" pitchFamily="18" charset="0"/>
+                      </a:rPr>
+                      <m:t>=</m:t>
+                    </m:r>
+                    <m:f>
+                      <m:fPr>
+                        <m:ctrlPr>
+                          <a:rPr lang="en-US" b="0" i="1" smtClean="0">
+                            <a:latin typeface="Cambria Math" panose="02040503050406030204" pitchFamily="18" charset="0"/>
+                          </a:rPr>
+                        </m:ctrlPr>
+                      </m:fPr>
+                      <m:num>
+                        <m:r>
+                          <a:rPr lang="en-US" b="0" i="1" smtClean="0">
+                            <a:latin typeface="Cambria Math" panose="02040503050406030204" pitchFamily="18" charset="0"/>
+                          </a:rPr>
+                          <m:t>1</m:t>
+                        </m:r>
+                      </m:num>
+                      <m:den>
+                        <m:r>
+                          <a:rPr lang="en-US" b="0" i="1" smtClean="0">
+                            <a:latin typeface="Cambria Math" panose="02040503050406030204" pitchFamily="18" charset="0"/>
+                          </a:rPr>
+                          <m:t>𝑑</m:t>
+                        </m:r>
+                        <m:r>
+                          <a:rPr lang="en-US" b="0" i="1" smtClean="0">
+                            <a:latin typeface="Cambria Math" panose="02040503050406030204" pitchFamily="18" charset="0"/>
+                            <a:ea typeface="Cambria Math" panose="02040503050406030204" pitchFamily="18" charset="0"/>
+                          </a:rPr>
+                          <m:t>𝜑</m:t>
+                        </m:r>
+                        <m:r>
+                          <a:rPr lang="en-US" b="0" i="1" smtClean="0">
+                            <a:latin typeface="Cambria Math" panose="02040503050406030204" pitchFamily="18" charset="0"/>
+                            <a:ea typeface="Cambria Math" panose="02040503050406030204" pitchFamily="18" charset="0"/>
+                          </a:rPr>
+                          <m:t>(</m:t>
+                        </m:r>
+                        <m:r>
+                          <a:rPr lang="en-US" b="0" i="1" smtClean="0">
+                            <a:latin typeface="Cambria Math" panose="02040503050406030204" pitchFamily="18" charset="0"/>
+                            <a:ea typeface="Cambria Math" panose="02040503050406030204" pitchFamily="18" charset="0"/>
+                          </a:rPr>
+                          <m:t>𝑁</m:t>
+                        </m:r>
+                        <m:r>
+                          <a:rPr lang="en-US" b="0" i="1" smtClean="0">
+                            <a:latin typeface="Cambria Math" panose="02040503050406030204" pitchFamily="18" charset="0"/>
+                            <a:ea typeface="Cambria Math" panose="02040503050406030204" pitchFamily="18" charset="0"/>
+                          </a:rPr>
+                          <m:t>)</m:t>
+                        </m:r>
+                      </m:den>
+                    </m:f>
+                  </m:oMath>
+                </a14:m>
+                <a:endParaRPr lang="en-US" dirty="0"/>
+              </a:p>
+              <a:p>
+                <a:r>
+                  <a:rPr lang="en-US" dirty="0"/>
+                  <a:t>VÌ </a:t>
+                </a:r>
+                <a14:m>
+                  <m:oMath xmlns:m="http://schemas.openxmlformats.org/officeDocument/2006/math">
+                    <m:r>
+                      <a:rPr lang="en-US" i="1" smtClean="0">
+                        <a:latin typeface="Cambria Math" panose="02040503050406030204" pitchFamily="18" charset="0"/>
+                        <a:ea typeface="Cambria Math" panose="02040503050406030204" pitchFamily="18" charset="0"/>
+                      </a:rPr>
+                      <m:t>𝜑</m:t>
+                    </m:r>
+                    <m:d>
+                      <m:dPr>
+                        <m:ctrlPr>
+                          <a:rPr lang="en-US" b="0" i="1" smtClean="0">
+                            <a:latin typeface="Cambria Math" panose="02040503050406030204" pitchFamily="18" charset="0"/>
+                            <a:ea typeface="Cambria Math" panose="02040503050406030204" pitchFamily="18" charset="0"/>
+                          </a:rPr>
+                        </m:ctrlPr>
+                      </m:dPr>
+                      <m:e>
+                        <m:r>
+                          <a:rPr lang="en-US" b="0" i="1" smtClean="0">
+                            <a:latin typeface="Cambria Math" panose="02040503050406030204" pitchFamily="18" charset="0"/>
+                            <a:ea typeface="Cambria Math" panose="02040503050406030204" pitchFamily="18" charset="0"/>
+                          </a:rPr>
+                          <m:t>𝑁</m:t>
+                        </m:r>
+                      </m:e>
+                    </m:d>
+                    <m:r>
+                      <a:rPr lang="en-US" b="0" i="1" smtClean="0">
+                        <a:latin typeface="Cambria Math" panose="02040503050406030204" pitchFamily="18" charset="0"/>
+                        <a:ea typeface="Cambria Math" panose="02040503050406030204" pitchFamily="18" charset="0"/>
+                      </a:rPr>
+                      <m:t>≈</m:t>
+                    </m:r>
+                    <m:r>
+                      <a:rPr lang="en-US" b="0" i="1" smtClean="0">
+                        <a:latin typeface="Cambria Math" panose="02040503050406030204" pitchFamily="18" charset="0"/>
+                        <a:ea typeface="Cambria Math" panose="02040503050406030204" pitchFamily="18" charset="0"/>
+                      </a:rPr>
+                      <m:t>𝑁</m:t>
+                    </m:r>
+                  </m:oMath>
+                </a14:m>
+                <a:r>
+                  <a:rPr lang="en-US" dirty="0"/>
+                  <a:t> (</a:t>
+                </a:r>
+                <a:r>
+                  <a:rPr lang="en-US" dirty="0" err="1"/>
+                  <a:t>khi</a:t>
+                </a:r>
+                <a:r>
+                  <a:rPr lang="en-US" dirty="0"/>
+                  <a:t> </a:t>
+                </a:r>
+                <a14:m>
+                  <m:oMath xmlns:m="http://schemas.openxmlformats.org/officeDocument/2006/math">
+                    <m:r>
+                      <a:rPr lang="en-US" b="0" i="1" smtClean="0">
+                        <a:latin typeface="Cambria Math" panose="02040503050406030204" pitchFamily="18" charset="0"/>
+                      </a:rPr>
+                      <m:t>𝑝</m:t>
+                    </m:r>
+                    <m:r>
+                      <a:rPr lang="en-US" b="0" i="1" smtClean="0">
+                        <a:latin typeface="Cambria Math" panose="02040503050406030204" pitchFamily="18" charset="0"/>
+                        <a:ea typeface="Cambria Math" panose="02040503050406030204" pitchFamily="18" charset="0"/>
+                      </a:rPr>
+                      <m:t>≈</m:t>
+                    </m:r>
+                    <m:r>
+                      <a:rPr lang="en-US" b="0" i="1" smtClean="0">
+                        <a:latin typeface="Cambria Math" panose="02040503050406030204" pitchFamily="18" charset="0"/>
+                        <a:ea typeface="Cambria Math" panose="02040503050406030204" pitchFamily="18" charset="0"/>
+                      </a:rPr>
+                      <m:t>𝑞</m:t>
+                    </m:r>
+                  </m:oMath>
+                </a14:m>
+                <a:r>
+                  <a:rPr lang="en-US" dirty="0"/>
+                  <a:t>), </a:t>
+                </a:r>
+                <a:r>
+                  <a:rPr lang="en-US" dirty="0" err="1"/>
+                  <a:t>nên</a:t>
+                </a:r>
+                <a:r>
+                  <a:rPr lang="en-US" dirty="0"/>
+                  <a:t>:</a:t>
+                </a:r>
+              </a:p>
+              <a:p>
+                <a:pPr algn="ctr"/>
+                <a14:m>
+                  <m:oMath xmlns:m="http://schemas.openxmlformats.org/officeDocument/2006/math">
+                    <m:f>
+                      <m:fPr>
+                        <m:ctrlPr>
+                          <a:rPr lang="en-US" i="1" smtClean="0">
+                            <a:latin typeface="Cambria Math" panose="02040503050406030204" pitchFamily="18" charset="0"/>
+                          </a:rPr>
+                        </m:ctrlPr>
+                      </m:fPr>
+                      <m:num>
+                        <m:r>
+                          <a:rPr lang="en-US" b="0" i="1" smtClean="0">
+                            <a:latin typeface="Cambria Math" panose="02040503050406030204" pitchFamily="18" charset="0"/>
+                          </a:rPr>
+                          <m:t>𝑒</m:t>
+                        </m:r>
+                      </m:num>
+                      <m:den>
+                        <m:r>
+                          <a:rPr lang="en-US" b="0" i="1" smtClean="0">
+                            <a:latin typeface="Cambria Math" panose="02040503050406030204" pitchFamily="18" charset="0"/>
+                          </a:rPr>
+                          <m:t>𝑁</m:t>
+                        </m:r>
+                      </m:den>
+                    </m:f>
+                    <m:r>
+                      <a:rPr lang="en-US" i="1" smtClean="0">
+                        <a:latin typeface="Cambria Math" panose="02040503050406030204" pitchFamily="18" charset="0"/>
+                        <a:ea typeface="Cambria Math" panose="02040503050406030204" pitchFamily="18" charset="0"/>
+                      </a:rPr>
+                      <m:t>≈</m:t>
+                    </m:r>
+                    <m:f>
+                      <m:fPr>
+                        <m:ctrlPr>
+                          <a:rPr lang="en-US" i="1" smtClean="0">
+                            <a:latin typeface="Cambria Math" panose="02040503050406030204" pitchFamily="18" charset="0"/>
+                            <a:ea typeface="Cambria Math" panose="02040503050406030204" pitchFamily="18" charset="0"/>
+                          </a:rPr>
+                        </m:ctrlPr>
+                      </m:fPr>
+                      <m:num>
+                        <m:r>
+                          <a:rPr lang="en-US" b="0" i="1" smtClean="0">
+                            <a:latin typeface="Cambria Math" panose="02040503050406030204" pitchFamily="18" charset="0"/>
+                            <a:ea typeface="Cambria Math" panose="02040503050406030204" pitchFamily="18" charset="0"/>
+                          </a:rPr>
+                          <m:t>𝑘</m:t>
+                        </m:r>
+                      </m:num>
+                      <m:den>
+                        <m:r>
+                          <a:rPr lang="en-US" b="0" i="1" smtClean="0">
+                            <a:latin typeface="Cambria Math" panose="02040503050406030204" pitchFamily="18" charset="0"/>
+                            <a:ea typeface="Cambria Math" panose="02040503050406030204" pitchFamily="18" charset="0"/>
+                          </a:rPr>
+                          <m:t>𝑑</m:t>
+                        </m:r>
+                      </m:den>
+                    </m:f>
+                  </m:oMath>
+                </a14:m>
+                <a:endParaRPr lang="en-US" dirty="0"/>
+              </a:p>
+              <a:p>
+                <a:r>
+                  <a:rPr lang="en-US" dirty="0" err="1"/>
+                  <a:t>Điểm</a:t>
+                </a:r>
+                <a:r>
+                  <a:rPr lang="en-US" dirty="0"/>
+                  <a:t> </a:t>
+                </a:r>
+                <a:r>
+                  <a:rPr lang="en-US" dirty="0" err="1"/>
+                  <a:t>mấu</a:t>
+                </a:r>
+                <a:r>
+                  <a:rPr lang="en-US" dirty="0"/>
+                  <a:t> </a:t>
+                </a:r>
+                <a:r>
+                  <a:rPr lang="en-US" dirty="0" err="1"/>
+                  <a:t>chốt</a:t>
+                </a:r>
+                <a:r>
+                  <a:rPr lang="en-US" dirty="0"/>
+                  <a:t> </a:t>
+                </a:r>
+                <a:r>
+                  <a:rPr lang="en-US" dirty="0" err="1"/>
+                  <a:t>của</a:t>
+                </a:r>
+                <a:r>
+                  <a:rPr lang="en-US" dirty="0"/>
+                  <a:t> Wiener, </a:t>
+                </a:r>
+                <a:r>
+                  <a:rPr lang="en-US" dirty="0" err="1"/>
+                  <a:t>nếu</a:t>
+                </a:r>
+                <a:r>
+                  <a:rPr lang="en-US" dirty="0"/>
+                  <a:t> d </a:t>
+                </a:r>
+                <a:r>
+                  <a:rPr lang="en-US" dirty="0" err="1"/>
+                  <a:t>rất</a:t>
+                </a:r>
+                <a:r>
+                  <a:rPr lang="en-US" dirty="0"/>
+                  <a:t> </a:t>
+                </a:r>
+                <a:r>
+                  <a:rPr lang="en-US" dirty="0" err="1"/>
+                  <a:t>nhỏ</a:t>
+                </a:r>
+                <a:r>
+                  <a:rPr lang="en-US" dirty="0"/>
+                  <a:t>:</a:t>
+                </a:r>
+              </a:p>
+              <a:p>
+                <a:pPr algn="ctr"/>
+                <a14:m>
+                  <m:oMath xmlns:m="http://schemas.openxmlformats.org/officeDocument/2006/math">
+                    <m:r>
+                      <a:rPr lang="en-US" sz="2000" b="0" i="1" smtClean="0">
+                        <a:latin typeface="Cambria Math" panose="02040503050406030204" pitchFamily="18" charset="0"/>
+                      </a:rPr>
+                      <m:t>𝑑</m:t>
+                    </m:r>
+                    <m:r>
+                      <a:rPr lang="en-US" sz="2000" b="0" i="1" smtClean="0">
+                        <a:latin typeface="Cambria Math" panose="02040503050406030204" pitchFamily="18" charset="0"/>
+                      </a:rPr>
+                      <m:t>&lt; </m:t>
+                    </m:r>
+                    <m:f>
+                      <m:fPr>
+                        <m:ctrlPr>
+                          <a:rPr lang="en-US" sz="2000" b="0" i="1" smtClean="0">
+                            <a:latin typeface="Cambria Math" panose="02040503050406030204" pitchFamily="18" charset="0"/>
+                          </a:rPr>
+                        </m:ctrlPr>
+                      </m:fPr>
+                      <m:num>
+                        <m:r>
+                          <a:rPr lang="en-US" sz="2000" b="0" i="1" smtClean="0">
+                            <a:latin typeface="Cambria Math" panose="02040503050406030204" pitchFamily="18" charset="0"/>
+                          </a:rPr>
+                          <m:t>1</m:t>
+                        </m:r>
+                      </m:num>
+                      <m:den>
+                        <m:r>
+                          <a:rPr lang="en-US" sz="2000" b="0" i="1" smtClean="0">
+                            <a:latin typeface="Cambria Math" panose="02040503050406030204" pitchFamily="18" charset="0"/>
+                          </a:rPr>
+                          <m:t>3</m:t>
+                        </m:r>
+                      </m:den>
+                    </m:f>
+                    <m:sSup>
+                      <m:sSupPr>
+                        <m:ctrlPr>
+                          <a:rPr lang="en-US" sz="2000" b="0" i="1" smtClean="0">
+                            <a:latin typeface="Cambria Math" panose="02040503050406030204" pitchFamily="18" charset="0"/>
+                          </a:rPr>
+                        </m:ctrlPr>
+                      </m:sSupPr>
+                      <m:e>
+                        <m:r>
+                          <a:rPr lang="en-US" sz="2000" b="0" i="1" smtClean="0">
+                            <a:latin typeface="Cambria Math" panose="02040503050406030204" pitchFamily="18" charset="0"/>
+                          </a:rPr>
+                          <m:t>𝑁</m:t>
+                        </m:r>
+                      </m:e>
+                      <m:sup>
+                        <m:f>
+                          <m:fPr>
+                            <m:ctrlPr>
+                              <a:rPr lang="en-US" sz="2000" b="0" i="1" smtClean="0">
+                                <a:latin typeface="Cambria Math" panose="02040503050406030204" pitchFamily="18" charset="0"/>
+                              </a:rPr>
+                            </m:ctrlPr>
+                          </m:fPr>
+                          <m:num>
+                            <m:r>
+                              <a:rPr lang="en-US" sz="2000" b="0" i="1" smtClean="0">
+                                <a:latin typeface="Cambria Math" panose="02040503050406030204" pitchFamily="18" charset="0"/>
+                              </a:rPr>
+                              <m:t>1</m:t>
+                            </m:r>
+                          </m:num>
+                          <m:den>
+                            <m:r>
+                              <a:rPr lang="en-US" sz="2000" b="0" i="1" smtClean="0">
+                                <a:latin typeface="Cambria Math" panose="02040503050406030204" pitchFamily="18" charset="0"/>
+                              </a:rPr>
+                              <m:t>4</m:t>
+                            </m:r>
+                          </m:den>
+                        </m:f>
+                      </m:sup>
+                    </m:sSup>
+                  </m:oMath>
+                </a14:m>
+                <a:endParaRPr lang="en-US" dirty="0"/>
+              </a:p>
+              <a:p>
+                <a:r>
+                  <a:rPr lang="en-US" dirty="0" err="1"/>
+                  <a:t>Thì</a:t>
+                </a:r>
+                <a:r>
+                  <a:rPr lang="en-US" dirty="0"/>
+                  <a:t> </a:t>
+                </a:r>
+                <a14:m>
+                  <m:oMath xmlns:m="http://schemas.openxmlformats.org/officeDocument/2006/math">
+                    <m:f>
+                      <m:fPr>
+                        <m:ctrlPr>
+                          <a:rPr lang="en-US" i="1" smtClean="0">
+                            <a:latin typeface="Cambria Math" panose="02040503050406030204" pitchFamily="18" charset="0"/>
+                          </a:rPr>
+                        </m:ctrlPr>
+                      </m:fPr>
+                      <m:num>
+                        <m:r>
+                          <a:rPr lang="en-US" b="0" i="1" smtClean="0">
+                            <a:latin typeface="Cambria Math" panose="02040503050406030204" pitchFamily="18" charset="0"/>
+                          </a:rPr>
+                          <m:t>𝑘</m:t>
+                        </m:r>
+                      </m:num>
+                      <m:den>
+                        <m:r>
+                          <a:rPr lang="en-US" b="0" i="1" smtClean="0">
+                            <a:latin typeface="Cambria Math" panose="02040503050406030204" pitchFamily="18" charset="0"/>
+                          </a:rPr>
+                          <m:t>𝑑</m:t>
+                        </m:r>
+                      </m:den>
+                    </m:f>
+                    <m:r>
+                      <a:rPr lang="en-US" b="0" i="1" smtClean="0">
+                        <a:latin typeface="Cambria Math" panose="02040503050406030204" pitchFamily="18" charset="0"/>
+                      </a:rPr>
+                      <m:t> </m:t>
+                    </m:r>
+                  </m:oMath>
+                </a14:m>
+                <a:r>
+                  <a:rPr lang="en-US" dirty="0"/>
+                  <a:t> </a:t>
+                </a:r>
+                <a:r>
+                  <a:rPr lang="en-US" dirty="0" err="1"/>
+                  <a:t>sẽ</a:t>
+                </a:r>
+                <a:r>
+                  <a:rPr lang="en-US" dirty="0"/>
+                  <a:t> </a:t>
+                </a:r>
+                <a:r>
+                  <a:rPr lang="en-US" dirty="0" err="1"/>
+                  <a:t>xuất</a:t>
+                </a:r>
+                <a:r>
+                  <a:rPr lang="en-US" dirty="0"/>
+                  <a:t> </a:t>
+                </a:r>
+                <a:r>
+                  <a:rPr lang="en-US" dirty="0" err="1"/>
+                  <a:t>hiện</a:t>
+                </a:r>
+                <a:r>
+                  <a:rPr lang="en-US" dirty="0"/>
+                  <a:t> </a:t>
+                </a:r>
+                <a:r>
+                  <a:rPr lang="en-US" dirty="0" err="1"/>
+                  <a:t>như</a:t>
+                </a:r>
+                <a:r>
+                  <a:rPr lang="en-US" dirty="0"/>
+                  <a:t> </a:t>
+                </a:r>
+                <a:r>
+                  <a:rPr lang="en-US" dirty="0" err="1"/>
+                  <a:t>một</a:t>
+                </a:r>
+                <a:r>
+                  <a:rPr lang="en-US" dirty="0"/>
+                  <a:t> convergent </a:t>
+                </a:r>
+                <a:r>
+                  <a:rPr lang="en-US" dirty="0" err="1"/>
+                  <a:t>trong</a:t>
+                </a:r>
+                <a:r>
+                  <a:rPr lang="en-US" dirty="0"/>
+                  <a:t> continued fraction </a:t>
+                </a:r>
+                <a:r>
+                  <a:rPr lang="en-US" dirty="0" err="1"/>
+                  <a:t>của</a:t>
+                </a:r>
+                <a:r>
+                  <a:rPr lang="en-US" dirty="0"/>
+                  <a:t> </a:t>
+                </a:r>
+                <a14:m>
+                  <m:oMath xmlns:m="http://schemas.openxmlformats.org/officeDocument/2006/math">
+                    <m:f>
+                      <m:fPr>
+                        <m:ctrlPr>
+                          <a:rPr lang="en-US" i="1">
+                            <a:latin typeface="Cambria Math" panose="02040503050406030204" pitchFamily="18" charset="0"/>
+                          </a:rPr>
+                        </m:ctrlPr>
+                      </m:fPr>
+                      <m:num>
+                        <m:r>
+                          <a:rPr lang="en-US" i="1">
+                            <a:latin typeface="Cambria Math" panose="02040503050406030204" pitchFamily="18" charset="0"/>
+                          </a:rPr>
+                          <m:t>𝑒</m:t>
+                        </m:r>
+                      </m:num>
+                      <m:den>
+                        <m:r>
+                          <a:rPr lang="en-US" i="1">
+                            <a:latin typeface="Cambria Math" panose="02040503050406030204" pitchFamily="18" charset="0"/>
+                          </a:rPr>
+                          <m:t>𝑁</m:t>
+                        </m:r>
+                      </m:den>
+                    </m:f>
+                  </m:oMath>
+                </a14:m>
+                <a:endParaRPr lang="en-US" dirty="0"/>
+              </a:p>
+            </p:txBody>
+          </p:sp>
+        </mc:Choice>
+        <mc:Fallback>
+          <p:sp>
+            <p:nvSpPr>
+              <p:cNvPr id="3" name="Content Placeholder 2">
+                <a:extLst>
+                  <a:ext uri="{FF2B5EF4-FFF2-40B4-BE49-F238E27FC236}">
+                    <a16:creationId xmlns:a16="http://schemas.microsoft.com/office/drawing/2014/main" id="{48148CA2-C224-7EF2-54DA-633C3196CDD8}"/>
+                  </a:ext>
+                </a:extLst>
+              </p:cNvPr>
+              <p:cNvSpPr>
+                <a:spLocks noGrp="1" noRot="1" noChangeAspect="1" noMove="1" noResize="1" noEditPoints="1" noAdjustHandles="1" noChangeArrowheads="1" noChangeShapeType="1" noTextEdit="1"/>
+              </p:cNvSpPr>
+              <p:nvPr>
+                <p:ph idx="1"/>
+              </p:nvPr>
+            </p:nvSpPr>
+            <p:spPr>
+              <a:xfrm>
+                <a:off x="1325880" y="1883834"/>
+                <a:ext cx="7237095" cy="4364566"/>
+              </a:xfrm>
+              <a:blipFill>
+                <a:blip r:embed="rId2"/>
+                <a:stretch>
+                  <a:fillRect l="-590" t="-1955"/>
+                </a:stretch>
+              </a:blipFill>
+            </p:spPr>
+            <p:txBody>
+              <a:bodyPr/>
+              <a:lstStyle/>
+              <a:p>
+                <a:r>
+                  <a:rPr lang="en-US">
+                    <a:noFill/>
+                  </a:rPr>
+                  <a:t> </a:t>
+                </a:r>
+              </a:p>
+            </p:txBody>
+          </p:sp>
+        </mc:Fallback>
+      </mc:AlternateContent>
+    </p:spTree>
+    <p:extLst>
+      <p:ext uri="{BB962C8B-B14F-4D97-AF65-F5344CB8AC3E}">
+        <p14:creationId xmlns:p14="http://schemas.microsoft.com/office/powerpoint/2010/main" val="2658307197"/>
+      </p:ext>
+    </p:extLst>
+  </p:cSld>
+  <p:clrMapOvr>
+    <a:masterClrMapping/>
+  </p:clrMapOvr>
+</p:sld>
+</file>
+
+<file path=ppt/slides/slide22.xml><?xml version="1.0" encoding="utf-8"?>
+<p:sld xmlns:a="http://schemas.openxmlformats.org/drawingml/2006/main" xmlns:r="http://schemas.openxmlformats.org/officeDocument/2006/relationships" xmlns:p="http://schemas.openxmlformats.org/presentationml/2006/main">
+  <p:cSld>
+    <p:spTree>
+      <p:nvGrpSpPr>
+        <p:cNvPr id="1" name=""/>
+        <p:cNvGrpSpPr/>
+        <p:nvPr/>
+      </p:nvGrpSpPr>
+      <p:grpSpPr>
+        <a:xfrm>
+          <a:off x="0" y="0"/>
+          <a:ext cx="0" cy="0"/>
+          <a:chOff x="0" y="0"/>
+          <a:chExt cx="0" cy="0"/>
+        </a:xfrm>
+      </p:grpSpPr>
+      <p:sp>
+        <p:nvSpPr>
+          <p:cNvPr id="2" name="Title 1">
+            <a:extLst>
+              <a:ext uri="{FF2B5EF4-FFF2-40B4-BE49-F238E27FC236}">
+                <a16:creationId xmlns:a16="http://schemas.microsoft.com/office/drawing/2014/main" id="{07AE38B6-F7AA-F477-A900-EC70CD091C66}"/>
+              </a:ext>
+            </a:extLst>
+          </p:cNvPr>
+          <p:cNvSpPr>
+            <a:spLocks noGrp="1"/>
+          </p:cNvSpPr>
+          <p:nvPr>
+            <p:ph type="title"/>
+          </p:nvPr>
+        </p:nvSpPr>
+        <p:spPr>
+          <a:xfrm>
+            <a:off x="563880" y="301627"/>
+            <a:ext cx="10058400" cy="1450757"/>
+          </a:xfrm>
+        </p:spPr>
+        <p:txBody>
+          <a:bodyPr/>
+          <a:lstStyle/>
+          <a:p>
+            <a:r>
+              <a:rPr lang="en-US" dirty="0"/>
+              <a:t>Ý </a:t>
+            </a:r>
+            <a:r>
+              <a:rPr lang="en-US" dirty="0" err="1"/>
+              <a:t>tưởng</a:t>
+            </a:r>
+            <a:endParaRPr lang="en-US" dirty="0"/>
+          </a:p>
+        </p:txBody>
+      </p:sp>
+      <mc:AlternateContent xmlns:mc="http://schemas.openxmlformats.org/markup-compatibility/2006">
+        <mc:Choice xmlns:a14="http://schemas.microsoft.com/office/drawing/2010/main" Requires="a14">
+          <p:sp>
+            <p:nvSpPr>
+              <p:cNvPr id="7" name="Content Placeholder 2">
+                <a:extLst>
+                  <a:ext uri="{FF2B5EF4-FFF2-40B4-BE49-F238E27FC236}">
+                    <a16:creationId xmlns:a16="http://schemas.microsoft.com/office/drawing/2014/main" id="{765A788E-B8B4-1A01-542F-D63F2E60F666}"/>
+                  </a:ext>
+                </a:extLst>
+              </p:cNvPr>
+              <p:cNvSpPr txBox="1">
+                <a:spLocks/>
+              </p:cNvSpPr>
+              <p:nvPr/>
+            </p:nvSpPr>
+            <p:spPr>
+              <a:xfrm>
+                <a:off x="563880" y="1752384"/>
+                <a:ext cx="6589395" cy="4364566"/>
+              </a:xfrm>
+              <a:prstGeom prst="rect">
+                <a:avLst/>
+              </a:prstGeom>
+            </p:spPr>
+            <p:txBody>
+              <a:bodyPr vert="horz" lIns="0" tIns="45720" rIns="0" bIns="45720" rtlCol="0">
+                <a:normAutofit/>
+              </a:bodyPr>
+              <a:lstStyle>
+                <a:lvl1pPr marL="91440" indent="-91440" algn="l" defTabSz="914400" rtl="0" eaLnBrk="1" latinLnBrk="0" hangingPunct="1">
+                  <a:lnSpc>
+                    <a:spcPct val="90000"/>
+                  </a:lnSpc>
+                  <a:spcBef>
+                    <a:spcPts val="1200"/>
+                  </a:spcBef>
+                  <a:spcAft>
+                    <a:spcPts val="200"/>
+                  </a:spcAft>
+                  <a:buClr>
+                    <a:schemeClr val="accent1"/>
+                  </a:buClr>
+                  <a:buSzPct val="100000"/>
+                  <a:buFont typeface="Calibri" panose="020F0502020204030204" pitchFamily="34" charset="0"/>
+                  <a:buChar char=" "/>
+                  <a:defRPr sz="2000" kern="1200">
+                    <a:solidFill>
+                      <a:schemeClr val="tx1">
+                        <a:lumMod val="75000"/>
+                        <a:lumOff val="25000"/>
+                      </a:schemeClr>
+                    </a:solidFill>
+                    <a:latin typeface="+mn-lt"/>
+                    <a:ea typeface="+mn-ea"/>
+                    <a:cs typeface="+mn-cs"/>
+                  </a:defRPr>
+                </a:lvl1pPr>
+                <a:lvl2pPr marL="384048" indent="-182880" algn="l" defTabSz="914400" rtl="0" eaLnBrk="1" latinLnBrk="0" hangingPunct="1">
+                  <a:lnSpc>
+                    <a:spcPct val="90000"/>
+                  </a:lnSpc>
+                  <a:spcBef>
+                    <a:spcPts val="200"/>
+                  </a:spcBef>
+                  <a:spcAft>
+                    <a:spcPts val="400"/>
+                  </a:spcAft>
+                  <a:buClr>
+                    <a:schemeClr val="accent1"/>
+                  </a:buClr>
+                  <a:buFont typeface="Calibri" pitchFamily="34" charset="0"/>
+                  <a:buChar char="◦"/>
+                  <a:defRPr sz="1800" kern="1200">
+                    <a:solidFill>
+                      <a:schemeClr val="tx1">
+                        <a:lumMod val="75000"/>
+                        <a:lumOff val="25000"/>
+                      </a:schemeClr>
+                    </a:solidFill>
+                    <a:latin typeface="+mn-lt"/>
+                    <a:ea typeface="+mn-ea"/>
+                    <a:cs typeface="+mn-cs"/>
+                  </a:defRPr>
+                </a:lvl2pPr>
+                <a:lvl3pPr marL="566928" indent="-182880" algn="l" defTabSz="914400" rtl="0" eaLnBrk="1" latinLnBrk="0" hangingPunct="1">
+                  <a:lnSpc>
+                    <a:spcPct val="90000"/>
+                  </a:lnSpc>
+                  <a:spcBef>
+                    <a:spcPts val="200"/>
+                  </a:spcBef>
+                  <a:spcAft>
+                    <a:spcPts val="400"/>
+                  </a:spcAft>
+                  <a:buClr>
+                    <a:schemeClr val="accent1"/>
+                  </a:buClr>
+                  <a:buFont typeface="Calibri" pitchFamily="34" charset="0"/>
+                  <a:buChar char="◦"/>
+                  <a:defRPr sz="1400" kern="1200">
+                    <a:solidFill>
+                      <a:schemeClr val="tx1">
+                        <a:lumMod val="75000"/>
+                        <a:lumOff val="25000"/>
+                      </a:schemeClr>
+                    </a:solidFill>
+                    <a:latin typeface="+mn-lt"/>
+                    <a:ea typeface="+mn-ea"/>
+                    <a:cs typeface="+mn-cs"/>
+                  </a:defRPr>
+                </a:lvl3pPr>
+                <a:lvl4pPr marL="749808" indent="-182880" algn="l" defTabSz="914400" rtl="0" eaLnBrk="1" latinLnBrk="0" hangingPunct="1">
+                  <a:lnSpc>
+                    <a:spcPct val="90000"/>
+                  </a:lnSpc>
+                  <a:spcBef>
+                    <a:spcPts val="200"/>
+                  </a:spcBef>
+                  <a:spcAft>
+                    <a:spcPts val="400"/>
+                  </a:spcAft>
+                  <a:buClr>
+                    <a:schemeClr val="accent1"/>
+                  </a:buClr>
+                  <a:buFont typeface="Calibri" pitchFamily="34" charset="0"/>
+                  <a:buChar char="◦"/>
+                  <a:defRPr sz="1400" kern="1200">
+                    <a:solidFill>
+                      <a:schemeClr val="tx1">
+                        <a:lumMod val="75000"/>
+                        <a:lumOff val="25000"/>
+                      </a:schemeClr>
+                    </a:solidFill>
+                    <a:latin typeface="+mn-lt"/>
+                    <a:ea typeface="+mn-ea"/>
+                    <a:cs typeface="+mn-cs"/>
+                  </a:defRPr>
+                </a:lvl4pPr>
+                <a:lvl5pPr marL="932688" indent="-182880" algn="l" defTabSz="914400" rtl="0" eaLnBrk="1" latinLnBrk="0" hangingPunct="1">
+                  <a:lnSpc>
+                    <a:spcPct val="90000"/>
+                  </a:lnSpc>
+                  <a:spcBef>
+                    <a:spcPts val="200"/>
+                  </a:spcBef>
+                  <a:spcAft>
+                    <a:spcPts val="400"/>
+                  </a:spcAft>
+                  <a:buClr>
+                    <a:schemeClr val="accent1"/>
+                  </a:buClr>
+                  <a:buFont typeface="Calibri" pitchFamily="34" charset="0"/>
+                  <a:buChar char="◦"/>
+                  <a:defRPr sz="1400" kern="1200">
+                    <a:solidFill>
+                      <a:schemeClr val="tx1">
+                        <a:lumMod val="75000"/>
+                        <a:lumOff val="25000"/>
+                      </a:schemeClr>
+                    </a:solidFill>
+                    <a:latin typeface="+mn-lt"/>
+                    <a:ea typeface="+mn-ea"/>
+                    <a:cs typeface="+mn-cs"/>
+                  </a:defRPr>
+                </a:lvl5pPr>
+                <a:lvl6pPr marL="1100000" indent="-228600" algn="l" defTabSz="914400" rtl="0" eaLnBrk="1" latinLnBrk="0" hangingPunct="1">
+                  <a:lnSpc>
+                    <a:spcPct val="90000"/>
+                  </a:lnSpc>
+                  <a:spcBef>
+                    <a:spcPts val="200"/>
+                  </a:spcBef>
+                  <a:spcAft>
+                    <a:spcPts val="400"/>
+                  </a:spcAft>
+                  <a:buClr>
+                    <a:schemeClr val="accent1"/>
+                  </a:buClr>
+                  <a:buFont typeface="Calibri" pitchFamily="34" charset="0"/>
+                  <a:buChar char="◦"/>
+                  <a:defRPr sz="1400" kern="1200">
+                    <a:solidFill>
+                      <a:schemeClr val="tx1">
+                        <a:lumMod val="75000"/>
+                        <a:lumOff val="25000"/>
+                      </a:schemeClr>
+                    </a:solidFill>
+                    <a:latin typeface="+mn-lt"/>
+                    <a:ea typeface="+mn-ea"/>
+                    <a:cs typeface="+mn-cs"/>
+                  </a:defRPr>
+                </a:lvl6pPr>
+                <a:lvl7pPr marL="1300000" indent="-228600" algn="l" defTabSz="914400" rtl="0" eaLnBrk="1" latinLnBrk="0" hangingPunct="1">
+                  <a:lnSpc>
+                    <a:spcPct val="90000"/>
+                  </a:lnSpc>
+                  <a:spcBef>
+                    <a:spcPts val="200"/>
+                  </a:spcBef>
+                  <a:spcAft>
+                    <a:spcPts val="400"/>
+                  </a:spcAft>
+                  <a:buClr>
+                    <a:schemeClr val="accent1"/>
+                  </a:buClr>
+                  <a:buFont typeface="Calibri" pitchFamily="34" charset="0"/>
+                  <a:buChar char="◦"/>
+                  <a:defRPr sz="1400" kern="1200">
+                    <a:solidFill>
+                      <a:schemeClr val="tx1">
+                        <a:lumMod val="75000"/>
+                        <a:lumOff val="25000"/>
+                      </a:schemeClr>
+                    </a:solidFill>
+                    <a:latin typeface="+mn-lt"/>
+                    <a:ea typeface="+mn-ea"/>
+                    <a:cs typeface="+mn-cs"/>
+                  </a:defRPr>
+                </a:lvl7pPr>
+                <a:lvl8pPr marL="1500000" indent="-228600" algn="l" defTabSz="914400" rtl="0" eaLnBrk="1" latinLnBrk="0" hangingPunct="1">
+                  <a:lnSpc>
+                    <a:spcPct val="90000"/>
+                  </a:lnSpc>
+                  <a:spcBef>
+                    <a:spcPts val="200"/>
+                  </a:spcBef>
+                  <a:spcAft>
+                    <a:spcPts val="400"/>
+                  </a:spcAft>
+                  <a:buClr>
+                    <a:schemeClr val="accent1"/>
+                  </a:buClr>
+                  <a:buFont typeface="Calibri" pitchFamily="34" charset="0"/>
+                  <a:buChar char="◦"/>
+                  <a:defRPr sz="1400" kern="1200">
+                    <a:solidFill>
+                      <a:schemeClr val="tx1">
+                        <a:lumMod val="75000"/>
+                        <a:lumOff val="25000"/>
+                      </a:schemeClr>
+                    </a:solidFill>
+                    <a:latin typeface="+mn-lt"/>
+                    <a:ea typeface="+mn-ea"/>
+                    <a:cs typeface="+mn-cs"/>
+                  </a:defRPr>
+                </a:lvl8pPr>
+                <a:lvl9pPr marL="1700000" indent="-228600" algn="l" defTabSz="914400" rtl="0" eaLnBrk="1" latinLnBrk="0" hangingPunct="1">
+                  <a:lnSpc>
+                    <a:spcPct val="90000"/>
+                  </a:lnSpc>
+                  <a:spcBef>
+                    <a:spcPts val="200"/>
+                  </a:spcBef>
+                  <a:spcAft>
+                    <a:spcPts val="400"/>
+                  </a:spcAft>
+                  <a:buClr>
+                    <a:schemeClr val="accent1"/>
+                  </a:buClr>
+                  <a:buFont typeface="Calibri" pitchFamily="34" charset="0"/>
+                  <a:buChar char="◦"/>
+                  <a:defRPr sz="1400" kern="1200">
+                    <a:solidFill>
+                      <a:schemeClr val="tx1">
+                        <a:lumMod val="75000"/>
+                        <a:lumOff val="25000"/>
+                      </a:schemeClr>
+                    </a:solidFill>
+                    <a:latin typeface="+mn-lt"/>
+                    <a:ea typeface="+mn-ea"/>
+                    <a:cs typeface="+mn-cs"/>
+                  </a:defRPr>
+                </a:lvl9pPr>
+              </a:lstStyle>
+              <a:p>
+                <a:r>
+                  <a:rPr lang="en-US" b="1" dirty="0"/>
+                  <a:t>Cách </a:t>
+                </a:r>
+                <a:r>
+                  <a:rPr lang="en-US" b="1" dirty="0" err="1"/>
+                  <a:t>tấn</a:t>
+                </a:r>
+                <a:r>
+                  <a:rPr lang="en-US" b="1" dirty="0"/>
+                  <a:t> </a:t>
+                </a:r>
+                <a:r>
+                  <a:rPr lang="en-US" b="1" dirty="0" err="1"/>
+                  <a:t>công</a:t>
+                </a:r>
+                <a:endParaRPr lang="en-US" b="1" dirty="0"/>
+              </a:p>
+              <a:p>
+                <a:r>
+                  <a:rPr lang="en-US" dirty="0"/>
+                  <a:t>1. </a:t>
+                </a:r>
+                <a:r>
+                  <a:rPr lang="en-US" dirty="0" err="1"/>
+                  <a:t>Tính</a:t>
+                </a:r>
+                <a:r>
+                  <a:rPr lang="en-US" dirty="0"/>
+                  <a:t> </a:t>
+                </a:r>
+                <a:r>
+                  <a:rPr lang="en-US" dirty="0" err="1"/>
+                  <a:t>từng</a:t>
+                </a:r>
+                <a:r>
+                  <a:rPr lang="en-US" dirty="0"/>
+                  <a:t> continued fraction </a:t>
+                </a:r>
+                <a:r>
+                  <a:rPr lang="en-US" dirty="0" err="1"/>
+                  <a:t>của</a:t>
+                </a:r>
+                <a:r>
+                  <a:rPr lang="en-US" dirty="0"/>
+                  <a:t> </a:t>
+                </a:r>
+                <a14:m>
+                  <m:oMath xmlns:m="http://schemas.openxmlformats.org/officeDocument/2006/math">
+                    <m:f>
+                      <m:fPr>
+                        <m:ctrlPr>
+                          <a:rPr lang="en-US" i="1" smtClean="0">
+                            <a:latin typeface="Cambria Math" panose="02040503050406030204" pitchFamily="18" charset="0"/>
+                          </a:rPr>
+                        </m:ctrlPr>
+                      </m:fPr>
+                      <m:num>
+                        <m:r>
+                          <a:rPr lang="en-US" i="1">
+                            <a:latin typeface="Cambria Math" panose="02040503050406030204" pitchFamily="18" charset="0"/>
+                          </a:rPr>
+                          <m:t>𝑒</m:t>
+                        </m:r>
+                      </m:num>
+                      <m:den>
+                        <m:r>
+                          <a:rPr lang="en-US" i="1">
+                            <a:latin typeface="Cambria Math" panose="02040503050406030204" pitchFamily="18" charset="0"/>
+                          </a:rPr>
+                          <m:t>𝑁</m:t>
+                        </m:r>
+                      </m:den>
+                    </m:f>
+                  </m:oMath>
+                </a14:m>
+                <a:r>
+                  <a:rPr lang="en-US" dirty="0"/>
+                  <a:t> </a:t>
+                </a:r>
+              </a:p>
+              <a:p>
+                <a:r>
+                  <a:rPr lang="en-US" dirty="0"/>
+                  <a:t>2. </a:t>
+                </a:r>
+                <a:r>
+                  <a:rPr lang="en-US" dirty="0" err="1"/>
+                  <a:t>Duyệt</a:t>
+                </a:r>
+                <a:r>
+                  <a:rPr lang="en-US" dirty="0"/>
+                  <a:t> </a:t>
+                </a:r>
+                <a:r>
+                  <a:rPr lang="en-US" dirty="0" err="1"/>
+                  <a:t>từng</a:t>
+                </a:r>
+                <a:r>
+                  <a:rPr lang="en-US" dirty="0"/>
+                  <a:t> convergent </a:t>
+                </a:r>
+                <a:r>
+                  <a:rPr lang="en-US" dirty="0" err="1"/>
+                  <a:t>của</a:t>
+                </a:r>
+                <a:r>
+                  <a:rPr lang="en-US" dirty="0"/>
+                  <a:t> </a:t>
+                </a:r>
+                <a14:m>
+                  <m:oMath xmlns:m="http://schemas.openxmlformats.org/officeDocument/2006/math">
+                    <m:f>
+                      <m:fPr>
+                        <m:ctrlPr>
+                          <a:rPr lang="en-US" i="1" smtClean="0">
+                            <a:latin typeface="Cambria Math" panose="02040503050406030204" pitchFamily="18" charset="0"/>
+                          </a:rPr>
+                        </m:ctrlPr>
+                      </m:fPr>
+                      <m:num>
+                        <m:sSub>
+                          <m:sSubPr>
+                            <m:ctrlPr>
+                              <a:rPr lang="en-US" i="1" smtClean="0">
+                                <a:latin typeface="Cambria Math" panose="02040503050406030204" pitchFamily="18" charset="0"/>
+                              </a:rPr>
+                            </m:ctrlPr>
+                          </m:sSubPr>
+                          <m:e>
+                            <m:r>
+                              <a:rPr lang="en-US" b="0" i="1" smtClean="0">
+                                <a:latin typeface="Cambria Math" panose="02040503050406030204" pitchFamily="18" charset="0"/>
+                              </a:rPr>
+                              <m:t>𝑘</m:t>
+                            </m:r>
+                          </m:e>
+                          <m:sub>
+                            <m:r>
+                              <a:rPr lang="en-US" b="0" i="1" smtClean="0">
+                                <a:latin typeface="Cambria Math" panose="02040503050406030204" pitchFamily="18" charset="0"/>
+                              </a:rPr>
+                              <m:t>𝑖</m:t>
+                            </m:r>
+                          </m:sub>
+                        </m:sSub>
+                      </m:num>
+                      <m:den>
+                        <m:sSub>
+                          <m:sSubPr>
+                            <m:ctrlPr>
+                              <a:rPr lang="en-US" b="0" i="1" smtClean="0">
+                                <a:latin typeface="Cambria Math" panose="02040503050406030204" pitchFamily="18" charset="0"/>
+                              </a:rPr>
+                            </m:ctrlPr>
+                          </m:sSubPr>
+                          <m:e>
+                            <m:r>
+                              <a:rPr lang="en-US" b="0" i="1" smtClean="0">
+                                <a:latin typeface="Cambria Math" panose="02040503050406030204" pitchFamily="18" charset="0"/>
+                              </a:rPr>
+                              <m:t>𝑑</m:t>
+                            </m:r>
+                          </m:e>
+                          <m:sub>
+                            <m:r>
+                              <a:rPr lang="en-US" b="0" i="1" smtClean="0">
+                                <a:latin typeface="Cambria Math" panose="02040503050406030204" pitchFamily="18" charset="0"/>
+                              </a:rPr>
+                              <m:t>𝑖</m:t>
+                            </m:r>
+                          </m:sub>
+                        </m:sSub>
+                      </m:den>
+                    </m:f>
+                  </m:oMath>
+                </a14:m>
+                <a:endParaRPr lang="en-US" dirty="0"/>
+              </a:p>
+              <a:p>
+                <a:r>
+                  <a:rPr lang="en-US" dirty="0"/>
+                  <a:t>3. </a:t>
+                </a:r>
+                <a:r>
+                  <a:rPr lang="en-US" dirty="0" err="1"/>
+                  <a:t>Với</a:t>
+                </a:r>
+                <a:r>
+                  <a:rPr lang="en-US" dirty="0"/>
+                  <a:t> </a:t>
+                </a:r>
+                <a:r>
+                  <a:rPr lang="en-US" dirty="0" err="1"/>
+                  <a:t>mỗi</a:t>
+                </a:r>
+                <a:r>
+                  <a:rPr lang="en-US" dirty="0"/>
+                  <a:t> </a:t>
+                </a:r>
+                <a14:m>
+                  <m:oMath xmlns:m="http://schemas.openxmlformats.org/officeDocument/2006/math">
+                    <m:sSub>
+                      <m:sSubPr>
+                        <m:ctrlPr>
+                          <a:rPr lang="en-US" b="0" i="1" smtClean="0">
+                            <a:latin typeface="Cambria Math" panose="02040503050406030204" pitchFamily="18" charset="0"/>
+                          </a:rPr>
+                        </m:ctrlPr>
+                      </m:sSubPr>
+                      <m:e>
+                        <m:r>
+                          <a:rPr lang="en-US" b="0" i="1" smtClean="0">
+                            <a:latin typeface="Cambria Math" panose="02040503050406030204" pitchFamily="18" charset="0"/>
+                          </a:rPr>
+                          <m:t>𝑑</m:t>
+                        </m:r>
+                      </m:e>
+                      <m:sub>
+                        <m:r>
+                          <a:rPr lang="en-US" b="0" i="1" smtClean="0">
+                            <a:latin typeface="Cambria Math" panose="02040503050406030204" pitchFamily="18" charset="0"/>
+                          </a:rPr>
+                          <m:t>𝑖</m:t>
+                        </m:r>
+                      </m:sub>
+                    </m:sSub>
+                  </m:oMath>
+                </a14:m>
+                <a:r>
+                  <a:rPr lang="en-US" dirty="0"/>
+                  <a:t>, </a:t>
+                </a:r>
+                <a:r>
+                  <a:rPr lang="en-US" dirty="0" err="1"/>
+                  <a:t>suy</a:t>
+                </a:r>
+                <a:r>
+                  <a:rPr lang="en-US" dirty="0"/>
+                  <a:t> </a:t>
+                </a:r>
+                <a:r>
+                  <a:rPr lang="en-US" dirty="0" err="1"/>
+                  <a:t>ra</a:t>
+                </a:r>
+                <a:r>
+                  <a:rPr lang="en-US" dirty="0"/>
+                  <a:t>:</a:t>
+                </a:r>
+              </a:p>
+              <a:p>
+                <a:pPr algn="ctr"/>
+                <a14:m>
+                  <m:oMath xmlns:m="http://schemas.openxmlformats.org/officeDocument/2006/math">
+                    <m:r>
+                      <a:rPr lang="en-US" i="1" smtClean="0">
+                        <a:latin typeface="Cambria Math" panose="02040503050406030204" pitchFamily="18" charset="0"/>
+                        <a:ea typeface="Cambria Math" panose="02040503050406030204" pitchFamily="18" charset="0"/>
+                      </a:rPr>
+                      <m:t>𝜑</m:t>
+                    </m:r>
+                    <m:d>
+                      <m:dPr>
+                        <m:ctrlPr>
+                          <a:rPr lang="en-US" b="0" i="1" smtClean="0">
+                            <a:latin typeface="Cambria Math" panose="02040503050406030204" pitchFamily="18" charset="0"/>
+                            <a:ea typeface="Cambria Math" panose="02040503050406030204" pitchFamily="18" charset="0"/>
+                          </a:rPr>
+                        </m:ctrlPr>
+                      </m:dPr>
+                      <m:e>
+                        <m:r>
+                          <a:rPr lang="en-US" b="0" i="1" smtClean="0">
+                            <a:latin typeface="Cambria Math" panose="02040503050406030204" pitchFamily="18" charset="0"/>
+                            <a:ea typeface="Cambria Math" panose="02040503050406030204" pitchFamily="18" charset="0"/>
+                          </a:rPr>
+                          <m:t>𝑁</m:t>
+                        </m:r>
+                      </m:e>
+                    </m:d>
+                    <m:r>
+                      <a:rPr lang="en-US" b="0" i="1" smtClean="0">
+                        <a:latin typeface="Cambria Math" panose="02040503050406030204" pitchFamily="18" charset="0"/>
+                        <a:ea typeface="Cambria Math" panose="02040503050406030204" pitchFamily="18" charset="0"/>
+                      </a:rPr>
+                      <m:t>= </m:t>
+                    </m:r>
+                    <m:f>
+                      <m:fPr>
+                        <m:ctrlPr>
+                          <a:rPr lang="en-US" b="0" i="1" smtClean="0">
+                            <a:latin typeface="Cambria Math" panose="02040503050406030204" pitchFamily="18" charset="0"/>
+                            <a:ea typeface="Cambria Math" panose="02040503050406030204" pitchFamily="18" charset="0"/>
+                          </a:rPr>
+                        </m:ctrlPr>
+                      </m:fPr>
+                      <m:num>
+                        <m:r>
+                          <a:rPr lang="en-US" b="0" i="1" smtClean="0">
+                            <a:latin typeface="Cambria Math" panose="02040503050406030204" pitchFamily="18" charset="0"/>
+                            <a:ea typeface="Cambria Math" panose="02040503050406030204" pitchFamily="18" charset="0"/>
+                          </a:rPr>
+                          <m:t>𝑒</m:t>
+                        </m:r>
+                        <m:sSub>
+                          <m:sSubPr>
+                            <m:ctrlPr>
+                              <a:rPr lang="en-US" b="0" i="1" smtClean="0">
+                                <a:latin typeface="Cambria Math" panose="02040503050406030204" pitchFamily="18" charset="0"/>
+                                <a:ea typeface="Cambria Math" panose="02040503050406030204" pitchFamily="18" charset="0"/>
+                              </a:rPr>
+                            </m:ctrlPr>
+                          </m:sSubPr>
+                          <m:e>
+                            <m:r>
+                              <a:rPr lang="en-US" b="0" i="1" smtClean="0">
+                                <a:latin typeface="Cambria Math" panose="02040503050406030204" pitchFamily="18" charset="0"/>
+                                <a:ea typeface="Cambria Math" panose="02040503050406030204" pitchFamily="18" charset="0"/>
+                              </a:rPr>
+                              <m:t>𝑑</m:t>
+                            </m:r>
+                          </m:e>
+                          <m:sub>
+                            <m:r>
+                              <a:rPr lang="en-US" b="0" i="1" smtClean="0">
+                                <a:latin typeface="Cambria Math" panose="02040503050406030204" pitchFamily="18" charset="0"/>
+                                <a:ea typeface="Cambria Math" panose="02040503050406030204" pitchFamily="18" charset="0"/>
+                              </a:rPr>
+                              <m:t>𝑖</m:t>
+                            </m:r>
+                          </m:sub>
+                        </m:sSub>
+                        <m:r>
+                          <a:rPr lang="en-US" b="0" i="1" smtClean="0">
+                            <a:latin typeface="Cambria Math" panose="02040503050406030204" pitchFamily="18" charset="0"/>
+                            <a:ea typeface="Cambria Math" panose="02040503050406030204" pitchFamily="18" charset="0"/>
+                          </a:rPr>
+                          <m:t>−1</m:t>
+                        </m:r>
+                      </m:num>
+                      <m:den>
+                        <m:sSub>
+                          <m:sSubPr>
+                            <m:ctrlPr>
+                              <a:rPr lang="en-US" b="0" i="1" smtClean="0">
+                                <a:latin typeface="Cambria Math" panose="02040503050406030204" pitchFamily="18" charset="0"/>
+                                <a:ea typeface="Cambria Math" panose="02040503050406030204" pitchFamily="18" charset="0"/>
+                              </a:rPr>
+                            </m:ctrlPr>
+                          </m:sSubPr>
+                          <m:e>
+                            <m:r>
+                              <a:rPr lang="en-US" b="0" i="1" smtClean="0">
+                                <a:latin typeface="Cambria Math" panose="02040503050406030204" pitchFamily="18" charset="0"/>
+                                <a:ea typeface="Cambria Math" panose="02040503050406030204" pitchFamily="18" charset="0"/>
+                              </a:rPr>
+                              <m:t>𝑘</m:t>
+                            </m:r>
+                          </m:e>
+                          <m:sub>
+                            <m:r>
+                              <a:rPr lang="en-US" b="0" i="1" smtClean="0">
+                                <a:latin typeface="Cambria Math" panose="02040503050406030204" pitchFamily="18" charset="0"/>
+                                <a:ea typeface="Cambria Math" panose="02040503050406030204" pitchFamily="18" charset="0"/>
+                              </a:rPr>
+                              <m:t>𝑖</m:t>
+                            </m:r>
+                          </m:sub>
+                        </m:sSub>
+                      </m:den>
+                    </m:f>
+                  </m:oMath>
+                </a14:m>
+                <a:endParaRPr lang="en-US" dirty="0"/>
+              </a:p>
+              <a:p>
+                <a:r>
+                  <a:rPr lang="en-US" dirty="0"/>
+                  <a:t>4. </a:t>
+                </a:r>
+                <a:r>
+                  <a:rPr lang="en-US" dirty="0" err="1"/>
+                  <a:t>Từ</a:t>
+                </a:r>
+                <a:r>
+                  <a:rPr lang="en-US" dirty="0"/>
+                  <a:t> </a:t>
+                </a:r>
+                <a14:m>
+                  <m:oMath xmlns:m="http://schemas.openxmlformats.org/officeDocument/2006/math">
+                    <m:r>
+                      <a:rPr lang="en-US" i="1" smtClean="0">
+                        <a:latin typeface="Cambria Math" panose="02040503050406030204" pitchFamily="18" charset="0"/>
+                        <a:ea typeface="Cambria Math" panose="02040503050406030204" pitchFamily="18" charset="0"/>
+                      </a:rPr>
+                      <m:t>𝜑</m:t>
+                    </m:r>
+                    <m:d>
+                      <m:dPr>
+                        <m:ctrlPr>
+                          <a:rPr lang="en-US" b="0" i="1" smtClean="0">
+                            <a:latin typeface="Cambria Math" panose="02040503050406030204" pitchFamily="18" charset="0"/>
+                            <a:ea typeface="Cambria Math" panose="02040503050406030204" pitchFamily="18" charset="0"/>
+                          </a:rPr>
+                        </m:ctrlPr>
+                      </m:dPr>
+                      <m:e>
+                        <m:r>
+                          <a:rPr lang="en-US" b="0" i="1" smtClean="0">
+                            <a:latin typeface="Cambria Math" panose="02040503050406030204" pitchFamily="18" charset="0"/>
+                            <a:ea typeface="Cambria Math" panose="02040503050406030204" pitchFamily="18" charset="0"/>
+                          </a:rPr>
+                          <m:t>𝑁</m:t>
+                        </m:r>
+                      </m:e>
+                    </m:d>
+                  </m:oMath>
+                </a14:m>
+                <a:r>
+                  <a:rPr lang="en-US" dirty="0"/>
+                  <a:t> </a:t>
+                </a:r>
+                <a:r>
+                  <a:rPr lang="en-US" dirty="0" err="1"/>
+                  <a:t>giải</a:t>
+                </a:r>
+                <a:r>
+                  <a:rPr lang="en-US" dirty="0"/>
+                  <a:t> </a:t>
+                </a:r>
+                <a:r>
+                  <a:rPr lang="en-US" dirty="0" err="1"/>
+                  <a:t>ra</a:t>
+                </a:r>
+                <a:r>
+                  <a:rPr lang="en-US" dirty="0"/>
+                  <a:t> </a:t>
+                </a:r>
+                <a:r>
+                  <a:rPr lang="en-US" dirty="0" err="1"/>
+                  <a:t>p,q</a:t>
+                </a:r>
+                <a:r>
+                  <a:rPr lang="en-US" dirty="0"/>
+                  <a:t> =&gt; </a:t>
+                </a:r>
+                <a:r>
+                  <a:rPr lang="en-US" dirty="0" err="1"/>
+                  <a:t>dựng</a:t>
+                </a:r>
+                <a:r>
+                  <a:rPr lang="en-US" dirty="0"/>
+                  <a:t> </a:t>
+                </a:r>
+                <a:r>
+                  <a:rPr lang="en-US" dirty="0" err="1"/>
+                  <a:t>lại</a:t>
+                </a:r>
+                <a:r>
+                  <a:rPr lang="en-US" dirty="0"/>
+                  <a:t> private key</a:t>
+                </a:r>
+              </a:p>
+            </p:txBody>
+          </p:sp>
+        </mc:Choice>
+        <mc:Fallback>
+          <p:sp>
+            <p:nvSpPr>
+              <p:cNvPr id="7" name="Content Placeholder 2">
+                <a:extLst>
+                  <a:ext uri="{FF2B5EF4-FFF2-40B4-BE49-F238E27FC236}">
+                    <a16:creationId xmlns:a16="http://schemas.microsoft.com/office/drawing/2014/main" id="{765A788E-B8B4-1A01-542F-D63F2E60F666}"/>
+                  </a:ext>
+                </a:extLst>
+              </p:cNvPr>
+              <p:cNvSpPr txBox="1">
+                <a:spLocks noRot="1" noChangeAspect="1" noMove="1" noResize="1" noEditPoints="1" noAdjustHandles="1" noChangeArrowheads="1" noChangeShapeType="1" noTextEdit="1"/>
+              </p:cNvSpPr>
+              <p:nvPr/>
+            </p:nvSpPr>
+            <p:spPr>
+              <a:xfrm>
+                <a:off x="563880" y="1752384"/>
+                <a:ext cx="6589395" cy="4364566"/>
+              </a:xfrm>
+              <a:prstGeom prst="rect">
+                <a:avLst/>
+              </a:prstGeom>
+              <a:blipFill>
+                <a:blip r:embed="rId2"/>
+                <a:stretch>
+                  <a:fillRect l="-1019" t="-1397"/>
+                </a:stretch>
+              </a:blipFill>
+            </p:spPr>
+            <p:txBody>
+              <a:bodyPr/>
+              <a:lstStyle/>
+              <a:p>
+                <a:r>
+                  <a:rPr lang="en-US">
+                    <a:noFill/>
+                  </a:rPr>
+                  <a:t> </a:t>
+                </a:r>
+              </a:p>
+            </p:txBody>
+          </p:sp>
+        </mc:Fallback>
+      </mc:AlternateContent>
+      <p:pic>
+        <p:nvPicPr>
+          <p:cNvPr id="8" name="Content Placeholder 4">
+            <a:extLst>
+              <a:ext uri="{FF2B5EF4-FFF2-40B4-BE49-F238E27FC236}">
+                <a16:creationId xmlns:a16="http://schemas.microsoft.com/office/drawing/2014/main" id="{57AEDB6B-24DF-EDCC-2B35-516C7CC957CE}"/>
+              </a:ext>
+            </a:extLst>
+          </p:cNvPr>
+          <p:cNvPicPr>
+            <a:picLocks noGrp="1" noChangeAspect="1"/>
+          </p:cNvPicPr>
+          <p:nvPr>
+            <p:ph idx="1"/>
+          </p:nvPr>
+        </p:nvPicPr>
+        <p:blipFill>
+          <a:blip r:embed="rId3">
+            <a:extLst>
+              <a:ext uri="{28A0092B-C50C-407E-A947-70E740481C1C}">
+                <a14:useLocalDpi xmlns:a14="http://schemas.microsoft.com/office/drawing/2010/main" val="0"/>
+              </a:ext>
+            </a:extLst>
+          </a:blip>
+          <a:stretch>
+            <a:fillRect/>
+          </a:stretch>
+        </p:blipFill>
+        <p:spPr>
+          <a:xfrm>
+            <a:off x="0" y="4908311"/>
+            <a:ext cx="12192000" cy="1499078"/>
+          </a:xfrm>
+        </p:spPr>
+      </p:pic>
+    </p:spTree>
+    <p:extLst>
+      <p:ext uri="{BB962C8B-B14F-4D97-AF65-F5344CB8AC3E}">
+        <p14:creationId xmlns:p14="http://schemas.microsoft.com/office/powerpoint/2010/main" val="1235108557"/>
+      </p:ext>
+    </p:extLst>
+  </p:cSld>
+  <p:clrMapOvr>
+    <a:masterClrMapping/>
+  </p:clrMapOvr>
+</p:sld>
+</file>
+
+<file path=ppt/slides/slide23.xml><?xml version="1.0" encoding="utf-8"?>
 <p:sld xmlns:a="http://schemas.openxmlformats.org/drawingml/2006/main" xmlns:r="http://schemas.openxmlformats.org/officeDocument/2006/relationships" xmlns:p="http://schemas.openxmlformats.org/presentationml/2006/main">
   <p:cSld>
     <p:spTree>
@@ -6964,72 +11575,354 @@
             </a:lvl9pPr>
           </a:lstStyle>
           <a:p>
+            <a:pPr lvl="1">
+              <a:buFont typeface="Symbol" panose="05050102010706020507" pitchFamily="18" charset="2"/>
+              <a:buChar char="Þ"/>
+            </a:pPr>
+            <a:r>
+              <a:rPr lang="en-US" sz="2400" dirty="0" err="1">
+                <a:latin typeface="Calibri (Body)"/>
+              </a:rPr>
+              <a:t>Tốn</a:t>
+            </a:r>
+            <a:r>
+              <a:rPr lang="en-US" sz="2400" dirty="0">
+                <a:latin typeface="Calibri (Body)"/>
+              </a:rPr>
+              <a:t> </a:t>
+            </a:r>
+            <a:r>
+              <a:rPr lang="en-US" sz="2400" dirty="0" err="1">
+                <a:latin typeface="Calibri (Body)"/>
+              </a:rPr>
+              <a:t>khoảng</a:t>
+            </a:r>
+            <a:r>
+              <a:rPr lang="en-US" sz="2400" dirty="0">
+                <a:latin typeface="Calibri (Body)"/>
+              </a:rPr>
+              <a:t> 0.02s </a:t>
+            </a:r>
+            <a:r>
+              <a:rPr lang="en-US" sz="2400" dirty="0" err="1">
+                <a:latin typeface="Calibri (Body)"/>
+              </a:rPr>
+              <a:t>để</a:t>
+            </a:r>
+            <a:r>
+              <a:rPr lang="en-US" sz="2400" dirty="0">
+                <a:latin typeface="Calibri (Body)"/>
+              </a:rPr>
+              <a:t> attack </a:t>
+            </a:r>
+            <a:r>
+              <a:rPr lang="en-US" sz="2400" dirty="0" err="1">
+                <a:latin typeface="Calibri (Body)"/>
+              </a:rPr>
+              <a:t>thành</a:t>
+            </a:r>
+            <a:r>
+              <a:rPr lang="en-US" sz="2400" dirty="0">
+                <a:latin typeface="Calibri (Body)"/>
+              </a:rPr>
+              <a:t> </a:t>
+            </a:r>
+            <a:r>
+              <a:rPr lang="en-US" sz="2400" dirty="0" err="1">
+                <a:latin typeface="Calibri (Body)"/>
+              </a:rPr>
+              <a:t>công</a:t>
+            </a:r>
+            <a:endParaRPr lang="en-US" sz="2400" dirty="0">
+              <a:latin typeface="Calibri (Body)"/>
+            </a:endParaRPr>
+          </a:p>
+          <a:p>
             <a:pPr marL="201168" lvl="1" indent="0">
               <a:buNone/>
             </a:pPr>
             <a:r>
-              <a:rPr lang="en-US" sz="2400" dirty="0">
-                <a:latin typeface="Calibri (Body)"/>
-              </a:rPr>
-              <a:t>=&gt; </a:t>
-            </a:r>
-            <a:r>
-              <a:rPr lang="en-US" sz="2400" dirty="0" err="1">
-                <a:latin typeface="Calibri (Body)"/>
-              </a:rPr>
-              <a:t>Tốn</a:t>
-            </a:r>
-            <a:r>
-              <a:rPr lang="en-US" sz="2400" dirty="0">
-                <a:latin typeface="Calibri (Body)"/>
-              </a:rPr>
-              <a:t> </a:t>
-            </a:r>
-            <a:r>
-              <a:rPr lang="en-US" sz="2400" dirty="0" err="1">
-                <a:latin typeface="Calibri (Body)"/>
-              </a:rPr>
-              <a:t>khoảng</a:t>
-            </a:r>
-            <a:r>
-              <a:rPr lang="en-US" sz="2400" dirty="0">
-                <a:latin typeface="Calibri (Body)"/>
-              </a:rPr>
-              <a:t> 0.02s </a:t>
-            </a:r>
-            <a:r>
-              <a:rPr lang="en-US" sz="2400" dirty="0" err="1">
-                <a:latin typeface="Calibri (Body)"/>
-              </a:rPr>
-              <a:t>để</a:t>
-            </a:r>
-            <a:r>
-              <a:rPr lang="en-US" sz="2400" dirty="0">
-                <a:latin typeface="Calibri (Body)"/>
-              </a:rPr>
-              <a:t> attack </a:t>
-            </a:r>
-            <a:r>
-              <a:rPr lang="en-US" sz="2400" dirty="0" err="1">
-                <a:latin typeface="Calibri (Body)"/>
-              </a:rPr>
-              <a:t>thành</a:t>
-            </a:r>
-            <a:r>
-              <a:rPr lang="en-US" sz="2400" dirty="0">
-                <a:latin typeface="Calibri (Body)"/>
-              </a:rPr>
-              <a:t> </a:t>
-            </a:r>
-            <a:r>
-              <a:rPr lang="en-US" sz="2400" dirty="0" err="1">
-                <a:latin typeface="Calibri (Body)"/>
-              </a:rPr>
-              <a:t>công</a:t>
-            </a:r>
-            <a:endParaRPr lang="en-US" sz="2400" dirty="0">
-              <a:latin typeface="Calibri (Body)"/>
-            </a:endParaRPr>
+              <a:rPr lang="en-US" dirty="0">
+                <a:latin typeface="Calibri (Body)"/>
+              </a:rPr>
+              <a:t>- Qua </a:t>
+            </a:r>
+            <a:r>
+              <a:rPr lang="en-US" dirty="0" err="1">
+                <a:latin typeface="Calibri (Body)"/>
+              </a:rPr>
+              <a:t>đó</a:t>
+            </a:r>
+            <a:r>
+              <a:rPr lang="en-US" dirty="0">
+                <a:latin typeface="Calibri (Body)"/>
+              </a:rPr>
+              <a:t> </a:t>
+            </a:r>
+            <a:r>
+              <a:rPr lang="en-US" dirty="0" err="1">
+                <a:latin typeface="Calibri (Body)"/>
+              </a:rPr>
+              <a:t>chứng</a:t>
+            </a:r>
+            <a:r>
+              <a:rPr lang="en-US" dirty="0">
+                <a:latin typeface="Calibri (Body)"/>
+              </a:rPr>
+              <a:t> </a:t>
+            </a:r>
+            <a:r>
+              <a:rPr lang="en-US" dirty="0" err="1">
+                <a:latin typeface="Calibri (Body)"/>
+              </a:rPr>
+              <a:t>minh</a:t>
+            </a:r>
+            <a:r>
+              <a:rPr lang="en-US" dirty="0">
+                <a:latin typeface="Calibri (Body)"/>
+              </a:rPr>
+              <a:t> </a:t>
+            </a:r>
+            <a:r>
+              <a:rPr lang="en-US" dirty="0" err="1">
+                <a:latin typeface="Calibri (Body)"/>
+              </a:rPr>
+              <a:t>rằng</a:t>
+            </a:r>
+            <a:r>
+              <a:rPr lang="en-US" dirty="0">
+                <a:latin typeface="Calibri (Body)"/>
+              </a:rPr>
+              <a:t>, </a:t>
+            </a:r>
+            <a:r>
+              <a:rPr lang="en-US" dirty="0" err="1">
+                <a:latin typeface="Calibri (Body)"/>
+              </a:rPr>
+              <a:t>giả</a:t>
+            </a:r>
+            <a:r>
+              <a:rPr lang="en-US" dirty="0">
+                <a:latin typeface="Calibri (Body)"/>
+              </a:rPr>
+              <a:t> </a:t>
+            </a:r>
+            <a:r>
+              <a:rPr lang="en-US" dirty="0" err="1">
+                <a:latin typeface="Calibri (Body)"/>
+              </a:rPr>
+              <a:t>thuyết</a:t>
+            </a:r>
+            <a:r>
+              <a:rPr lang="en-US" dirty="0">
+                <a:latin typeface="Calibri (Body)"/>
+              </a:rPr>
+              <a:t> small exponent </a:t>
+            </a:r>
+            <a:r>
+              <a:rPr lang="en-US" dirty="0" err="1">
+                <a:latin typeface="Calibri (Body)"/>
+              </a:rPr>
+              <a:t>misue</a:t>
+            </a:r>
+            <a:r>
+              <a:rPr lang="en-US" dirty="0">
+                <a:latin typeface="Calibri (Body)"/>
+              </a:rPr>
+              <a:t> </a:t>
+            </a:r>
+            <a:r>
+              <a:rPr lang="en-US" dirty="0" err="1">
+                <a:latin typeface="Calibri (Body)"/>
+              </a:rPr>
+              <a:t>là</a:t>
+            </a:r>
+            <a:r>
+              <a:rPr lang="en-US" dirty="0">
+                <a:latin typeface="Calibri (Body)"/>
+              </a:rPr>
+              <a:t> </a:t>
+            </a:r>
+            <a:r>
+              <a:rPr lang="en-US" dirty="0" err="1">
+                <a:latin typeface="Calibri (Body)"/>
+              </a:rPr>
+              <a:t>nguyên</a:t>
+            </a:r>
+            <a:r>
+              <a:rPr lang="en-US" dirty="0">
+                <a:latin typeface="Calibri (Body)"/>
+              </a:rPr>
+              <a:t> </a:t>
+            </a:r>
+            <a:r>
+              <a:rPr lang="en-US" dirty="0" err="1">
+                <a:latin typeface="Calibri (Body)"/>
+              </a:rPr>
+              <a:t>nhân</a:t>
+            </a:r>
+            <a:r>
+              <a:rPr lang="en-US" dirty="0">
+                <a:latin typeface="Calibri (Body)"/>
+              </a:rPr>
+              <a:t> compromise </a:t>
+            </a:r>
+            <a:r>
+              <a:rPr lang="en-US" dirty="0" err="1">
+                <a:latin typeface="Calibri (Body)"/>
+              </a:rPr>
+              <a:t>thực</a:t>
+            </a:r>
+            <a:r>
+              <a:rPr lang="en-US" dirty="0">
+                <a:latin typeface="Calibri (Body)"/>
+              </a:rPr>
+              <a:t> </a:t>
+            </a:r>
+            <a:r>
+              <a:rPr lang="en-US" dirty="0" err="1">
+                <a:latin typeface="Calibri (Body)"/>
+              </a:rPr>
+              <a:t>tế</a:t>
+            </a:r>
+            <a:r>
+              <a:rPr lang="en-US" dirty="0">
+                <a:latin typeface="Calibri (Body)"/>
+              </a:rPr>
+              <a:t>, </a:t>
+            </a:r>
+            <a:r>
+              <a:rPr lang="en-US" dirty="0" err="1">
+                <a:latin typeface="Calibri (Body)"/>
+              </a:rPr>
+              <a:t>có</a:t>
+            </a:r>
+            <a:r>
+              <a:rPr lang="en-US" dirty="0">
+                <a:latin typeface="Calibri (Body)"/>
+              </a:rPr>
+              <a:t> </a:t>
+            </a:r>
+            <a:r>
+              <a:rPr lang="en-US" dirty="0" err="1">
+                <a:latin typeface="Calibri (Body)"/>
+              </a:rPr>
+              <a:t>thể</a:t>
+            </a:r>
+            <a:r>
+              <a:rPr lang="en-US" dirty="0">
+                <a:latin typeface="Calibri (Body)"/>
+              </a:rPr>
+              <a:t> </a:t>
+            </a:r>
+            <a:r>
+              <a:rPr lang="en-US" dirty="0" err="1">
+                <a:latin typeface="Calibri (Body)"/>
+              </a:rPr>
+              <a:t>dẫn</a:t>
+            </a:r>
+            <a:r>
+              <a:rPr lang="en-US" dirty="0">
+                <a:latin typeface="Calibri (Body)"/>
+              </a:rPr>
+              <a:t> </a:t>
+            </a:r>
+            <a:r>
+              <a:rPr lang="en-US" dirty="0" err="1">
+                <a:latin typeface="Calibri (Body)"/>
+              </a:rPr>
+              <a:t>đến</a:t>
+            </a:r>
+            <a:r>
+              <a:rPr lang="en-US" dirty="0">
+                <a:latin typeface="Calibri (Body)"/>
+              </a:rPr>
+              <a:t> </a:t>
+            </a:r>
+            <a:r>
+              <a:rPr lang="en-US" dirty="0" err="1">
+                <a:latin typeface="Calibri (Body)"/>
+              </a:rPr>
+              <a:t>cơ</a:t>
+            </a:r>
+            <a:r>
+              <a:rPr lang="en-US" dirty="0">
+                <a:latin typeface="Calibri (Body)"/>
+              </a:rPr>
+              <a:t> </a:t>
+            </a:r>
+            <a:r>
+              <a:rPr lang="en-US" dirty="0" err="1">
+                <a:latin typeface="Calibri (Body)"/>
+              </a:rPr>
+              <a:t>chế</a:t>
+            </a:r>
+            <a:r>
+              <a:rPr lang="en-US" dirty="0">
+                <a:latin typeface="Calibri (Body)"/>
+              </a:rPr>
+              <a:t> </a:t>
+            </a:r>
+            <a:r>
+              <a:rPr lang="en-US" dirty="0" err="1">
+                <a:latin typeface="Calibri (Body)"/>
+              </a:rPr>
+              <a:t>xác</a:t>
+            </a:r>
+            <a:r>
+              <a:rPr lang="en-US" dirty="0">
+                <a:latin typeface="Calibri (Body)"/>
+              </a:rPr>
+              <a:t> </a:t>
+            </a:r>
+            <a:r>
+              <a:rPr lang="en-US" dirty="0" err="1">
+                <a:latin typeface="Calibri (Body)"/>
+              </a:rPr>
+              <a:t>thực</a:t>
+            </a:r>
+            <a:r>
+              <a:rPr lang="en-US" dirty="0">
+                <a:latin typeface="Calibri (Body)"/>
+              </a:rPr>
+              <a:t> </a:t>
+            </a:r>
+            <a:r>
+              <a:rPr lang="en-US" dirty="0" err="1">
+                <a:latin typeface="Calibri (Body)"/>
+              </a:rPr>
+              <a:t>không</a:t>
+            </a:r>
+            <a:r>
+              <a:rPr lang="en-US" dirty="0">
+                <a:latin typeface="Calibri (Body)"/>
+              </a:rPr>
+              <a:t> </a:t>
+            </a:r>
+            <a:r>
+              <a:rPr lang="en-US" dirty="0" err="1">
+                <a:latin typeface="Calibri (Body)"/>
+              </a:rPr>
+              <a:t>còn</a:t>
+            </a:r>
+            <a:r>
+              <a:rPr lang="en-US" dirty="0">
+                <a:latin typeface="Calibri (Body)"/>
+              </a:rPr>
+              <a:t> </a:t>
+            </a:r>
+            <a:r>
+              <a:rPr lang="en-US" dirty="0" err="1">
+                <a:latin typeface="Calibri (Body)"/>
+              </a:rPr>
+              <a:t>đáng</a:t>
+            </a:r>
+            <a:r>
+              <a:rPr lang="en-US" dirty="0">
+                <a:latin typeface="Calibri (Body)"/>
+              </a:rPr>
+              <a:t> tin</a:t>
+            </a:r>
           </a:p>
         </p:txBody>
       </p:sp>
@@ -7046,7 +11939,1975 @@
 </p:sld>
 </file>
 
-<file path=ppt/slides/slide14.xml><?xml version="1.0" encoding="utf-8"?>
+<file path=ppt/slides/slide24.xml><?xml version="1.0" encoding="utf-8"?>
+<p:sld xmlns:a="http://schemas.openxmlformats.org/drawingml/2006/main" xmlns:r="http://schemas.openxmlformats.org/officeDocument/2006/relationships" xmlns:p="http://schemas.openxmlformats.org/presentationml/2006/main">
+  <p:cSld>
+    <p:spTree>
+      <p:nvGrpSpPr>
+        <p:cNvPr id="1" name=""/>
+        <p:cNvGrpSpPr/>
+        <p:nvPr/>
+      </p:nvGrpSpPr>
+      <p:grpSpPr>
+        <a:xfrm>
+          <a:off x="0" y="0"/>
+          <a:ext cx="0" cy="0"/>
+          <a:chOff x="0" y="0"/>
+          <a:chExt cx="0" cy="0"/>
+        </a:xfrm>
+      </p:grpSpPr>
+      <p:sp>
+        <p:nvSpPr>
+          <p:cNvPr id="2" name="Title 1">
+            <a:extLst>
+              <a:ext uri="{FF2B5EF4-FFF2-40B4-BE49-F238E27FC236}">
+                <a16:creationId xmlns:a16="http://schemas.microsoft.com/office/drawing/2014/main" id="{512B0150-081F-3211-A95E-E15A98B8D537}"/>
+              </a:ext>
+            </a:extLst>
+          </p:cNvPr>
+          <p:cNvSpPr>
+            <a:spLocks noGrp="1"/>
+          </p:cNvSpPr>
+          <p:nvPr>
+            <p:ph type="title"/>
+          </p:nvPr>
+        </p:nvSpPr>
+        <p:spPr>
+          <a:xfrm>
+            <a:off x="0" y="263527"/>
+            <a:ext cx="10058400" cy="1450757"/>
+          </a:xfrm>
+        </p:spPr>
+        <p:txBody>
+          <a:bodyPr/>
+          <a:lstStyle/>
+          <a:p>
+            <a:r>
+              <a:rPr lang="en-US" dirty="0" err="1"/>
+              <a:t>Kết</a:t>
+            </a:r>
+            <a:r>
+              <a:rPr lang="en-US" dirty="0"/>
+              <a:t> </a:t>
+            </a:r>
+            <a:r>
+              <a:rPr lang="en-US" dirty="0" err="1"/>
+              <a:t>quả</a:t>
+            </a:r>
+            <a:r>
+              <a:rPr lang="en-US" dirty="0"/>
+              <a:t> - Attack C</a:t>
+            </a:r>
+          </a:p>
+        </p:txBody>
+      </p:sp>
+      <p:pic>
+        <p:nvPicPr>
+          <p:cNvPr id="5" name="Content Placeholder 4">
+            <a:extLst>
+              <a:ext uri="{FF2B5EF4-FFF2-40B4-BE49-F238E27FC236}">
+                <a16:creationId xmlns:a16="http://schemas.microsoft.com/office/drawing/2014/main" id="{565CED2E-5034-A152-2EF1-5CE331C2DB32}"/>
+              </a:ext>
+            </a:extLst>
+          </p:cNvPr>
+          <p:cNvPicPr>
+            <a:picLocks noGrp="1" noChangeAspect="1"/>
+          </p:cNvPicPr>
+          <p:nvPr>
+            <p:ph idx="1"/>
+          </p:nvPr>
+        </p:nvPicPr>
+        <p:blipFill>
+          <a:blip r:embed="rId2"/>
+          <a:stretch>
+            <a:fillRect/>
+          </a:stretch>
+        </p:blipFill>
+        <p:spPr>
+          <a:xfrm>
+            <a:off x="3804777" y="1855703"/>
+            <a:ext cx="8387223" cy="4024313"/>
+          </a:xfrm>
+        </p:spPr>
+      </p:pic>
+      <p:sp>
+        <p:nvSpPr>
+          <p:cNvPr id="6" name="Content Placeholder 2">
+            <a:extLst>
+              <a:ext uri="{FF2B5EF4-FFF2-40B4-BE49-F238E27FC236}">
+                <a16:creationId xmlns:a16="http://schemas.microsoft.com/office/drawing/2014/main" id="{9BA28423-2208-1782-0F63-59F4812F628A}"/>
+              </a:ext>
+            </a:extLst>
+          </p:cNvPr>
+          <p:cNvSpPr txBox="1">
+            <a:spLocks/>
+          </p:cNvSpPr>
+          <p:nvPr/>
+        </p:nvSpPr>
+        <p:spPr>
+          <a:xfrm>
+            <a:off x="0" y="1940625"/>
+            <a:ext cx="3663616" cy="4023360"/>
+          </a:xfrm>
+          <a:prstGeom prst="rect">
+            <a:avLst/>
+          </a:prstGeom>
+        </p:spPr>
+        <p:txBody>
+          <a:bodyPr vert="horz" lIns="0" tIns="45720" rIns="0" bIns="45720" rtlCol="0">
+            <a:normAutofit/>
+          </a:bodyPr>
+          <a:lstStyle>
+            <a:lvl1pPr marL="91440" indent="-91440" algn="l" defTabSz="914400" rtl="0" eaLnBrk="1" latinLnBrk="0" hangingPunct="1">
+              <a:lnSpc>
+                <a:spcPct val="90000"/>
+              </a:lnSpc>
+              <a:spcBef>
+                <a:spcPts val="1200"/>
+              </a:spcBef>
+              <a:spcAft>
+                <a:spcPts val="200"/>
+              </a:spcAft>
+              <a:buClr>
+                <a:schemeClr val="accent1"/>
+              </a:buClr>
+              <a:buSzPct val="100000"/>
+              <a:buFont typeface="Calibri" panose="020F0502020204030204" pitchFamily="34" charset="0"/>
+              <a:buChar char=" "/>
+              <a:defRPr sz="2000" kern="1200">
+                <a:solidFill>
+                  <a:schemeClr val="tx1">
+                    <a:lumMod val="75000"/>
+                    <a:lumOff val="25000"/>
+                  </a:schemeClr>
+                </a:solidFill>
+                <a:latin typeface="+mn-lt"/>
+                <a:ea typeface="+mn-ea"/>
+                <a:cs typeface="+mn-cs"/>
+              </a:defRPr>
+            </a:lvl1pPr>
+            <a:lvl2pPr marL="384048" indent="-182880" algn="l" defTabSz="914400" rtl="0" eaLnBrk="1" latinLnBrk="0" hangingPunct="1">
+              <a:lnSpc>
+                <a:spcPct val="90000"/>
+              </a:lnSpc>
+              <a:spcBef>
+                <a:spcPts val="200"/>
+              </a:spcBef>
+              <a:spcAft>
+                <a:spcPts val="400"/>
+              </a:spcAft>
+              <a:buClr>
+                <a:schemeClr val="accent1"/>
+              </a:buClr>
+              <a:buFont typeface="Calibri" pitchFamily="34" charset="0"/>
+              <a:buChar char="◦"/>
+              <a:defRPr sz="1800" kern="1200">
+                <a:solidFill>
+                  <a:schemeClr val="tx1">
+                    <a:lumMod val="75000"/>
+                    <a:lumOff val="25000"/>
+                  </a:schemeClr>
+                </a:solidFill>
+                <a:latin typeface="+mn-lt"/>
+                <a:ea typeface="+mn-ea"/>
+                <a:cs typeface="+mn-cs"/>
+              </a:defRPr>
+            </a:lvl2pPr>
+            <a:lvl3pPr marL="566928" indent="-182880" algn="l" defTabSz="914400" rtl="0" eaLnBrk="1" latinLnBrk="0" hangingPunct="1">
+              <a:lnSpc>
+                <a:spcPct val="90000"/>
+              </a:lnSpc>
+              <a:spcBef>
+                <a:spcPts val="200"/>
+              </a:spcBef>
+              <a:spcAft>
+                <a:spcPts val="400"/>
+              </a:spcAft>
+              <a:buClr>
+                <a:schemeClr val="accent1"/>
+              </a:buClr>
+              <a:buFont typeface="Calibri" pitchFamily="34" charset="0"/>
+              <a:buChar char="◦"/>
+              <a:defRPr sz="1400" kern="1200">
+                <a:solidFill>
+                  <a:schemeClr val="tx1">
+                    <a:lumMod val="75000"/>
+                    <a:lumOff val="25000"/>
+                  </a:schemeClr>
+                </a:solidFill>
+                <a:latin typeface="+mn-lt"/>
+                <a:ea typeface="+mn-ea"/>
+                <a:cs typeface="+mn-cs"/>
+              </a:defRPr>
+            </a:lvl3pPr>
+            <a:lvl4pPr marL="749808" indent="-182880" algn="l" defTabSz="914400" rtl="0" eaLnBrk="1" latinLnBrk="0" hangingPunct="1">
+              <a:lnSpc>
+                <a:spcPct val="90000"/>
+              </a:lnSpc>
+              <a:spcBef>
+                <a:spcPts val="200"/>
+              </a:spcBef>
+              <a:spcAft>
+                <a:spcPts val="400"/>
+              </a:spcAft>
+              <a:buClr>
+                <a:schemeClr val="accent1"/>
+              </a:buClr>
+              <a:buFont typeface="Calibri" pitchFamily="34" charset="0"/>
+              <a:buChar char="◦"/>
+              <a:defRPr sz="1400" kern="1200">
+                <a:solidFill>
+                  <a:schemeClr val="tx1">
+                    <a:lumMod val="75000"/>
+                    <a:lumOff val="25000"/>
+                  </a:schemeClr>
+                </a:solidFill>
+                <a:latin typeface="+mn-lt"/>
+                <a:ea typeface="+mn-ea"/>
+                <a:cs typeface="+mn-cs"/>
+              </a:defRPr>
+            </a:lvl4pPr>
+            <a:lvl5pPr marL="932688" indent="-182880" algn="l" defTabSz="914400" rtl="0" eaLnBrk="1" latinLnBrk="0" hangingPunct="1">
+              <a:lnSpc>
+                <a:spcPct val="90000"/>
+              </a:lnSpc>
+              <a:spcBef>
+                <a:spcPts val="200"/>
+              </a:spcBef>
+              <a:spcAft>
+                <a:spcPts val="400"/>
+              </a:spcAft>
+              <a:buClr>
+                <a:schemeClr val="accent1"/>
+              </a:buClr>
+              <a:buFont typeface="Calibri" pitchFamily="34" charset="0"/>
+              <a:buChar char="◦"/>
+              <a:defRPr sz="1400" kern="1200">
+                <a:solidFill>
+                  <a:schemeClr val="tx1">
+                    <a:lumMod val="75000"/>
+                    <a:lumOff val="25000"/>
+                  </a:schemeClr>
+                </a:solidFill>
+                <a:latin typeface="+mn-lt"/>
+                <a:ea typeface="+mn-ea"/>
+                <a:cs typeface="+mn-cs"/>
+              </a:defRPr>
+            </a:lvl5pPr>
+            <a:lvl6pPr marL="1100000" indent="-228600" algn="l" defTabSz="914400" rtl="0" eaLnBrk="1" latinLnBrk="0" hangingPunct="1">
+              <a:lnSpc>
+                <a:spcPct val="90000"/>
+              </a:lnSpc>
+              <a:spcBef>
+                <a:spcPts val="200"/>
+              </a:spcBef>
+              <a:spcAft>
+                <a:spcPts val="400"/>
+              </a:spcAft>
+              <a:buClr>
+                <a:schemeClr val="accent1"/>
+              </a:buClr>
+              <a:buFont typeface="Calibri" pitchFamily="34" charset="0"/>
+              <a:buChar char="◦"/>
+              <a:defRPr sz="1400" kern="1200">
+                <a:solidFill>
+                  <a:schemeClr val="tx1">
+                    <a:lumMod val="75000"/>
+                    <a:lumOff val="25000"/>
+                  </a:schemeClr>
+                </a:solidFill>
+                <a:latin typeface="+mn-lt"/>
+                <a:ea typeface="+mn-ea"/>
+                <a:cs typeface="+mn-cs"/>
+              </a:defRPr>
+            </a:lvl6pPr>
+            <a:lvl7pPr marL="1300000" indent="-228600" algn="l" defTabSz="914400" rtl="0" eaLnBrk="1" latinLnBrk="0" hangingPunct="1">
+              <a:lnSpc>
+                <a:spcPct val="90000"/>
+              </a:lnSpc>
+              <a:spcBef>
+                <a:spcPts val="200"/>
+              </a:spcBef>
+              <a:spcAft>
+                <a:spcPts val="400"/>
+              </a:spcAft>
+              <a:buClr>
+                <a:schemeClr val="accent1"/>
+              </a:buClr>
+              <a:buFont typeface="Calibri" pitchFamily="34" charset="0"/>
+              <a:buChar char="◦"/>
+              <a:defRPr sz="1400" kern="1200">
+                <a:solidFill>
+                  <a:schemeClr val="tx1">
+                    <a:lumMod val="75000"/>
+                    <a:lumOff val="25000"/>
+                  </a:schemeClr>
+                </a:solidFill>
+                <a:latin typeface="+mn-lt"/>
+                <a:ea typeface="+mn-ea"/>
+                <a:cs typeface="+mn-cs"/>
+              </a:defRPr>
+            </a:lvl7pPr>
+            <a:lvl8pPr marL="1500000" indent="-228600" algn="l" defTabSz="914400" rtl="0" eaLnBrk="1" latinLnBrk="0" hangingPunct="1">
+              <a:lnSpc>
+                <a:spcPct val="90000"/>
+              </a:lnSpc>
+              <a:spcBef>
+                <a:spcPts val="200"/>
+              </a:spcBef>
+              <a:spcAft>
+                <a:spcPts val="400"/>
+              </a:spcAft>
+              <a:buClr>
+                <a:schemeClr val="accent1"/>
+              </a:buClr>
+              <a:buFont typeface="Calibri" pitchFamily="34" charset="0"/>
+              <a:buChar char="◦"/>
+              <a:defRPr sz="1400" kern="1200">
+                <a:solidFill>
+                  <a:schemeClr val="tx1">
+                    <a:lumMod val="75000"/>
+                    <a:lumOff val="25000"/>
+                  </a:schemeClr>
+                </a:solidFill>
+                <a:latin typeface="+mn-lt"/>
+                <a:ea typeface="+mn-ea"/>
+                <a:cs typeface="+mn-cs"/>
+              </a:defRPr>
+            </a:lvl8pPr>
+            <a:lvl9pPr marL="1700000" indent="-228600" algn="l" defTabSz="914400" rtl="0" eaLnBrk="1" latinLnBrk="0" hangingPunct="1">
+              <a:lnSpc>
+                <a:spcPct val="90000"/>
+              </a:lnSpc>
+              <a:spcBef>
+                <a:spcPts val="200"/>
+              </a:spcBef>
+              <a:spcAft>
+                <a:spcPts val="400"/>
+              </a:spcAft>
+              <a:buClr>
+                <a:schemeClr val="accent1"/>
+              </a:buClr>
+              <a:buFont typeface="Calibri" pitchFamily="34" charset="0"/>
+              <a:buChar char="◦"/>
+              <a:defRPr sz="1400" kern="1200">
+                <a:solidFill>
+                  <a:schemeClr val="tx1">
+                    <a:lumMod val="75000"/>
+                    <a:lumOff val="25000"/>
+                  </a:schemeClr>
+                </a:solidFill>
+                <a:latin typeface="+mn-lt"/>
+                <a:ea typeface="+mn-ea"/>
+                <a:cs typeface="+mn-cs"/>
+              </a:defRPr>
+            </a:lvl9pPr>
+          </a:lstStyle>
+          <a:p>
+            <a:pPr lvl="1">
+              <a:buFont typeface="Symbol" panose="05050102010706020507" pitchFamily="18" charset="2"/>
+              <a:buChar char="Þ"/>
+            </a:pPr>
+            <a:r>
+              <a:rPr lang="en-US" sz="2400" dirty="0" err="1">
+                <a:latin typeface="Calibri (Body)"/>
+              </a:rPr>
+              <a:t>Tốn</a:t>
+            </a:r>
+            <a:r>
+              <a:rPr lang="en-US" sz="2400" dirty="0">
+                <a:latin typeface="Calibri (Body)"/>
+              </a:rPr>
+              <a:t> </a:t>
+            </a:r>
+            <a:r>
+              <a:rPr lang="en-US" sz="2400" dirty="0" err="1">
+                <a:latin typeface="Calibri (Body)"/>
+              </a:rPr>
+              <a:t>khoảng</a:t>
+            </a:r>
+            <a:r>
+              <a:rPr lang="en-US" sz="2400" dirty="0">
+                <a:latin typeface="Calibri (Body)"/>
+              </a:rPr>
+              <a:t> 0.02s </a:t>
+            </a:r>
+            <a:r>
+              <a:rPr lang="en-US" sz="2400" dirty="0" err="1">
+                <a:latin typeface="Calibri (Body)"/>
+              </a:rPr>
+              <a:t>để</a:t>
+            </a:r>
+            <a:r>
+              <a:rPr lang="en-US" sz="2400" dirty="0">
+                <a:latin typeface="Calibri (Body)"/>
+              </a:rPr>
+              <a:t> attack </a:t>
+            </a:r>
+            <a:r>
+              <a:rPr lang="en-US" sz="2400" dirty="0" err="1">
+                <a:latin typeface="Calibri (Body)"/>
+              </a:rPr>
+              <a:t>thành</a:t>
+            </a:r>
+            <a:r>
+              <a:rPr lang="en-US" sz="2400" dirty="0">
+                <a:latin typeface="Calibri (Body)"/>
+              </a:rPr>
+              <a:t> </a:t>
+            </a:r>
+            <a:r>
+              <a:rPr lang="en-US" sz="2400" dirty="0" err="1">
+                <a:latin typeface="Calibri (Body)"/>
+              </a:rPr>
+              <a:t>công</a:t>
+            </a:r>
+            <a:endParaRPr lang="en-US" sz="2400" dirty="0">
+              <a:latin typeface="Calibri (Body)"/>
+            </a:endParaRPr>
+          </a:p>
+          <a:p>
+            <a:pPr marL="201168" lvl="1" indent="0">
+              <a:buNone/>
+            </a:pPr>
+            <a:r>
+              <a:rPr lang="en-US" dirty="0">
+                <a:latin typeface="Calibri (Body)"/>
+              </a:rPr>
+              <a:t>- Qua </a:t>
+            </a:r>
+            <a:r>
+              <a:rPr lang="en-US" dirty="0" err="1">
+                <a:latin typeface="Calibri (Body)"/>
+              </a:rPr>
+              <a:t>đó</a:t>
+            </a:r>
+            <a:r>
+              <a:rPr lang="en-US" dirty="0">
+                <a:latin typeface="Calibri (Body)"/>
+              </a:rPr>
+              <a:t> </a:t>
+            </a:r>
+            <a:r>
+              <a:rPr lang="en-US" dirty="0" err="1">
+                <a:latin typeface="Calibri (Body)"/>
+              </a:rPr>
+              <a:t>chứng</a:t>
+            </a:r>
+            <a:r>
+              <a:rPr lang="en-US" dirty="0">
+                <a:latin typeface="Calibri (Body)"/>
+              </a:rPr>
+              <a:t> </a:t>
+            </a:r>
+            <a:r>
+              <a:rPr lang="en-US" dirty="0" err="1">
+                <a:latin typeface="Calibri (Body)"/>
+              </a:rPr>
+              <a:t>minh</a:t>
+            </a:r>
+            <a:r>
+              <a:rPr lang="en-US" dirty="0">
+                <a:latin typeface="Calibri (Body)"/>
+              </a:rPr>
+              <a:t> </a:t>
+            </a:r>
+            <a:r>
+              <a:rPr lang="en-US" dirty="0" err="1">
+                <a:latin typeface="Calibri (Body)"/>
+              </a:rPr>
+              <a:t>rằng</a:t>
+            </a:r>
+            <a:r>
+              <a:rPr lang="en-US" dirty="0">
+                <a:latin typeface="Calibri (Body)"/>
+              </a:rPr>
+              <a:t>, </a:t>
+            </a:r>
+            <a:r>
+              <a:rPr lang="en-US" dirty="0" err="1">
+                <a:latin typeface="Calibri (Body)"/>
+              </a:rPr>
+              <a:t>giả</a:t>
+            </a:r>
+            <a:r>
+              <a:rPr lang="en-US" dirty="0">
+                <a:latin typeface="Calibri (Body)"/>
+              </a:rPr>
+              <a:t> </a:t>
+            </a:r>
+            <a:r>
+              <a:rPr lang="en-US" dirty="0" err="1">
+                <a:latin typeface="Calibri (Body)"/>
+              </a:rPr>
+              <a:t>thuyết</a:t>
+            </a:r>
+            <a:r>
+              <a:rPr lang="en-US" dirty="0">
+                <a:latin typeface="Calibri (Body)"/>
+              </a:rPr>
+              <a:t> small exponent </a:t>
+            </a:r>
+            <a:r>
+              <a:rPr lang="en-US" dirty="0" err="1">
+                <a:latin typeface="Calibri (Body)"/>
+              </a:rPr>
+              <a:t>misue</a:t>
+            </a:r>
+            <a:r>
+              <a:rPr lang="en-US" dirty="0">
+                <a:latin typeface="Calibri (Body)"/>
+              </a:rPr>
+              <a:t> </a:t>
+            </a:r>
+            <a:r>
+              <a:rPr lang="en-US" dirty="0" err="1">
+                <a:latin typeface="Calibri (Body)"/>
+              </a:rPr>
+              <a:t>là</a:t>
+            </a:r>
+            <a:r>
+              <a:rPr lang="en-US" dirty="0">
+                <a:latin typeface="Calibri (Body)"/>
+              </a:rPr>
+              <a:t> </a:t>
+            </a:r>
+            <a:r>
+              <a:rPr lang="en-US" dirty="0" err="1">
+                <a:latin typeface="Calibri (Body)"/>
+              </a:rPr>
+              <a:t>nguyên</a:t>
+            </a:r>
+            <a:r>
+              <a:rPr lang="en-US" dirty="0">
+                <a:latin typeface="Calibri (Body)"/>
+              </a:rPr>
+              <a:t> </a:t>
+            </a:r>
+            <a:r>
+              <a:rPr lang="en-US" dirty="0" err="1">
+                <a:latin typeface="Calibri (Body)"/>
+              </a:rPr>
+              <a:t>nhân</a:t>
+            </a:r>
+            <a:r>
+              <a:rPr lang="en-US" dirty="0">
+                <a:latin typeface="Calibri (Body)"/>
+              </a:rPr>
+              <a:t> compromise </a:t>
+            </a:r>
+            <a:r>
+              <a:rPr lang="en-US" dirty="0" err="1">
+                <a:latin typeface="Calibri (Body)"/>
+              </a:rPr>
+              <a:t>thực</a:t>
+            </a:r>
+            <a:r>
+              <a:rPr lang="en-US" dirty="0">
+                <a:latin typeface="Calibri (Body)"/>
+              </a:rPr>
+              <a:t> </a:t>
+            </a:r>
+            <a:r>
+              <a:rPr lang="en-US" dirty="0" err="1">
+                <a:latin typeface="Calibri (Body)"/>
+              </a:rPr>
+              <a:t>tế</a:t>
+            </a:r>
+            <a:r>
+              <a:rPr lang="en-US" dirty="0">
+                <a:latin typeface="Calibri (Body)"/>
+              </a:rPr>
+              <a:t>, </a:t>
+            </a:r>
+            <a:r>
+              <a:rPr lang="en-US" dirty="0" err="1">
+                <a:latin typeface="Calibri (Body)"/>
+              </a:rPr>
+              <a:t>có</a:t>
+            </a:r>
+            <a:r>
+              <a:rPr lang="en-US" dirty="0">
+                <a:latin typeface="Calibri (Body)"/>
+              </a:rPr>
+              <a:t> </a:t>
+            </a:r>
+            <a:r>
+              <a:rPr lang="en-US" dirty="0" err="1">
+                <a:latin typeface="Calibri (Body)"/>
+              </a:rPr>
+              <a:t>thể</a:t>
+            </a:r>
+            <a:r>
+              <a:rPr lang="en-US" dirty="0">
+                <a:latin typeface="Calibri (Body)"/>
+              </a:rPr>
+              <a:t> </a:t>
+            </a:r>
+            <a:r>
+              <a:rPr lang="en-US" dirty="0" err="1">
+                <a:latin typeface="Calibri (Body)"/>
+              </a:rPr>
+              <a:t>dẫn</a:t>
+            </a:r>
+            <a:r>
+              <a:rPr lang="en-US" dirty="0">
+                <a:latin typeface="Calibri (Body)"/>
+              </a:rPr>
+              <a:t> </a:t>
+            </a:r>
+            <a:r>
+              <a:rPr lang="en-US" dirty="0" err="1">
+                <a:latin typeface="Calibri (Body)"/>
+              </a:rPr>
+              <a:t>đến</a:t>
+            </a:r>
+            <a:r>
+              <a:rPr lang="en-US" dirty="0">
+                <a:latin typeface="Calibri (Body)"/>
+              </a:rPr>
+              <a:t> </a:t>
+            </a:r>
+            <a:r>
+              <a:rPr lang="en-US" dirty="0" err="1">
+                <a:latin typeface="Calibri (Body)"/>
+              </a:rPr>
+              <a:t>cơ</a:t>
+            </a:r>
+            <a:r>
+              <a:rPr lang="en-US" dirty="0">
+                <a:latin typeface="Calibri (Body)"/>
+              </a:rPr>
+              <a:t> </a:t>
+            </a:r>
+            <a:r>
+              <a:rPr lang="en-US" dirty="0" err="1">
+                <a:latin typeface="Calibri (Body)"/>
+              </a:rPr>
+              <a:t>chế</a:t>
+            </a:r>
+            <a:r>
+              <a:rPr lang="en-US" dirty="0">
+                <a:latin typeface="Calibri (Body)"/>
+              </a:rPr>
+              <a:t> </a:t>
+            </a:r>
+            <a:r>
+              <a:rPr lang="en-US" dirty="0" err="1">
+                <a:latin typeface="Calibri (Body)"/>
+              </a:rPr>
+              <a:t>xác</a:t>
+            </a:r>
+            <a:r>
+              <a:rPr lang="en-US" dirty="0">
+                <a:latin typeface="Calibri (Body)"/>
+              </a:rPr>
+              <a:t> </a:t>
+            </a:r>
+            <a:r>
+              <a:rPr lang="en-US" dirty="0" err="1">
+                <a:latin typeface="Calibri (Body)"/>
+              </a:rPr>
+              <a:t>thực</a:t>
+            </a:r>
+            <a:r>
+              <a:rPr lang="en-US" dirty="0">
+                <a:latin typeface="Calibri (Body)"/>
+              </a:rPr>
+              <a:t> </a:t>
+            </a:r>
+            <a:r>
+              <a:rPr lang="en-US" dirty="0" err="1">
+                <a:latin typeface="Calibri (Body)"/>
+              </a:rPr>
+              <a:t>không</a:t>
+            </a:r>
+            <a:r>
+              <a:rPr lang="en-US" dirty="0">
+                <a:latin typeface="Calibri (Body)"/>
+              </a:rPr>
+              <a:t> </a:t>
+            </a:r>
+            <a:r>
+              <a:rPr lang="en-US" dirty="0" err="1">
+                <a:latin typeface="Calibri (Body)"/>
+              </a:rPr>
+              <a:t>còn</a:t>
+            </a:r>
+            <a:r>
+              <a:rPr lang="en-US" dirty="0">
+                <a:latin typeface="Calibri (Body)"/>
+              </a:rPr>
+              <a:t> </a:t>
+            </a:r>
+            <a:r>
+              <a:rPr lang="en-US" dirty="0" err="1">
+                <a:latin typeface="Calibri (Body)"/>
+              </a:rPr>
+              <a:t>đáng</a:t>
+            </a:r>
+            <a:r>
+              <a:rPr lang="en-US" dirty="0">
+                <a:latin typeface="Calibri (Body)"/>
+              </a:rPr>
+              <a:t> tin</a:t>
+            </a:r>
+          </a:p>
+        </p:txBody>
+      </p:sp>
+    </p:spTree>
+    <p:extLst>
+      <p:ext uri="{BB962C8B-B14F-4D97-AF65-F5344CB8AC3E}">
+        <p14:creationId xmlns:p14="http://schemas.microsoft.com/office/powerpoint/2010/main" val="3433252373"/>
+      </p:ext>
+    </p:extLst>
+  </p:cSld>
+  <p:clrMapOvr>
+    <a:masterClrMapping/>
+  </p:clrMapOvr>
+</p:sld>
+</file>
+
+<file path=ppt/slides/slide25.xml><?xml version="1.0" encoding="utf-8"?>
+<p:sld xmlns:a="http://schemas.openxmlformats.org/drawingml/2006/main" xmlns:r="http://schemas.openxmlformats.org/officeDocument/2006/relationships" xmlns:p="http://schemas.openxmlformats.org/presentationml/2006/main">
+  <p:cSld>
+    <p:spTree>
+      <p:nvGrpSpPr>
+        <p:cNvPr id="1" name=""/>
+        <p:cNvGrpSpPr/>
+        <p:nvPr/>
+      </p:nvGrpSpPr>
+      <p:grpSpPr>
+        <a:xfrm>
+          <a:off x="0" y="0"/>
+          <a:ext cx="0" cy="0"/>
+          <a:chOff x="0" y="0"/>
+          <a:chExt cx="0" cy="0"/>
+        </a:xfrm>
+      </p:grpSpPr>
+      <p:sp>
+        <p:nvSpPr>
+          <p:cNvPr id="2" name="Title 1">
+            <a:extLst>
+              <a:ext uri="{FF2B5EF4-FFF2-40B4-BE49-F238E27FC236}">
+                <a16:creationId xmlns:a16="http://schemas.microsoft.com/office/drawing/2014/main" id="{71E10978-8FD7-9E73-86CD-1D5BED9A5EC6}"/>
+              </a:ext>
+            </a:extLst>
+          </p:cNvPr>
+          <p:cNvSpPr>
+            <a:spLocks noGrp="1"/>
+          </p:cNvSpPr>
+          <p:nvPr>
+            <p:ph type="title"/>
+          </p:nvPr>
+        </p:nvSpPr>
+        <p:spPr>
+          <a:xfrm>
+            <a:off x="97155" y="208311"/>
+            <a:ext cx="10058400" cy="1450757"/>
+          </a:xfrm>
+        </p:spPr>
+        <p:txBody>
+          <a:bodyPr/>
+          <a:lstStyle/>
+          <a:p>
+            <a:r>
+              <a:rPr lang="en-US" dirty="0" err="1"/>
+              <a:t>Kết</a:t>
+            </a:r>
+            <a:r>
+              <a:rPr lang="en-US" dirty="0"/>
+              <a:t> </a:t>
+            </a:r>
+            <a:r>
+              <a:rPr lang="en-US" dirty="0" err="1"/>
+              <a:t>quả</a:t>
+            </a:r>
+            <a:r>
+              <a:rPr lang="en-US" dirty="0"/>
+              <a:t> - Attack C</a:t>
+            </a:r>
+          </a:p>
+        </p:txBody>
+      </p:sp>
+      <p:pic>
+        <p:nvPicPr>
+          <p:cNvPr id="7" name="Picture 6">
+            <a:extLst>
+              <a:ext uri="{FF2B5EF4-FFF2-40B4-BE49-F238E27FC236}">
+                <a16:creationId xmlns:a16="http://schemas.microsoft.com/office/drawing/2014/main" id="{99CB913E-247B-B5E5-E7F4-7C5FA6821579}"/>
+              </a:ext>
+            </a:extLst>
+          </p:cNvPr>
+          <p:cNvPicPr>
+            <a:picLocks noChangeAspect="1"/>
+          </p:cNvPicPr>
+          <p:nvPr/>
+        </p:nvPicPr>
+        <p:blipFill>
+          <a:blip r:embed="rId2"/>
+          <a:stretch>
+            <a:fillRect/>
+          </a:stretch>
+        </p:blipFill>
+        <p:spPr>
+          <a:xfrm>
+            <a:off x="0" y="4724584"/>
+            <a:ext cx="12192000" cy="1542681"/>
+          </a:xfrm>
+          <a:prstGeom prst="rect">
+            <a:avLst/>
+          </a:prstGeom>
+        </p:spPr>
+      </p:pic>
+      <p:sp>
+        <p:nvSpPr>
+          <p:cNvPr id="9" name="Content Placeholder 8">
+            <a:extLst>
+              <a:ext uri="{FF2B5EF4-FFF2-40B4-BE49-F238E27FC236}">
+                <a16:creationId xmlns:a16="http://schemas.microsoft.com/office/drawing/2014/main" id="{145FC503-25AF-2A19-1C5B-C0C441F4E8BC}"/>
+              </a:ext>
+            </a:extLst>
+          </p:cNvPr>
+          <p:cNvSpPr>
+            <a:spLocks noGrp="1"/>
+          </p:cNvSpPr>
+          <p:nvPr>
+            <p:ph idx="1"/>
+          </p:nvPr>
+        </p:nvSpPr>
+        <p:spPr>
+          <a:xfrm>
+            <a:off x="0" y="1838487"/>
+            <a:ext cx="6459855" cy="658919"/>
+          </a:xfrm>
+        </p:spPr>
+        <p:txBody>
+          <a:bodyPr/>
+          <a:lstStyle/>
+          <a:p>
+            <a:r>
+              <a:rPr lang="en-US" b="1" dirty="0"/>
+              <a:t>- D bits </a:t>
+            </a:r>
+            <a:r>
+              <a:rPr lang="en-US" b="1" dirty="0" err="1"/>
+              <a:t>trước</a:t>
+            </a:r>
+            <a:r>
+              <a:rPr lang="en-US" b="1" dirty="0"/>
+              <a:t> </a:t>
+            </a:r>
+            <a:r>
+              <a:rPr lang="en-US" b="1" dirty="0" err="1"/>
+              <a:t>khi</a:t>
+            </a:r>
+            <a:r>
+              <a:rPr lang="en-US" b="1" dirty="0"/>
+              <a:t> </a:t>
+            </a:r>
+            <a:r>
+              <a:rPr lang="en-US" b="1" dirty="0" err="1"/>
+              <a:t>vá</a:t>
+            </a:r>
+            <a:r>
+              <a:rPr lang="en-US" b="1" dirty="0"/>
+              <a:t>:</a:t>
+            </a:r>
+          </a:p>
+        </p:txBody>
+      </p:sp>
+      <p:pic>
+        <p:nvPicPr>
+          <p:cNvPr id="11" name="Picture 10">
+            <a:extLst>
+              <a:ext uri="{FF2B5EF4-FFF2-40B4-BE49-F238E27FC236}">
+                <a16:creationId xmlns:a16="http://schemas.microsoft.com/office/drawing/2014/main" id="{2F6E877C-D3F9-D5BB-984E-1538F6E4645E}"/>
+              </a:ext>
+            </a:extLst>
+          </p:cNvPr>
+          <p:cNvPicPr>
+            <a:picLocks noChangeAspect="1"/>
+          </p:cNvPicPr>
+          <p:nvPr/>
+        </p:nvPicPr>
+        <p:blipFill>
+          <a:blip r:embed="rId3"/>
+          <a:stretch>
+            <a:fillRect/>
+          </a:stretch>
+        </p:blipFill>
+        <p:spPr>
+          <a:xfrm>
+            <a:off x="0" y="2276596"/>
+            <a:ext cx="8935968" cy="1651042"/>
+          </a:xfrm>
+          <a:prstGeom prst="rect">
+            <a:avLst/>
+          </a:prstGeom>
+        </p:spPr>
+      </p:pic>
+      <p:sp>
+        <p:nvSpPr>
+          <p:cNvPr id="12" name="Content Placeholder 8">
+            <a:extLst>
+              <a:ext uri="{FF2B5EF4-FFF2-40B4-BE49-F238E27FC236}">
+                <a16:creationId xmlns:a16="http://schemas.microsoft.com/office/drawing/2014/main" id="{1A90F1BE-1D35-FE8C-7192-78B83413B14A}"/>
+              </a:ext>
+            </a:extLst>
+          </p:cNvPr>
+          <p:cNvSpPr txBox="1">
+            <a:spLocks/>
+          </p:cNvSpPr>
+          <p:nvPr/>
+        </p:nvSpPr>
+        <p:spPr>
+          <a:xfrm>
+            <a:off x="0" y="4365747"/>
+            <a:ext cx="6459855" cy="658919"/>
+          </a:xfrm>
+          <a:prstGeom prst="rect">
+            <a:avLst/>
+          </a:prstGeom>
+        </p:spPr>
+        <p:txBody>
+          <a:bodyPr vert="horz" lIns="0" tIns="45720" rIns="0" bIns="45720" rtlCol="0">
+            <a:normAutofit/>
+          </a:bodyPr>
+          <a:lstStyle>
+            <a:lvl1pPr marL="91440" indent="-91440" algn="l" defTabSz="914400" rtl="0" eaLnBrk="1" latinLnBrk="0" hangingPunct="1">
+              <a:lnSpc>
+                <a:spcPct val="90000"/>
+              </a:lnSpc>
+              <a:spcBef>
+                <a:spcPts val="1200"/>
+              </a:spcBef>
+              <a:spcAft>
+                <a:spcPts val="200"/>
+              </a:spcAft>
+              <a:buClr>
+                <a:schemeClr val="accent1"/>
+              </a:buClr>
+              <a:buSzPct val="100000"/>
+              <a:buFont typeface="Calibri" panose="020F0502020204030204" pitchFamily="34" charset="0"/>
+              <a:buChar char=" "/>
+              <a:defRPr sz="2000" kern="1200">
+                <a:solidFill>
+                  <a:schemeClr val="tx1">
+                    <a:lumMod val="75000"/>
+                    <a:lumOff val="25000"/>
+                  </a:schemeClr>
+                </a:solidFill>
+                <a:latin typeface="+mn-lt"/>
+                <a:ea typeface="+mn-ea"/>
+                <a:cs typeface="+mn-cs"/>
+              </a:defRPr>
+            </a:lvl1pPr>
+            <a:lvl2pPr marL="384048" indent="-182880" algn="l" defTabSz="914400" rtl="0" eaLnBrk="1" latinLnBrk="0" hangingPunct="1">
+              <a:lnSpc>
+                <a:spcPct val="90000"/>
+              </a:lnSpc>
+              <a:spcBef>
+                <a:spcPts val="200"/>
+              </a:spcBef>
+              <a:spcAft>
+                <a:spcPts val="400"/>
+              </a:spcAft>
+              <a:buClr>
+                <a:schemeClr val="accent1"/>
+              </a:buClr>
+              <a:buFont typeface="Calibri" pitchFamily="34" charset="0"/>
+              <a:buChar char="◦"/>
+              <a:defRPr sz="1800" kern="1200">
+                <a:solidFill>
+                  <a:schemeClr val="tx1">
+                    <a:lumMod val="75000"/>
+                    <a:lumOff val="25000"/>
+                  </a:schemeClr>
+                </a:solidFill>
+                <a:latin typeface="+mn-lt"/>
+                <a:ea typeface="+mn-ea"/>
+                <a:cs typeface="+mn-cs"/>
+              </a:defRPr>
+            </a:lvl2pPr>
+            <a:lvl3pPr marL="566928" indent="-182880" algn="l" defTabSz="914400" rtl="0" eaLnBrk="1" latinLnBrk="0" hangingPunct="1">
+              <a:lnSpc>
+                <a:spcPct val="90000"/>
+              </a:lnSpc>
+              <a:spcBef>
+                <a:spcPts val="200"/>
+              </a:spcBef>
+              <a:spcAft>
+                <a:spcPts val="400"/>
+              </a:spcAft>
+              <a:buClr>
+                <a:schemeClr val="accent1"/>
+              </a:buClr>
+              <a:buFont typeface="Calibri" pitchFamily="34" charset="0"/>
+              <a:buChar char="◦"/>
+              <a:defRPr sz="1400" kern="1200">
+                <a:solidFill>
+                  <a:schemeClr val="tx1">
+                    <a:lumMod val="75000"/>
+                    <a:lumOff val="25000"/>
+                  </a:schemeClr>
+                </a:solidFill>
+                <a:latin typeface="+mn-lt"/>
+                <a:ea typeface="+mn-ea"/>
+                <a:cs typeface="+mn-cs"/>
+              </a:defRPr>
+            </a:lvl3pPr>
+            <a:lvl4pPr marL="749808" indent="-182880" algn="l" defTabSz="914400" rtl="0" eaLnBrk="1" latinLnBrk="0" hangingPunct="1">
+              <a:lnSpc>
+                <a:spcPct val="90000"/>
+              </a:lnSpc>
+              <a:spcBef>
+                <a:spcPts val="200"/>
+              </a:spcBef>
+              <a:spcAft>
+                <a:spcPts val="400"/>
+              </a:spcAft>
+              <a:buClr>
+                <a:schemeClr val="accent1"/>
+              </a:buClr>
+              <a:buFont typeface="Calibri" pitchFamily="34" charset="0"/>
+              <a:buChar char="◦"/>
+              <a:defRPr sz="1400" kern="1200">
+                <a:solidFill>
+                  <a:schemeClr val="tx1">
+                    <a:lumMod val="75000"/>
+                    <a:lumOff val="25000"/>
+                  </a:schemeClr>
+                </a:solidFill>
+                <a:latin typeface="+mn-lt"/>
+                <a:ea typeface="+mn-ea"/>
+                <a:cs typeface="+mn-cs"/>
+              </a:defRPr>
+            </a:lvl4pPr>
+            <a:lvl5pPr marL="932688" indent="-182880" algn="l" defTabSz="914400" rtl="0" eaLnBrk="1" latinLnBrk="0" hangingPunct="1">
+              <a:lnSpc>
+                <a:spcPct val="90000"/>
+              </a:lnSpc>
+              <a:spcBef>
+                <a:spcPts val="200"/>
+              </a:spcBef>
+              <a:spcAft>
+                <a:spcPts val="400"/>
+              </a:spcAft>
+              <a:buClr>
+                <a:schemeClr val="accent1"/>
+              </a:buClr>
+              <a:buFont typeface="Calibri" pitchFamily="34" charset="0"/>
+              <a:buChar char="◦"/>
+              <a:defRPr sz="1400" kern="1200">
+                <a:solidFill>
+                  <a:schemeClr val="tx1">
+                    <a:lumMod val="75000"/>
+                    <a:lumOff val="25000"/>
+                  </a:schemeClr>
+                </a:solidFill>
+                <a:latin typeface="+mn-lt"/>
+                <a:ea typeface="+mn-ea"/>
+                <a:cs typeface="+mn-cs"/>
+              </a:defRPr>
+            </a:lvl5pPr>
+            <a:lvl6pPr marL="1100000" indent="-228600" algn="l" defTabSz="914400" rtl="0" eaLnBrk="1" latinLnBrk="0" hangingPunct="1">
+              <a:lnSpc>
+                <a:spcPct val="90000"/>
+              </a:lnSpc>
+              <a:spcBef>
+                <a:spcPts val="200"/>
+              </a:spcBef>
+              <a:spcAft>
+                <a:spcPts val="400"/>
+              </a:spcAft>
+              <a:buClr>
+                <a:schemeClr val="accent1"/>
+              </a:buClr>
+              <a:buFont typeface="Calibri" pitchFamily="34" charset="0"/>
+              <a:buChar char="◦"/>
+              <a:defRPr sz="1400" kern="1200">
+                <a:solidFill>
+                  <a:schemeClr val="tx1">
+                    <a:lumMod val="75000"/>
+                    <a:lumOff val="25000"/>
+                  </a:schemeClr>
+                </a:solidFill>
+                <a:latin typeface="+mn-lt"/>
+                <a:ea typeface="+mn-ea"/>
+                <a:cs typeface="+mn-cs"/>
+              </a:defRPr>
+            </a:lvl6pPr>
+            <a:lvl7pPr marL="1300000" indent="-228600" algn="l" defTabSz="914400" rtl="0" eaLnBrk="1" latinLnBrk="0" hangingPunct="1">
+              <a:lnSpc>
+                <a:spcPct val="90000"/>
+              </a:lnSpc>
+              <a:spcBef>
+                <a:spcPts val="200"/>
+              </a:spcBef>
+              <a:spcAft>
+                <a:spcPts val="400"/>
+              </a:spcAft>
+              <a:buClr>
+                <a:schemeClr val="accent1"/>
+              </a:buClr>
+              <a:buFont typeface="Calibri" pitchFamily="34" charset="0"/>
+              <a:buChar char="◦"/>
+              <a:defRPr sz="1400" kern="1200">
+                <a:solidFill>
+                  <a:schemeClr val="tx1">
+                    <a:lumMod val="75000"/>
+                    <a:lumOff val="25000"/>
+                  </a:schemeClr>
+                </a:solidFill>
+                <a:latin typeface="+mn-lt"/>
+                <a:ea typeface="+mn-ea"/>
+                <a:cs typeface="+mn-cs"/>
+              </a:defRPr>
+            </a:lvl7pPr>
+            <a:lvl8pPr marL="1500000" indent="-228600" algn="l" defTabSz="914400" rtl="0" eaLnBrk="1" latinLnBrk="0" hangingPunct="1">
+              <a:lnSpc>
+                <a:spcPct val="90000"/>
+              </a:lnSpc>
+              <a:spcBef>
+                <a:spcPts val="200"/>
+              </a:spcBef>
+              <a:spcAft>
+                <a:spcPts val="400"/>
+              </a:spcAft>
+              <a:buClr>
+                <a:schemeClr val="accent1"/>
+              </a:buClr>
+              <a:buFont typeface="Calibri" pitchFamily="34" charset="0"/>
+              <a:buChar char="◦"/>
+              <a:defRPr sz="1400" kern="1200">
+                <a:solidFill>
+                  <a:schemeClr val="tx1">
+                    <a:lumMod val="75000"/>
+                    <a:lumOff val="25000"/>
+                  </a:schemeClr>
+                </a:solidFill>
+                <a:latin typeface="+mn-lt"/>
+                <a:ea typeface="+mn-ea"/>
+                <a:cs typeface="+mn-cs"/>
+              </a:defRPr>
+            </a:lvl8pPr>
+            <a:lvl9pPr marL="1700000" indent="-228600" algn="l" defTabSz="914400" rtl="0" eaLnBrk="1" latinLnBrk="0" hangingPunct="1">
+              <a:lnSpc>
+                <a:spcPct val="90000"/>
+              </a:lnSpc>
+              <a:spcBef>
+                <a:spcPts val="200"/>
+              </a:spcBef>
+              <a:spcAft>
+                <a:spcPts val="400"/>
+              </a:spcAft>
+              <a:buClr>
+                <a:schemeClr val="accent1"/>
+              </a:buClr>
+              <a:buFont typeface="Calibri" pitchFamily="34" charset="0"/>
+              <a:buChar char="◦"/>
+              <a:defRPr sz="1400" kern="1200">
+                <a:solidFill>
+                  <a:schemeClr val="tx1">
+                    <a:lumMod val="75000"/>
+                    <a:lumOff val="25000"/>
+                  </a:schemeClr>
+                </a:solidFill>
+                <a:latin typeface="+mn-lt"/>
+                <a:ea typeface="+mn-ea"/>
+                <a:cs typeface="+mn-cs"/>
+              </a:defRPr>
+            </a:lvl9pPr>
+          </a:lstStyle>
+          <a:p>
+            <a:r>
+              <a:rPr lang="en-US" b="1" dirty="0"/>
+              <a:t>- D bits </a:t>
+            </a:r>
+            <a:r>
+              <a:rPr lang="en-US" b="1" dirty="0" err="1"/>
+              <a:t>sau</a:t>
+            </a:r>
+            <a:r>
+              <a:rPr lang="en-US" b="1" dirty="0"/>
+              <a:t> </a:t>
+            </a:r>
+            <a:r>
+              <a:rPr lang="en-US" b="1" dirty="0" err="1"/>
+              <a:t>khi</a:t>
+            </a:r>
+            <a:r>
+              <a:rPr lang="en-US" b="1" dirty="0"/>
+              <a:t> </a:t>
+            </a:r>
+            <a:r>
+              <a:rPr lang="en-US" b="1" dirty="0" err="1"/>
+              <a:t>vá</a:t>
+            </a:r>
+            <a:r>
+              <a:rPr lang="en-US" b="1" dirty="0"/>
+              <a:t>:</a:t>
+            </a:r>
+          </a:p>
+        </p:txBody>
+      </p:sp>
+    </p:spTree>
+    <p:extLst>
+      <p:ext uri="{BB962C8B-B14F-4D97-AF65-F5344CB8AC3E}">
+        <p14:creationId xmlns:p14="http://schemas.microsoft.com/office/powerpoint/2010/main" val="4233539233"/>
+      </p:ext>
+    </p:extLst>
+  </p:cSld>
+  <p:clrMapOvr>
+    <a:masterClrMapping/>
+  </p:clrMapOvr>
+</p:sld>
+</file>
+
+<file path=ppt/slides/slide26.xml><?xml version="1.0" encoding="utf-8"?>
+<p:sld xmlns:a="http://schemas.openxmlformats.org/drawingml/2006/main" xmlns:r="http://schemas.openxmlformats.org/officeDocument/2006/relationships" xmlns:p="http://schemas.openxmlformats.org/presentationml/2006/main">
+  <p:cSld>
+    <p:spTree>
+      <p:nvGrpSpPr>
+        <p:cNvPr id="1" name=""/>
+        <p:cNvGrpSpPr/>
+        <p:nvPr/>
+      </p:nvGrpSpPr>
+      <p:grpSpPr>
+        <a:xfrm>
+          <a:off x="0" y="0"/>
+          <a:ext cx="0" cy="0"/>
+          <a:chOff x="0" y="0"/>
+          <a:chExt cx="0" cy="0"/>
+        </a:xfrm>
+      </p:grpSpPr>
+      <p:sp>
+        <p:nvSpPr>
+          <p:cNvPr id="2" name="Title 1">
+            <a:extLst>
+              <a:ext uri="{FF2B5EF4-FFF2-40B4-BE49-F238E27FC236}">
+                <a16:creationId xmlns:a16="http://schemas.microsoft.com/office/drawing/2014/main" id="{21D7C28B-16E5-1A84-EF3F-88CF63A00BA1}"/>
+              </a:ext>
+            </a:extLst>
+          </p:cNvPr>
+          <p:cNvSpPr>
+            <a:spLocks noGrp="1"/>
+          </p:cNvSpPr>
+          <p:nvPr>
+            <p:ph type="title"/>
+          </p:nvPr>
+        </p:nvSpPr>
+        <p:spPr>
+          <a:xfrm>
+            <a:off x="439947" y="534569"/>
+            <a:ext cx="10515600" cy="1325563"/>
+          </a:xfrm>
+        </p:spPr>
+        <p:txBody>
+          <a:bodyPr/>
+          <a:lstStyle/>
+          <a:p>
+            <a:r>
+              <a:rPr lang="en-US" dirty="0"/>
+              <a:t>4. </a:t>
+            </a:r>
+            <a:r>
+              <a:rPr lang="en-US" dirty="0" err="1"/>
+              <a:t>Kiến</a:t>
+            </a:r>
+            <a:r>
+              <a:rPr lang="en-US" dirty="0"/>
+              <a:t> </a:t>
+            </a:r>
+            <a:r>
+              <a:rPr lang="en-US" dirty="0" err="1"/>
+              <a:t>trúc</a:t>
+            </a:r>
+            <a:r>
+              <a:rPr lang="en-US" dirty="0"/>
+              <a:t> </a:t>
+            </a:r>
+            <a:r>
+              <a:rPr lang="en-US" dirty="0" err="1"/>
+              <a:t>giải</a:t>
+            </a:r>
+            <a:r>
+              <a:rPr lang="en-US" dirty="0"/>
+              <a:t> </a:t>
+            </a:r>
+            <a:r>
+              <a:rPr lang="en-US" dirty="0" err="1"/>
+              <a:t>pháp</a:t>
+            </a:r>
+            <a:endParaRPr lang="en-US" dirty="0"/>
+          </a:p>
+        </p:txBody>
+      </p:sp>
+      <p:sp>
+        <p:nvSpPr>
+          <p:cNvPr id="3" name="Content Placeholder 2">
+            <a:extLst>
+              <a:ext uri="{FF2B5EF4-FFF2-40B4-BE49-F238E27FC236}">
+                <a16:creationId xmlns:a16="http://schemas.microsoft.com/office/drawing/2014/main" id="{37CDDB8B-8E67-8881-EFDE-8726FE1E533E}"/>
+              </a:ext>
+            </a:extLst>
+          </p:cNvPr>
+          <p:cNvSpPr>
+            <a:spLocks noGrp="1"/>
+          </p:cNvSpPr>
+          <p:nvPr>
+            <p:ph idx="1"/>
+          </p:nvPr>
+        </p:nvSpPr>
+        <p:spPr>
+          <a:xfrm>
+            <a:off x="209550" y="1972093"/>
+            <a:ext cx="10515600" cy="4351338"/>
+          </a:xfrm>
+        </p:spPr>
+        <p:txBody>
+          <a:bodyPr/>
+          <a:lstStyle/>
+          <a:p>
+            <a:pPr marL="514350" indent="-514350">
+              <a:spcBef>
+                <a:spcPts val="2000"/>
+              </a:spcBef>
+              <a:buAutoNum type="arabicParenR"/>
+            </a:pPr>
+            <a:r>
+              <a:rPr lang="en-US" dirty="0"/>
+              <a:t>Key size </a:t>
+            </a:r>
+            <a:r>
+              <a:rPr lang="en-US" dirty="0" err="1"/>
+              <a:t>phải</a:t>
+            </a:r>
+            <a:r>
+              <a:rPr lang="en-US" dirty="0"/>
+              <a:t> </a:t>
+            </a:r>
+            <a:r>
+              <a:rPr lang="en-US" dirty="0" err="1"/>
+              <a:t>đạt</a:t>
+            </a:r>
+            <a:r>
+              <a:rPr lang="en-US" dirty="0"/>
+              <a:t> </a:t>
+            </a:r>
+            <a:r>
+              <a:rPr lang="en-US" dirty="0" err="1"/>
+              <a:t>chuẩn</a:t>
+            </a:r>
+            <a:r>
+              <a:rPr lang="en-US" dirty="0"/>
+              <a:t>: </a:t>
+            </a:r>
+            <a:r>
+              <a:rPr lang="en-US" dirty="0" err="1"/>
+              <a:t>ít</a:t>
+            </a:r>
+            <a:r>
+              <a:rPr lang="en-US" dirty="0"/>
+              <a:t> </a:t>
+            </a:r>
+            <a:r>
+              <a:rPr lang="en-US" dirty="0" err="1"/>
+              <a:t>nhất</a:t>
+            </a:r>
+            <a:r>
+              <a:rPr lang="en-US" dirty="0"/>
+              <a:t> 2048 bit, </a:t>
+            </a:r>
+            <a:r>
+              <a:rPr lang="en-US" dirty="0" err="1"/>
+              <a:t>khuyến</a:t>
+            </a:r>
+            <a:r>
+              <a:rPr lang="en-US" dirty="0"/>
+              <a:t> </a:t>
+            </a:r>
+            <a:r>
+              <a:rPr lang="en-US" dirty="0" err="1"/>
+              <a:t>khích</a:t>
+            </a:r>
+            <a:r>
+              <a:rPr lang="en-US" dirty="0"/>
+              <a:t> </a:t>
+            </a:r>
+            <a:r>
+              <a:rPr lang="en-US" dirty="0" err="1"/>
+              <a:t>tăng</a:t>
+            </a:r>
+            <a:r>
+              <a:rPr lang="en-US" dirty="0"/>
+              <a:t> </a:t>
+            </a:r>
+            <a:r>
+              <a:rPr lang="en-US" dirty="0" err="1"/>
+              <a:t>lên</a:t>
+            </a:r>
+            <a:r>
+              <a:rPr lang="en-US" dirty="0"/>
+              <a:t> 3072 bit </a:t>
+            </a:r>
+            <a:r>
+              <a:rPr lang="en-US" dirty="0" err="1"/>
+              <a:t>hoặc</a:t>
+            </a:r>
+            <a:r>
+              <a:rPr lang="en-US" dirty="0"/>
+              <a:t> </a:t>
+            </a:r>
+            <a:r>
+              <a:rPr lang="en-US" dirty="0" err="1"/>
+              <a:t>cao</a:t>
+            </a:r>
+            <a:r>
+              <a:rPr lang="en-US" dirty="0"/>
+              <a:t> </a:t>
+            </a:r>
+            <a:r>
+              <a:rPr lang="en-US" dirty="0" err="1"/>
+              <a:t>hơn</a:t>
+            </a:r>
+            <a:r>
+              <a:rPr lang="en-US" dirty="0"/>
+              <a:t> </a:t>
+            </a:r>
+            <a:r>
+              <a:rPr lang="en-US" dirty="0" err="1"/>
+              <a:t>nếu</a:t>
+            </a:r>
+            <a:r>
+              <a:rPr lang="en-US" dirty="0"/>
+              <a:t> </a:t>
+            </a:r>
+            <a:r>
+              <a:rPr lang="en-US" dirty="0" err="1"/>
+              <a:t>muốn</a:t>
+            </a:r>
+            <a:r>
+              <a:rPr lang="en-US" dirty="0"/>
+              <a:t> </a:t>
+            </a:r>
+            <a:r>
+              <a:rPr lang="en-US" dirty="0" err="1"/>
+              <a:t>bảo</a:t>
+            </a:r>
+            <a:r>
+              <a:rPr lang="en-US" dirty="0"/>
+              <a:t> </a:t>
+            </a:r>
+            <a:r>
+              <a:rPr lang="en-US" dirty="0" err="1"/>
+              <a:t>mật</a:t>
+            </a:r>
+            <a:r>
+              <a:rPr lang="en-US" dirty="0"/>
+              <a:t> </a:t>
+            </a:r>
+            <a:r>
+              <a:rPr lang="en-US" dirty="0" err="1"/>
+              <a:t>dài</a:t>
+            </a:r>
+            <a:r>
+              <a:rPr lang="en-US" dirty="0"/>
+              <a:t> </a:t>
+            </a:r>
+            <a:r>
+              <a:rPr lang="en-US" dirty="0" err="1"/>
+              <a:t>hạn</a:t>
+            </a:r>
+            <a:r>
+              <a:rPr lang="en-US" dirty="0"/>
+              <a:t>.</a:t>
+            </a:r>
+          </a:p>
+          <a:p>
+            <a:pPr marL="514350" indent="-514350">
+              <a:spcBef>
+                <a:spcPts val="2000"/>
+              </a:spcBef>
+              <a:buAutoNum type="arabicParenR"/>
+            </a:pPr>
+            <a:r>
+              <a:rPr lang="en-US" dirty="0" err="1"/>
+              <a:t>Đảm</a:t>
+            </a:r>
+            <a:r>
+              <a:rPr lang="en-US" dirty="0"/>
+              <a:t> </a:t>
+            </a:r>
+            <a:r>
+              <a:rPr lang="en-US" dirty="0" err="1"/>
+              <a:t>bảo</a:t>
+            </a:r>
+            <a:r>
+              <a:rPr lang="en-US" dirty="0"/>
+              <a:t> </a:t>
+            </a:r>
+            <a:r>
+              <a:rPr lang="en-US" dirty="0" err="1"/>
+              <a:t>tính</a:t>
+            </a:r>
+            <a:r>
+              <a:rPr lang="en-US" dirty="0"/>
+              <a:t> </a:t>
+            </a:r>
+            <a:r>
+              <a:rPr lang="en-US" dirty="0" err="1"/>
+              <a:t>ngẫu</a:t>
+            </a:r>
+            <a:r>
+              <a:rPr lang="en-US" dirty="0"/>
+              <a:t> </a:t>
+            </a:r>
+            <a:r>
+              <a:rPr lang="en-US" dirty="0" err="1"/>
+              <a:t>nhiên</a:t>
+            </a:r>
+            <a:r>
+              <a:rPr lang="en-US" dirty="0"/>
+              <a:t> </a:t>
+            </a:r>
+            <a:r>
+              <a:rPr lang="en-US" dirty="0" err="1"/>
+              <a:t>khi</a:t>
+            </a:r>
+            <a:r>
+              <a:rPr lang="en-US" dirty="0"/>
+              <a:t> </a:t>
+            </a:r>
+            <a:r>
+              <a:rPr lang="en-US" dirty="0" err="1"/>
+              <a:t>sinh</a:t>
+            </a:r>
+            <a:r>
+              <a:rPr lang="en-US" dirty="0"/>
+              <a:t> </a:t>
+            </a:r>
+            <a:r>
+              <a:rPr lang="en-US" dirty="0" err="1"/>
+              <a:t>khóa</a:t>
+            </a:r>
+            <a:r>
+              <a:rPr lang="en-US" dirty="0"/>
+              <a:t>.</a:t>
+            </a:r>
+          </a:p>
+          <a:p>
+            <a:pPr marL="514350" indent="-514350">
+              <a:spcBef>
+                <a:spcPts val="2000"/>
+              </a:spcBef>
+              <a:buAutoNum type="arabicParenR"/>
+            </a:pPr>
+            <a:r>
+              <a:rPr lang="en-US" dirty="0" err="1"/>
+              <a:t>Tránh</a:t>
+            </a:r>
+            <a:r>
+              <a:rPr lang="en-US" dirty="0"/>
+              <a:t> dung </a:t>
+            </a:r>
+            <a:r>
+              <a:rPr lang="en-US" dirty="0" err="1"/>
+              <a:t>chung</a:t>
+            </a:r>
+            <a:r>
+              <a:rPr lang="en-US" dirty="0"/>
+              <a:t> 1 </a:t>
+            </a:r>
+            <a:r>
+              <a:rPr lang="en-US" dirty="0" err="1"/>
+              <a:t>khóa</a:t>
+            </a:r>
+            <a:r>
+              <a:rPr lang="en-US" dirty="0"/>
+              <a:t> </a:t>
+            </a:r>
+            <a:r>
+              <a:rPr lang="en-US" dirty="0" err="1"/>
+              <a:t>cho</a:t>
+            </a:r>
+            <a:r>
+              <a:rPr lang="en-US" dirty="0"/>
+              <a:t> </a:t>
+            </a:r>
+            <a:r>
+              <a:rPr lang="en-US" dirty="0" err="1"/>
+              <a:t>nhiều</a:t>
+            </a:r>
+            <a:r>
+              <a:rPr lang="en-US" dirty="0"/>
+              <a:t> </a:t>
+            </a:r>
+            <a:r>
+              <a:rPr lang="en-US" dirty="0" err="1"/>
+              <a:t>dịch</a:t>
+            </a:r>
+            <a:r>
+              <a:rPr lang="en-US" dirty="0"/>
+              <a:t> </a:t>
+            </a:r>
+            <a:r>
+              <a:rPr lang="en-US" dirty="0" err="1"/>
+              <a:t>vụ</a:t>
+            </a:r>
+            <a:r>
+              <a:rPr lang="en-US" dirty="0"/>
+              <a:t> </a:t>
+            </a:r>
+            <a:r>
+              <a:rPr lang="en-US" dirty="0" err="1"/>
+              <a:t>khác</a:t>
+            </a:r>
+            <a:r>
+              <a:rPr lang="en-US" dirty="0"/>
+              <a:t> </a:t>
+            </a:r>
+            <a:r>
+              <a:rPr lang="en-US" dirty="0" err="1"/>
+              <a:t>nhau</a:t>
+            </a:r>
+            <a:r>
+              <a:rPr lang="en-US" dirty="0"/>
+              <a:t>.</a:t>
+            </a:r>
+          </a:p>
+          <a:p>
+            <a:pPr marL="514350" indent="-514350">
+              <a:spcBef>
+                <a:spcPts val="2000"/>
+              </a:spcBef>
+              <a:buAutoNum type="arabicParenR"/>
+            </a:pPr>
+            <a:r>
+              <a:rPr lang="en-US" dirty="0" err="1"/>
+              <a:t>Chuẩn</a:t>
+            </a:r>
+            <a:r>
+              <a:rPr lang="en-US" dirty="0"/>
+              <a:t> </a:t>
+            </a:r>
+            <a:r>
+              <a:rPr lang="en-US" dirty="0" err="1"/>
+              <a:t>bị</a:t>
+            </a:r>
+            <a:r>
+              <a:rPr lang="en-US" dirty="0"/>
+              <a:t> </a:t>
+            </a:r>
+            <a:r>
+              <a:rPr lang="en-US" dirty="0" err="1"/>
+              <a:t>các</a:t>
+            </a:r>
+            <a:r>
+              <a:rPr lang="en-US" dirty="0"/>
+              <a:t> </a:t>
+            </a:r>
+            <a:r>
+              <a:rPr lang="en-US" dirty="0" err="1"/>
+              <a:t>giải</a:t>
+            </a:r>
+            <a:r>
+              <a:rPr lang="en-US" dirty="0"/>
+              <a:t> </a:t>
+            </a:r>
+            <a:r>
+              <a:rPr lang="en-US" dirty="0" err="1"/>
+              <a:t>pháp</a:t>
+            </a:r>
+            <a:r>
+              <a:rPr lang="en-US" dirty="0"/>
+              <a:t> </a:t>
+            </a:r>
+            <a:r>
+              <a:rPr lang="en-US" dirty="0" err="1"/>
+              <a:t>bảo</a:t>
+            </a:r>
+            <a:r>
+              <a:rPr lang="en-US" dirty="0"/>
+              <a:t> </a:t>
+            </a:r>
+            <a:r>
+              <a:rPr lang="en-US" dirty="0" err="1"/>
+              <a:t>vệ</a:t>
+            </a:r>
+            <a:r>
+              <a:rPr lang="en-US" dirty="0"/>
+              <a:t> </a:t>
+            </a:r>
+            <a:r>
+              <a:rPr lang="en-US" dirty="0" err="1"/>
+              <a:t>dài</a:t>
+            </a:r>
+            <a:r>
+              <a:rPr lang="en-US" dirty="0"/>
+              <a:t> </a:t>
+            </a:r>
+            <a:r>
+              <a:rPr lang="en-US" dirty="0" err="1"/>
+              <a:t>hạn</a:t>
+            </a:r>
+            <a:r>
+              <a:rPr lang="en-US" dirty="0"/>
+              <a:t>: </a:t>
+            </a:r>
+            <a:br>
+              <a:rPr lang="en-US" dirty="0"/>
+            </a:br>
+            <a:r>
+              <a:rPr lang="en-US" dirty="0" err="1"/>
+              <a:t>Giám</a:t>
+            </a:r>
+            <a:r>
+              <a:rPr lang="en-US" dirty="0"/>
+              <a:t> </a:t>
+            </a:r>
+            <a:r>
+              <a:rPr lang="en-US" dirty="0" err="1"/>
+              <a:t>sát</a:t>
+            </a:r>
+            <a:r>
+              <a:rPr lang="en-US" dirty="0"/>
+              <a:t> </a:t>
+            </a:r>
+            <a:r>
+              <a:rPr lang="en-US" dirty="0" err="1"/>
+              <a:t>các</a:t>
+            </a:r>
+            <a:r>
+              <a:rPr lang="en-US" dirty="0"/>
+              <a:t> </a:t>
+            </a:r>
+            <a:r>
+              <a:rPr lang="en-US" dirty="0" err="1"/>
+              <a:t>kĩ</a:t>
+            </a:r>
+            <a:r>
+              <a:rPr lang="en-US" dirty="0"/>
+              <a:t> </a:t>
+            </a:r>
+            <a:r>
+              <a:rPr lang="en-US" dirty="0" err="1"/>
+              <a:t>thuật</a:t>
+            </a:r>
+            <a:r>
+              <a:rPr lang="en-US" dirty="0"/>
+              <a:t> </a:t>
+            </a:r>
+            <a:r>
+              <a:rPr lang="en-US" dirty="0" err="1"/>
+              <a:t>phá</a:t>
+            </a:r>
+            <a:r>
+              <a:rPr lang="en-US" dirty="0"/>
+              <a:t> </a:t>
+            </a:r>
+            <a:r>
+              <a:rPr lang="en-US" dirty="0" err="1"/>
+              <a:t>mã</a:t>
+            </a:r>
+            <a:r>
+              <a:rPr lang="en-US" dirty="0"/>
+              <a:t> </a:t>
+            </a:r>
+            <a:r>
+              <a:rPr lang="en-US" dirty="0" err="1"/>
+              <a:t>và</a:t>
+            </a:r>
+            <a:r>
+              <a:rPr lang="en-US" dirty="0"/>
+              <a:t> </a:t>
+            </a:r>
+            <a:r>
+              <a:rPr lang="en-US" dirty="0" err="1"/>
+              <a:t>điều</a:t>
+            </a:r>
+            <a:r>
+              <a:rPr lang="en-US" dirty="0"/>
+              <a:t> </a:t>
+            </a:r>
+            <a:r>
+              <a:rPr lang="en-US" dirty="0" err="1"/>
+              <a:t>chỉnh</a:t>
+            </a:r>
+            <a:r>
+              <a:rPr lang="en-US" dirty="0"/>
+              <a:t> </a:t>
+            </a:r>
+            <a:r>
+              <a:rPr lang="en-US" dirty="0" err="1"/>
+              <a:t>độ</a:t>
+            </a:r>
+            <a:r>
+              <a:rPr lang="en-US" dirty="0"/>
+              <a:t> </a:t>
+            </a:r>
+            <a:r>
+              <a:rPr lang="en-US" dirty="0" err="1"/>
+              <a:t>dài</a:t>
+            </a:r>
+            <a:r>
+              <a:rPr lang="en-US" dirty="0"/>
+              <a:t> </a:t>
+            </a:r>
+            <a:r>
+              <a:rPr lang="en-US" dirty="0" err="1"/>
+              <a:t>khóa</a:t>
+            </a:r>
+            <a:r>
+              <a:rPr lang="en-US" dirty="0"/>
+              <a:t>. </a:t>
+            </a:r>
+            <a:r>
+              <a:rPr lang="en-US" dirty="0" err="1"/>
+              <a:t>Lên</a:t>
+            </a:r>
+            <a:r>
+              <a:rPr lang="en-US" dirty="0"/>
+              <a:t> </a:t>
+            </a:r>
+            <a:r>
+              <a:rPr lang="en-US" dirty="0" err="1"/>
+              <a:t>kế</a:t>
+            </a:r>
+            <a:r>
+              <a:rPr lang="en-US" dirty="0"/>
+              <a:t> </a:t>
+            </a:r>
+            <a:r>
+              <a:rPr lang="en-US" dirty="0" err="1"/>
+              <a:t>hoạch</a:t>
+            </a:r>
+            <a:r>
+              <a:rPr lang="en-US" dirty="0"/>
+              <a:t> </a:t>
+            </a:r>
+            <a:r>
+              <a:rPr lang="en-US" dirty="0" err="1"/>
+              <a:t>chuyển</a:t>
+            </a:r>
+            <a:r>
+              <a:rPr lang="en-US" dirty="0"/>
+              <a:t> sang </a:t>
+            </a:r>
+            <a:r>
+              <a:rPr lang="en-US" dirty="0" err="1"/>
+              <a:t>các</a:t>
+            </a:r>
+            <a:r>
+              <a:rPr lang="en-US" dirty="0"/>
+              <a:t> </a:t>
+            </a:r>
+            <a:r>
+              <a:rPr lang="en-US" dirty="0" err="1"/>
+              <a:t>thuật</a:t>
+            </a:r>
+            <a:r>
+              <a:rPr lang="en-US" dirty="0"/>
+              <a:t> </a:t>
+            </a:r>
+            <a:r>
+              <a:rPr lang="en-US" dirty="0" err="1"/>
+              <a:t>toán</a:t>
+            </a:r>
+            <a:r>
+              <a:rPr lang="en-US" dirty="0"/>
+              <a:t> </a:t>
+            </a:r>
+            <a:r>
+              <a:rPr lang="en-US" dirty="0" err="1"/>
+              <a:t>mới</a:t>
+            </a:r>
+            <a:r>
+              <a:rPr lang="en-US" dirty="0"/>
+              <a:t>, </a:t>
+            </a:r>
+            <a:r>
+              <a:rPr lang="en-US" dirty="0" err="1"/>
+              <a:t>đặc</a:t>
+            </a:r>
+            <a:r>
+              <a:rPr lang="en-US" dirty="0"/>
+              <a:t> </a:t>
+            </a:r>
+            <a:r>
+              <a:rPr lang="en-US" dirty="0" err="1"/>
+              <a:t>biệt</a:t>
+            </a:r>
+            <a:r>
+              <a:rPr lang="en-US" dirty="0"/>
+              <a:t> </a:t>
+            </a:r>
+            <a:r>
+              <a:rPr lang="en-US" dirty="0" err="1"/>
+              <a:t>là</a:t>
+            </a:r>
+            <a:r>
+              <a:rPr lang="en-US" dirty="0"/>
+              <a:t> </a:t>
+            </a:r>
+            <a:r>
+              <a:rPr lang="en-US" dirty="0" err="1"/>
+              <a:t>mật</a:t>
+            </a:r>
+            <a:r>
+              <a:rPr lang="en-US" dirty="0"/>
+              <a:t> </a:t>
+            </a:r>
+            <a:r>
+              <a:rPr lang="en-US" dirty="0" err="1"/>
+              <a:t>mã</a:t>
+            </a:r>
+            <a:r>
+              <a:rPr lang="en-US" dirty="0"/>
+              <a:t> </a:t>
+            </a:r>
+            <a:r>
+              <a:rPr lang="en-US" dirty="0" err="1"/>
+              <a:t>hậu</a:t>
+            </a:r>
+            <a:r>
+              <a:rPr lang="en-US" dirty="0"/>
+              <a:t> </a:t>
+            </a:r>
+            <a:r>
+              <a:rPr lang="en-US" dirty="0" err="1"/>
+              <a:t>lượng</a:t>
+            </a:r>
+            <a:r>
+              <a:rPr lang="en-US" dirty="0"/>
+              <a:t> </a:t>
+            </a:r>
+            <a:r>
+              <a:rPr lang="en-US" dirty="0" err="1"/>
+              <a:t>tử</a:t>
+            </a:r>
+            <a:r>
+              <a:rPr lang="en-US" dirty="0"/>
+              <a:t>.</a:t>
+            </a:r>
+          </a:p>
+        </p:txBody>
+      </p:sp>
+    </p:spTree>
+    <p:extLst>
+      <p:ext uri="{BB962C8B-B14F-4D97-AF65-F5344CB8AC3E}">
+        <p14:creationId xmlns:p14="http://schemas.microsoft.com/office/powerpoint/2010/main" val="2805422325"/>
+      </p:ext>
+    </p:extLst>
+  </p:cSld>
+  <p:clrMapOvr>
+    <a:masterClrMapping/>
+  </p:clrMapOvr>
+</p:sld>
+</file>
+
+<file path=ppt/slides/slide27.xml><?xml version="1.0" encoding="utf-8"?>
 <p:sld xmlns:a="http://schemas.openxmlformats.org/drawingml/2006/main" xmlns:r="http://schemas.openxmlformats.org/officeDocument/2006/relationships" xmlns:p="http://schemas.openxmlformats.org/presentationml/2006/main">
   <p:cSld>
     <p:spTree>
@@ -7091,36 +13952,17 @@
           <a:p>
             <a:r>
               <a:rPr lang="en-US" dirty="0" err="1"/>
-              <a:t>Biện</a:t>
-            </a:r>
-            <a:r>
-              <a:rPr lang="en-US" dirty="0"/>
-              <a:t> </a:t>
-            </a:r>
-            <a:r>
-              <a:rPr lang="en-US" dirty="0" err="1"/>
-              <a:t>pháp</a:t>
-            </a:r>
-            <a:r>
-              <a:rPr lang="en-US" dirty="0"/>
-              <a:t> </a:t>
-            </a:r>
-            <a:r>
-              <a:rPr lang="en-US" dirty="0" err="1"/>
-              <a:t>khắc</a:t>
-            </a:r>
-            <a:r>
-              <a:rPr lang="en-US" dirty="0"/>
-              <a:t> </a:t>
-            </a:r>
-            <a:r>
-              <a:rPr lang="en-US" dirty="0" err="1"/>
-              <a:t>phục</a:t>
-            </a:r>
-            <a:r>
-              <a:rPr lang="en-US" dirty="0"/>
-              <a:t> </a:t>
-            </a:r>
+              <a:t>Kết</a:t>
+            </a:r>
+            <a:r>
+              <a:rPr lang="en-US" dirty="0"/>
+              <a:t> </a:t>
+            </a:r>
+            <a:r>
+              <a:rPr lang="en-US" dirty="0" err="1"/>
+              <a:t>luận</a:t>
+            </a:r>
+            <a:endParaRPr lang="en-US" dirty="0"/>
           </a:p>
         </p:txBody>
       </p:sp>
@@ -7142,8 +13984,8 @@
         </p:nvSpPr>
         <p:spPr>
           <a:xfrm>
-            <a:off x="0" y="1773867"/>
-            <a:ext cx="10515600" cy="4351338"/>
+            <a:off x="257174" y="1994889"/>
+            <a:ext cx="11249025" cy="4351338"/>
           </a:xfrm>
         </p:spPr>
         <p:txBody>
@@ -7160,10 +14002,104 @@
               <a:buChar char="-"/>
             </a:pPr>
             <a:r>
-              <a:rPr lang="vi-VN" dirty="0"/>
-              <a:t>Ưu tiên RSASSA-PSS cho chữ ký và tránh PKCS#1 v1.5 khi có thể.</a:t>
-            </a:r>
-            <a:endParaRPr lang="en-US" dirty="0"/>
+              <a:rPr lang="en-US" sz="2400" dirty="0">
+                <a:latin typeface="Calibri (Body)"/>
+              </a:rPr>
+              <a:t> RSA </a:t>
+            </a:r>
+            <a:r>
+              <a:rPr lang="en-US" sz="2400" dirty="0" err="1">
+                <a:latin typeface="Calibri (Body)"/>
+              </a:rPr>
+              <a:t>vẫn</a:t>
+            </a:r>
+            <a:r>
+              <a:rPr lang="en-US" sz="2400" dirty="0">
+                <a:latin typeface="Calibri (Body)"/>
+              </a:rPr>
+              <a:t> an </a:t>
+            </a:r>
+            <a:r>
+              <a:rPr lang="en-US" sz="2400" dirty="0" err="1">
+                <a:latin typeface="Calibri (Body)"/>
+              </a:rPr>
+              <a:t>toàn</a:t>
+            </a:r>
+            <a:r>
+              <a:rPr lang="en-US" sz="2400" dirty="0">
+                <a:latin typeface="Calibri (Body)"/>
+              </a:rPr>
+              <a:t> </a:t>
+            </a:r>
+            <a:r>
+              <a:rPr lang="en-US" sz="2400" dirty="0" err="1">
+                <a:latin typeface="Calibri (Body)"/>
+              </a:rPr>
+              <a:t>nếu</a:t>
+            </a:r>
+            <a:r>
+              <a:rPr lang="en-US" sz="2400" dirty="0">
+                <a:latin typeface="Calibri (Body)"/>
+              </a:rPr>
+              <a:t> </a:t>
+            </a:r>
+            <a:r>
+              <a:rPr lang="en-US" sz="2400" dirty="0" err="1">
+                <a:latin typeface="Calibri (Body)"/>
+              </a:rPr>
+              <a:t>triển</a:t>
+            </a:r>
+            <a:r>
+              <a:rPr lang="en-US" sz="2400" dirty="0">
+                <a:latin typeface="Calibri (Body)"/>
+              </a:rPr>
+              <a:t> </a:t>
+            </a:r>
+            <a:r>
+              <a:rPr lang="en-US" sz="2400" dirty="0" err="1">
+                <a:latin typeface="Calibri (Body)"/>
+              </a:rPr>
+              <a:t>khai</a:t>
+            </a:r>
+            <a:r>
+              <a:rPr lang="en-US" sz="2400" dirty="0">
+                <a:latin typeface="Calibri (Body)"/>
+              </a:rPr>
+              <a:t> </a:t>
+            </a:r>
+            <a:r>
+              <a:rPr lang="en-US" sz="2400" dirty="0" err="1">
+                <a:latin typeface="Calibri (Body)"/>
+              </a:rPr>
+              <a:t>chuẩn</a:t>
+            </a:r>
+            <a:r>
+              <a:rPr lang="en-US" sz="2400" dirty="0">
+                <a:latin typeface="Calibri (Body)"/>
+              </a:rPr>
+              <a:t>, </a:t>
+            </a:r>
+            <a:r>
+              <a:rPr lang="en-US" sz="2400" dirty="0" err="1">
+                <a:latin typeface="Calibri (Body)"/>
+              </a:rPr>
+              <a:t>đầy</a:t>
+            </a:r>
+            <a:r>
+              <a:rPr lang="en-US" sz="2400" dirty="0">
+                <a:latin typeface="Calibri (Body)"/>
+              </a:rPr>
+              <a:t> </a:t>
+            </a:r>
+            <a:r>
+              <a:rPr lang="en-US" sz="2400" dirty="0" err="1">
+                <a:latin typeface="Calibri (Body)"/>
+              </a:rPr>
+              <a:t>đủ</a:t>
+            </a:r>
+            <a:endParaRPr lang="en-US" sz="2400" dirty="0">
+              <a:latin typeface="Calibri (Body)"/>
+            </a:endParaRPr>
           </a:p>
           <a:p>
             <a:pPr>
@@ -7174,10 +14110,20 @@
               <a:buChar char="-"/>
             </a:pPr>
             <a:r>
-              <a:rPr lang="vi-VN" dirty="0"/>
-              <a:t>Dùng kích thước khóa lớn (≥3072 bit) hoặc chuyển sang ECC/PQC cho bảo vệ dài hạn.</a:t>
-            </a:r>
-            <a:endParaRPr lang="en-US" dirty="0"/>
+              <a:rPr lang="en-US" sz="2400" dirty="0">
+                <a:latin typeface="Calibri (Body)"/>
+              </a:rPr>
+              <a:t> </a:t>
+            </a:r>
+            <a:r>
+              <a:rPr lang="vi-VN" sz="2400" dirty="0">
+                <a:latin typeface="Calibri (Body)"/>
+              </a:rPr>
+              <a:t>Ưu tiên RSASSA-PSS cho chữ ký và tránh PKCS#1 v1.5 khi có thể.</a:t>
+            </a:r>
+            <a:endParaRPr lang="en-US" sz="2400" dirty="0">
+              <a:latin typeface="Calibri (Body)"/>
+            </a:endParaRPr>
           </a:p>
           <a:p>
             <a:pPr>
@@ -7188,10 +14134,20 @@
               <a:buChar char="-"/>
             </a:pPr>
             <a:r>
-              <a:rPr lang="vi-VN" dirty="0"/>
-              <a:t>Vô hiệu hóa RSA key exchange trong TLS, ưu tiên ECDHE cho forward secrecy.</a:t>
-            </a:r>
-            <a:endParaRPr lang="en-US" dirty="0"/>
+              <a:rPr lang="en-US" sz="2400" dirty="0">
+                <a:latin typeface="Calibri (Body)"/>
+              </a:rPr>
+              <a:t> </a:t>
+            </a:r>
+            <a:r>
+              <a:rPr lang="vi-VN" sz="2400" dirty="0">
+                <a:latin typeface="Calibri (Body)"/>
+              </a:rPr>
+              <a:t>Dùng kích thước khóa lớn (≥3072 bit) hoặc chuyển sang ECC/PQC cho bảo vệ dài hạn.</a:t>
+            </a:r>
+            <a:endParaRPr lang="en-US" sz="2400" dirty="0">
+              <a:latin typeface="Calibri (Body)"/>
+            </a:endParaRPr>
           </a:p>
           <a:p>
             <a:pPr>
@@ -7202,10 +14158,20 @@
               <a:buChar char="-"/>
             </a:pPr>
             <a:r>
-              <a:rPr lang="vi-VN" dirty="0"/>
-              <a:t>Áp dụng exponent &amp; CRT blinding, constant-time modular exponentiation, và CSPRNG mạnh cho keygen.</a:t>
-            </a:r>
-            <a:endParaRPr lang="en-US" dirty="0"/>
+              <a:rPr lang="en-US" sz="2400" dirty="0">
+                <a:latin typeface="Calibri (Body)"/>
+              </a:rPr>
+              <a:t> </a:t>
+            </a:r>
+            <a:r>
+              <a:rPr lang="vi-VN" sz="2400" dirty="0">
+                <a:latin typeface="Calibri (Body)"/>
+              </a:rPr>
+              <a:t>Vô hiệu hóa RSA key exchange trong TLS, ưu tiên ECDHE cho forward secrecy.</a:t>
+            </a:r>
+            <a:endParaRPr lang="en-US" sz="2400" dirty="0">
+              <a:latin typeface="Calibri (Body)"/>
+            </a:endParaRPr>
           </a:p>
           <a:p>
             <a:pPr>
@@ -7216,18 +14182,56 @@
               <a:buChar char="-"/>
             </a:pPr>
             <a:r>
-              <a:rPr lang="vi-VN" dirty="0"/>
+              <a:rPr lang="en-US" sz="2400" dirty="0">
+                <a:latin typeface="Calibri (Body)"/>
+              </a:rPr>
+              <a:t> </a:t>
+            </a:r>
+            <a:r>
+              <a:rPr lang="vi-VN" sz="2400" dirty="0">
+                <a:latin typeface="Calibri (Body)"/>
+              </a:rPr>
+              <a:t>Áp dụng exponent &amp; CRT blinding, constant-time modular exponentiation, và CSPRNG mạnh cho keygen.</a:t>
+            </a:r>
+            <a:endParaRPr lang="en-US" sz="2400" dirty="0">
+              <a:latin typeface="Calibri (Body)"/>
+            </a:endParaRPr>
+          </a:p>
+          <a:p>
+            <a:pPr>
+              <a:spcBef>
+                <a:spcPts val="2000"/>
+              </a:spcBef>
+              <a:buFontTx/>
+              <a:buChar char="-"/>
+            </a:pPr>
+            <a:r>
+              <a:rPr lang="en-US" sz="2400" dirty="0">
+                <a:latin typeface="Calibri (Body)"/>
+              </a:rPr>
+              <a:t> </a:t>
+            </a:r>
+            <a:r>
+              <a:rPr lang="vi-VN" sz="2400" dirty="0">
+                <a:latin typeface="Calibri (Body)"/>
+              </a:rPr>
               <a:t>Lưu private key </a:t>
             </a:r>
             <a:r>
-              <a:rPr lang="en-US" dirty="0" err="1"/>
+              <a:rPr lang="en-US" sz="2400" dirty="0" err="1">
+                <a:latin typeface="Calibri (Body)"/>
+              </a:rPr>
               <a:t>kĩ</a:t>
             </a:r>
             <a:r>
-              <a:rPr lang="vi-VN" dirty="0"/>
+              <a:rPr lang="vi-VN" sz="2400" dirty="0">
+                <a:latin typeface="Calibri (Body)"/>
+              </a:rPr>
               <a:t>, giới hạn API và dùng uniform error messages.</a:t>
             </a:r>
-            <a:endParaRPr lang="en-US" dirty="0"/>
+            <a:endParaRPr lang="en-US" sz="2400" dirty="0">
+              <a:latin typeface="Calibri (Body)"/>
+            </a:endParaRPr>
           </a:p>
         </p:txBody>
       </p:sp>
@@ -7235,1412 +14239,6 @@
     <p:extLst>
       <p:ext uri="{BB962C8B-B14F-4D97-AF65-F5344CB8AC3E}">
         <p14:creationId xmlns:p14="http://schemas.microsoft.com/office/powerpoint/2010/main" val="1704221707"/>
-      </p:ext>
-    </p:extLst>
-  </p:cSld>
-  <p:clrMapOvr>
-    <a:masterClrMapping/>
-  </p:clrMapOvr>
-</p:sld>
-</file>
-
-<file path=ppt/slides/slide15.xml><?xml version="1.0" encoding="utf-8"?>
-<p:sld xmlns:a="http://schemas.openxmlformats.org/drawingml/2006/main" xmlns:r="http://schemas.openxmlformats.org/officeDocument/2006/relationships" xmlns:p="http://schemas.openxmlformats.org/presentationml/2006/main">
-  <p:cSld>
-    <p:spTree>
-      <p:nvGrpSpPr>
-        <p:cNvPr id="1" name=""/>
-        <p:cNvGrpSpPr/>
-        <p:nvPr/>
-      </p:nvGrpSpPr>
-      <p:grpSpPr>
-        <a:xfrm>
-          <a:off x="0" y="0"/>
-          <a:ext cx="0" cy="0"/>
-          <a:chOff x="0" y="0"/>
-          <a:chExt cx="0" cy="0"/>
-        </a:xfrm>
-      </p:grpSpPr>
-      <p:sp>
-        <p:nvSpPr>
-          <p:cNvPr id="2" name="Title 1">
-            <a:extLst>
-              <a:ext uri="{FF2B5EF4-FFF2-40B4-BE49-F238E27FC236}">
-                <a16:creationId xmlns:a16="http://schemas.microsoft.com/office/drawing/2014/main" id="{21D7C28B-16E5-1A84-EF3F-88CF63A00BA1}"/>
-              </a:ext>
-            </a:extLst>
-          </p:cNvPr>
-          <p:cNvSpPr>
-            <a:spLocks noGrp="1"/>
-          </p:cNvSpPr>
-          <p:nvPr>
-            <p:ph type="title"/>
-          </p:nvPr>
-        </p:nvSpPr>
-        <p:spPr>
-          <a:xfrm>
-            <a:off x="439947" y="534569"/>
-            <a:ext cx="10515600" cy="1325563"/>
-          </a:xfrm>
-        </p:spPr>
-        <p:txBody>
-          <a:bodyPr/>
-          <a:lstStyle/>
-          <a:p>
-            <a:r>
-              <a:rPr lang="en-US" dirty="0"/>
-              <a:t>4. </a:t>
-            </a:r>
-            <a:r>
-              <a:rPr lang="en-US" dirty="0" err="1"/>
-              <a:t>Kiến</a:t>
-            </a:r>
-            <a:r>
-              <a:rPr lang="en-US" dirty="0"/>
-              <a:t> </a:t>
-            </a:r>
-            <a:r>
-              <a:rPr lang="en-US" dirty="0" err="1"/>
-              <a:t>trúc</a:t>
-            </a:r>
-            <a:r>
-              <a:rPr lang="en-US" dirty="0"/>
-              <a:t> </a:t>
-            </a:r>
-            <a:r>
-              <a:rPr lang="en-US" dirty="0" err="1"/>
-              <a:t>giải</a:t>
-            </a:r>
-            <a:r>
-              <a:rPr lang="en-US" dirty="0"/>
-              <a:t> </a:t>
-            </a:r>
-            <a:r>
-              <a:rPr lang="en-US" dirty="0" err="1"/>
-              <a:t>pháp</a:t>
-            </a:r>
-            <a:endParaRPr lang="en-US" dirty="0"/>
-          </a:p>
-        </p:txBody>
-      </p:sp>
-      <p:sp>
-        <p:nvSpPr>
-          <p:cNvPr id="3" name="Content Placeholder 2">
-            <a:extLst>
-              <a:ext uri="{FF2B5EF4-FFF2-40B4-BE49-F238E27FC236}">
-                <a16:creationId xmlns:a16="http://schemas.microsoft.com/office/drawing/2014/main" id="{37CDDB8B-8E67-8881-EFDE-8726FE1E533E}"/>
-              </a:ext>
-            </a:extLst>
-          </p:cNvPr>
-          <p:cNvSpPr>
-            <a:spLocks noGrp="1"/>
-          </p:cNvSpPr>
-          <p:nvPr>
-            <p:ph idx="1"/>
-          </p:nvPr>
-        </p:nvSpPr>
-        <p:spPr>
-          <a:xfrm>
-            <a:off x="0" y="1756613"/>
-            <a:ext cx="10515600" cy="4351338"/>
-          </a:xfrm>
-        </p:spPr>
-        <p:txBody>
-          <a:bodyPr/>
-          <a:lstStyle/>
-          <a:p>
-            <a:pPr marL="514350" indent="-514350">
-              <a:spcBef>
-                <a:spcPts val="2000"/>
-              </a:spcBef>
-              <a:buAutoNum type="arabicParenR"/>
-            </a:pPr>
-            <a:r>
-              <a:rPr lang="en-US" dirty="0"/>
-              <a:t>Key size </a:t>
-            </a:r>
-            <a:r>
-              <a:rPr lang="en-US" dirty="0" err="1"/>
-              <a:t>phải</a:t>
-            </a:r>
-            <a:r>
-              <a:rPr lang="en-US" dirty="0"/>
-              <a:t> </a:t>
-            </a:r>
-            <a:r>
-              <a:rPr lang="en-US" dirty="0" err="1"/>
-              <a:t>đạt</a:t>
-            </a:r>
-            <a:r>
-              <a:rPr lang="en-US" dirty="0"/>
-              <a:t> </a:t>
-            </a:r>
-            <a:r>
-              <a:rPr lang="en-US" dirty="0" err="1"/>
-              <a:t>chuẩn</a:t>
-            </a:r>
-            <a:r>
-              <a:rPr lang="en-US" dirty="0"/>
-              <a:t>: </a:t>
-            </a:r>
-            <a:r>
-              <a:rPr lang="en-US" dirty="0" err="1"/>
-              <a:t>ít</a:t>
-            </a:r>
-            <a:r>
-              <a:rPr lang="en-US" dirty="0"/>
-              <a:t> </a:t>
-            </a:r>
-            <a:r>
-              <a:rPr lang="en-US" dirty="0" err="1"/>
-              <a:t>nhất</a:t>
-            </a:r>
-            <a:r>
-              <a:rPr lang="en-US" dirty="0"/>
-              <a:t> 2048 bit, </a:t>
-            </a:r>
-            <a:r>
-              <a:rPr lang="en-US" dirty="0" err="1"/>
-              <a:t>khuyến</a:t>
-            </a:r>
-            <a:r>
-              <a:rPr lang="en-US" dirty="0"/>
-              <a:t> </a:t>
-            </a:r>
-            <a:r>
-              <a:rPr lang="en-US" dirty="0" err="1"/>
-              <a:t>khích</a:t>
-            </a:r>
-            <a:r>
-              <a:rPr lang="en-US" dirty="0"/>
-              <a:t> </a:t>
-            </a:r>
-            <a:r>
-              <a:rPr lang="en-US" dirty="0" err="1"/>
-              <a:t>tăng</a:t>
-            </a:r>
-            <a:r>
-              <a:rPr lang="en-US" dirty="0"/>
-              <a:t> </a:t>
-            </a:r>
-            <a:r>
-              <a:rPr lang="en-US" dirty="0" err="1"/>
-              <a:t>lên</a:t>
-            </a:r>
-            <a:r>
-              <a:rPr lang="en-US" dirty="0"/>
-              <a:t> 3072 bit </a:t>
-            </a:r>
-            <a:r>
-              <a:rPr lang="en-US" dirty="0" err="1"/>
-              <a:t>hoặc</a:t>
-            </a:r>
-            <a:r>
-              <a:rPr lang="en-US" dirty="0"/>
-              <a:t> </a:t>
-            </a:r>
-            <a:r>
-              <a:rPr lang="en-US" dirty="0" err="1"/>
-              <a:t>cao</a:t>
-            </a:r>
-            <a:r>
-              <a:rPr lang="en-US" dirty="0"/>
-              <a:t> </a:t>
-            </a:r>
-            <a:r>
-              <a:rPr lang="en-US" dirty="0" err="1"/>
-              <a:t>hơn</a:t>
-            </a:r>
-            <a:r>
-              <a:rPr lang="en-US" dirty="0"/>
-              <a:t> </a:t>
-            </a:r>
-            <a:r>
-              <a:rPr lang="en-US" dirty="0" err="1"/>
-              <a:t>nếu</a:t>
-            </a:r>
-            <a:r>
-              <a:rPr lang="en-US" dirty="0"/>
-              <a:t> </a:t>
-            </a:r>
-            <a:r>
-              <a:rPr lang="en-US" dirty="0" err="1"/>
-              <a:t>muốn</a:t>
-            </a:r>
-            <a:r>
-              <a:rPr lang="en-US" dirty="0"/>
-              <a:t> </a:t>
-            </a:r>
-            <a:r>
-              <a:rPr lang="en-US" dirty="0" err="1"/>
-              <a:t>bảo</a:t>
-            </a:r>
-            <a:r>
-              <a:rPr lang="en-US" dirty="0"/>
-              <a:t> </a:t>
-            </a:r>
-            <a:r>
-              <a:rPr lang="en-US" dirty="0" err="1"/>
-              <a:t>mật</a:t>
-            </a:r>
-            <a:r>
-              <a:rPr lang="en-US" dirty="0"/>
-              <a:t> </a:t>
-            </a:r>
-            <a:r>
-              <a:rPr lang="en-US" dirty="0" err="1"/>
-              <a:t>dài</a:t>
-            </a:r>
-            <a:r>
-              <a:rPr lang="en-US" dirty="0"/>
-              <a:t> </a:t>
-            </a:r>
-            <a:r>
-              <a:rPr lang="en-US" dirty="0" err="1"/>
-              <a:t>hạn</a:t>
-            </a:r>
-            <a:r>
-              <a:rPr lang="en-US" dirty="0"/>
-              <a:t>.</a:t>
-            </a:r>
-          </a:p>
-          <a:p>
-            <a:pPr marL="514350" indent="-514350">
-              <a:spcBef>
-                <a:spcPts val="2000"/>
-              </a:spcBef>
-              <a:buAutoNum type="arabicParenR"/>
-            </a:pPr>
-            <a:r>
-              <a:rPr lang="en-US" dirty="0" err="1"/>
-              <a:t>Đảm</a:t>
-            </a:r>
-            <a:r>
-              <a:rPr lang="en-US" dirty="0"/>
-              <a:t> </a:t>
-            </a:r>
-            <a:r>
-              <a:rPr lang="en-US" dirty="0" err="1"/>
-              <a:t>bảo</a:t>
-            </a:r>
-            <a:r>
-              <a:rPr lang="en-US" dirty="0"/>
-              <a:t> </a:t>
-            </a:r>
-            <a:r>
-              <a:rPr lang="en-US" dirty="0" err="1"/>
-              <a:t>tính</a:t>
-            </a:r>
-            <a:r>
-              <a:rPr lang="en-US" dirty="0"/>
-              <a:t> </a:t>
-            </a:r>
-            <a:r>
-              <a:rPr lang="en-US" dirty="0" err="1"/>
-              <a:t>ngẫu</a:t>
-            </a:r>
-            <a:r>
-              <a:rPr lang="en-US" dirty="0"/>
-              <a:t> </a:t>
-            </a:r>
-            <a:r>
-              <a:rPr lang="en-US" dirty="0" err="1"/>
-              <a:t>nhiên</a:t>
-            </a:r>
-            <a:r>
-              <a:rPr lang="en-US" dirty="0"/>
-              <a:t> </a:t>
-            </a:r>
-            <a:r>
-              <a:rPr lang="en-US" dirty="0" err="1"/>
-              <a:t>khi</a:t>
-            </a:r>
-            <a:r>
-              <a:rPr lang="en-US" dirty="0"/>
-              <a:t> </a:t>
-            </a:r>
-            <a:r>
-              <a:rPr lang="en-US" dirty="0" err="1"/>
-              <a:t>sinh</a:t>
-            </a:r>
-            <a:r>
-              <a:rPr lang="en-US" dirty="0"/>
-              <a:t> </a:t>
-            </a:r>
-            <a:r>
-              <a:rPr lang="en-US" dirty="0" err="1"/>
-              <a:t>khóa</a:t>
-            </a:r>
-            <a:r>
-              <a:rPr lang="en-US" dirty="0"/>
-              <a:t>.</a:t>
-            </a:r>
-          </a:p>
-          <a:p>
-            <a:pPr marL="514350" indent="-514350">
-              <a:spcBef>
-                <a:spcPts val="2000"/>
-              </a:spcBef>
-              <a:buAutoNum type="arabicParenR"/>
-            </a:pPr>
-            <a:r>
-              <a:rPr lang="en-US" dirty="0" err="1"/>
-              <a:t>Tránh</a:t>
-            </a:r>
-            <a:r>
-              <a:rPr lang="en-US" dirty="0"/>
-              <a:t> dung </a:t>
-            </a:r>
-            <a:r>
-              <a:rPr lang="en-US" dirty="0" err="1"/>
-              <a:t>chung</a:t>
-            </a:r>
-            <a:r>
-              <a:rPr lang="en-US" dirty="0"/>
-              <a:t> 1 </a:t>
-            </a:r>
-            <a:r>
-              <a:rPr lang="en-US" dirty="0" err="1"/>
-              <a:t>khóa</a:t>
-            </a:r>
-            <a:r>
-              <a:rPr lang="en-US" dirty="0"/>
-              <a:t> </a:t>
-            </a:r>
-            <a:r>
-              <a:rPr lang="en-US" dirty="0" err="1"/>
-              <a:t>cho</a:t>
-            </a:r>
-            <a:r>
-              <a:rPr lang="en-US" dirty="0"/>
-              <a:t> </a:t>
-            </a:r>
-            <a:r>
-              <a:rPr lang="en-US" dirty="0" err="1"/>
-              <a:t>nhiều</a:t>
-            </a:r>
-            <a:r>
-              <a:rPr lang="en-US" dirty="0"/>
-              <a:t> </a:t>
-            </a:r>
-            <a:r>
-              <a:rPr lang="en-US" dirty="0" err="1"/>
-              <a:t>dịch</a:t>
-            </a:r>
-            <a:r>
-              <a:rPr lang="en-US" dirty="0"/>
-              <a:t> </a:t>
-            </a:r>
-            <a:r>
-              <a:rPr lang="en-US" dirty="0" err="1"/>
-              <a:t>vụ</a:t>
-            </a:r>
-            <a:r>
-              <a:rPr lang="en-US" dirty="0"/>
-              <a:t> </a:t>
-            </a:r>
-            <a:r>
-              <a:rPr lang="en-US" dirty="0" err="1"/>
-              <a:t>khác</a:t>
-            </a:r>
-            <a:r>
-              <a:rPr lang="en-US" dirty="0"/>
-              <a:t> </a:t>
-            </a:r>
-            <a:r>
-              <a:rPr lang="en-US" dirty="0" err="1"/>
-              <a:t>nhau</a:t>
-            </a:r>
-            <a:r>
-              <a:rPr lang="en-US" dirty="0"/>
-              <a:t>.</a:t>
-            </a:r>
-          </a:p>
-          <a:p>
-            <a:pPr marL="514350" indent="-514350">
-              <a:spcBef>
-                <a:spcPts val="2000"/>
-              </a:spcBef>
-              <a:buAutoNum type="arabicParenR"/>
-            </a:pPr>
-            <a:r>
-              <a:rPr lang="en-US" dirty="0" err="1"/>
-              <a:t>Chuẩn</a:t>
-            </a:r>
-            <a:r>
-              <a:rPr lang="en-US" dirty="0"/>
-              <a:t> </a:t>
-            </a:r>
-            <a:r>
-              <a:rPr lang="en-US" dirty="0" err="1"/>
-              <a:t>bị</a:t>
-            </a:r>
-            <a:r>
-              <a:rPr lang="en-US" dirty="0"/>
-              <a:t> </a:t>
-            </a:r>
-            <a:r>
-              <a:rPr lang="en-US" dirty="0" err="1"/>
-              <a:t>các</a:t>
-            </a:r>
-            <a:r>
-              <a:rPr lang="en-US" dirty="0"/>
-              <a:t> </a:t>
-            </a:r>
-            <a:r>
-              <a:rPr lang="en-US" dirty="0" err="1"/>
-              <a:t>giải</a:t>
-            </a:r>
-            <a:r>
-              <a:rPr lang="en-US" dirty="0"/>
-              <a:t> </a:t>
-            </a:r>
-            <a:r>
-              <a:rPr lang="en-US" dirty="0" err="1"/>
-              <a:t>pháp</a:t>
-            </a:r>
-            <a:r>
-              <a:rPr lang="en-US" dirty="0"/>
-              <a:t> </a:t>
-            </a:r>
-            <a:r>
-              <a:rPr lang="en-US" dirty="0" err="1"/>
-              <a:t>bảo</a:t>
-            </a:r>
-            <a:r>
-              <a:rPr lang="en-US" dirty="0"/>
-              <a:t> </a:t>
-            </a:r>
-            <a:r>
-              <a:rPr lang="en-US" dirty="0" err="1"/>
-              <a:t>vệ</a:t>
-            </a:r>
-            <a:r>
-              <a:rPr lang="en-US" dirty="0"/>
-              <a:t> </a:t>
-            </a:r>
-            <a:r>
-              <a:rPr lang="en-US" dirty="0" err="1"/>
-              <a:t>dài</a:t>
-            </a:r>
-            <a:r>
-              <a:rPr lang="en-US" dirty="0"/>
-              <a:t> </a:t>
-            </a:r>
-            <a:r>
-              <a:rPr lang="en-US" dirty="0" err="1"/>
-              <a:t>hạn</a:t>
-            </a:r>
-            <a:r>
-              <a:rPr lang="en-US" dirty="0"/>
-              <a:t>: </a:t>
-            </a:r>
-            <a:br>
-              <a:rPr lang="en-US" dirty="0"/>
-            </a:br>
-            <a:r>
-              <a:rPr lang="en-US" dirty="0" err="1"/>
-              <a:t>Giám</a:t>
-            </a:r>
-            <a:r>
-              <a:rPr lang="en-US" dirty="0"/>
-              <a:t> </a:t>
-            </a:r>
-            <a:r>
-              <a:rPr lang="en-US" dirty="0" err="1"/>
-              <a:t>sát</a:t>
-            </a:r>
-            <a:r>
-              <a:rPr lang="en-US" dirty="0"/>
-              <a:t> </a:t>
-            </a:r>
-            <a:r>
-              <a:rPr lang="en-US" dirty="0" err="1"/>
-              <a:t>các</a:t>
-            </a:r>
-            <a:r>
-              <a:rPr lang="en-US" dirty="0"/>
-              <a:t> </a:t>
-            </a:r>
-            <a:r>
-              <a:rPr lang="en-US" dirty="0" err="1"/>
-              <a:t>kĩ</a:t>
-            </a:r>
-            <a:r>
-              <a:rPr lang="en-US" dirty="0"/>
-              <a:t> </a:t>
-            </a:r>
-            <a:r>
-              <a:rPr lang="en-US" dirty="0" err="1"/>
-              <a:t>thuật</a:t>
-            </a:r>
-            <a:r>
-              <a:rPr lang="en-US" dirty="0"/>
-              <a:t> </a:t>
-            </a:r>
-            <a:r>
-              <a:rPr lang="en-US" dirty="0" err="1"/>
-              <a:t>phá</a:t>
-            </a:r>
-            <a:r>
-              <a:rPr lang="en-US" dirty="0"/>
-              <a:t> </a:t>
-            </a:r>
-            <a:r>
-              <a:rPr lang="en-US" dirty="0" err="1"/>
-              <a:t>mã</a:t>
-            </a:r>
-            <a:r>
-              <a:rPr lang="en-US" dirty="0"/>
-              <a:t> </a:t>
-            </a:r>
-            <a:r>
-              <a:rPr lang="en-US" dirty="0" err="1"/>
-              <a:t>và</a:t>
-            </a:r>
-            <a:r>
-              <a:rPr lang="en-US" dirty="0"/>
-              <a:t> </a:t>
-            </a:r>
-            <a:r>
-              <a:rPr lang="en-US" dirty="0" err="1"/>
-              <a:t>điều</a:t>
-            </a:r>
-            <a:r>
-              <a:rPr lang="en-US" dirty="0"/>
-              <a:t> </a:t>
-            </a:r>
-            <a:r>
-              <a:rPr lang="en-US" dirty="0" err="1"/>
-              <a:t>chỉnh</a:t>
-            </a:r>
-            <a:r>
-              <a:rPr lang="en-US" dirty="0"/>
-              <a:t> </a:t>
-            </a:r>
-            <a:r>
-              <a:rPr lang="en-US" dirty="0" err="1"/>
-              <a:t>độ</a:t>
-            </a:r>
-            <a:r>
-              <a:rPr lang="en-US" dirty="0"/>
-              <a:t> </a:t>
-            </a:r>
-            <a:r>
-              <a:rPr lang="en-US" dirty="0" err="1"/>
-              <a:t>dài</a:t>
-            </a:r>
-            <a:r>
-              <a:rPr lang="en-US" dirty="0"/>
-              <a:t> </a:t>
-            </a:r>
-            <a:r>
-              <a:rPr lang="en-US" dirty="0" err="1"/>
-              <a:t>khóa</a:t>
-            </a:r>
-            <a:r>
-              <a:rPr lang="en-US" dirty="0"/>
-              <a:t>. </a:t>
-            </a:r>
-            <a:r>
-              <a:rPr lang="en-US" dirty="0" err="1"/>
-              <a:t>Lên</a:t>
-            </a:r>
-            <a:r>
-              <a:rPr lang="en-US" dirty="0"/>
-              <a:t> </a:t>
-            </a:r>
-            <a:r>
-              <a:rPr lang="en-US" dirty="0" err="1"/>
-              <a:t>kế</a:t>
-            </a:r>
-            <a:r>
-              <a:rPr lang="en-US" dirty="0"/>
-              <a:t> </a:t>
-            </a:r>
-            <a:r>
-              <a:rPr lang="en-US" dirty="0" err="1"/>
-              <a:t>hoạch</a:t>
-            </a:r>
-            <a:r>
-              <a:rPr lang="en-US" dirty="0"/>
-              <a:t> </a:t>
-            </a:r>
-            <a:r>
-              <a:rPr lang="en-US" dirty="0" err="1"/>
-              <a:t>chuyển</a:t>
-            </a:r>
-            <a:r>
-              <a:rPr lang="en-US" dirty="0"/>
-              <a:t> sang </a:t>
-            </a:r>
-            <a:r>
-              <a:rPr lang="en-US" dirty="0" err="1"/>
-              <a:t>các</a:t>
-            </a:r>
-            <a:r>
-              <a:rPr lang="en-US" dirty="0"/>
-              <a:t> </a:t>
-            </a:r>
-            <a:r>
-              <a:rPr lang="en-US" dirty="0" err="1"/>
-              <a:t>thuật</a:t>
-            </a:r>
-            <a:r>
-              <a:rPr lang="en-US" dirty="0"/>
-              <a:t> </a:t>
-            </a:r>
-            <a:r>
-              <a:rPr lang="en-US" dirty="0" err="1"/>
-              <a:t>toán</a:t>
-            </a:r>
-            <a:r>
-              <a:rPr lang="en-US" dirty="0"/>
-              <a:t> </a:t>
-            </a:r>
-            <a:r>
-              <a:rPr lang="en-US" dirty="0" err="1"/>
-              <a:t>mới</a:t>
-            </a:r>
-            <a:r>
-              <a:rPr lang="en-US" dirty="0"/>
-              <a:t>, </a:t>
-            </a:r>
-            <a:r>
-              <a:rPr lang="en-US" dirty="0" err="1"/>
-              <a:t>đặc</a:t>
-            </a:r>
-            <a:r>
-              <a:rPr lang="en-US" dirty="0"/>
-              <a:t> </a:t>
-            </a:r>
-            <a:r>
-              <a:rPr lang="en-US" dirty="0" err="1"/>
-              <a:t>biệt</a:t>
-            </a:r>
-            <a:r>
-              <a:rPr lang="en-US" dirty="0"/>
-              <a:t> </a:t>
-            </a:r>
-            <a:r>
-              <a:rPr lang="en-US" dirty="0" err="1"/>
-              <a:t>là</a:t>
-            </a:r>
-            <a:r>
-              <a:rPr lang="en-US" dirty="0"/>
-              <a:t> </a:t>
-            </a:r>
-            <a:r>
-              <a:rPr lang="en-US" dirty="0" err="1"/>
-              <a:t>mật</a:t>
-            </a:r>
-            <a:r>
-              <a:rPr lang="en-US" dirty="0"/>
-              <a:t> </a:t>
-            </a:r>
-            <a:r>
-              <a:rPr lang="en-US" dirty="0" err="1"/>
-              <a:t>mã</a:t>
-            </a:r>
-            <a:r>
-              <a:rPr lang="en-US" dirty="0"/>
-              <a:t> </a:t>
-            </a:r>
-            <a:r>
-              <a:rPr lang="en-US" dirty="0" err="1"/>
-              <a:t>hậu</a:t>
-            </a:r>
-            <a:r>
-              <a:rPr lang="en-US" dirty="0"/>
-              <a:t> </a:t>
-            </a:r>
-            <a:r>
-              <a:rPr lang="en-US" dirty="0" err="1"/>
-              <a:t>lượng</a:t>
-            </a:r>
-            <a:r>
-              <a:rPr lang="en-US" dirty="0"/>
-              <a:t> </a:t>
-            </a:r>
-            <a:r>
-              <a:rPr lang="en-US" dirty="0" err="1"/>
-              <a:t>tử</a:t>
-            </a:r>
-            <a:r>
-              <a:rPr lang="en-US" dirty="0"/>
-              <a:t>.</a:t>
-            </a:r>
-          </a:p>
-        </p:txBody>
-      </p:sp>
-    </p:spTree>
-    <p:extLst>
-      <p:ext uri="{BB962C8B-B14F-4D97-AF65-F5344CB8AC3E}">
-        <p14:creationId xmlns:p14="http://schemas.microsoft.com/office/powerpoint/2010/main" val="2805422325"/>
-      </p:ext>
-    </p:extLst>
-  </p:cSld>
-  <p:clrMapOvr>
-    <a:masterClrMapping/>
-  </p:clrMapOvr>
-</p:sld>
-</file>
-
-<file path=ppt/slides/slide16.xml><?xml version="1.0" encoding="utf-8"?>
-<p:sld xmlns:a="http://schemas.openxmlformats.org/drawingml/2006/main" xmlns:r="http://schemas.openxmlformats.org/officeDocument/2006/relationships" xmlns:p="http://schemas.openxmlformats.org/presentationml/2006/main">
-  <p:cSld>
-    <p:spTree>
-      <p:nvGrpSpPr>
-        <p:cNvPr id="1" name=""/>
-        <p:cNvGrpSpPr/>
-        <p:nvPr/>
-      </p:nvGrpSpPr>
-      <p:grpSpPr>
-        <a:xfrm>
-          <a:off x="0" y="0"/>
-          <a:ext cx="0" cy="0"/>
-          <a:chOff x="0" y="0"/>
-          <a:chExt cx="0" cy="0"/>
-        </a:xfrm>
-      </p:grpSpPr>
-      <p:sp>
-        <p:nvSpPr>
-          <p:cNvPr id="2" name="Title 1">
-            <a:extLst>
-              <a:ext uri="{FF2B5EF4-FFF2-40B4-BE49-F238E27FC236}">
-                <a16:creationId xmlns:a16="http://schemas.microsoft.com/office/drawing/2014/main" id="{E9A15A89-CD67-D4A0-B52B-738FC7656470}"/>
-              </a:ext>
-            </a:extLst>
-          </p:cNvPr>
-          <p:cNvSpPr>
-            <a:spLocks noGrp="1"/>
-          </p:cNvSpPr>
-          <p:nvPr>
-            <p:ph type="title"/>
-          </p:nvPr>
-        </p:nvSpPr>
-        <p:spPr>
-          <a:xfrm>
-            <a:off x="0" y="500062"/>
-            <a:ext cx="10515600" cy="1325563"/>
-          </a:xfrm>
-        </p:spPr>
-        <p:txBody>
-          <a:bodyPr/>
-          <a:lstStyle/>
-          <a:p>
-            <a:r>
-              <a:rPr lang="en-US" dirty="0" err="1"/>
-              <a:t>Kết</a:t>
-            </a:r>
-            <a:r>
-              <a:rPr lang="en-US" dirty="0"/>
-              <a:t> </a:t>
-            </a:r>
-            <a:r>
-              <a:rPr lang="en-US" dirty="0" err="1"/>
-              <a:t>luận</a:t>
-            </a:r>
-            <a:endParaRPr lang="en-US" dirty="0"/>
-          </a:p>
-        </p:txBody>
-      </p:sp>
-      <p:sp>
-        <p:nvSpPr>
-          <p:cNvPr id="3" name="Content Placeholder 2">
-            <a:extLst>
-              <a:ext uri="{FF2B5EF4-FFF2-40B4-BE49-F238E27FC236}">
-                <a16:creationId xmlns:a16="http://schemas.microsoft.com/office/drawing/2014/main" id="{A06EC9D7-4EE0-2023-7142-B54AFCC3B08C}"/>
-              </a:ext>
-            </a:extLst>
-          </p:cNvPr>
-          <p:cNvSpPr>
-            <a:spLocks noGrp="1"/>
-          </p:cNvSpPr>
-          <p:nvPr>
-            <p:ph idx="1"/>
-          </p:nvPr>
-        </p:nvSpPr>
-        <p:spPr>
-          <a:xfrm>
-            <a:off x="0" y="1825625"/>
-            <a:ext cx="10515600" cy="4351338"/>
-          </a:xfrm>
-        </p:spPr>
-        <p:txBody>
-          <a:bodyPr/>
-          <a:lstStyle/>
-          <a:p>
-            <a:r>
-              <a:rPr lang="en-US" dirty="0"/>
-              <a:t>- RSA </a:t>
-            </a:r>
-            <a:r>
-              <a:rPr lang="en-US" dirty="0" err="1"/>
-              <a:t>vẫn</a:t>
-            </a:r>
-            <a:r>
-              <a:rPr lang="en-US" dirty="0"/>
-              <a:t> an </a:t>
-            </a:r>
-            <a:r>
-              <a:rPr lang="en-US" dirty="0" err="1"/>
-              <a:t>toàn</a:t>
-            </a:r>
-            <a:r>
-              <a:rPr lang="en-US" dirty="0"/>
-              <a:t> </a:t>
-            </a:r>
-            <a:r>
-              <a:rPr lang="en-US" dirty="0" err="1"/>
-              <a:t>nếu</a:t>
-            </a:r>
-            <a:r>
-              <a:rPr lang="en-US" dirty="0"/>
-              <a:t> </a:t>
-            </a:r>
-            <a:r>
-              <a:rPr lang="en-US" dirty="0" err="1"/>
-              <a:t>triển</a:t>
-            </a:r>
-            <a:r>
-              <a:rPr lang="en-US" dirty="0"/>
-              <a:t> </a:t>
-            </a:r>
-            <a:r>
-              <a:rPr lang="en-US" dirty="0" err="1"/>
-              <a:t>khai</a:t>
-            </a:r>
-            <a:r>
-              <a:rPr lang="en-US" dirty="0"/>
-              <a:t> </a:t>
-            </a:r>
-            <a:r>
-              <a:rPr lang="en-US" dirty="0" err="1"/>
-              <a:t>chuẩn</a:t>
-            </a:r>
-            <a:r>
-              <a:rPr lang="en-US" dirty="0"/>
-              <a:t>, </a:t>
-            </a:r>
-            <a:r>
-              <a:rPr lang="en-US" dirty="0" err="1"/>
-              <a:t>đầy</a:t>
-            </a:r>
-            <a:r>
-              <a:rPr lang="en-US" dirty="0"/>
-              <a:t> </a:t>
-            </a:r>
-            <a:r>
-              <a:rPr lang="en-US" dirty="0" err="1"/>
-              <a:t>đủ</a:t>
-            </a:r>
-            <a:endParaRPr lang="en-US" dirty="0"/>
-          </a:p>
-          <a:p>
-            <a:r>
-              <a:rPr lang="en-US" dirty="0"/>
-              <a:t>- </a:t>
-            </a:r>
-          </a:p>
-        </p:txBody>
-      </p:sp>
-    </p:spTree>
-    <p:extLst>
-      <p:ext uri="{BB962C8B-B14F-4D97-AF65-F5344CB8AC3E}">
-        <p14:creationId xmlns:p14="http://schemas.microsoft.com/office/powerpoint/2010/main" val="787413550"/>
-      </p:ext>
-    </p:extLst>
-  </p:cSld>
-  <p:clrMapOvr>
-    <a:masterClrMapping/>
-  </p:clrMapOvr>
-</p:sld>
-</file>
-
-<file path=ppt/slides/slide2.xml><?xml version="1.0" encoding="utf-8"?>
-<p:sld xmlns:a="http://schemas.openxmlformats.org/drawingml/2006/main" xmlns:r="http://schemas.openxmlformats.org/officeDocument/2006/relationships" xmlns:p="http://schemas.openxmlformats.org/presentationml/2006/main">
-  <p:cSld>
-    <p:spTree>
-      <p:nvGrpSpPr>
-        <p:cNvPr id="1" name=""/>
-        <p:cNvGrpSpPr/>
-        <p:nvPr/>
-      </p:nvGrpSpPr>
-      <p:grpSpPr>
-        <a:xfrm>
-          <a:off x="0" y="0"/>
-          <a:ext cx="0" cy="0"/>
-          <a:chOff x="0" y="0"/>
-          <a:chExt cx="0" cy="0"/>
-        </a:xfrm>
-      </p:grpSpPr>
-      <p:sp>
-        <p:nvSpPr>
-          <p:cNvPr id="2" name="Title 1">
-            <a:extLst>
-              <a:ext uri="{FF2B5EF4-FFF2-40B4-BE49-F238E27FC236}">
-                <a16:creationId xmlns:a16="http://schemas.microsoft.com/office/drawing/2014/main" id="{5463F865-B938-0204-A786-4DFC29D08F36}"/>
-              </a:ext>
-            </a:extLst>
-          </p:cNvPr>
-          <p:cNvSpPr>
-            <a:spLocks noGrp="1"/>
-          </p:cNvSpPr>
-          <p:nvPr>
-            <p:ph type="title"/>
-          </p:nvPr>
-        </p:nvSpPr>
-        <p:spPr>
-          <a:xfrm>
-            <a:off x="0" y="353413"/>
-            <a:ext cx="10515600" cy="1325563"/>
-          </a:xfrm>
-        </p:spPr>
-        <p:txBody>
-          <a:bodyPr/>
-          <a:lstStyle/>
-          <a:p>
-            <a:r>
-              <a:rPr lang="en-US" dirty="0"/>
-              <a:t>1. </a:t>
-            </a:r>
-            <a:r>
-              <a:rPr lang="en-US" dirty="0" err="1"/>
-              <a:t>Bối</a:t>
-            </a:r>
-            <a:r>
-              <a:rPr lang="en-US" dirty="0"/>
-              <a:t> </a:t>
-            </a:r>
-            <a:r>
-              <a:rPr lang="en-US" dirty="0" err="1"/>
-              <a:t>cảnh</a:t>
-            </a:r>
-            <a:endParaRPr lang="en-US" dirty="0"/>
-          </a:p>
-        </p:txBody>
-      </p:sp>
-      <p:sp>
-        <p:nvSpPr>
-          <p:cNvPr id="3" name="Content Placeholder 2">
-            <a:extLst>
-              <a:ext uri="{FF2B5EF4-FFF2-40B4-BE49-F238E27FC236}">
-                <a16:creationId xmlns:a16="http://schemas.microsoft.com/office/drawing/2014/main" id="{83D87684-54E6-6F24-93FC-5F8A1EE2801B}"/>
-              </a:ext>
-            </a:extLst>
-          </p:cNvPr>
-          <p:cNvSpPr>
-            <a:spLocks noGrp="1"/>
-          </p:cNvSpPr>
-          <p:nvPr>
-            <p:ph idx="1"/>
-          </p:nvPr>
-        </p:nvSpPr>
-        <p:spPr>
-          <a:xfrm>
-            <a:off x="87702" y="1747987"/>
-            <a:ext cx="10515600" cy="4351338"/>
-          </a:xfrm>
-        </p:spPr>
-        <p:txBody>
-          <a:bodyPr/>
-          <a:lstStyle/>
-          <a:p>
-            <a:r>
-              <a:rPr lang="en-US" dirty="0"/>
-              <a:t>RSA </a:t>
-            </a:r>
-            <a:r>
-              <a:rPr lang="en-US" dirty="0" err="1"/>
-              <a:t>là</a:t>
-            </a:r>
-            <a:r>
-              <a:rPr lang="en-US" dirty="0"/>
-              <a:t> </a:t>
-            </a:r>
-            <a:r>
-              <a:rPr lang="en-US" dirty="0" err="1"/>
-              <a:t>thuật</a:t>
-            </a:r>
-            <a:r>
-              <a:rPr lang="en-US" dirty="0"/>
-              <a:t> </a:t>
-            </a:r>
-            <a:r>
-              <a:rPr lang="en-US" dirty="0" err="1"/>
-              <a:t>toán</a:t>
-            </a:r>
-            <a:r>
-              <a:rPr lang="en-US" dirty="0"/>
-              <a:t> </a:t>
-            </a:r>
-            <a:r>
-              <a:rPr lang="en-US" dirty="0" err="1"/>
-              <a:t>mã</a:t>
-            </a:r>
-            <a:r>
-              <a:rPr lang="en-US" dirty="0"/>
-              <a:t> </a:t>
-            </a:r>
-            <a:r>
-              <a:rPr lang="en-US" dirty="0" err="1"/>
-              <a:t>hóa</a:t>
-            </a:r>
-            <a:r>
-              <a:rPr lang="en-US" dirty="0"/>
-              <a:t> </a:t>
-            </a:r>
-            <a:r>
-              <a:rPr lang="en-US" dirty="0" err="1"/>
-              <a:t>được</a:t>
-            </a:r>
-            <a:r>
-              <a:rPr lang="en-US" dirty="0"/>
-              <a:t> </a:t>
-            </a:r>
-            <a:r>
-              <a:rPr lang="en-US" dirty="0" err="1"/>
-              <a:t>sử</a:t>
-            </a:r>
-            <a:r>
-              <a:rPr lang="en-US" dirty="0"/>
-              <a:t> </a:t>
-            </a:r>
-            <a:r>
-              <a:rPr lang="en-US" dirty="0" err="1"/>
-              <a:t>dụng</a:t>
-            </a:r>
-            <a:r>
-              <a:rPr lang="en-US" dirty="0"/>
-              <a:t> </a:t>
-            </a:r>
-            <a:r>
-              <a:rPr lang="en-US" dirty="0" err="1"/>
-              <a:t>rộng</a:t>
-            </a:r>
-            <a:r>
-              <a:rPr lang="en-US" dirty="0"/>
-              <a:t> </a:t>
-            </a:r>
-            <a:r>
-              <a:rPr lang="en-US" dirty="0" err="1"/>
-              <a:t>rãi</a:t>
-            </a:r>
-            <a:r>
-              <a:rPr lang="en-US" dirty="0"/>
-              <a:t> ở </a:t>
-            </a:r>
-            <a:r>
-              <a:rPr lang="en-US" dirty="0" err="1"/>
-              <a:t>nhiều</a:t>
-            </a:r>
-            <a:r>
-              <a:rPr lang="en-US" dirty="0"/>
-              <a:t> </a:t>
-            </a:r>
-            <a:r>
-              <a:rPr lang="en-US" dirty="0" err="1"/>
-              <a:t>công</a:t>
-            </a:r>
-            <a:r>
-              <a:rPr lang="en-US" dirty="0"/>
-              <a:t> </a:t>
-            </a:r>
-            <a:r>
-              <a:rPr lang="en-US" dirty="0" err="1"/>
-              <a:t>nghệ</a:t>
-            </a:r>
-            <a:r>
-              <a:rPr lang="en-US" dirty="0"/>
-              <a:t>:</a:t>
-            </a:r>
-          </a:p>
-          <a:p>
-            <a:pPr>
-              <a:buFontTx/>
-              <a:buChar char="-"/>
-            </a:pPr>
-            <a:r>
-              <a:rPr lang="en-US" dirty="0"/>
-              <a:t>Giao </a:t>
-            </a:r>
-            <a:r>
-              <a:rPr lang="en-US" dirty="0" err="1"/>
-              <a:t>thức</a:t>
-            </a:r>
-            <a:r>
-              <a:rPr lang="en-US" dirty="0"/>
-              <a:t> </a:t>
-            </a:r>
-            <a:r>
-              <a:rPr lang="en-US" dirty="0" err="1"/>
-              <a:t>mạng</a:t>
-            </a:r>
-            <a:r>
-              <a:rPr lang="en-US" dirty="0"/>
-              <a:t> </a:t>
-            </a:r>
-            <a:r>
-              <a:rPr lang="en-US" dirty="0" err="1"/>
-              <a:t>như</a:t>
-            </a:r>
-            <a:r>
-              <a:rPr lang="en-US" dirty="0"/>
-              <a:t> SSL/TLS, SSH, …</a:t>
-            </a:r>
-          </a:p>
-          <a:p>
-            <a:pPr>
-              <a:buFontTx/>
-              <a:buChar char="-"/>
-            </a:pPr>
-            <a:r>
-              <a:rPr lang="en-US" dirty="0" err="1"/>
-              <a:t>Dịch</a:t>
-            </a:r>
-            <a:r>
-              <a:rPr lang="en-US" dirty="0"/>
-              <a:t> </a:t>
-            </a:r>
-            <a:r>
-              <a:rPr lang="en-US" dirty="0" err="1"/>
-              <a:t>vụ</a:t>
-            </a:r>
-            <a:r>
-              <a:rPr lang="en-US" dirty="0"/>
-              <a:t> VPN</a:t>
-            </a:r>
-          </a:p>
-          <a:p>
-            <a:pPr>
-              <a:buFontTx/>
-              <a:buChar char="-"/>
-            </a:pPr>
-            <a:r>
-              <a:rPr lang="en-US" dirty="0"/>
-              <a:t>Smart Cards, </a:t>
-            </a:r>
-            <a:r>
-              <a:rPr lang="en-US" dirty="0" err="1"/>
-              <a:t>các</a:t>
-            </a:r>
-            <a:r>
-              <a:rPr lang="en-US" dirty="0"/>
-              <a:t> </a:t>
-            </a:r>
-            <a:r>
-              <a:rPr lang="en-US" dirty="0" err="1"/>
-              <a:t>thiết</a:t>
-            </a:r>
-            <a:r>
-              <a:rPr lang="en-US" dirty="0"/>
-              <a:t> </a:t>
-            </a:r>
-            <a:r>
-              <a:rPr lang="en-US" dirty="0" err="1"/>
-              <a:t>bị</a:t>
-            </a:r>
-            <a:r>
-              <a:rPr lang="en-US" dirty="0"/>
-              <a:t> IoT</a:t>
-            </a:r>
-          </a:p>
-          <a:p>
-            <a:r>
-              <a:rPr lang="en-US" dirty="0" err="1"/>
-              <a:t>Vấn</a:t>
-            </a:r>
-            <a:r>
-              <a:rPr lang="en-US" dirty="0"/>
-              <a:t> </a:t>
-            </a:r>
-            <a:r>
-              <a:rPr lang="en-US" dirty="0" err="1"/>
-              <a:t>đề</a:t>
-            </a:r>
-            <a:r>
-              <a:rPr lang="en-US" dirty="0"/>
-              <a:t>: </a:t>
-            </a:r>
-            <a:r>
-              <a:rPr lang="en-US" dirty="0" err="1"/>
-              <a:t>tuy</a:t>
-            </a:r>
-            <a:r>
-              <a:rPr lang="en-US" dirty="0"/>
-              <a:t> </a:t>
-            </a:r>
-            <a:r>
-              <a:rPr lang="en-US" dirty="0" err="1"/>
-              <a:t>phổ</a:t>
-            </a:r>
-            <a:r>
-              <a:rPr lang="en-US" dirty="0"/>
-              <a:t> </a:t>
-            </a:r>
-            <a:r>
-              <a:rPr lang="en-US" dirty="0" err="1"/>
-              <a:t>biến</a:t>
-            </a:r>
-            <a:r>
-              <a:rPr lang="en-US" dirty="0"/>
-              <a:t>, RSA </a:t>
-            </a:r>
-            <a:r>
-              <a:rPr lang="en-US" dirty="0" err="1"/>
-              <a:t>vẫn</a:t>
-            </a:r>
-            <a:r>
-              <a:rPr lang="en-US" dirty="0"/>
-              <a:t> </a:t>
-            </a:r>
-            <a:r>
-              <a:rPr lang="en-US" dirty="0" err="1"/>
-              <a:t>tiềm</a:t>
-            </a:r>
-            <a:r>
-              <a:rPr lang="en-US" dirty="0"/>
-              <a:t> </a:t>
-            </a:r>
-            <a:r>
-              <a:rPr lang="en-US" dirty="0" err="1"/>
-              <a:t>ẩn</a:t>
-            </a:r>
-            <a:r>
-              <a:rPr lang="en-US" dirty="0"/>
-              <a:t> </a:t>
-            </a:r>
-            <a:r>
-              <a:rPr lang="en-US" dirty="0" err="1"/>
-              <a:t>rủi</a:t>
-            </a:r>
-            <a:r>
-              <a:rPr lang="en-US" dirty="0"/>
-              <a:t> </a:t>
-            </a:r>
-            <a:r>
-              <a:rPr lang="en-US" dirty="0" err="1"/>
-              <a:t>ro</a:t>
-            </a:r>
-            <a:r>
-              <a:rPr lang="en-US" dirty="0"/>
-              <a:t> </a:t>
-            </a:r>
-            <a:r>
-              <a:rPr lang="en-US" dirty="0" err="1"/>
-              <a:t>cao</a:t>
-            </a:r>
-            <a:r>
-              <a:rPr lang="en-US" dirty="0"/>
-              <a:t> </a:t>
-            </a:r>
-            <a:r>
-              <a:rPr lang="en-US" dirty="0" err="1"/>
-              <a:t>nếu</a:t>
-            </a:r>
-            <a:r>
-              <a:rPr lang="en-US" dirty="0"/>
-              <a:t> </a:t>
-            </a:r>
-            <a:r>
-              <a:rPr lang="en-US" dirty="0" err="1"/>
-              <a:t>triển</a:t>
-            </a:r>
-            <a:r>
-              <a:rPr lang="en-US" dirty="0"/>
-              <a:t> </a:t>
-            </a:r>
-            <a:r>
-              <a:rPr lang="en-US" dirty="0" err="1"/>
-              <a:t>khai</a:t>
-            </a:r>
-            <a:r>
-              <a:rPr lang="en-US" dirty="0"/>
-              <a:t> </a:t>
-            </a:r>
-            <a:r>
-              <a:rPr lang="en-US" dirty="0" err="1"/>
-              <a:t>sai</a:t>
-            </a:r>
-            <a:r>
-              <a:rPr lang="en-US" dirty="0"/>
-              <a:t> </a:t>
-            </a:r>
-            <a:r>
-              <a:rPr lang="en-US" dirty="0" err="1"/>
-              <a:t>hoặc</a:t>
-            </a:r>
-            <a:r>
-              <a:rPr lang="en-US" dirty="0"/>
-              <a:t> </a:t>
-            </a:r>
-            <a:r>
-              <a:rPr lang="en-US" dirty="0" err="1"/>
-              <a:t>tham</a:t>
-            </a:r>
-            <a:r>
-              <a:rPr lang="en-US" dirty="0"/>
-              <a:t> </a:t>
-            </a:r>
-            <a:r>
-              <a:rPr lang="en-US" dirty="0" err="1"/>
-              <a:t>số</a:t>
-            </a:r>
-            <a:r>
-              <a:rPr lang="en-US" dirty="0"/>
-              <a:t> </a:t>
-            </a:r>
-            <a:r>
-              <a:rPr lang="en-US" dirty="0" err="1"/>
-              <a:t>đầu</a:t>
-            </a:r>
-            <a:r>
-              <a:rPr lang="en-US" dirty="0"/>
-              <a:t> </a:t>
-            </a:r>
-            <a:r>
-              <a:rPr lang="en-US" dirty="0" err="1"/>
-              <a:t>vào</a:t>
-            </a:r>
-            <a:r>
-              <a:rPr lang="en-US" dirty="0"/>
-              <a:t> </a:t>
-            </a:r>
-            <a:r>
-              <a:rPr lang="en-US" dirty="0" err="1"/>
-              <a:t>không</a:t>
-            </a:r>
-            <a:r>
-              <a:rPr lang="en-US" dirty="0"/>
-              <a:t> </a:t>
-            </a:r>
-            <a:r>
-              <a:rPr lang="en-US" dirty="0" err="1"/>
-              <a:t>đạt</a:t>
-            </a:r>
-            <a:r>
-              <a:rPr lang="en-US" dirty="0"/>
-              <a:t> </a:t>
-            </a:r>
-            <a:r>
-              <a:rPr lang="en-US" dirty="0" err="1"/>
-              <a:t>chuẩn</a:t>
-            </a:r>
-            <a:r>
-              <a:rPr lang="en-US" dirty="0"/>
-              <a:t>.</a:t>
-            </a:r>
-          </a:p>
-          <a:p>
-            <a:endParaRPr lang="en-US" dirty="0"/>
-          </a:p>
-        </p:txBody>
-      </p:sp>
-    </p:spTree>
-    <p:extLst>
-      <p:ext uri="{BB962C8B-B14F-4D97-AF65-F5344CB8AC3E}">
-        <p14:creationId xmlns:p14="http://schemas.microsoft.com/office/powerpoint/2010/main" val="4165499216"/>
       </p:ext>
     </p:extLst>
   </p:cSld>
@@ -10733,7 +16331,7 @@
         </p:spPr>
         <p:txBody>
           <a:bodyPr>
-            <a:normAutofit/>
+            <a:normAutofit fontScale="92500"/>
           </a:bodyPr>
           <a:lstStyle/>
           <a:p>
@@ -10746,7 +16344,51 @@
             </a:pPr>
             <a:r>
               <a:rPr lang="vi-VN" sz="2800" dirty="0"/>
-              <a:t>Giả thuyết: Các vụ compromise thực tế thường xảy ra do: xử lý padding không an toàn (PKCS#1 v1.5), RNG yếu tạo primes dễ đoán, misuse của small exponent. Việc chuyển sang RSASSA-PSS, áp dụng kích thước khóa lớn (≥ 3072bit), sử dụng HSM và library thực hiện constant-time sẽ giảm đáng kể rủi ro.</a:t>
+              <a:t>Giả thuyết: Các vụ compromise thực tế thường xảy ra do: xử lý padding không an toàn (PKCS#1 v1.5), RNG yếu tạo primes dễ đoán, misuse của small exponent. Việc chuyển sang RSASSA-PSS</a:t>
+            </a:r>
+            <a:r>
+              <a:rPr lang="en-US" sz="2800" dirty="0"/>
+              <a:t> </a:t>
+            </a:r>
+            <a:r>
+              <a:rPr lang="en-US" sz="2800" dirty="0" err="1"/>
+              <a:t>để</a:t>
+            </a:r>
+            <a:r>
+              <a:rPr lang="en-US" sz="2800" dirty="0"/>
+              <a:t> </a:t>
+            </a:r>
+            <a:r>
+              <a:rPr lang="en-US" sz="2800" dirty="0" err="1"/>
+              <a:t>kí</a:t>
+            </a:r>
+            <a:r>
+              <a:rPr lang="en-US" sz="2800" dirty="0"/>
+              <a:t>, RSA-OAEP </a:t>
+            </a:r>
+            <a:r>
+              <a:rPr lang="en-US" sz="2800" dirty="0" err="1"/>
+              <a:t>để</a:t>
+            </a:r>
+            <a:r>
+              <a:rPr lang="en-US" sz="2800" dirty="0"/>
+              <a:t> </a:t>
+            </a:r>
+            <a:r>
+              <a:rPr lang="en-US" sz="2800" dirty="0" err="1"/>
+              <a:t>mã</a:t>
+            </a:r>
+            <a:r>
+              <a:rPr lang="en-US" sz="2800" dirty="0"/>
+              <a:t> </a:t>
+            </a:r>
+            <a:r>
+              <a:rPr lang="en-US" sz="2800" dirty="0" err="1"/>
+              <a:t>hóa</a:t>
+            </a:r>
+            <a:r>
+              <a:rPr lang="vi-VN" sz="2800" dirty="0"/>
+              <a:t>, áp dụng kích thước khóa lớn (≥ 3072bit), sử dụng HSM và library thực hiện constant-time sẽ giảm đáng kể rủi ro.</a:t>
             </a:r>
             <a:endParaRPr lang="en-US" sz="2800" dirty="0"/>
           </a:p>
@@ -10862,7 +16504,7 @@
         </p:nvSpPr>
         <p:spPr>
           <a:xfrm>
-            <a:off x="0" y="1696230"/>
+            <a:off x="0" y="1851505"/>
             <a:ext cx="10515600" cy="2461703"/>
           </a:xfrm>
         </p:spPr>
@@ -11116,7 +16758,7 @@
         </p:nvSpPr>
         <p:spPr>
           <a:xfrm>
-            <a:off x="0" y="1704855"/>
+            <a:off x="86264" y="1894636"/>
             <a:ext cx="10515600" cy="4351338"/>
           </a:xfrm>
         </p:spPr>
@@ -11132,7 +16774,7 @@
             </a:pPr>
             <a:r>
               <a:rPr lang="en-US" sz="2800" dirty="0"/>
-              <a:t>Attack A — </a:t>
+              <a:t> Attack A — </a:t>
             </a:r>
             <a:r>
               <a:rPr lang="en-US" sz="2800" dirty="0" err="1"/>
@@ -11254,7 +16896,7 @@
             </a:pPr>
             <a:r>
               <a:rPr lang="en-US" sz="2800" dirty="0"/>
-              <a:t>Attack B — Timing attack: </a:t>
+              <a:t> Attack B — Timing attack: </a:t>
             </a:r>
             <a:r>
               <a:rPr lang="en-US" sz="2800" dirty="0" err="1"/>
@@ -11344,7 +16986,7 @@
             </a:pPr>
             <a:r>
               <a:rPr lang="en-US" sz="2800" dirty="0"/>
-              <a:t>Attack C — Wiener / low-d: </a:t>
+              <a:t> Attack C — Wiener / low-d: </a:t>
             </a:r>
             <a:r>
               <a:rPr lang="en-US" sz="2800" dirty="0" err="1"/>

--- a/Cryptanalysis on Asymmetric Ciphers — RSA & RSA.pptx
+++ b/Cryptanalysis on Asymmetric Ciphers — RSA & RSA.pptx
@@ -24,14 +24,17 @@
     <p:sldId id="272" r:id="rId21"/>
     <p:sldId id="273" r:id="rId22"/>
     <p:sldId id="279" r:id="rId23"/>
-    <p:sldId id="280" r:id="rId24"/>
-    <p:sldId id="281" r:id="rId25"/>
-    <p:sldId id="286" r:id="rId26"/>
-    <p:sldId id="271" r:id="rId27"/>
-    <p:sldId id="283" r:id="rId28"/>
-    <p:sldId id="284" r:id="rId29"/>
-    <p:sldId id="259" r:id="rId30"/>
-    <p:sldId id="264" r:id="rId31"/>
+    <p:sldId id="287" r:id="rId24"/>
+    <p:sldId id="289" r:id="rId25"/>
+    <p:sldId id="288" r:id="rId26"/>
+    <p:sldId id="280" r:id="rId27"/>
+    <p:sldId id="281" r:id="rId28"/>
+    <p:sldId id="286" r:id="rId29"/>
+    <p:sldId id="271" r:id="rId30"/>
+    <p:sldId id="283" r:id="rId31"/>
+    <p:sldId id="284" r:id="rId32"/>
+    <p:sldId id="259" r:id="rId33"/>
+    <p:sldId id="264" r:id="rId34"/>
   </p:sldIdLst>
   <p:sldSz cx="12192000" cy="6858000"/>
   <p:notesSz cx="6858000" cy="9144000"/>
@@ -364,7 +367,7 @@
           <a:p>
             <a:fld id="{E1525300-05E8-4D28-85DB-000DB90F5912}" type="datetimeFigureOut">
               <a:rPr lang="en-US" smtClean="0"/>
-              <a:t>12/27/2025</a:t>
+              <a:t>12/28/2025</a:t>
             </a:fld>
             <a:endParaRPr lang="en-US"/>
           </a:p>
@@ -572,7 +575,7 @@
           <a:p>
             <a:fld id="{E1525300-05E8-4D28-85DB-000DB90F5912}" type="datetimeFigureOut">
               <a:rPr lang="en-US" smtClean="0"/>
-              <a:t>12/27/2025</a:t>
+              <a:t>12/28/2025</a:t>
             </a:fld>
             <a:endParaRPr lang="en-US"/>
           </a:p>
@@ -828,7 +831,7 @@
           <a:p>
             <a:fld id="{E1525300-05E8-4D28-85DB-000DB90F5912}" type="datetimeFigureOut">
               <a:rPr lang="en-US" smtClean="0"/>
-              <a:t>12/27/2025</a:t>
+              <a:t>12/28/2025</a:t>
             </a:fld>
             <a:endParaRPr lang="en-US"/>
           </a:p>
@@ -1002,7 +1005,7 @@
           <a:p>
             <a:fld id="{E1525300-05E8-4D28-85DB-000DB90F5912}" type="datetimeFigureOut">
               <a:rPr lang="en-US" smtClean="0"/>
-              <a:t>12/27/2025</a:t>
+              <a:t>12/28/2025</a:t>
             </a:fld>
             <a:endParaRPr lang="en-US"/>
           </a:p>
@@ -1345,7 +1348,7 @@
           <a:p>
             <a:fld id="{E1525300-05E8-4D28-85DB-000DB90F5912}" type="datetimeFigureOut">
               <a:rPr lang="en-US" smtClean="0"/>
-              <a:t>12/27/2025</a:t>
+              <a:t>12/28/2025</a:t>
             </a:fld>
             <a:endParaRPr lang="en-US"/>
           </a:p>
@@ -1620,7 +1623,7 @@
           <a:p>
             <a:fld id="{E1525300-05E8-4D28-85DB-000DB90F5912}" type="datetimeFigureOut">
               <a:rPr lang="en-US" smtClean="0"/>
-              <a:t>12/27/2025</a:t>
+              <a:t>12/28/2025</a:t>
             </a:fld>
             <a:endParaRPr lang="en-US"/>
           </a:p>
@@ -1999,7 +2002,7 @@
           <a:p>
             <a:fld id="{E1525300-05E8-4D28-85DB-000DB90F5912}" type="datetimeFigureOut">
               <a:rPr lang="en-US" smtClean="0"/>
-              <a:t>12/27/2025</a:t>
+              <a:t>12/28/2025</a:t>
             </a:fld>
             <a:endParaRPr lang="en-US"/>
           </a:p>
@@ -2117,7 +2120,7 @@
           <a:p>
             <a:fld id="{E1525300-05E8-4D28-85DB-000DB90F5912}" type="datetimeFigureOut">
               <a:rPr lang="en-US" smtClean="0"/>
-              <a:t>12/27/2025</a:t>
+              <a:t>12/28/2025</a:t>
             </a:fld>
             <a:endParaRPr lang="en-US"/>
           </a:p>
@@ -2288,7 +2291,7 @@
           <a:p>
             <a:fld id="{E1525300-05E8-4D28-85DB-000DB90F5912}" type="datetimeFigureOut">
               <a:rPr lang="en-US" smtClean="0"/>
-              <a:t>12/27/2025</a:t>
+              <a:t>12/28/2025</a:t>
             </a:fld>
             <a:endParaRPr lang="en-US"/>
           </a:p>
@@ -2642,7 +2645,7 @@
           <a:p>
             <a:fld id="{E1525300-05E8-4D28-85DB-000DB90F5912}" type="datetimeFigureOut">
               <a:rPr lang="en-US" smtClean="0"/>
-              <a:t>12/27/2025</a:t>
+              <a:t>12/28/2025</a:t>
             </a:fld>
             <a:endParaRPr lang="en-US"/>
           </a:p>
@@ -3024,7 +3027,7 @@
           <a:p>
             <a:fld id="{E1525300-05E8-4D28-85DB-000DB90F5912}" type="datetimeFigureOut">
               <a:rPr lang="en-US" smtClean="0"/>
-              <a:t>12/27/2025</a:t>
+              <a:t>12/28/2025</a:t>
             </a:fld>
             <a:endParaRPr lang="en-US"/>
           </a:p>
@@ -3311,7 +3314,7 @@
           <a:p>
             <a:fld id="{E1525300-05E8-4D28-85DB-000DB90F5912}" type="datetimeFigureOut">
               <a:rPr lang="en-US" smtClean="0"/>
-              <a:t>12/27/2025</a:t>
+              <a:t>12/28/2025</a:t>
             </a:fld>
             <a:endParaRPr lang="en-US"/>
           </a:p>
@@ -8137,262 +8140,815 @@
           <a:p>
             <a:r>
               <a:rPr lang="en-US" dirty="0"/>
-              <a:t>Attack C – Wiener’s Attack / low d</a:t>
+              <a:t>Attack B – Timing Attack on RSA</a:t>
             </a:r>
           </a:p>
         </p:txBody>
       </p:sp>
       <p:sp>
         <p:nvSpPr>
-          <p:cNvPr id="3" name="Content Placeholder 2">
+          <p:cNvPr id="4" name="Rectangle 1">
             <a:extLst>
               <a:ext uri="{FF2B5EF4-FFF2-40B4-BE49-F238E27FC236}">
-                <a16:creationId xmlns:a16="http://schemas.microsoft.com/office/drawing/2014/main" id="{DE7A103C-824D-63E5-19B2-5C4B19B5AC17}"/>
+                <a16:creationId xmlns:a16="http://schemas.microsoft.com/office/drawing/2014/main" id="{7D77B03A-88B7-2B6F-52C8-CD9332AEBB1F}"/>
               </a:ext>
             </a:extLst>
           </p:cNvPr>
           <p:cNvSpPr>
-            <a:spLocks noGrp="1"/>
+            <a:spLocks noGrp="1" noChangeArrowheads="1"/>
           </p:cNvSpPr>
           <p:nvPr>
             <p:ph idx="1"/>
           </p:nvPr>
         </p:nvSpPr>
-        <p:spPr>
+        <p:spPr bwMode="auto">
           <a:xfrm>
-            <a:off x="0" y="1969343"/>
-            <a:ext cx="12191999" cy="3783757"/>
+            <a:off x="192405" y="1875094"/>
+            <a:ext cx="7481022" cy="2523768"/>
           </a:xfrm>
+          <a:prstGeom prst="rect">
+            <a:avLst/>
+          </a:prstGeom>
+          <a:noFill/>
+          <a:ln>
+            <a:noFill/>
+          </a:ln>
+          <a:effectLst/>
+          <a:extLst>
+            <a:ext uri="{909E8E84-426E-40DD-AFC4-6F175D3DCCD1}">
+              <a14:hiddenFill xmlns:a14="http://schemas.microsoft.com/office/drawing/2010/main">
+                <a:solidFill>
+                  <a:schemeClr val="accent1"/>
+                </a:solidFill>
+              </a14:hiddenFill>
+            </a:ext>
+            <a:ext uri="{91240B29-F687-4F45-9708-019B960494DF}">
+              <a14:hiddenLine xmlns:a14="http://schemas.microsoft.com/office/drawing/2010/main" w="9525">
+                <a:solidFill>
+                  <a:schemeClr val="tx1"/>
+                </a:solidFill>
+                <a:miter lim="800000"/>
+                <a:headEnd/>
+                <a:tailEnd/>
+              </a14:hiddenLine>
+            </a:ext>
+            <a:ext uri="{AF507438-7753-43E0-B8FC-AC1667EBCBE1}">
+              <a14:hiddenEffects xmlns:a14="http://schemas.microsoft.com/office/drawing/2010/main">
+                <a:effectLst>
+                  <a:outerShdw dist="35921" dir="2700000" algn="ctr" rotWithShape="0">
+                    <a:schemeClr val="bg2"/>
+                  </a:outerShdw>
+                </a:effectLst>
+              </a14:hiddenEffects>
+            </a:ext>
+          </a:extLst>
         </p:spPr>
         <p:txBody>
-          <a:bodyPr>
-            <a:normAutofit/>
+          <a:bodyPr vert="horz" wrap="none" lIns="91440" tIns="45720" rIns="91440" bIns="45720" numCol="1" anchor="ctr" anchorCtr="0" compatLnSpc="1">
+            <a:prstTxWarp prst="textNoShape">
+              <a:avLst/>
+            </a:prstTxWarp>
+            <a:spAutoFit/>
           </a:bodyPr>
           <a:lstStyle/>
           <a:p>
-            <a:r>
-              <a:rPr lang="en-US" sz="2800" dirty="0"/>
-              <a:t>- </a:t>
-            </a:r>
-            <a:r>
-              <a:rPr lang="en-US" sz="2800" dirty="0" err="1"/>
+            <a:pPr marL="0" marR="0" lvl="0" indent="0" algn="l" defTabSz="914400" rtl="0" eaLnBrk="0" fontAlgn="base" latinLnBrk="0" hangingPunct="0">
+              <a:lnSpc>
+                <a:spcPct val="100000"/>
+              </a:lnSpc>
+              <a:spcBef>
+                <a:spcPct val="0"/>
+              </a:spcBef>
+              <a:spcAft>
+                <a:spcPct val="0"/>
+              </a:spcAft>
+              <a:buClrTx/>
+              <a:buSzTx/>
+              <a:buFontTx/>
+              <a:buChar char="•"/>
+              <a:tabLst/>
+            </a:pPr>
+            <a:r>
+              <a:rPr kumimoji="0" lang="en-US" altLang="en-US" sz="2800" b="0" i="0" u="none" strike="noStrike" cap="none" normalizeH="0" baseline="0" dirty="0" err="1">
+                <a:ln>
+                  <a:noFill/>
+                </a:ln>
+                <a:solidFill>
+                  <a:schemeClr val="tx1"/>
+                </a:solidFill>
+                <a:effectLst/>
+                <a:latin typeface="Calibri (Body)"/>
+              </a:rPr>
+              <a:t>Loại</a:t>
+            </a:r>
+            <a:r>
+              <a:rPr kumimoji="0" lang="en-US" altLang="en-US" sz="2800" b="0" i="0" u="none" strike="noStrike" cap="none" normalizeH="0" baseline="0" dirty="0">
+                <a:ln>
+                  <a:noFill/>
+                </a:ln>
+                <a:solidFill>
+                  <a:schemeClr val="tx1"/>
+                </a:solidFill>
+                <a:effectLst/>
+                <a:latin typeface="Calibri (Body)"/>
+              </a:rPr>
+              <a:t> </a:t>
+            </a:r>
+            <a:r>
+              <a:rPr kumimoji="0" lang="en-US" altLang="en-US" sz="2800" b="0" i="0" u="none" strike="noStrike" cap="none" normalizeH="0" baseline="0" dirty="0" err="1">
+                <a:ln>
+                  <a:noFill/>
+                </a:ln>
+                <a:solidFill>
+                  <a:schemeClr val="tx1"/>
+                </a:solidFill>
+                <a:effectLst/>
+                <a:latin typeface="Calibri (Body)"/>
+              </a:rPr>
+              <a:t>tấn</a:t>
+            </a:r>
+            <a:r>
+              <a:rPr kumimoji="0" lang="en-US" altLang="en-US" sz="2800" b="0" i="0" u="none" strike="noStrike" cap="none" normalizeH="0" baseline="0" dirty="0">
+                <a:ln>
+                  <a:noFill/>
+                </a:ln>
+                <a:solidFill>
+                  <a:schemeClr val="tx1"/>
+                </a:solidFill>
+                <a:effectLst/>
+                <a:latin typeface="Calibri (Body)"/>
+              </a:rPr>
+              <a:t> </a:t>
+            </a:r>
+            <a:r>
+              <a:rPr kumimoji="0" lang="en-US" altLang="en-US" sz="2800" b="0" i="0" u="none" strike="noStrike" cap="none" normalizeH="0" baseline="0" dirty="0" err="1">
+                <a:ln>
+                  <a:noFill/>
+                </a:ln>
+                <a:solidFill>
+                  <a:schemeClr val="tx1"/>
+                </a:solidFill>
+                <a:effectLst/>
+                <a:latin typeface="Calibri (Body)"/>
+              </a:rPr>
+              <a:t>công</a:t>
+            </a:r>
+            <a:r>
+              <a:rPr kumimoji="0" lang="en-US" altLang="en-US" sz="2800" b="0" i="0" u="none" strike="noStrike" cap="none" normalizeH="0" baseline="0" dirty="0">
+                <a:ln>
+                  <a:noFill/>
+                </a:ln>
+                <a:solidFill>
+                  <a:schemeClr val="tx1"/>
+                </a:solidFill>
+                <a:effectLst/>
+                <a:latin typeface="Calibri (Body)"/>
+              </a:rPr>
+              <a:t>: </a:t>
+            </a:r>
+            <a:r>
+              <a:rPr kumimoji="0" lang="en-US" altLang="en-US" sz="2800" b="1" i="0" u="none" strike="noStrike" cap="none" normalizeH="0" baseline="0" dirty="0">
+                <a:ln>
+                  <a:noFill/>
+                </a:ln>
+                <a:solidFill>
+                  <a:schemeClr val="tx1"/>
+                </a:solidFill>
+                <a:effectLst/>
+                <a:latin typeface="Calibri (Body)"/>
+              </a:rPr>
+              <a:t>Side-channel attack</a:t>
+            </a:r>
+            <a:endParaRPr kumimoji="0" lang="en-US" altLang="en-US" sz="2800" b="0" i="0" u="none" strike="noStrike" cap="none" normalizeH="0" baseline="0" dirty="0">
+              <a:ln>
+                <a:noFill/>
+              </a:ln>
+              <a:solidFill>
+                <a:schemeClr val="tx1"/>
+              </a:solidFill>
+              <a:effectLst/>
+              <a:latin typeface="Calibri (Body)"/>
+            </a:endParaRPr>
+          </a:p>
+          <a:p>
+            <a:pPr marL="0" marR="0" lvl="0" indent="0" algn="l" defTabSz="914400" rtl="0" eaLnBrk="0" fontAlgn="base" latinLnBrk="0" hangingPunct="0">
+              <a:lnSpc>
+                <a:spcPct val="100000"/>
+              </a:lnSpc>
+              <a:spcBef>
+                <a:spcPct val="0"/>
+              </a:spcBef>
+              <a:spcAft>
+                <a:spcPct val="0"/>
+              </a:spcAft>
+              <a:buClrTx/>
+              <a:buSzTx/>
+              <a:buFontTx/>
+              <a:buChar char="•"/>
+              <a:tabLst/>
+            </a:pPr>
+            <a:r>
+              <a:rPr kumimoji="0" lang="en-US" altLang="en-US" sz="2800" b="0" i="0" u="none" strike="noStrike" cap="none" normalizeH="0" baseline="0" dirty="0" err="1">
+                <a:ln>
+                  <a:noFill/>
+                </a:ln>
+                <a:solidFill>
+                  <a:schemeClr val="tx1"/>
+                </a:solidFill>
+                <a:effectLst/>
+                <a:latin typeface="Calibri (Body)"/>
+              </a:rPr>
+              <a:t>Không</a:t>
+            </a:r>
+            <a:r>
+              <a:rPr kumimoji="0" lang="en-US" altLang="en-US" sz="2800" b="0" i="0" u="none" strike="noStrike" cap="none" normalizeH="0" baseline="0" dirty="0">
+                <a:ln>
+                  <a:noFill/>
+                </a:ln>
+                <a:solidFill>
+                  <a:schemeClr val="tx1"/>
+                </a:solidFill>
+                <a:effectLst/>
+                <a:latin typeface="Calibri (Body)"/>
+              </a:rPr>
+              <a:t> </a:t>
+            </a:r>
+            <a:r>
+              <a:rPr kumimoji="0" lang="en-US" altLang="en-US" sz="2800" b="0" i="0" u="none" strike="noStrike" cap="none" normalizeH="0" baseline="0" dirty="0" err="1">
+                <a:ln>
+                  <a:noFill/>
+                </a:ln>
+                <a:solidFill>
+                  <a:schemeClr val="tx1"/>
+                </a:solidFill>
+                <a:effectLst/>
+                <a:latin typeface="Calibri (Body)"/>
+              </a:rPr>
+              <a:t>phá</a:t>
+            </a:r>
+            <a:r>
+              <a:rPr kumimoji="0" lang="en-US" altLang="en-US" sz="2800" b="0" i="0" u="none" strike="noStrike" cap="none" normalizeH="0" baseline="0" dirty="0">
+                <a:ln>
+                  <a:noFill/>
+                </a:ln>
+                <a:solidFill>
+                  <a:schemeClr val="tx1"/>
+                </a:solidFill>
+                <a:effectLst/>
+                <a:latin typeface="Calibri (Body)"/>
+              </a:rPr>
+              <a:t> </a:t>
+            </a:r>
+            <a:r>
+              <a:rPr kumimoji="0" lang="en-US" altLang="en-US" sz="2800" b="0" i="0" u="none" strike="noStrike" cap="none" normalizeH="0" baseline="0" dirty="0" err="1">
+                <a:ln>
+                  <a:noFill/>
+                </a:ln>
+                <a:solidFill>
+                  <a:schemeClr val="tx1"/>
+                </a:solidFill>
+                <a:effectLst/>
+                <a:latin typeface="Calibri (Body)"/>
+              </a:rPr>
+              <a:t>vỡ</a:t>
+            </a:r>
+            <a:r>
+              <a:rPr kumimoji="0" lang="en-US" altLang="en-US" sz="2800" b="0" i="0" u="none" strike="noStrike" cap="none" normalizeH="0" baseline="0" dirty="0">
+                <a:ln>
+                  <a:noFill/>
+                </a:ln>
+                <a:solidFill>
+                  <a:schemeClr val="tx1"/>
+                </a:solidFill>
+                <a:effectLst/>
+                <a:latin typeface="Calibri (Body)"/>
+              </a:rPr>
+              <a:t> </a:t>
+            </a:r>
+            <a:r>
+              <a:rPr kumimoji="0" lang="en-US" altLang="en-US" sz="2800" b="0" i="0" u="none" strike="noStrike" cap="none" normalizeH="0" baseline="0" dirty="0" err="1">
+                <a:ln>
+                  <a:noFill/>
+                </a:ln>
+                <a:solidFill>
+                  <a:schemeClr val="tx1"/>
+                </a:solidFill>
+                <a:effectLst/>
+                <a:latin typeface="Calibri (Body)"/>
+              </a:rPr>
+              <a:t>giả</a:t>
+            </a:r>
+            <a:r>
+              <a:rPr kumimoji="0" lang="en-US" altLang="en-US" sz="2800" b="0" i="0" u="none" strike="noStrike" cap="none" normalizeH="0" baseline="0" dirty="0">
+                <a:ln>
+                  <a:noFill/>
+                </a:ln>
+                <a:solidFill>
+                  <a:schemeClr val="tx1"/>
+                </a:solidFill>
+                <a:effectLst/>
+                <a:latin typeface="Calibri (Body)"/>
+              </a:rPr>
+              <a:t> </a:t>
+            </a:r>
+            <a:r>
+              <a:rPr kumimoji="0" lang="en-US" altLang="en-US" sz="2800" b="0" i="0" u="none" strike="noStrike" cap="none" normalizeH="0" baseline="0" dirty="0" err="1">
+                <a:ln>
+                  <a:noFill/>
+                </a:ln>
+                <a:solidFill>
+                  <a:schemeClr val="tx1"/>
+                </a:solidFill>
+                <a:effectLst/>
+                <a:latin typeface="Calibri (Body)"/>
+              </a:rPr>
+              <a:t>định</a:t>
+            </a:r>
+            <a:r>
+              <a:rPr kumimoji="0" lang="en-US" altLang="en-US" sz="2800" b="0" i="0" u="none" strike="noStrike" cap="none" normalizeH="0" baseline="0" dirty="0">
+                <a:ln>
+                  <a:noFill/>
+                </a:ln>
+                <a:solidFill>
+                  <a:schemeClr val="tx1"/>
+                </a:solidFill>
+                <a:effectLst/>
+                <a:latin typeface="Calibri (Body)"/>
+              </a:rPr>
+              <a:t> </a:t>
+            </a:r>
+            <a:r>
+              <a:rPr kumimoji="0" lang="en-US" altLang="en-US" sz="2800" b="0" i="0" u="none" strike="noStrike" cap="none" normalizeH="0" baseline="0" dirty="0" err="1">
+                <a:ln>
+                  <a:noFill/>
+                </a:ln>
+                <a:solidFill>
+                  <a:schemeClr val="tx1"/>
+                </a:solidFill>
+                <a:effectLst/>
+                <a:latin typeface="Calibri (Body)"/>
+              </a:rPr>
+              <a:t>toán</a:t>
+            </a:r>
+            <a:r>
+              <a:rPr kumimoji="0" lang="en-US" altLang="en-US" sz="2800" b="0" i="0" u="none" strike="noStrike" cap="none" normalizeH="0" baseline="0" dirty="0">
+                <a:ln>
+                  <a:noFill/>
+                </a:ln>
+                <a:solidFill>
+                  <a:schemeClr val="tx1"/>
+                </a:solidFill>
+                <a:effectLst/>
+                <a:latin typeface="Calibri (Body)"/>
+              </a:rPr>
+              <a:t> </a:t>
+            </a:r>
+            <a:r>
+              <a:rPr kumimoji="0" lang="en-US" altLang="en-US" sz="2800" b="0" i="0" u="none" strike="noStrike" cap="none" normalizeH="0" baseline="0" dirty="0" err="1">
+                <a:ln>
+                  <a:noFill/>
+                </a:ln>
+                <a:solidFill>
+                  <a:schemeClr val="tx1"/>
+                </a:solidFill>
+                <a:effectLst/>
+                <a:latin typeface="Calibri (Body)"/>
+              </a:rPr>
+              <a:t>học</a:t>
+            </a:r>
+            <a:r>
+              <a:rPr kumimoji="0" lang="en-US" altLang="en-US" sz="2800" b="0" i="0" u="none" strike="noStrike" cap="none" normalizeH="0" baseline="0" dirty="0">
+                <a:ln>
+                  <a:noFill/>
+                </a:ln>
+                <a:solidFill>
+                  <a:schemeClr val="tx1"/>
+                </a:solidFill>
+                <a:effectLst/>
+                <a:latin typeface="Calibri (Body)"/>
+              </a:rPr>
+              <a:t> </a:t>
+            </a:r>
+            <a:r>
+              <a:rPr kumimoji="0" lang="en-US" altLang="en-US" sz="2800" b="0" i="0" u="none" strike="noStrike" cap="none" normalizeH="0" baseline="0" dirty="0" err="1">
+                <a:ln>
+                  <a:noFill/>
+                </a:ln>
+                <a:solidFill>
+                  <a:schemeClr val="tx1"/>
+                </a:solidFill>
+                <a:effectLst/>
+                <a:latin typeface="Calibri (Body)"/>
+              </a:rPr>
+              <a:t>của</a:t>
+            </a:r>
+            <a:r>
+              <a:rPr kumimoji="0" lang="en-US" altLang="en-US" sz="2800" b="0" i="0" u="none" strike="noStrike" cap="none" normalizeH="0" baseline="0" dirty="0">
+                <a:ln>
+                  <a:noFill/>
+                </a:ln>
+                <a:solidFill>
+                  <a:schemeClr val="tx1"/>
+                </a:solidFill>
+                <a:effectLst/>
+                <a:latin typeface="Calibri (Body)"/>
+              </a:rPr>
+              <a:t> RSA</a:t>
+            </a:r>
+          </a:p>
+          <a:p>
+            <a:pPr marL="0" marR="0" lvl="0" indent="0" algn="l" defTabSz="914400" rtl="0" eaLnBrk="0" fontAlgn="base" latinLnBrk="0" hangingPunct="0">
+              <a:lnSpc>
+                <a:spcPct val="100000"/>
+              </a:lnSpc>
+              <a:spcBef>
+                <a:spcPct val="0"/>
+              </a:spcBef>
+              <a:spcAft>
+                <a:spcPct val="0"/>
+              </a:spcAft>
+              <a:buClrTx/>
+              <a:buSzTx/>
+              <a:buFontTx/>
+              <a:buChar char="•"/>
+              <a:tabLst/>
+            </a:pPr>
+            <a:r>
+              <a:rPr kumimoji="0" lang="en-US" altLang="en-US" sz="2800" b="0" i="0" u="none" strike="noStrike" cap="none" normalizeH="0" baseline="0" dirty="0" err="1">
+                <a:ln>
+                  <a:noFill/>
+                </a:ln>
+                <a:solidFill>
+                  <a:schemeClr val="tx1"/>
+                </a:solidFill>
+                <a:effectLst/>
+                <a:latin typeface="Calibri (Body)"/>
+              </a:rPr>
               <a:t>Khai</a:t>
             </a:r>
             <a:r>
-              <a:rPr lang="en-US" sz="2800" dirty="0"/>
-              <a:t> </a:t>
-            </a:r>
-            <a:r>
-              <a:rPr lang="en-US" sz="2800" dirty="0" err="1"/>
+              <a:rPr kumimoji="0" lang="en-US" altLang="en-US" sz="2800" b="0" i="0" u="none" strike="noStrike" cap="none" normalizeH="0" baseline="0" dirty="0">
+                <a:ln>
+                  <a:noFill/>
+                </a:ln>
+                <a:solidFill>
+                  <a:schemeClr val="tx1"/>
+                </a:solidFill>
+                <a:effectLst/>
+                <a:latin typeface="Calibri (Body)"/>
+              </a:rPr>
+              <a:t> </a:t>
+            </a:r>
+            <a:r>
+              <a:rPr kumimoji="0" lang="en-US" altLang="en-US" sz="2800" b="0" i="0" u="none" strike="noStrike" cap="none" normalizeH="0" baseline="0" dirty="0" err="1">
+                <a:ln>
+                  <a:noFill/>
+                </a:ln>
+                <a:solidFill>
+                  <a:schemeClr val="tx1"/>
+                </a:solidFill>
+                <a:effectLst/>
+                <a:latin typeface="Calibri (Body)"/>
+              </a:rPr>
               <a:t>thác</a:t>
             </a:r>
             <a:r>
-              <a:rPr lang="en-US" sz="2800" dirty="0"/>
-              <a:t> </a:t>
-            </a:r>
-            <a:r>
-              <a:rPr lang="en-US" sz="2800" dirty="0" err="1"/>
-              <a:t>cấu</a:t>
-            </a:r>
-            <a:r>
-              <a:rPr lang="en-US" sz="2800" dirty="0"/>
-              <a:t> </a:t>
-            </a:r>
-            <a:r>
-              <a:rPr lang="en-US" sz="2800" dirty="0" err="1"/>
-              <a:t>hình</a:t>
-            </a:r>
-            <a:r>
-              <a:rPr lang="en-US" sz="2800" dirty="0"/>
-              <a:t> RSA </a:t>
-            </a:r>
-            <a:r>
-              <a:rPr lang="en-US" sz="2800" b="1" dirty="0" err="1"/>
-              <a:t>không</a:t>
-            </a:r>
-            <a:r>
-              <a:rPr lang="en-US" sz="2800" b="1" dirty="0"/>
-              <a:t> an </a:t>
-            </a:r>
-            <a:r>
-              <a:rPr lang="en-US" sz="2800" b="1" dirty="0" err="1"/>
-              <a:t>toàn</a:t>
-            </a:r>
-            <a:r>
-              <a:rPr lang="en-US" sz="2800" b="1" dirty="0"/>
-              <a:t> </a:t>
-            </a:r>
-            <a:r>
-              <a:rPr lang="en-US" sz="2800" dirty="0" err="1"/>
-              <a:t>khi</a:t>
-            </a:r>
-            <a:r>
-              <a:rPr lang="en-US" sz="2800" dirty="0"/>
-              <a:t> </a:t>
-            </a:r>
-            <a:r>
-              <a:rPr lang="en-US" sz="2800" b="1" dirty="0"/>
-              <a:t>private exponent 𝑑 </a:t>
-            </a:r>
-            <a:r>
-              <a:rPr lang="en-US" sz="2800" b="1" dirty="0" err="1"/>
+              <a:rPr kumimoji="0" lang="en-US" altLang="en-US" sz="2800" b="0" i="0" u="none" strike="noStrike" cap="none" normalizeH="0" baseline="0" dirty="0">
+                <a:ln>
+                  <a:noFill/>
+                </a:ln>
+                <a:solidFill>
+                  <a:schemeClr val="tx1"/>
+                </a:solidFill>
+                <a:effectLst/>
+                <a:latin typeface="Calibri (Body)"/>
+              </a:rPr>
+              <a:t> </a:t>
+            </a:r>
+            <a:r>
+              <a:rPr kumimoji="0" lang="en-US" altLang="en-US" sz="2800" b="1" i="0" u="none" strike="noStrike" cap="none" normalizeH="0" baseline="0" dirty="0" err="1">
+                <a:ln>
+                  <a:noFill/>
+                </a:ln>
+                <a:solidFill>
+                  <a:schemeClr val="tx1"/>
+                </a:solidFill>
+                <a:effectLst/>
+                <a:latin typeface="Calibri (Body)"/>
+              </a:rPr>
+              <a:t>rò</a:t>
+            </a:r>
+            <a:r>
+              <a:rPr kumimoji="0" lang="en-US" altLang="en-US" sz="2800" b="1" i="0" u="none" strike="noStrike" cap="none" normalizeH="0" baseline="0" dirty="0">
+                <a:ln>
+                  <a:noFill/>
+                </a:ln>
+                <a:solidFill>
+                  <a:schemeClr val="tx1"/>
+                </a:solidFill>
+                <a:effectLst/>
+                <a:latin typeface="Calibri (Body)"/>
+              </a:rPr>
+              <a:t> </a:t>
+            </a:r>
+            <a:r>
+              <a:rPr kumimoji="0" lang="en-US" altLang="en-US" sz="2800" b="1" i="0" u="none" strike="noStrike" cap="none" normalizeH="0" baseline="0" dirty="0" err="1">
+                <a:ln>
+                  <a:noFill/>
+                </a:ln>
+                <a:solidFill>
+                  <a:schemeClr val="tx1"/>
+                </a:solidFill>
+                <a:effectLst/>
+                <a:latin typeface="Calibri (Body)"/>
+              </a:rPr>
+              <a:t>rỉ</a:t>
+            </a:r>
+            <a:r>
+              <a:rPr kumimoji="0" lang="en-US" altLang="en-US" sz="2800" b="1" i="0" u="none" strike="noStrike" cap="none" normalizeH="0" baseline="0" dirty="0">
+                <a:ln>
+                  <a:noFill/>
+                </a:ln>
+                <a:solidFill>
+                  <a:schemeClr val="tx1"/>
+                </a:solidFill>
+                <a:effectLst/>
+                <a:latin typeface="Calibri (Body)"/>
+              </a:rPr>
+              <a:t> </a:t>
+            </a:r>
+            <a:r>
+              <a:rPr kumimoji="0" lang="en-US" altLang="en-US" sz="2800" b="1" i="0" u="none" strike="noStrike" cap="none" normalizeH="0" baseline="0" dirty="0" err="1">
+                <a:ln>
+                  <a:noFill/>
+                </a:ln>
+                <a:solidFill>
+                  <a:schemeClr val="tx1"/>
+                </a:solidFill>
+                <a:effectLst/>
+                <a:latin typeface="Calibri (Body)"/>
+              </a:rPr>
+              <a:t>thời</a:t>
+            </a:r>
+            <a:r>
+              <a:rPr kumimoji="0" lang="en-US" altLang="en-US" sz="2800" b="1" i="0" u="none" strike="noStrike" cap="none" normalizeH="0" baseline="0" dirty="0">
+                <a:ln>
+                  <a:noFill/>
+                </a:ln>
+                <a:solidFill>
+                  <a:schemeClr val="tx1"/>
+                </a:solidFill>
+                <a:effectLst/>
+                <a:latin typeface="Calibri (Body)"/>
+              </a:rPr>
+              <a:t> </a:t>
+            </a:r>
+            <a:r>
+              <a:rPr kumimoji="0" lang="en-US" altLang="en-US" sz="2800" b="1" i="0" u="none" strike="noStrike" cap="none" normalizeH="0" baseline="0" dirty="0" err="1">
+                <a:ln>
+                  <a:noFill/>
+                </a:ln>
+                <a:solidFill>
+                  <a:schemeClr val="tx1"/>
+                </a:solidFill>
+                <a:effectLst/>
+                <a:latin typeface="Calibri (Body)"/>
+              </a:rPr>
+              <a:t>gian</a:t>
+            </a:r>
+            <a:r>
+              <a:rPr kumimoji="0" lang="en-US" altLang="en-US" sz="2800" b="1" i="0" u="none" strike="noStrike" cap="none" normalizeH="0" baseline="0" dirty="0">
+                <a:ln>
+                  <a:noFill/>
+                </a:ln>
+                <a:solidFill>
+                  <a:schemeClr val="tx1"/>
+                </a:solidFill>
+                <a:effectLst/>
+                <a:latin typeface="Calibri (Body)"/>
+              </a:rPr>
+              <a:t> </a:t>
+            </a:r>
+            <a:r>
+              <a:rPr kumimoji="0" lang="en-US" altLang="en-US" sz="2800" b="1" i="0" u="none" strike="noStrike" cap="none" normalizeH="0" baseline="0" dirty="0" err="1">
+                <a:ln>
+                  <a:noFill/>
+                </a:ln>
+                <a:solidFill>
+                  <a:schemeClr val="tx1"/>
+                </a:solidFill>
+                <a:effectLst/>
+                <a:latin typeface="Calibri (Body)"/>
+              </a:rPr>
+              <a:t>thực</a:t>
+            </a:r>
+            <a:r>
+              <a:rPr kumimoji="0" lang="en-US" altLang="en-US" sz="2800" b="1" i="0" u="none" strike="noStrike" cap="none" normalizeH="0" baseline="0" dirty="0">
+                <a:ln>
+                  <a:noFill/>
+                </a:ln>
+                <a:solidFill>
+                  <a:schemeClr val="tx1"/>
+                </a:solidFill>
+                <a:effectLst/>
+                <a:latin typeface="Calibri (Body)"/>
+              </a:rPr>
+              <a:t> </a:t>
+            </a:r>
+            <a:r>
+              <a:rPr kumimoji="0" lang="en-US" altLang="en-US" sz="2800" b="1" i="0" u="none" strike="noStrike" cap="none" normalizeH="0" baseline="0" dirty="0" err="1">
+                <a:ln>
+                  <a:noFill/>
+                </a:ln>
+                <a:solidFill>
+                  <a:schemeClr val="tx1"/>
+                </a:solidFill>
+                <a:effectLst/>
+                <a:latin typeface="Calibri (Body)"/>
+              </a:rPr>
+              <a:t>thi</a:t>
+            </a:r>
+            <a:r>
+              <a:rPr kumimoji="0" lang="en-US" altLang="en-US" sz="2800" b="0" i="0" u="none" strike="noStrike" cap="none" normalizeH="0" baseline="0" dirty="0">
+                <a:ln>
+                  <a:noFill/>
+                </a:ln>
+                <a:solidFill>
+                  <a:schemeClr val="tx1"/>
+                </a:solidFill>
+                <a:effectLst/>
+                <a:latin typeface="Calibri (Body)"/>
+              </a:rPr>
+              <a:t> </a:t>
+            </a:r>
+            <a:r>
+              <a:rPr kumimoji="0" lang="en-US" altLang="en-US" sz="2800" b="0" i="0" u="none" strike="noStrike" cap="none" normalizeH="0" baseline="0" dirty="0" err="1">
+                <a:ln>
+                  <a:noFill/>
+                </a:ln>
+                <a:solidFill>
+                  <a:schemeClr val="tx1"/>
+                </a:solidFill>
+                <a:effectLst/>
+                <a:latin typeface="Calibri (Body)"/>
+              </a:rPr>
+              <a:t>trong</a:t>
+            </a:r>
+            <a:r>
+              <a:rPr kumimoji="0" lang="en-US" altLang="en-US" sz="2800" b="0" i="0" u="none" strike="noStrike" cap="none" normalizeH="0" baseline="0" dirty="0">
+                <a:ln>
+                  <a:noFill/>
+                </a:ln>
+                <a:solidFill>
+                  <a:schemeClr val="tx1"/>
+                </a:solidFill>
+                <a:effectLst/>
+                <a:latin typeface="Calibri (Body)"/>
+              </a:rPr>
+              <a:t> </a:t>
+            </a:r>
+            <a:r>
+              <a:rPr kumimoji="0" lang="en-US" altLang="en-US" sz="2800" b="0" i="0" u="none" strike="noStrike" cap="none" normalizeH="0" baseline="0" dirty="0" err="1">
+                <a:ln>
+                  <a:noFill/>
+                </a:ln>
+                <a:solidFill>
+                  <a:schemeClr val="tx1"/>
+                </a:solidFill>
+                <a:effectLst/>
+                <a:latin typeface="Calibri (Body)"/>
+              </a:rPr>
               <a:t>quá</a:t>
             </a:r>
             <a:r>
-              <a:rPr lang="en-US" sz="2800" b="1" dirty="0"/>
-              <a:t> </a:t>
-            </a:r>
-            <a:r>
-              <a:rPr lang="en-US" sz="2800" b="1" dirty="0" err="1"/>
-              <a:t>nhỏ</a:t>
-            </a:r>
-            <a:r>
-              <a:rPr lang="en-US" sz="2800" dirty="0"/>
-              <a:t>, </a:t>
-            </a:r>
-            <a:r>
-              <a:rPr lang="en-US" sz="2800" dirty="0" err="1"/>
-              <a:t>cho</a:t>
-            </a:r>
-            <a:r>
-              <a:rPr lang="en-US" sz="2800" dirty="0"/>
-              <a:t> </a:t>
-            </a:r>
-            <a:r>
-              <a:rPr lang="en-US" sz="2800" dirty="0" err="1"/>
-              <a:t>phép</a:t>
-            </a:r>
-            <a:r>
-              <a:rPr lang="en-US" sz="2800" dirty="0"/>
+              <a:rPr kumimoji="0" lang="en-US" altLang="en-US" sz="2800" b="0" i="0" u="none" strike="noStrike" cap="none" normalizeH="0" baseline="0" dirty="0">
+                <a:ln>
+                  <a:noFill/>
+                </a:ln>
+                <a:solidFill>
+                  <a:schemeClr val="tx1"/>
+                </a:solidFill>
+                <a:effectLst/>
+                <a:latin typeface="Calibri (Body)"/>
+              </a:rPr>
+              <a:t> </a:t>
+            </a:r>
+            <a:r>
+              <a:rPr kumimoji="0" lang="en-US" altLang="en-US" sz="2800" b="0" i="0" u="none" strike="noStrike" cap="none" normalizeH="0" baseline="0" dirty="0" err="1">
+                <a:ln>
+                  <a:noFill/>
+                </a:ln>
+                <a:solidFill>
+                  <a:schemeClr val="tx1"/>
+                </a:solidFill>
+                <a:effectLst/>
+                <a:latin typeface="Calibri (Body)"/>
+              </a:rPr>
+              <a:t>trình</a:t>
+            </a:r>
+            <a:r>
+              <a:rPr kumimoji="0" lang="en-US" altLang="en-US" sz="2800" b="0" i="0" u="none" strike="noStrike" cap="none" normalizeH="0" baseline="0" dirty="0">
+                <a:ln>
+                  <a:noFill/>
+                </a:ln>
+                <a:solidFill>
+                  <a:schemeClr val="tx1"/>
+                </a:solidFill>
+                <a:effectLst/>
+                <a:latin typeface="Calibri (Body)"/>
+              </a:rPr>
               <a:t>:</a:t>
             </a:r>
           </a:p>
           <a:p>
-            <a:pPr lvl="1"/>
-            <a:r>
-              <a:rPr lang="en-US" sz="2800" dirty="0" err="1"/>
-              <a:t>Khôi</a:t>
-            </a:r>
-            <a:r>
-              <a:rPr lang="en-US" sz="2800" dirty="0"/>
-              <a:t> </a:t>
-            </a:r>
-            <a:r>
-              <a:rPr lang="en-US" sz="2800" dirty="0" err="1"/>
-              <a:t>phục</a:t>
-            </a:r>
-            <a:r>
-              <a:rPr lang="en-US" sz="2800" dirty="0"/>
-              <a:t> private key</a:t>
-            </a:r>
-          </a:p>
-          <a:p>
-            <a:pPr lvl="1"/>
-            <a:r>
-              <a:rPr lang="en-US" sz="2800" dirty="0" err="1"/>
-              <a:t>Chỉ</a:t>
-            </a:r>
-            <a:r>
-              <a:rPr lang="en-US" sz="2800" dirty="0"/>
-              <a:t> </a:t>
-            </a:r>
-            <a:r>
-              <a:rPr lang="en-US" sz="2800" dirty="0" err="1"/>
-              <a:t>cần</a:t>
-            </a:r>
-            <a:r>
-              <a:rPr lang="en-US" sz="2800" dirty="0"/>
-              <a:t> </a:t>
-            </a:r>
-            <a:r>
-              <a:rPr lang="en-US" sz="2800" dirty="0" err="1"/>
-              <a:t>khóa</a:t>
-            </a:r>
-            <a:r>
-              <a:rPr lang="en-US" sz="2800" dirty="0"/>
-              <a:t> </a:t>
-            </a:r>
-            <a:r>
-              <a:rPr lang="en-US" sz="2800" dirty="0" err="1"/>
-              <a:t>công</a:t>
-            </a:r>
-            <a:r>
-              <a:rPr lang="en-US" sz="2800" dirty="0"/>
-              <a:t> </a:t>
-            </a:r>
-            <a:r>
-              <a:rPr lang="en-US" sz="2800" dirty="0" err="1"/>
-              <a:t>khai</a:t>
-            </a:r>
-            <a:r>
-              <a:rPr lang="en-US" sz="2800" dirty="0"/>
-              <a:t> (</a:t>
-            </a:r>
-            <a:r>
-              <a:rPr lang="en-US" sz="2800" dirty="0" err="1"/>
-              <a:t>N,e</a:t>
-            </a:r>
-            <a:r>
-              <a:rPr lang="en-US" sz="2800" dirty="0"/>
-              <a:t>)</a:t>
-            </a:r>
-          </a:p>
-          <a:p>
-            <a:pPr marL="201168" lvl="1" indent="0">
+            <a:pPr marL="0" marR="0" lvl="0" indent="0" algn="l" defTabSz="914400" rtl="0" eaLnBrk="0" fontAlgn="base" latinLnBrk="0" hangingPunct="0">
+              <a:lnSpc>
+                <a:spcPct val="100000"/>
+              </a:lnSpc>
+              <a:spcBef>
+                <a:spcPct val="0"/>
+              </a:spcBef>
+              <a:spcAft>
+                <a:spcPct val="0"/>
+              </a:spcAft>
+              <a:buClrTx/>
+              <a:buSzTx/>
+              <a:buFontTx/>
+              <a:buChar char="•"/>
+              <a:tabLst/>
+            </a:pPr>
+            <a:r>
+              <a:rPr kumimoji="0" lang="en-US" altLang="en-US" sz="2800" b="0" i="0" u="none" strike="noStrike" cap="none" normalizeH="0" baseline="0" dirty="0">
+                <a:ln>
+                  <a:noFill/>
+                </a:ln>
+                <a:solidFill>
+                  <a:schemeClr val="tx1"/>
+                </a:solidFill>
+                <a:effectLst/>
+                <a:latin typeface="Calibri (Body)"/>
+              </a:rPr>
+              <a:t>RSA signing</a:t>
+            </a:r>
+          </a:p>
+          <a:p>
+            <a:pPr marL="0" marR="0" lvl="0" indent="0" algn="l" defTabSz="914400" rtl="0" eaLnBrk="0" fontAlgn="base" latinLnBrk="0" hangingPunct="0">
+              <a:lnSpc>
+                <a:spcPct val="100000"/>
+              </a:lnSpc>
+              <a:spcBef>
+                <a:spcPct val="0"/>
+              </a:spcBef>
+              <a:spcAft>
+                <a:spcPct val="0"/>
+              </a:spcAft>
+              <a:buClrTx/>
+              <a:buSzTx/>
+              <a:buFontTx/>
+              <a:buChar char="•"/>
+              <a:tabLst/>
+            </a:pPr>
+            <a:r>
+              <a:rPr kumimoji="0" lang="en-US" altLang="en-US" sz="2800" b="0" i="0" u="none" strike="noStrike" cap="none" normalizeH="0" baseline="0" dirty="0">
+                <a:ln>
+                  <a:noFill/>
+                </a:ln>
+                <a:solidFill>
+                  <a:schemeClr val="tx1"/>
+                </a:solidFill>
+                <a:effectLst/>
+                <a:latin typeface="Calibri (Body)"/>
+              </a:rPr>
+              <a:t>RSA decryption</a:t>
+            </a:r>
+          </a:p>
+          <a:p>
+            <a:pPr marL="0" marR="0" lvl="0" indent="0" algn="l" defTabSz="914400" rtl="0" eaLnBrk="0" fontAlgn="base" latinLnBrk="0" hangingPunct="0">
+              <a:lnSpc>
+                <a:spcPct val="100000"/>
+              </a:lnSpc>
+              <a:spcBef>
+                <a:spcPct val="0"/>
+              </a:spcBef>
+              <a:spcAft>
+                <a:spcPct val="0"/>
+              </a:spcAft>
+              <a:buClrTx/>
+              <a:buSzTx/>
+              <a:buFontTx/>
               <a:buNone/>
+              <a:tabLst/>
             </a:pPr>
-            <a:r>
-              <a:rPr lang="en-US" sz="2800" dirty="0"/>
-              <a:t>=&gt; </a:t>
-            </a:r>
-            <a:r>
-              <a:rPr lang="en-US" sz="2800" dirty="0" err="1"/>
-              <a:t>Dẫn</a:t>
-            </a:r>
-            <a:r>
-              <a:rPr lang="en-US" sz="2800" dirty="0"/>
-              <a:t> </a:t>
-            </a:r>
-            <a:r>
-              <a:rPr lang="en-US" sz="2800" dirty="0" err="1"/>
-              <a:t>tới</a:t>
-            </a:r>
-            <a:r>
-              <a:rPr lang="en-US" sz="2800" dirty="0"/>
-              <a:t> forgery </a:t>
-            </a:r>
-            <a:r>
-              <a:rPr lang="en-US" sz="2800" dirty="0" err="1"/>
-              <a:t>chữ</a:t>
-            </a:r>
-            <a:r>
-              <a:rPr lang="en-US" sz="2800" dirty="0"/>
-              <a:t> </a:t>
-            </a:r>
-            <a:r>
-              <a:rPr lang="en-US" sz="2800" dirty="0" err="1"/>
-              <a:t>kí</a:t>
-            </a:r>
-            <a:r>
-              <a:rPr lang="en-US" sz="2800" dirty="0"/>
-              <a:t> </a:t>
-            </a:r>
-            <a:r>
-              <a:rPr lang="en-US" sz="2800" dirty="0" err="1"/>
-              <a:t>số</a:t>
-            </a:r>
-            <a:r>
-              <a:rPr lang="en-US" sz="2800" dirty="0"/>
-              <a:t> </a:t>
-            </a:r>
-            <a:r>
-              <a:rPr lang="en-US" sz="2800" dirty="0" err="1"/>
-              <a:t>và</a:t>
-            </a:r>
-            <a:r>
-              <a:rPr lang="en-US" sz="2800" dirty="0"/>
-              <a:t> Broken Access Control</a:t>
-            </a:r>
+            <a:endParaRPr kumimoji="0" lang="en-US" altLang="en-US" sz="1800" b="0" i="0" u="none" strike="noStrike" cap="none" normalizeH="0" baseline="0" dirty="0">
+              <a:ln>
+                <a:noFill/>
+              </a:ln>
+              <a:solidFill>
+                <a:schemeClr val="tx1"/>
+              </a:solidFill>
+              <a:effectLst/>
+              <a:latin typeface="Arial" panose="020B0604020202020204" pitchFamily="34" charset="0"/>
+            </a:endParaRPr>
           </a:p>
         </p:txBody>
       </p:sp>
@@ -8945,23 +9501,913 @@
           <a:lstStyle/>
           <a:p>
             <a:r>
-              <a:rPr lang="en-US" dirty="0" err="1"/>
-              <a:t>Điều</a:t>
-            </a:r>
-            <a:r>
-              <a:rPr lang="en-US" dirty="0"/>
-              <a:t> </a:t>
-            </a:r>
-            <a:r>
-              <a:rPr lang="en-US" dirty="0" err="1"/>
-              <a:t>kiện</a:t>
-            </a:r>
-            <a:endParaRPr lang="en-US" dirty="0"/>
+              <a:rPr lang="en-US" dirty="0"/>
+              <a:t>Attack B – Timing Attack on RSA</a:t>
+            </a:r>
           </a:p>
         </p:txBody>
       </p:sp>
-      <mc:AlternateContent xmlns:mc="http://schemas.openxmlformats.org/markup-compatibility/2006">
-        <mc:Choice xmlns:a14="http://schemas.microsoft.com/office/drawing/2010/main" Requires="a14">
+      <p:sp>
+        <p:nvSpPr>
+          <p:cNvPr id="3" name="Content Placeholder 2">
+            <a:extLst>
+              <a:ext uri="{FF2B5EF4-FFF2-40B4-BE49-F238E27FC236}">
+                <a16:creationId xmlns:a16="http://schemas.microsoft.com/office/drawing/2014/main" id="{DE7A103C-824D-63E5-19B2-5C4B19B5AC17}"/>
+              </a:ext>
+            </a:extLst>
+          </p:cNvPr>
+          <p:cNvSpPr>
+            <a:spLocks noGrp="1"/>
+          </p:cNvSpPr>
+          <p:nvPr>
+            <p:ph idx="1"/>
+          </p:nvPr>
+        </p:nvSpPr>
+        <p:spPr>
+          <a:xfrm>
+            <a:off x="0" y="1969343"/>
+            <a:ext cx="12191999" cy="3783757"/>
+          </a:xfrm>
+        </p:spPr>
+        <p:txBody>
+          <a:bodyPr>
+            <a:normAutofit/>
+          </a:bodyPr>
+          <a:lstStyle/>
+          <a:p>
+            <a:r>
+              <a:rPr lang="en-US" sz="2800" dirty="0">
+                <a:latin typeface="Calibri" panose="020F0502020204030204" pitchFamily="34" charset="0"/>
+                <a:ea typeface="Calibri" panose="020F0502020204030204" pitchFamily="34" charset="0"/>
+                <a:cs typeface="Calibri" panose="020F0502020204030204" pitchFamily="34" charset="0"/>
+              </a:rPr>
+              <a:t>- </a:t>
+            </a:r>
+            <a:r>
+              <a:rPr lang="vi-VN" sz="2800" dirty="0">
+                <a:latin typeface="Calibri" panose="020F0502020204030204" pitchFamily="34" charset="0"/>
+                <a:ea typeface="Calibri" panose="020F0502020204030204" pitchFamily="34" charset="0"/>
+                <a:cs typeface="Calibri" panose="020F0502020204030204" pitchFamily="34" charset="0"/>
+              </a:rPr>
+              <a:t>Biết public key (𝑁,𝑒)</a:t>
+            </a:r>
+            <a:endParaRPr lang="en-US" sz="2800" dirty="0">
+              <a:latin typeface="Calibri" panose="020F0502020204030204" pitchFamily="34" charset="0"/>
+              <a:ea typeface="Calibri" panose="020F0502020204030204" pitchFamily="34" charset="0"/>
+              <a:cs typeface="Calibri" panose="020F0502020204030204" pitchFamily="34" charset="0"/>
+            </a:endParaRPr>
+          </a:p>
+          <a:p>
+            <a:r>
+              <a:rPr lang="en-US" sz="2800" dirty="0">
+                <a:latin typeface="Calibri" panose="020F0502020204030204" pitchFamily="34" charset="0"/>
+                <a:ea typeface="Calibri" panose="020F0502020204030204" pitchFamily="34" charset="0"/>
+                <a:cs typeface="Calibri" panose="020F0502020204030204" pitchFamily="34" charset="0"/>
+              </a:rPr>
+              <a:t>- </a:t>
+            </a:r>
+            <a:r>
+              <a:rPr lang="vi-VN" sz="2800" dirty="0">
+                <a:latin typeface="Calibri" panose="020F0502020204030204" pitchFamily="34" charset="0"/>
+                <a:ea typeface="Calibri" panose="020F0502020204030204" pitchFamily="34" charset="0"/>
+                <a:cs typeface="Calibri" panose="020F0502020204030204" pitchFamily="34" charset="0"/>
+              </a:rPr>
+              <a:t>Có quyền gửi nhiều message / ciphertext tuỳ ý</a:t>
+            </a:r>
+            <a:endParaRPr lang="en-US" sz="2800" dirty="0">
+              <a:latin typeface="Calibri" panose="020F0502020204030204" pitchFamily="34" charset="0"/>
+              <a:ea typeface="Calibri" panose="020F0502020204030204" pitchFamily="34" charset="0"/>
+              <a:cs typeface="Calibri" panose="020F0502020204030204" pitchFamily="34" charset="0"/>
+            </a:endParaRPr>
+          </a:p>
+          <a:p>
+            <a:r>
+              <a:rPr lang="en-US" sz="2800" dirty="0">
+                <a:latin typeface="Calibri" panose="020F0502020204030204" pitchFamily="34" charset="0"/>
+                <a:ea typeface="Calibri" panose="020F0502020204030204" pitchFamily="34" charset="0"/>
+                <a:cs typeface="Calibri" panose="020F0502020204030204" pitchFamily="34" charset="0"/>
+              </a:rPr>
+              <a:t>- </a:t>
+            </a:r>
+            <a:r>
+              <a:rPr lang="vi-VN" sz="2800" dirty="0">
+                <a:latin typeface="Calibri" panose="020F0502020204030204" pitchFamily="34" charset="0"/>
+                <a:ea typeface="Calibri" panose="020F0502020204030204" pitchFamily="34" charset="0"/>
+                <a:cs typeface="Calibri" panose="020F0502020204030204" pitchFamily="34" charset="0"/>
+              </a:rPr>
+              <a:t>Đo được thời gian xử lý 𝑇</a:t>
+            </a:r>
+            <a:r>
+              <a:rPr lang="vi-VN" sz="1800" dirty="0">
+                <a:latin typeface="Calibri" panose="020F0502020204030204" pitchFamily="34" charset="0"/>
+                <a:ea typeface="Calibri" panose="020F0502020204030204" pitchFamily="34" charset="0"/>
+                <a:cs typeface="Calibri" panose="020F0502020204030204" pitchFamily="34" charset="0"/>
+              </a:rPr>
+              <a:t>𝑖</a:t>
+            </a:r>
+            <a:r>
+              <a:rPr lang="en-US" sz="2800" dirty="0">
+                <a:latin typeface="Calibri" panose="020F0502020204030204" pitchFamily="34" charset="0"/>
+                <a:ea typeface="Calibri" panose="020F0502020204030204" pitchFamily="34" charset="0"/>
+                <a:cs typeface="Calibri" panose="020F0502020204030204" pitchFamily="34" charset="0"/>
+              </a:rPr>
+              <a:t> </a:t>
+            </a:r>
+            <a:r>
+              <a:rPr lang="vi-VN" sz="2800" dirty="0">
+                <a:latin typeface="Calibri" panose="020F0502020204030204" pitchFamily="34" charset="0"/>
+                <a:ea typeface="Calibri" panose="020F0502020204030204" pitchFamily="34" charset="0"/>
+                <a:cs typeface="Calibri" panose="020F0502020204030204" pitchFamily="34" charset="0"/>
+              </a:rPr>
+              <a:t>của mỗi lần ký / giải mã</a:t>
+            </a:r>
+            <a:endParaRPr lang="en-US" sz="2800" dirty="0">
+              <a:latin typeface="Calibri" panose="020F0502020204030204" pitchFamily="34" charset="0"/>
+              <a:ea typeface="Calibri" panose="020F0502020204030204" pitchFamily="34" charset="0"/>
+              <a:cs typeface="Calibri" panose="020F0502020204030204" pitchFamily="34" charset="0"/>
+            </a:endParaRPr>
+          </a:p>
+          <a:p>
+            <a:r>
+              <a:rPr lang="en-US" sz="2800" dirty="0">
+                <a:latin typeface="Calibri" panose="020F0502020204030204" pitchFamily="34" charset="0"/>
+                <a:ea typeface="Calibri" panose="020F0502020204030204" pitchFamily="34" charset="0"/>
+                <a:cs typeface="Calibri" panose="020F0502020204030204" pitchFamily="34" charset="0"/>
+              </a:rPr>
+              <a:t>- </a:t>
+            </a:r>
+            <a:r>
+              <a:rPr lang="en-US" sz="2800" dirty="0" err="1">
+                <a:latin typeface="Calibri" panose="020F0502020204030204" pitchFamily="34" charset="0"/>
+                <a:ea typeface="Calibri" panose="020F0502020204030204" pitchFamily="34" charset="0"/>
+                <a:cs typeface="Calibri" panose="020F0502020204030204" pitchFamily="34" charset="0"/>
+              </a:rPr>
+              <a:t>Mục</a:t>
+            </a:r>
+            <a:r>
+              <a:rPr lang="en-US" sz="2800" dirty="0">
+                <a:latin typeface="Calibri" panose="020F0502020204030204" pitchFamily="34" charset="0"/>
+                <a:ea typeface="Calibri" panose="020F0502020204030204" pitchFamily="34" charset="0"/>
+                <a:cs typeface="Calibri" panose="020F0502020204030204" pitchFamily="34" charset="0"/>
+              </a:rPr>
+              <a:t> </a:t>
+            </a:r>
+            <a:r>
+              <a:rPr lang="en-US" sz="2800" dirty="0" err="1">
+                <a:latin typeface="Calibri" panose="020F0502020204030204" pitchFamily="34" charset="0"/>
+                <a:ea typeface="Calibri" panose="020F0502020204030204" pitchFamily="34" charset="0"/>
+                <a:cs typeface="Calibri" panose="020F0502020204030204" pitchFamily="34" charset="0"/>
+              </a:rPr>
+              <a:t>tiêu</a:t>
+            </a:r>
+            <a:r>
+              <a:rPr lang="en-US" sz="2800" dirty="0">
+                <a:latin typeface="Calibri" panose="020F0502020204030204" pitchFamily="34" charset="0"/>
+                <a:ea typeface="Calibri" panose="020F0502020204030204" pitchFamily="34" charset="0"/>
+                <a:cs typeface="Calibri" panose="020F0502020204030204" pitchFamily="34" charset="0"/>
+              </a:rPr>
+              <a:t>:</a:t>
+            </a:r>
+          </a:p>
+          <a:p>
+            <a:pPr lvl="1"/>
+            <a:r>
+              <a:rPr lang="en-US" sz="2600" dirty="0" err="1">
+                <a:latin typeface="Calibri" panose="020F0502020204030204" pitchFamily="34" charset="0"/>
+                <a:ea typeface="Calibri" panose="020F0502020204030204" pitchFamily="34" charset="0"/>
+                <a:cs typeface="Calibri" panose="020F0502020204030204" pitchFamily="34" charset="0"/>
+              </a:rPr>
+              <a:t>Khôi</a:t>
+            </a:r>
+            <a:r>
+              <a:rPr lang="en-US" sz="2600" dirty="0">
+                <a:latin typeface="Calibri" panose="020F0502020204030204" pitchFamily="34" charset="0"/>
+                <a:ea typeface="Calibri" panose="020F0502020204030204" pitchFamily="34" charset="0"/>
+                <a:cs typeface="Calibri" panose="020F0502020204030204" pitchFamily="34" charset="0"/>
+              </a:rPr>
+              <a:t> </a:t>
+            </a:r>
+            <a:r>
+              <a:rPr lang="en-US" sz="2600" dirty="0" err="1">
+                <a:latin typeface="Calibri" panose="020F0502020204030204" pitchFamily="34" charset="0"/>
+                <a:ea typeface="Calibri" panose="020F0502020204030204" pitchFamily="34" charset="0"/>
+                <a:cs typeface="Calibri" panose="020F0502020204030204" pitchFamily="34" charset="0"/>
+              </a:rPr>
+              <a:t>phục</a:t>
+            </a:r>
+            <a:r>
+              <a:rPr lang="en-US" sz="2600" dirty="0">
+                <a:latin typeface="Calibri" panose="020F0502020204030204" pitchFamily="34" charset="0"/>
+                <a:ea typeface="Calibri" panose="020F0502020204030204" pitchFamily="34" charset="0"/>
+                <a:cs typeface="Calibri" panose="020F0502020204030204" pitchFamily="34" charset="0"/>
+              </a:rPr>
+              <a:t> private </a:t>
+            </a:r>
+            <a:r>
+              <a:rPr lang="en-US" sz="2600">
+                <a:latin typeface="Calibri" panose="020F0502020204030204" pitchFamily="34" charset="0"/>
+                <a:ea typeface="Calibri" panose="020F0502020204030204" pitchFamily="34" charset="0"/>
+                <a:cs typeface="Calibri" panose="020F0502020204030204" pitchFamily="34" charset="0"/>
+              </a:rPr>
+              <a:t>exponent 𝑑 </a:t>
+            </a:r>
+            <a:r>
+              <a:rPr lang="en-US" sz="2600" dirty="0" err="1">
+                <a:latin typeface="Calibri" panose="020F0502020204030204" pitchFamily="34" charset="0"/>
+                <a:ea typeface="Calibri" panose="020F0502020204030204" pitchFamily="34" charset="0"/>
+                <a:cs typeface="Calibri" panose="020F0502020204030204" pitchFamily="34" charset="0"/>
+              </a:rPr>
+              <a:t>từng</a:t>
+            </a:r>
+            <a:r>
+              <a:rPr lang="en-US" sz="2600" dirty="0">
+                <a:latin typeface="Calibri" panose="020F0502020204030204" pitchFamily="34" charset="0"/>
+                <a:ea typeface="Calibri" panose="020F0502020204030204" pitchFamily="34" charset="0"/>
+                <a:cs typeface="Calibri" panose="020F0502020204030204" pitchFamily="34" charset="0"/>
+              </a:rPr>
+              <a:t> bit</a:t>
+            </a:r>
+          </a:p>
+        </p:txBody>
+      </p:sp>
+    </p:spTree>
+    <p:extLst>
+      <p:ext uri="{BB962C8B-B14F-4D97-AF65-F5344CB8AC3E}">
+        <p14:creationId xmlns:p14="http://schemas.microsoft.com/office/powerpoint/2010/main" val="3417480283"/>
+      </p:ext>
+    </p:extLst>
+  </p:cSld>
+  <p:clrMapOvr>
+    <a:masterClrMapping/>
+  </p:clrMapOvr>
+</p:sld>
+</file>
+
+<file path=ppt/slides/slide21.xml><?xml version="1.0" encoding="utf-8"?>
+<p:sld xmlns:a="http://schemas.openxmlformats.org/drawingml/2006/main" xmlns:r="http://schemas.openxmlformats.org/officeDocument/2006/relationships" xmlns:p="http://schemas.openxmlformats.org/presentationml/2006/main">
+  <p:cSld>
+    <p:spTree>
+      <p:nvGrpSpPr>
+        <p:cNvPr id="1" name=""/>
+        <p:cNvGrpSpPr/>
+        <p:nvPr/>
+      </p:nvGrpSpPr>
+      <p:grpSpPr>
+        <a:xfrm>
+          <a:off x="0" y="0"/>
+          <a:ext cx="0" cy="0"/>
+          <a:chOff x="0" y="0"/>
+          <a:chExt cx="0" cy="0"/>
+        </a:xfrm>
+      </p:grpSpPr>
+      <p:sp>
+        <p:nvSpPr>
+          <p:cNvPr id="2" name="Title 1">
+            <a:extLst>
+              <a:ext uri="{FF2B5EF4-FFF2-40B4-BE49-F238E27FC236}">
+                <a16:creationId xmlns:a16="http://schemas.microsoft.com/office/drawing/2014/main" id="{8F40763E-AC7F-EB28-BD09-03DC5045D1FC}"/>
+              </a:ext>
+            </a:extLst>
+          </p:cNvPr>
+          <p:cNvSpPr>
+            <a:spLocks noGrp="1"/>
+          </p:cNvSpPr>
+          <p:nvPr>
+            <p:ph type="title"/>
+          </p:nvPr>
+        </p:nvSpPr>
+        <p:spPr>
+          <a:xfrm>
+            <a:off x="192405" y="286603"/>
+            <a:ext cx="10058400" cy="1450757"/>
+          </a:xfrm>
+        </p:spPr>
+        <p:txBody>
+          <a:bodyPr/>
+          <a:lstStyle/>
+          <a:p>
+            <a:r>
+              <a:rPr lang="en-US" dirty="0" err="1"/>
+              <a:t>Nguyên</a:t>
+            </a:r>
+            <a:r>
+              <a:rPr lang="en-US" dirty="0"/>
+              <a:t> </a:t>
+            </a:r>
+            <a:r>
+              <a:rPr lang="en-US" dirty="0" err="1"/>
+              <a:t>nhân</a:t>
+            </a:r>
+            <a:endParaRPr lang="en-US" dirty="0"/>
+          </a:p>
+        </p:txBody>
+      </p:sp>
+      <p:sp>
+        <p:nvSpPr>
+          <p:cNvPr id="3" name="Content Placeholder 2">
+            <a:extLst>
+              <a:ext uri="{FF2B5EF4-FFF2-40B4-BE49-F238E27FC236}">
+                <a16:creationId xmlns:a16="http://schemas.microsoft.com/office/drawing/2014/main" id="{DE7A103C-824D-63E5-19B2-5C4B19B5AC17}"/>
+              </a:ext>
+            </a:extLst>
+          </p:cNvPr>
+          <p:cNvSpPr>
+            <a:spLocks noGrp="1"/>
+          </p:cNvSpPr>
+          <p:nvPr>
+            <p:ph idx="1"/>
+          </p:nvPr>
+        </p:nvSpPr>
+        <p:spPr>
+          <a:xfrm>
+            <a:off x="0" y="1969343"/>
+            <a:ext cx="12191999" cy="3783757"/>
+          </a:xfrm>
+        </p:spPr>
+        <p:txBody>
+          <a:bodyPr>
+            <a:normAutofit/>
+          </a:bodyPr>
+          <a:lstStyle/>
+          <a:p>
+            <a:r>
+              <a:rPr lang="en-US" sz="2800" dirty="0">
+                <a:latin typeface="Calibri" panose="020F0502020204030204" pitchFamily="34" charset="0"/>
+                <a:ea typeface="Calibri" panose="020F0502020204030204" pitchFamily="34" charset="0"/>
+                <a:cs typeface="Calibri" panose="020F0502020204030204" pitchFamily="34" charset="0"/>
+              </a:rPr>
+              <a:t>- </a:t>
+            </a:r>
+            <a:r>
+              <a:rPr lang="vi-VN" sz="2800" dirty="0">
+                <a:latin typeface="Calibri" panose="020F0502020204030204" pitchFamily="34" charset="0"/>
+                <a:ea typeface="Calibri" panose="020F0502020204030204" pitchFamily="34" charset="0"/>
+                <a:cs typeface="Calibri" panose="020F0502020204030204" pitchFamily="34" charset="0"/>
+              </a:rPr>
+              <a:t>Biết public key (𝑁,𝑒)</a:t>
+            </a:r>
+            <a:endParaRPr lang="en-US" sz="2800" dirty="0">
+              <a:latin typeface="Calibri" panose="020F0502020204030204" pitchFamily="34" charset="0"/>
+              <a:ea typeface="Calibri" panose="020F0502020204030204" pitchFamily="34" charset="0"/>
+              <a:cs typeface="Calibri" panose="020F0502020204030204" pitchFamily="34" charset="0"/>
+            </a:endParaRPr>
+          </a:p>
+          <a:p>
+            <a:r>
+              <a:rPr lang="en-US" sz="2800" dirty="0">
+                <a:latin typeface="Calibri" panose="020F0502020204030204" pitchFamily="34" charset="0"/>
+                <a:ea typeface="Calibri" panose="020F0502020204030204" pitchFamily="34" charset="0"/>
+                <a:cs typeface="Calibri" panose="020F0502020204030204" pitchFamily="34" charset="0"/>
+              </a:rPr>
+              <a:t>- </a:t>
+            </a:r>
+            <a:r>
+              <a:rPr lang="vi-VN" sz="2800" dirty="0">
+                <a:latin typeface="Calibri" panose="020F0502020204030204" pitchFamily="34" charset="0"/>
+                <a:ea typeface="Calibri" panose="020F0502020204030204" pitchFamily="34" charset="0"/>
+                <a:cs typeface="Calibri" panose="020F0502020204030204" pitchFamily="34" charset="0"/>
+              </a:rPr>
+              <a:t>Có quyền gửi nhiều message / ciphertext tuỳ ý</a:t>
+            </a:r>
+            <a:endParaRPr lang="en-US" sz="2800" dirty="0">
+              <a:latin typeface="Calibri" panose="020F0502020204030204" pitchFamily="34" charset="0"/>
+              <a:ea typeface="Calibri" panose="020F0502020204030204" pitchFamily="34" charset="0"/>
+              <a:cs typeface="Calibri" panose="020F0502020204030204" pitchFamily="34" charset="0"/>
+            </a:endParaRPr>
+          </a:p>
+          <a:p>
+            <a:r>
+              <a:rPr lang="en-US" sz="2800" dirty="0">
+                <a:latin typeface="Calibri" panose="020F0502020204030204" pitchFamily="34" charset="0"/>
+                <a:ea typeface="Calibri" panose="020F0502020204030204" pitchFamily="34" charset="0"/>
+                <a:cs typeface="Calibri" panose="020F0502020204030204" pitchFamily="34" charset="0"/>
+              </a:rPr>
+              <a:t>- </a:t>
+            </a:r>
+            <a:r>
+              <a:rPr lang="vi-VN" sz="2800" dirty="0">
+                <a:latin typeface="Calibri" panose="020F0502020204030204" pitchFamily="34" charset="0"/>
+                <a:ea typeface="Calibri" panose="020F0502020204030204" pitchFamily="34" charset="0"/>
+                <a:cs typeface="Calibri" panose="020F0502020204030204" pitchFamily="34" charset="0"/>
+              </a:rPr>
+              <a:t>Đo được thời gian xử lý 𝑇</a:t>
+            </a:r>
+            <a:r>
+              <a:rPr lang="vi-VN" sz="1800" dirty="0">
+                <a:latin typeface="Calibri" panose="020F0502020204030204" pitchFamily="34" charset="0"/>
+                <a:ea typeface="Calibri" panose="020F0502020204030204" pitchFamily="34" charset="0"/>
+                <a:cs typeface="Calibri" panose="020F0502020204030204" pitchFamily="34" charset="0"/>
+              </a:rPr>
+              <a:t>𝑖</a:t>
+            </a:r>
+            <a:r>
+              <a:rPr lang="en-US" sz="2800" dirty="0">
+                <a:latin typeface="Calibri" panose="020F0502020204030204" pitchFamily="34" charset="0"/>
+                <a:ea typeface="Calibri" panose="020F0502020204030204" pitchFamily="34" charset="0"/>
+                <a:cs typeface="Calibri" panose="020F0502020204030204" pitchFamily="34" charset="0"/>
+              </a:rPr>
+              <a:t> </a:t>
+            </a:r>
+            <a:r>
+              <a:rPr lang="vi-VN" sz="2800" dirty="0">
+                <a:latin typeface="Calibri" panose="020F0502020204030204" pitchFamily="34" charset="0"/>
+                <a:ea typeface="Calibri" panose="020F0502020204030204" pitchFamily="34" charset="0"/>
+                <a:cs typeface="Calibri" panose="020F0502020204030204" pitchFamily="34" charset="0"/>
+              </a:rPr>
+              <a:t>của mỗi lần ký / giải mã</a:t>
+            </a:r>
+            <a:endParaRPr lang="en-US" sz="2800" dirty="0">
+              <a:latin typeface="Calibri" panose="020F0502020204030204" pitchFamily="34" charset="0"/>
+              <a:ea typeface="Calibri" panose="020F0502020204030204" pitchFamily="34" charset="0"/>
+              <a:cs typeface="Calibri" panose="020F0502020204030204" pitchFamily="34" charset="0"/>
+            </a:endParaRPr>
+          </a:p>
+          <a:p>
+            <a:r>
+              <a:rPr lang="en-US" sz="2800" dirty="0">
+                <a:latin typeface="Calibri" panose="020F0502020204030204" pitchFamily="34" charset="0"/>
+                <a:ea typeface="Calibri" panose="020F0502020204030204" pitchFamily="34" charset="0"/>
+                <a:cs typeface="Calibri" panose="020F0502020204030204" pitchFamily="34" charset="0"/>
+              </a:rPr>
+              <a:t>- </a:t>
+            </a:r>
+            <a:r>
+              <a:rPr lang="en-US" sz="2800" dirty="0" err="1">
+                <a:latin typeface="Calibri" panose="020F0502020204030204" pitchFamily="34" charset="0"/>
+                <a:ea typeface="Calibri" panose="020F0502020204030204" pitchFamily="34" charset="0"/>
+                <a:cs typeface="Calibri" panose="020F0502020204030204" pitchFamily="34" charset="0"/>
+              </a:rPr>
+              <a:t>Mục</a:t>
+            </a:r>
+            <a:r>
+              <a:rPr lang="en-US" sz="2800" dirty="0">
+                <a:latin typeface="Calibri" panose="020F0502020204030204" pitchFamily="34" charset="0"/>
+                <a:ea typeface="Calibri" panose="020F0502020204030204" pitchFamily="34" charset="0"/>
+                <a:cs typeface="Calibri" panose="020F0502020204030204" pitchFamily="34" charset="0"/>
+              </a:rPr>
+              <a:t> </a:t>
+            </a:r>
+            <a:r>
+              <a:rPr lang="en-US" sz="2800" dirty="0" err="1">
+                <a:latin typeface="Calibri" panose="020F0502020204030204" pitchFamily="34" charset="0"/>
+                <a:ea typeface="Calibri" panose="020F0502020204030204" pitchFamily="34" charset="0"/>
+                <a:cs typeface="Calibri" panose="020F0502020204030204" pitchFamily="34" charset="0"/>
+              </a:rPr>
+              <a:t>tiêu</a:t>
+            </a:r>
+            <a:r>
+              <a:rPr lang="en-US" sz="2800" dirty="0">
+                <a:latin typeface="Calibri" panose="020F0502020204030204" pitchFamily="34" charset="0"/>
+                <a:ea typeface="Calibri" panose="020F0502020204030204" pitchFamily="34" charset="0"/>
+                <a:cs typeface="Calibri" panose="020F0502020204030204" pitchFamily="34" charset="0"/>
+              </a:rPr>
+              <a:t>:</a:t>
+            </a:r>
+          </a:p>
+          <a:p>
+            <a:pPr lvl="1"/>
+            <a:r>
+              <a:rPr lang="en-US" sz="2600" dirty="0" err="1">
+                <a:latin typeface="Calibri" panose="020F0502020204030204" pitchFamily="34" charset="0"/>
+                <a:ea typeface="Calibri" panose="020F0502020204030204" pitchFamily="34" charset="0"/>
+                <a:cs typeface="Calibri" panose="020F0502020204030204" pitchFamily="34" charset="0"/>
+              </a:rPr>
+              <a:t>Khôi</a:t>
+            </a:r>
+            <a:r>
+              <a:rPr lang="en-US" sz="2600" dirty="0">
+                <a:latin typeface="Calibri" panose="020F0502020204030204" pitchFamily="34" charset="0"/>
+                <a:ea typeface="Calibri" panose="020F0502020204030204" pitchFamily="34" charset="0"/>
+                <a:cs typeface="Calibri" panose="020F0502020204030204" pitchFamily="34" charset="0"/>
+              </a:rPr>
+              <a:t> </a:t>
+            </a:r>
+            <a:r>
+              <a:rPr lang="en-US" sz="2600" dirty="0" err="1">
+                <a:latin typeface="Calibri" panose="020F0502020204030204" pitchFamily="34" charset="0"/>
+                <a:ea typeface="Calibri" panose="020F0502020204030204" pitchFamily="34" charset="0"/>
+                <a:cs typeface="Calibri" panose="020F0502020204030204" pitchFamily="34" charset="0"/>
+              </a:rPr>
+              <a:t>phục</a:t>
+            </a:r>
+            <a:r>
+              <a:rPr lang="en-US" sz="2600" dirty="0">
+                <a:latin typeface="Calibri" panose="020F0502020204030204" pitchFamily="34" charset="0"/>
+                <a:ea typeface="Calibri" panose="020F0502020204030204" pitchFamily="34" charset="0"/>
+                <a:cs typeface="Calibri" panose="020F0502020204030204" pitchFamily="34" charset="0"/>
+              </a:rPr>
+              <a:t> private exponent 𝑑 </a:t>
+            </a:r>
+            <a:r>
+              <a:rPr lang="en-US" sz="2600" dirty="0" err="1">
+                <a:latin typeface="Calibri" panose="020F0502020204030204" pitchFamily="34" charset="0"/>
+                <a:ea typeface="Calibri" panose="020F0502020204030204" pitchFamily="34" charset="0"/>
+                <a:cs typeface="Calibri" panose="020F0502020204030204" pitchFamily="34" charset="0"/>
+              </a:rPr>
+              <a:t>từng</a:t>
+            </a:r>
+            <a:r>
+              <a:rPr lang="en-US" sz="2600" dirty="0">
+                <a:latin typeface="Calibri" panose="020F0502020204030204" pitchFamily="34" charset="0"/>
+                <a:ea typeface="Calibri" panose="020F0502020204030204" pitchFamily="34" charset="0"/>
+                <a:cs typeface="Calibri" panose="020F0502020204030204" pitchFamily="34" charset="0"/>
+              </a:rPr>
+              <a:t> bit</a:t>
+            </a:r>
+          </a:p>
+        </p:txBody>
+      </p:sp>
+    </p:spTree>
+    <p:extLst>
+      <p:ext uri="{BB962C8B-B14F-4D97-AF65-F5344CB8AC3E}">
+        <p14:creationId xmlns:p14="http://schemas.microsoft.com/office/powerpoint/2010/main" val="1309036772"/>
+      </p:ext>
+    </p:extLst>
+  </p:cSld>
+  <p:clrMapOvr>
+    <a:masterClrMapping/>
+  </p:clrMapOvr>
+</p:sld>
+</file>
+
+<file path=ppt/slides/slide22.xml><?xml version="1.0" encoding="utf-8"?>
+<p:sld xmlns:a="http://schemas.openxmlformats.org/drawingml/2006/main" xmlns:r="http://schemas.openxmlformats.org/officeDocument/2006/relationships" xmlns:p="http://schemas.openxmlformats.org/presentationml/2006/main">
+  <p:cSld>
+    <p:spTree>
+      <p:nvGrpSpPr>
+        <p:cNvPr id="1" name=""/>
+        <p:cNvGrpSpPr/>
+        <p:nvPr/>
+      </p:nvGrpSpPr>
+      <p:grpSpPr>
+        <a:xfrm>
+          <a:off x="0" y="0"/>
+          <a:ext cx="0" cy="0"/>
+          <a:chOff x="0" y="0"/>
+          <a:chExt cx="0" cy="0"/>
+        </a:xfrm>
+      </p:grpSpPr>
+      <p:sp>
+        <p:nvSpPr>
+          <p:cNvPr id="2" name="Title 1">
+            <a:extLst>
+              <a:ext uri="{FF2B5EF4-FFF2-40B4-BE49-F238E27FC236}">
+                <a16:creationId xmlns:a16="http://schemas.microsoft.com/office/drawing/2014/main" id="{8F40763E-AC7F-EB28-BD09-03DC5045D1FC}"/>
+              </a:ext>
+            </a:extLst>
+          </p:cNvPr>
+          <p:cNvSpPr>
+            <a:spLocks noGrp="1"/>
+          </p:cNvSpPr>
+          <p:nvPr>
+            <p:ph type="title"/>
+          </p:nvPr>
+        </p:nvSpPr>
+        <p:spPr>
+          <a:xfrm>
+            <a:off x="192405" y="286603"/>
+            <a:ext cx="10058400" cy="1450757"/>
+          </a:xfrm>
+        </p:spPr>
+        <p:txBody>
+          <a:bodyPr/>
+          <a:lstStyle/>
+          <a:p>
+            <a:r>
+              <a:rPr lang="en-US" dirty="0"/>
+              <a:t>Attack C – Wiener’s Attack / low d</a:t>
+            </a:r>
+          </a:p>
+        </p:txBody>
+      </p:sp>
+      <p:sp>
+        <p:nvSpPr>
+          <p:cNvPr id="3" name="Content Placeholder 2">
+            <a:extLst>
+              <a:ext uri="{FF2B5EF4-FFF2-40B4-BE49-F238E27FC236}">
+                <a16:creationId xmlns:a16="http://schemas.microsoft.com/office/drawing/2014/main" id="{DE7A103C-824D-63E5-19B2-5C4B19B5AC17}"/>
+              </a:ext>
+            </a:extLst>
+          </p:cNvPr>
+          <p:cNvSpPr>
+            <a:spLocks noGrp="1"/>
+          </p:cNvSpPr>
+          <p:nvPr>
+            <p:ph idx="1"/>
+          </p:nvPr>
+        </p:nvSpPr>
+        <p:spPr>
+          <a:xfrm>
+            <a:off x="0" y="1969343"/>
+            <a:ext cx="12191999" cy="3783757"/>
+          </a:xfrm>
+        </p:spPr>
+        <p:txBody>
+          <a:bodyPr>
+            <a:normAutofit/>
+          </a:bodyPr>
+          <a:lstStyle/>
+          <a:p>
+            <a:r>
+              <a:rPr lang="en-US" sz="2800" dirty="0"/>
+              <a:t>- </a:t>
+            </a:r>
+            <a:r>
+              <a:rPr lang="en-US" sz="2800" dirty="0" err="1"/>
+              <a:t>Khai</a:t>
+            </a:r>
+            <a:r>
+              <a:rPr lang="en-US" sz="2800" dirty="0"/>
+              <a:t> </a:t>
+            </a:r>
+            <a:r>
+              <a:rPr lang="en-US" sz="2800" dirty="0" err="1"/>
+              <a:t>thác</a:t>
+            </a:r>
+            <a:r>
+              <a:rPr lang="en-US" sz="2800" dirty="0"/>
+              <a:t> </a:t>
+            </a:r>
+            <a:r>
+              <a:rPr lang="en-US" sz="2800" dirty="0" err="1"/>
+              <a:t>cấu</a:t>
+            </a:r>
+            <a:r>
+              <a:rPr lang="en-US" sz="2800" dirty="0"/>
+              <a:t> </a:t>
+            </a:r>
+            <a:r>
+              <a:rPr lang="en-US" sz="2800" dirty="0" err="1"/>
+              <a:t>hình</a:t>
+            </a:r>
+            <a:r>
+              <a:rPr lang="en-US" sz="2800" dirty="0"/>
+              <a:t> RSA </a:t>
+            </a:r>
+            <a:r>
+              <a:rPr lang="en-US" sz="2800" b="1" dirty="0" err="1"/>
+              <a:t>không</a:t>
+            </a:r>
+            <a:r>
+              <a:rPr lang="en-US" sz="2800" b="1" dirty="0"/>
+              <a:t> an </a:t>
+            </a:r>
+            <a:r>
+              <a:rPr lang="en-US" sz="2800" b="1" dirty="0" err="1"/>
+              <a:t>toàn</a:t>
+            </a:r>
+            <a:r>
+              <a:rPr lang="en-US" sz="2800" b="1" dirty="0"/>
+              <a:t> </a:t>
+            </a:r>
+            <a:r>
+              <a:rPr lang="en-US" sz="2800" dirty="0" err="1"/>
+              <a:t>khi</a:t>
+            </a:r>
+            <a:r>
+              <a:rPr lang="en-US" sz="2800" dirty="0"/>
+              <a:t> </a:t>
+            </a:r>
+            <a:r>
+              <a:rPr lang="en-US" sz="2800" b="1" dirty="0"/>
+              <a:t>private exponent 𝑑 </a:t>
+            </a:r>
+            <a:r>
+              <a:rPr lang="en-US" sz="2800" b="1" dirty="0" err="1"/>
+              <a:t>quá</a:t>
+            </a:r>
+            <a:r>
+              <a:rPr lang="en-US" sz="2800" b="1" dirty="0"/>
+              <a:t> </a:t>
+            </a:r>
+            <a:r>
+              <a:rPr lang="en-US" sz="2800" b="1" dirty="0" err="1"/>
+              <a:t>nhỏ</a:t>
+            </a:r>
+            <a:r>
+              <a:rPr lang="en-US" sz="2800" dirty="0"/>
+              <a:t>, </a:t>
+            </a:r>
+            <a:r>
+              <a:rPr lang="en-US" sz="2800" dirty="0" err="1"/>
+              <a:t>cho</a:t>
+            </a:r>
+            <a:r>
+              <a:rPr lang="en-US" sz="2800" dirty="0"/>
+              <a:t> </a:t>
+            </a:r>
+            <a:r>
+              <a:rPr lang="en-US" sz="2800" dirty="0" err="1"/>
+              <a:t>phép</a:t>
+            </a:r>
+            <a:r>
+              <a:rPr lang="en-US" sz="2800" dirty="0"/>
+              <a:t>:</a:t>
+            </a:r>
+          </a:p>
+          <a:p>
+            <a:pPr lvl="1"/>
+            <a:r>
+              <a:rPr lang="en-US" sz="2800" dirty="0" err="1"/>
+              <a:t>Khôi</a:t>
+            </a:r>
+            <a:r>
+              <a:rPr lang="en-US" sz="2800" dirty="0"/>
+              <a:t> </a:t>
+            </a:r>
+            <a:r>
+              <a:rPr lang="en-US" sz="2800" dirty="0" err="1"/>
+              <a:t>phục</a:t>
+            </a:r>
+            <a:r>
+              <a:rPr lang="en-US" sz="2800" dirty="0"/>
+              <a:t> private key</a:t>
+            </a:r>
+          </a:p>
+          <a:p>
+            <a:pPr lvl="1"/>
+            <a:r>
+              <a:rPr lang="en-US" sz="2800" dirty="0" err="1"/>
+              <a:t>Chỉ</a:t>
+            </a:r>
+            <a:r>
+              <a:rPr lang="en-US" sz="2800" dirty="0"/>
+              <a:t> </a:t>
+            </a:r>
+            <a:r>
+              <a:rPr lang="en-US" sz="2800" dirty="0" err="1"/>
+              <a:t>cần</a:t>
+            </a:r>
+            <a:r>
+              <a:rPr lang="en-US" sz="2800" dirty="0"/>
+              <a:t> </a:t>
+            </a:r>
+            <a:r>
+              <a:rPr lang="en-US" sz="2800" dirty="0" err="1"/>
+              <a:t>khóa</a:t>
+            </a:r>
+            <a:r>
+              <a:rPr lang="en-US" sz="2800" dirty="0"/>
+              <a:t> </a:t>
+            </a:r>
+            <a:r>
+              <a:rPr lang="en-US" sz="2800" dirty="0" err="1"/>
+              <a:t>công</a:t>
+            </a:r>
+            <a:r>
+              <a:rPr lang="en-US" sz="2800" dirty="0"/>
+              <a:t> </a:t>
+            </a:r>
+            <a:r>
+              <a:rPr lang="en-US" sz="2800" dirty="0" err="1"/>
+              <a:t>khai</a:t>
+            </a:r>
+            <a:r>
+              <a:rPr lang="en-US" sz="2800" dirty="0"/>
+              <a:t> (</a:t>
+            </a:r>
+            <a:r>
+              <a:rPr lang="en-US" sz="2800" dirty="0" err="1"/>
+              <a:t>N,e</a:t>
+            </a:r>
+            <a:r>
+              <a:rPr lang="en-US" sz="2800" dirty="0"/>
+              <a:t>)</a:t>
+            </a:r>
+          </a:p>
+          <a:p>
+            <a:pPr marL="201168" lvl="1" indent="0">
+              <a:buNone/>
+            </a:pPr>
+            <a:r>
+              <a:rPr lang="en-US" sz="2800" dirty="0"/>
+              <a:t>=&gt; </a:t>
+            </a:r>
+            <a:r>
+              <a:rPr lang="en-US" sz="2800" dirty="0" err="1"/>
+              <a:t>Dẫn</a:t>
+            </a:r>
+            <a:r>
+              <a:rPr lang="en-US" sz="2800" dirty="0"/>
+              <a:t> </a:t>
+            </a:r>
+            <a:r>
+              <a:rPr lang="en-US" sz="2800" dirty="0" err="1"/>
+              <a:t>tới</a:t>
+            </a:r>
+            <a:r>
+              <a:rPr lang="en-US" sz="2800" dirty="0"/>
+              <a:t> forgery </a:t>
+            </a:r>
+            <a:r>
+              <a:rPr lang="en-US" sz="2800" dirty="0" err="1"/>
+              <a:t>chữ</a:t>
+            </a:r>
+            <a:r>
+              <a:rPr lang="en-US" sz="2800" dirty="0"/>
+              <a:t> </a:t>
+            </a:r>
+            <a:r>
+              <a:rPr lang="en-US" sz="2800" dirty="0" err="1"/>
+              <a:t>kí</a:t>
+            </a:r>
+            <a:r>
+              <a:rPr lang="en-US" sz="2800" dirty="0"/>
+              <a:t> </a:t>
+            </a:r>
+            <a:r>
+              <a:rPr lang="en-US" sz="2800" dirty="0" err="1"/>
+              <a:t>số</a:t>
+            </a:r>
+            <a:r>
+              <a:rPr lang="en-US" sz="2800" dirty="0"/>
+              <a:t> </a:t>
+            </a:r>
+            <a:r>
+              <a:rPr lang="en-US" sz="2800" dirty="0" err="1"/>
+              <a:t>và</a:t>
+            </a:r>
+            <a:r>
+              <a:rPr lang="en-US" sz="2800" dirty="0"/>
+              <a:t> Broken Access Control</a:t>
+            </a:r>
+          </a:p>
+        </p:txBody>
+      </p:sp>
+    </p:spTree>
+    <p:extLst>
+      <p:ext uri="{BB962C8B-B14F-4D97-AF65-F5344CB8AC3E}">
+        <p14:creationId xmlns:p14="http://schemas.microsoft.com/office/powerpoint/2010/main" val="2941509286"/>
+      </p:ext>
+    </p:extLst>
+  </p:cSld>
+  <p:clrMapOvr>
+    <a:masterClrMapping/>
+  </p:clrMapOvr>
+</p:sld>
+</file>
+
+<file path=ppt/slides/slide23.xml><?xml version="1.0" encoding="utf-8"?>
+<p:sld xmlns:a="http://schemas.openxmlformats.org/drawingml/2006/main" xmlns:r="http://schemas.openxmlformats.org/officeDocument/2006/relationships" xmlns:p="http://schemas.openxmlformats.org/presentationml/2006/main">
+  <p:cSld>
+    <p:spTree>
+      <p:nvGrpSpPr>
+        <p:cNvPr id="1" name=""/>
+        <p:cNvGrpSpPr/>
+        <p:nvPr/>
+      </p:nvGrpSpPr>
+      <p:grpSpPr>
+        <a:xfrm>
+          <a:off x="0" y="0"/>
+          <a:ext cx="0" cy="0"/>
+          <a:chOff x="0" y="0"/>
+          <a:chExt cx="0" cy="0"/>
+        </a:xfrm>
+      </p:grpSpPr>
+      <p:sp>
+        <p:nvSpPr>
+          <p:cNvPr id="2" name="Title 1">
+            <a:extLst>
+              <a:ext uri="{FF2B5EF4-FFF2-40B4-BE49-F238E27FC236}">
+                <a16:creationId xmlns:a16="http://schemas.microsoft.com/office/drawing/2014/main" id="{8F40763E-AC7F-EB28-BD09-03DC5045D1FC}"/>
+              </a:ext>
+            </a:extLst>
+          </p:cNvPr>
+          <p:cNvSpPr>
+            <a:spLocks noGrp="1"/>
+          </p:cNvSpPr>
+          <p:nvPr>
+            <p:ph type="title"/>
+          </p:nvPr>
+        </p:nvSpPr>
+        <p:spPr>
+          <a:xfrm>
+            <a:off x="192405" y="286603"/>
+            <a:ext cx="10058400" cy="1450757"/>
+          </a:xfrm>
+        </p:spPr>
+        <p:txBody>
+          <a:bodyPr/>
+          <a:lstStyle/>
+          <a:p>
+            <a:r>
+              <a:rPr lang="en-US" dirty="0" err="1"/>
+              <a:t>Điều</a:t>
+            </a:r>
+            <a:r>
+              <a:rPr lang="en-US" dirty="0"/>
+              <a:t> </a:t>
+            </a:r>
+            <a:r>
+              <a:rPr lang="en-US" dirty="0" err="1"/>
+              <a:t>kiện</a:t>
+            </a:r>
+            <a:endParaRPr lang="en-US" dirty="0"/>
+          </a:p>
+        </p:txBody>
+      </p:sp>
+      <mc:AlternateContent xmlns:mc="http://schemas.openxmlformats.org/markup-compatibility/2006" xmlns:a14="http://schemas.microsoft.com/office/drawing/2010/main">
+        <mc:Choice Requires="a14">
           <p:sp>
             <p:nvSpPr>
               <p:cNvPr id="3" name="Content Placeholder 2">
@@ -9294,7 +10740,7 @@
             </p:txBody>
           </p:sp>
         </mc:Choice>
-        <mc:Fallback>
+        <mc:Fallback xmlns="">
           <p:sp>
             <p:nvSpPr>
               <p:cNvPr id="3" name="Content Placeholder 2">
@@ -9351,7 +10797,7 @@
 </p:sld>
 </file>
 
-<file path=ppt/slides/slide21.xml><?xml version="1.0" encoding="utf-8"?>
+<file path=ppt/slides/slide24.xml><?xml version="1.0" encoding="utf-8"?>
 <p:sld xmlns:a="http://schemas.openxmlformats.org/drawingml/2006/main" xmlns:r="http://schemas.openxmlformats.org/officeDocument/2006/relationships" xmlns:p="http://schemas.openxmlformats.org/presentationml/2006/main">
   <p:cSld>
     <p:spTree>
@@ -9406,8 +10852,8 @@
           </a:p>
         </p:txBody>
       </p:sp>
-      <mc:AlternateContent xmlns:mc="http://schemas.openxmlformats.org/markup-compatibility/2006">
-        <mc:Choice xmlns:a14="http://schemas.microsoft.com/office/drawing/2010/main" Requires="a14">
+      <mc:AlternateContent xmlns:mc="http://schemas.openxmlformats.org/markup-compatibility/2006" xmlns:a14="http://schemas.microsoft.com/office/drawing/2010/main">
+        <mc:Choice Requires="a14">
           <p:sp>
             <p:nvSpPr>
               <p:cNvPr id="3" name="Content Placeholder 2">
@@ -10263,7 +11709,7 @@
             </p:txBody>
           </p:sp>
         </mc:Choice>
-        <mc:Fallback>
+        <mc:Fallback xmlns="">
           <p:sp>
             <p:nvSpPr>
               <p:cNvPr id="3" name="Content Placeholder 2">
@@ -10320,7 +11766,7 @@
 </p:sld>
 </file>
 
-<file path=ppt/slides/slide22.xml><?xml version="1.0" encoding="utf-8"?>
+<file path=ppt/slides/slide25.xml><?xml version="1.0" encoding="utf-8"?>
 <p:sld xmlns:a="http://schemas.openxmlformats.org/drawingml/2006/main" xmlns:r="http://schemas.openxmlformats.org/officeDocument/2006/relationships" xmlns:p="http://schemas.openxmlformats.org/presentationml/2006/main">
   <p:cSld>
     <p:spTree>
@@ -10375,8 +11821,8 @@
           </a:p>
         </p:txBody>
       </p:sp>
-      <mc:AlternateContent xmlns:mc="http://schemas.openxmlformats.org/markup-compatibility/2006">
-        <mc:Choice xmlns:a14="http://schemas.microsoft.com/office/drawing/2010/main" Requires="a14">
+      <mc:AlternateContent xmlns:mc="http://schemas.openxmlformats.org/markup-compatibility/2006" xmlns:a14="http://schemas.microsoft.com/office/drawing/2010/main">
+        <mc:Choice Requires="a14">
           <p:sp>
             <p:nvSpPr>
               <p:cNvPr id="7" name="Content Placeholder 2">
@@ -11117,7 +12563,7 @@
             </p:txBody>
           </p:sp>
         </mc:Choice>
-        <mc:Fallback>
+        <mc:Fallback xmlns="">
           <p:sp>
             <p:nvSpPr>
               <p:cNvPr id="7" name="Content Placeholder 2">
@@ -11210,7 +12656,7 @@
 </p:sld>
 </file>
 
-<file path=ppt/slides/slide23.xml><?xml version="1.0" encoding="utf-8"?>
+<file path=ppt/slides/slide26.xml><?xml version="1.0" encoding="utf-8"?>
 <p:sld xmlns:a="http://schemas.openxmlformats.org/drawingml/2006/main" xmlns:r="http://schemas.openxmlformats.org/officeDocument/2006/relationships" xmlns:p="http://schemas.openxmlformats.org/presentationml/2006/main">
   <p:cSld>
     <p:spTree>
@@ -11939,7 +13385,7 @@
 </p:sld>
 </file>
 
-<file path=ppt/slides/slide24.xml><?xml version="1.0" encoding="utf-8"?>
+<file path=ppt/slides/slide27.xml><?xml version="1.0" encoding="utf-8"?>
 <p:sld xmlns:a="http://schemas.openxmlformats.org/drawingml/2006/main" xmlns:r="http://schemas.openxmlformats.org/officeDocument/2006/relationships" xmlns:p="http://schemas.openxmlformats.org/presentationml/2006/main">
   <p:cSld>
     <p:spTree>
@@ -12668,7 +14114,7 @@
 </p:sld>
 </file>
 
-<file path=ppt/slides/slide25.xml><?xml version="1.0" encoding="utf-8"?>
+<file path=ppt/slides/slide28.xml><?xml version="1.0" encoding="utf-8"?>
 <p:sld xmlns:a="http://schemas.openxmlformats.org/drawingml/2006/main" xmlns:r="http://schemas.openxmlformats.org/officeDocument/2006/relationships" xmlns:p="http://schemas.openxmlformats.org/presentationml/2006/main">
   <p:cSld>
     <p:spTree>
@@ -13165,7 +14611,7 @@
 </p:sld>
 </file>
 
-<file path=ppt/slides/slide26.xml><?xml version="1.0" encoding="utf-8"?>
+<file path=ppt/slides/slide29.xml><?xml version="1.0" encoding="utf-8"?>
 <p:sld xmlns:a="http://schemas.openxmlformats.org/drawingml/2006/main" xmlns:r="http://schemas.openxmlformats.org/officeDocument/2006/relationships" xmlns:p="http://schemas.openxmlformats.org/presentationml/2006/main">
   <p:cSld>
     <p:spTree>
@@ -13898,347 +15344,6 @@
     <p:extLst>
       <p:ext uri="{BB962C8B-B14F-4D97-AF65-F5344CB8AC3E}">
         <p14:creationId xmlns:p14="http://schemas.microsoft.com/office/powerpoint/2010/main" val="2805422325"/>
-      </p:ext>
-    </p:extLst>
-  </p:cSld>
-  <p:clrMapOvr>
-    <a:masterClrMapping/>
-  </p:clrMapOvr>
-</p:sld>
-</file>
-
-<file path=ppt/slides/slide27.xml><?xml version="1.0" encoding="utf-8"?>
-<p:sld xmlns:a="http://schemas.openxmlformats.org/drawingml/2006/main" xmlns:r="http://schemas.openxmlformats.org/officeDocument/2006/relationships" xmlns:p="http://schemas.openxmlformats.org/presentationml/2006/main">
-  <p:cSld>
-    <p:spTree>
-      <p:nvGrpSpPr>
-        <p:cNvPr id="1" name=""/>
-        <p:cNvGrpSpPr/>
-        <p:nvPr/>
-      </p:nvGrpSpPr>
-      <p:grpSpPr>
-        <a:xfrm>
-          <a:off x="0" y="0"/>
-          <a:ext cx="0" cy="0"/>
-          <a:chOff x="0" y="0"/>
-          <a:chExt cx="0" cy="0"/>
-        </a:xfrm>
-      </p:grpSpPr>
-      <p:sp>
-        <p:nvSpPr>
-          <p:cNvPr id="2" name="Title 1">
-            <a:extLst>
-              <a:ext uri="{FF2B5EF4-FFF2-40B4-BE49-F238E27FC236}">
-                <a16:creationId xmlns:a16="http://schemas.microsoft.com/office/drawing/2014/main" id="{3CEE02C9-43C9-2BCE-5DB3-E90CC5CDE797}"/>
-              </a:ext>
-            </a:extLst>
-          </p:cNvPr>
-          <p:cNvSpPr>
-            <a:spLocks noGrp="1"/>
-          </p:cNvSpPr>
-          <p:nvPr>
-            <p:ph type="title"/>
-          </p:nvPr>
-        </p:nvSpPr>
-        <p:spPr>
-          <a:xfrm>
-            <a:off x="379563" y="511773"/>
-            <a:ext cx="10515600" cy="1325563"/>
-          </a:xfrm>
-        </p:spPr>
-        <p:txBody>
-          <a:bodyPr/>
-          <a:lstStyle/>
-          <a:p>
-            <a:r>
-              <a:rPr lang="en-US" dirty="0" err="1"/>
-              <a:t>Kết</a:t>
-            </a:r>
-            <a:r>
-              <a:rPr lang="en-US" dirty="0"/>
-              <a:t> </a:t>
-            </a:r>
-            <a:r>
-              <a:rPr lang="en-US" dirty="0" err="1"/>
-              <a:t>luận</a:t>
-            </a:r>
-            <a:endParaRPr lang="en-US" dirty="0"/>
-          </a:p>
-        </p:txBody>
-      </p:sp>
-      <p:sp>
-        <p:nvSpPr>
-          <p:cNvPr id="3" name="Content Placeholder 2">
-            <a:extLst>
-              <a:ext uri="{FF2B5EF4-FFF2-40B4-BE49-F238E27FC236}">
-                <a16:creationId xmlns:a16="http://schemas.microsoft.com/office/drawing/2014/main" id="{2D69A5CB-4CC6-E56D-5F11-96E4F9804028}"/>
-              </a:ext>
-            </a:extLst>
-          </p:cNvPr>
-          <p:cNvSpPr>
-            <a:spLocks noGrp="1"/>
-          </p:cNvSpPr>
-          <p:nvPr>
-            <p:ph idx="1"/>
-          </p:nvPr>
-        </p:nvSpPr>
-        <p:spPr>
-          <a:xfrm>
-            <a:off x="257174" y="1994889"/>
-            <a:ext cx="11249025" cy="4351338"/>
-          </a:xfrm>
-        </p:spPr>
-        <p:txBody>
-          <a:bodyPr>
-            <a:normAutofit/>
-          </a:bodyPr>
-          <a:lstStyle/>
-          <a:p>
-            <a:pPr>
-              <a:spcBef>
-                <a:spcPts val="2000"/>
-              </a:spcBef>
-              <a:buFontTx/>
-              <a:buChar char="-"/>
-            </a:pPr>
-            <a:r>
-              <a:rPr lang="en-US" sz="2400" dirty="0">
-                <a:latin typeface="Calibri (Body)"/>
-              </a:rPr>
-              <a:t> RSA </a:t>
-            </a:r>
-            <a:r>
-              <a:rPr lang="en-US" sz="2400" dirty="0" err="1">
-                <a:latin typeface="Calibri (Body)"/>
-              </a:rPr>
-              <a:t>vẫn</a:t>
-            </a:r>
-            <a:r>
-              <a:rPr lang="en-US" sz="2400" dirty="0">
-                <a:latin typeface="Calibri (Body)"/>
-              </a:rPr>
-              <a:t> an </a:t>
-            </a:r>
-            <a:r>
-              <a:rPr lang="en-US" sz="2400" dirty="0" err="1">
-                <a:latin typeface="Calibri (Body)"/>
-              </a:rPr>
-              <a:t>toàn</a:t>
-            </a:r>
-            <a:r>
-              <a:rPr lang="en-US" sz="2400" dirty="0">
-                <a:latin typeface="Calibri (Body)"/>
-              </a:rPr>
-              <a:t> </a:t>
-            </a:r>
-            <a:r>
-              <a:rPr lang="en-US" sz="2400" dirty="0" err="1">
-                <a:latin typeface="Calibri (Body)"/>
-              </a:rPr>
-              <a:t>nếu</a:t>
-            </a:r>
-            <a:r>
-              <a:rPr lang="en-US" sz="2400" dirty="0">
-                <a:latin typeface="Calibri (Body)"/>
-              </a:rPr>
-              <a:t> </a:t>
-            </a:r>
-            <a:r>
-              <a:rPr lang="en-US" sz="2400" dirty="0" err="1">
-                <a:latin typeface="Calibri (Body)"/>
-              </a:rPr>
-              <a:t>triển</a:t>
-            </a:r>
-            <a:r>
-              <a:rPr lang="en-US" sz="2400" dirty="0">
-                <a:latin typeface="Calibri (Body)"/>
-              </a:rPr>
-              <a:t> </a:t>
-            </a:r>
-            <a:r>
-              <a:rPr lang="en-US" sz="2400" dirty="0" err="1">
-                <a:latin typeface="Calibri (Body)"/>
-              </a:rPr>
-              <a:t>khai</a:t>
-            </a:r>
-            <a:r>
-              <a:rPr lang="en-US" sz="2400" dirty="0">
-                <a:latin typeface="Calibri (Body)"/>
-              </a:rPr>
-              <a:t> </a:t>
-            </a:r>
-            <a:r>
-              <a:rPr lang="en-US" sz="2400" dirty="0" err="1">
-                <a:latin typeface="Calibri (Body)"/>
-              </a:rPr>
-              <a:t>chuẩn</a:t>
-            </a:r>
-            <a:r>
-              <a:rPr lang="en-US" sz="2400" dirty="0">
-                <a:latin typeface="Calibri (Body)"/>
-              </a:rPr>
-              <a:t>, </a:t>
-            </a:r>
-            <a:r>
-              <a:rPr lang="en-US" sz="2400" dirty="0" err="1">
-                <a:latin typeface="Calibri (Body)"/>
-              </a:rPr>
-              <a:t>đầy</a:t>
-            </a:r>
-            <a:r>
-              <a:rPr lang="en-US" sz="2400" dirty="0">
-                <a:latin typeface="Calibri (Body)"/>
-              </a:rPr>
-              <a:t> </a:t>
-            </a:r>
-            <a:r>
-              <a:rPr lang="en-US" sz="2400" dirty="0" err="1">
-                <a:latin typeface="Calibri (Body)"/>
-              </a:rPr>
-              <a:t>đủ</a:t>
-            </a:r>
-            <a:endParaRPr lang="en-US" sz="2400" dirty="0">
-              <a:latin typeface="Calibri (Body)"/>
-            </a:endParaRPr>
-          </a:p>
-          <a:p>
-            <a:pPr>
-              <a:spcBef>
-                <a:spcPts val="2000"/>
-              </a:spcBef>
-              <a:buFontTx/>
-              <a:buChar char="-"/>
-            </a:pPr>
-            <a:r>
-              <a:rPr lang="en-US" sz="2400" dirty="0">
-                <a:latin typeface="Calibri (Body)"/>
-              </a:rPr>
-              <a:t> </a:t>
-            </a:r>
-            <a:r>
-              <a:rPr lang="vi-VN" sz="2400" dirty="0">
-                <a:latin typeface="Calibri (Body)"/>
-              </a:rPr>
-              <a:t>Ưu tiên RSASSA-PSS cho chữ ký và tránh PKCS#1 v1.5 khi có thể.</a:t>
-            </a:r>
-            <a:endParaRPr lang="en-US" sz="2400" dirty="0">
-              <a:latin typeface="Calibri (Body)"/>
-            </a:endParaRPr>
-          </a:p>
-          <a:p>
-            <a:pPr>
-              <a:spcBef>
-                <a:spcPts val="2000"/>
-              </a:spcBef>
-              <a:buFontTx/>
-              <a:buChar char="-"/>
-            </a:pPr>
-            <a:r>
-              <a:rPr lang="en-US" sz="2400" dirty="0">
-                <a:latin typeface="Calibri (Body)"/>
-              </a:rPr>
-              <a:t> </a:t>
-            </a:r>
-            <a:r>
-              <a:rPr lang="vi-VN" sz="2400" dirty="0">
-                <a:latin typeface="Calibri (Body)"/>
-              </a:rPr>
-              <a:t>Dùng kích thước khóa lớn (≥3072 bit) hoặc chuyển sang ECC/PQC cho bảo vệ dài hạn.</a:t>
-            </a:r>
-            <a:endParaRPr lang="en-US" sz="2400" dirty="0">
-              <a:latin typeface="Calibri (Body)"/>
-            </a:endParaRPr>
-          </a:p>
-          <a:p>
-            <a:pPr>
-              <a:spcBef>
-                <a:spcPts val="2000"/>
-              </a:spcBef>
-              <a:buFontTx/>
-              <a:buChar char="-"/>
-            </a:pPr>
-            <a:r>
-              <a:rPr lang="en-US" sz="2400" dirty="0">
-                <a:latin typeface="Calibri (Body)"/>
-              </a:rPr>
-              <a:t> </a:t>
-            </a:r>
-            <a:r>
-              <a:rPr lang="vi-VN" sz="2400" dirty="0">
-                <a:latin typeface="Calibri (Body)"/>
-              </a:rPr>
-              <a:t>Vô hiệu hóa RSA key exchange trong TLS, ưu tiên ECDHE cho forward secrecy.</a:t>
-            </a:r>
-            <a:endParaRPr lang="en-US" sz="2400" dirty="0">
-              <a:latin typeface="Calibri (Body)"/>
-            </a:endParaRPr>
-          </a:p>
-          <a:p>
-            <a:pPr>
-              <a:spcBef>
-                <a:spcPts val="2000"/>
-              </a:spcBef>
-              <a:buFontTx/>
-              <a:buChar char="-"/>
-            </a:pPr>
-            <a:r>
-              <a:rPr lang="en-US" sz="2400" dirty="0">
-                <a:latin typeface="Calibri (Body)"/>
-              </a:rPr>
-              <a:t> </a:t>
-            </a:r>
-            <a:r>
-              <a:rPr lang="vi-VN" sz="2400" dirty="0">
-                <a:latin typeface="Calibri (Body)"/>
-              </a:rPr>
-              <a:t>Áp dụng exponent &amp; CRT blinding, constant-time modular exponentiation, và CSPRNG mạnh cho keygen.</a:t>
-            </a:r>
-            <a:endParaRPr lang="en-US" sz="2400" dirty="0">
-              <a:latin typeface="Calibri (Body)"/>
-            </a:endParaRPr>
-          </a:p>
-          <a:p>
-            <a:pPr>
-              <a:spcBef>
-                <a:spcPts val="2000"/>
-              </a:spcBef>
-              <a:buFontTx/>
-              <a:buChar char="-"/>
-            </a:pPr>
-            <a:r>
-              <a:rPr lang="en-US" sz="2400" dirty="0">
-                <a:latin typeface="Calibri (Body)"/>
-              </a:rPr>
-              <a:t> </a:t>
-            </a:r>
-            <a:r>
-              <a:rPr lang="vi-VN" sz="2400" dirty="0">
-                <a:latin typeface="Calibri (Body)"/>
-              </a:rPr>
-              <a:t>Lưu private key </a:t>
-            </a:r>
-            <a:r>
-              <a:rPr lang="en-US" sz="2400" dirty="0" err="1">
-                <a:latin typeface="Calibri (Body)"/>
-              </a:rPr>
-              <a:t>kĩ</a:t>
-            </a:r>
-            <a:r>
-              <a:rPr lang="vi-VN" sz="2400" dirty="0">
-                <a:latin typeface="Calibri (Body)"/>
-              </a:rPr>
-              <a:t>, giới hạn API và dùng uniform error messages.</a:t>
-            </a:r>
-            <a:endParaRPr lang="en-US" sz="2400" dirty="0">
-              <a:latin typeface="Calibri (Body)"/>
-            </a:endParaRPr>
-          </a:p>
-        </p:txBody>
-      </p:sp>
-    </p:spTree>
-    <p:extLst>
-      <p:ext uri="{BB962C8B-B14F-4D97-AF65-F5344CB8AC3E}">
-        <p14:creationId xmlns:p14="http://schemas.microsoft.com/office/powerpoint/2010/main" val="1704221707"/>
       </p:ext>
     </p:extLst>
   </p:cSld>
@@ -14965,6 +16070,347 @@
     <p:extLst>
       <p:ext uri="{BB962C8B-B14F-4D97-AF65-F5344CB8AC3E}">
         <p14:creationId xmlns:p14="http://schemas.microsoft.com/office/powerpoint/2010/main" val="137108516"/>
+      </p:ext>
+    </p:extLst>
+  </p:cSld>
+  <p:clrMapOvr>
+    <a:masterClrMapping/>
+  </p:clrMapOvr>
+</p:sld>
+</file>
+
+<file path=ppt/slides/slide30.xml><?xml version="1.0" encoding="utf-8"?>
+<p:sld xmlns:a="http://schemas.openxmlformats.org/drawingml/2006/main" xmlns:r="http://schemas.openxmlformats.org/officeDocument/2006/relationships" xmlns:p="http://schemas.openxmlformats.org/presentationml/2006/main">
+  <p:cSld>
+    <p:spTree>
+      <p:nvGrpSpPr>
+        <p:cNvPr id="1" name=""/>
+        <p:cNvGrpSpPr/>
+        <p:nvPr/>
+      </p:nvGrpSpPr>
+      <p:grpSpPr>
+        <a:xfrm>
+          <a:off x="0" y="0"/>
+          <a:ext cx="0" cy="0"/>
+          <a:chOff x="0" y="0"/>
+          <a:chExt cx="0" cy="0"/>
+        </a:xfrm>
+      </p:grpSpPr>
+      <p:sp>
+        <p:nvSpPr>
+          <p:cNvPr id="2" name="Title 1">
+            <a:extLst>
+              <a:ext uri="{FF2B5EF4-FFF2-40B4-BE49-F238E27FC236}">
+                <a16:creationId xmlns:a16="http://schemas.microsoft.com/office/drawing/2014/main" id="{3CEE02C9-43C9-2BCE-5DB3-E90CC5CDE797}"/>
+              </a:ext>
+            </a:extLst>
+          </p:cNvPr>
+          <p:cNvSpPr>
+            <a:spLocks noGrp="1"/>
+          </p:cNvSpPr>
+          <p:nvPr>
+            <p:ph type="title"/>
+          </p:nvPr>
+        </p:nvSpPr>
+        <p:spPr>
+          <a:xfrm>
+            <a:off x="379563" y="511773"/>
+            <a:ext cx="10515600" cy="1325563"/>
+          </a:xfrm>
+        </p:spPr>
+        <p:txBody>
+          <a:bodyPr/>
+          <a:lstStyle/>
+          <a:p>
+            <a:r>
+              <a:rPr lang="en-US" dirty="0" err="1"/>
+              <a:t>Kết</a:t>
+            </a:r>
+            <a:r>
+              <a:rPr lang="en-US" dirty="0"/>
+              <a:t> </a:t>
+            </a:r>
+            <a:r>
+              <a:rPr lang="en-US" dirty="0" err="1"/>
+              <a:t>luận</a:t>
+            </a:r>
+            <a:endParaRPr lang="en-US" dirty="0"/>
+          </a:p>
+        </p:txBody>
+      </p:sp>
+      <p:sp>
+        <p:nvSpPr>
+          <p:cNvPr id="3" name="Content Placeholder 2">
+            <a:extLst>
+              <a:ext uri="{FF2B5EF4-FFF2-40B4-BE49-F238E27FC236}">
+                <a16:creationId xmlns:a16="http://schemas.microsoft.com/office/drawing/2014/main" id="{2D69A5CB-4CC6-E56D-5F11-96E4F9804028}"/>
+              </a:ext>
+            </a:extLst>
+          </p:cNvPr>
+          <p:cNvSpPr>
+            <a:spLocks noGrp="1"/>
+          </p:cNvSpPr>
+          <p:nvPr>
+            <p:ph idx="1"/>
+          </p:nvPr>
+        </p:nvSpPr>
+        <p:spPr>
+          <a:xfrm>
+            <a:off x="257174" y="1994889"/>
+            <a:ext cx="11249025" cy="4351338"/>
+          </a:xfrm>
+        </p:spPr>
+        <p:txBody>
+          <a:bodyPr>
+            <a:normAutofit/>
+          </a:bodyPr>
+          <a:lstStyle/>
+          <a:p>
+            <a:pPr>
+              <a:spcBef>
+                <a:spcPts val="2000"/>
+              </a:spcBef>
+              <a:buFontTx/>
+              <a:buChar char="-"/>
+            </a:pPr>
+            <a:r>
+              <a:rPr lang="en-US" sz="2400" dirty="0">
+                <a:latin typeface="Calibri (Body)"/>
+              </a:rPr>
+              <a:t> RSA </a:t>
+            </a:r>
+            <a:r>
+              <a:rPr lang="en-US" sz="2400" dirty="0" err="1">
+                <a:latin typeface="Calibri (Body)"/>
+              </a:rPr>
+              <a:t>vẫn</a:t>
+            </a:r>
+            <a:r>
+              <a:rPr lang="en-US" sz="2400" dirty="0">
+                <a:latin typeface="Calibri (Body)"/>
+              </a:rPr>
+              <a:t> an </a:t>
+            </a:r>
+            <a:r>
+              <a:rPr lang="en-US" sz="2400" dirty="0" err="1">
+                <a:latin typeface="Calibri (Body)"/>
+              </a:rPr>
+              <a:t>toàn</a:t>
+            </a:r>
+            <a:r>
+              <a:rPr lang="en-US" sz="2400" dirty="0">
+                <a:latin typeface="Calibri (Body)"/>
+              </a:rPr>
+              <a:t> </a:t>
+            </a:r>
+            <a:r>
+              <a:rPr lang="en-US" sz="2400" dirty="0" err="1">
+                <a:latin typeface="Calibri (Body)"/>
+              </a:rPr>
+              <a:t>nếu</a:t>
+            </a:r>
+            <a:r>
+              <a:rPr lang="en-US" sz="2400" dirty="0">
+                <a:latin typeface="Calibri (Body)"/>
+              </a:rPr>
+              <a:t> </a:t>
+            </a:r>
+            <a:r>
+              <a:rPr lang="en-US" sz="2400" dirty="0" err="1">
+                <a:latin typeface="Calibri (Body)"/>
+              </a:rPr>
+              <a:t>triển</a:t>
+            </a:r>
+            <a:r>
+              <a:rPr lang="en-US" sz="2400" dirty="0">
+                <a:latin typeface="Calibri (Body)"/>
+              </a:rPr>
+              <a:t> </a:t>
+            </a:r>
+            <a:r>
+              <a:rPr lang="en-US" sz="2400" dirty="0" err="1">
+                <a:latin typeface="Calibri (Body)"/>
+              </a:rPr>
+              <a:t>khai</a:t>
+            </a:r>
+            <a:r>
+              <a:rPr lang="en-US" sz="2400" dirty="0">
+                <a:latin typeface="Calibri (Body)"/>
+              </a:rPr>
+              <a:t> </a:t>
+            </a:r>
+            <a:r>
+              <a:rPr lang="en-US" sz="2400" dirty="0" err="1">
+                <a:latin typeface="Calibri (Body)"/>
+              </a:rPr>
+              <a:t>chuẩn</a:t>
+            </a:r>
+            <a:r>
+              <a:rPr lang="en-US" sz="2400" dirty="0">
+                <a:latin typeface="Calibri (Body)"/>
+              </a:rPr>
+              <a:t>, </a:t>
+            </a:r>
+            <a:r>
+              <a:rPr lang="en-US" sz="2400" dirty="0" err="1">
+                <a:latin typeface="Calibri (Body)"/>
+              </a:rPr>
+              <a:t>đầy</a:t>
+            </a:r>
+            <a:r>
+              <a:rPr lang="en-US" sz="2400" dirty="0">
+                <a:latin typeface="Calibri (Body)"/>
+              </a:rPr>
+              <a:t> </a:t>
+            </a:r>
+            <a:r>
+              <a:rPr lang="en-US" sz="2400" dirty="0" err="1">
+                <a:latin typeface="Calibri (Body)"/>
+              </a:rPr>
+              <a:t>đủ</a:t>
+            </a:r>
+            <a:endParaRPr lang="en-US" sz="2400" dirty="0">
+              <a:latin typeface="Calibri (Body)"/>
+            </a:endParaRPr>
+          </a:p>
+          <a:p>
+            <a:pPr>
+              <a:spcBef>
+                <a:spcPts val="2000"/>
+              </a:spcBef>
+              <a:buFontTx/>
+              <a:buChar char="-"/>
+            </a:pPr>
+            <a:r>
+              <a:rPr lang="en-US" sz="2400" dirty="0">
+                <a:latin typeface="Calibri (Body)"/>
+              </a:rPr>
+              <a:t> </a:t>
+            </a:r>
+            <a:r>
+              <a:rPr lang="vi-VN" sz="2400" dirty="0">
+                <a:latin typeface="Calibri (Body)"/>
+              </a:rPr>
+              <a:t>Ưu tiên RSASSA-PSS cho chữ ký và tránh PKCS#1 v1.5 khi có thể.</a:t>
+            </a:r>
+            <a:endParaRPr lang="en-US" sz="2400" dirty="0">
+              <a:latin typeface="Calibri (Body)"/>
+            </a:endParaRPr>
+          </a:p>
+          <a:p>
+            <a:pPr>
+              <a:spcBef>
+                <a:spcPts val="2000"/>
+              </a:spcBef>
+              <a:buFontTx/>
+              <a:buChar char="-"/>
+            </a:pPr>
+            <a:r>
+              <a:rPr lang="en-US" sz="2400" dirty="0">
+                <a:latin typeface="Calibri (Body)"/>
+              </a:rPr>
+              <a:t> </a:t>
+            </a:r>
+            <a:r>
+              <a:rPr lang="vi-VN" sz="2400" dirty="0">
+                <a:latin typeface="Calibri (Body)"/>
+              </a:rPr>
+              <a:t>Dùng kích thước khóa lớn (≥3072 bit) hoặc chuyển sang ECC/PQC cho bảo vệ dài hạn.</a:t>
+            </a:r>
+            <a:endParaRPr lang="en-US" sz="2400" dirty="0">
+              <a:latin typeface="Calibri (Body)"/>
+            </a:endParaRPr>
+          </a:p>
+          <a:p>
+            <a:pPr>
+              <a:spcBef>
+                <a:spcPts val="2000"/>
+              </a:spcBef>
+              <a:buFontTx/>
+              <a:buChar char="-"/>
+            </a:pPr>
+            <a:r>
+              <a:rPr lang="en-US" sz="2400" dirty="0">
+                <a:latin typeface="Calibri (Body)"/>
+              </a:rPr>
+              <a:t> </a:t>
+            </a:r>
+            <a:r>
+              <a:rPr lang="vi-VN" sz="2400" dirty="0">
+                <a:latin typeface="Calibri (Body)"/>
+              </a:rPr>
+              <a:t>Vô hiệu hóa RSA key exchange trong TLS, ưu tiên ECDHE cho forward secrecy.</a:t>
+            </a:r>
+            <a:endParaRPr lang="en-US" sz="2400" dirty="0">
+              <a:latin typeface="Calibri (Body)"/>
+            </a:endParaRPr>
+          </a:p>
+          <a:p>
+            <a:pPr>
+              <a:spcBef>
+                <a:spcPts val="2000"/>
+              </a:spcBef>
+              <a:buFontTx/>
+              <a:buChar char="-"/>
+            </a:pPr>
+            <a:r>
+              <a:rPr lang="en-US" sz="2400" dirty="0">
+                <a:latin typeface="Calibri (Body)"/>
+              </a:rPr>
+              <a:t> </a:t>
+            </a:r>
+            <a:r>
+              <a:rPr lang="vi-VN" sz="2400" dirty="0">
+                <a:latin typeface="Calibri (Body)"/>
+              </a:rPr>
+              <a:t>Áp dụng exponent &amp; CRT blinding, constant-time modular exponentiation, và CSPRNG mạnh cho keygen.</a:t>
+            </a:r>
+            <a:endParaRPr lang="en-US" sz="2400" dirty="0">
+              <a:latin typeface="Calibri (Body)"/>
+            </a:endParaRPr>
+          </a:p>
+          <a:p>
+            <a:pPr>
+              <a:spcBef>
+                <a:spcPts val="2000"/>
+              </a:spcBef>
+              <a:buFontTx/>
+              <a:buChar char="-"/>
+            </a:pPr>
+            <a:r>
+              <a:rPr lang="en-US" sz="2400" dirty="0">
+                <a:latin typeface="Calibri (Body)"/>
+              </a:rPr>
+              <a:t> </a:t>
+            </a:r>
+            <a:r>
+              <a:rPr lang="vi-VN" sz="2400" dirty="0">
+                <a:latin typeface="Calibri (Body)"/>
+              </a:rPr>
+              <a:t>Lưu private key </a:t>
+            </a:r>
+            <a:r>
+              <a:rPr lang="en-US" sz="2400" dirty="0" err="1">
+                <a:latin typeface="Calibri (Body)"/>
+              </a:rPr>
+              <a:t>kĩ</a:t>
+            </a:r>
+            <a:r>
+              <a:rPr lang="vi-VN" sz="2400" dirty="0">
+                <a:latin typeface="Calibri (Body)"/>
+              </a:rPr>
+              <a:t>, giới hạn API và dùng uniform error messages.</a:t>
+            </a:r>
+            <a:endParaRPr lang="en-US" sz="2400" dirty="0">
+              <a:latin typeface="Calibri (Body)"/>
+            </a:endParaRPr>
+          </a:p>
+        </p:txBody>
+      </p:sp>
+    </p:spTree>
+    <p:extLst>
+      <p:ext uri="{BB962C8B-B14F-4D97-AF65-F5344CB8AC3E}">
+        <p14:creationId xmlns:p14="http://schemas.microsoft.com/office/powerpoint/2010/main" val="1704221707"/>
       </p:ext>
     </p:extLst>
   </p:cSld>
@@ -17360,6 +18806,15 @@
 </file>
 
 <file path=customXml/item1.xml><?xml version="1.0" encoding="utf-8"?>
+<?mso-contentType ?>
+<FormTemplates xmlns="http://schemas.microsoft.com/sharepoint/v3/contenttype/forms">
+  <Display>DocumentLibraryForm</Display>
+  <Edit>DocumentLibraryForm</Edit>
+  <New>DocumentLibraryForm</New>
+</FormTemplates>
+</file>
+
+<file path=customXml/item2.xml><?xml version="1.0" encoding="utf-8"?>
 <ct:contentTypeSchema xmlns:ct="http://schemas.microsoft.com/office/2006/metadata/contentType" xmlns:ma="http://schemas.microsoft.com/office/2006/metadata/properties/metaAttributes" ct:_="" ma:_="" ma:contentTypeName="Tài liệu" ma:contentTypeID="0x010100B1C9C9CFBA54554FAB72A368ED558EE9" ma:contentTypeVersion="4" ma:contentTypeDescription="Tạo tài liệu mới." ma:contentTypeScope="" ma:versionID="7afe8246de33ba856f7f9004637ff618">
   <xsd:schema xmlns:xsd="http://www.w3.org/2001/XMLSchema" xmlns:xs="http://www.w3.org/2001/XMLSchema" xmlns:p="http://schemas.microsoft.com/office/2006/metadata/properties" xmlns:ns3="7804a6fb-3003-4c78-85cc-87186ae6e246" targetNamespace="http://schemas.microsoft.com/office/2006/metadata/properties" ma:root="true" ma:fieldsID="1dbbbb438070c4d288d95d0c153f475e" ns3:_="">
     <xsd:import namespace="7804a6fb-3003-4c78-85cc-87186ae6e246"/>
@@ -17503,15 +18958,6 @@
 </ct:contentTypeSchema>
 </file>
 
-<file path=customXml/item2.xml><?xml version="1.0" encoding="utf-8"?>
-<?mso-contentType ?>
-<FormTemplates xmlns="http://schemas.microsoft.com/sharepoint/v3/contenttype/forms">
-  <Display>DocumentLibraryForm</Display>
-  <Edit>DocumentLibraryForm</Edit>
-  <New>DocumentLibraryForm</New>
-</FormTemplates>
-</file>
-
 <file path=customXml/item3.xml><?xml version="1.0" encoding="utf-8"?>
 <p:properties xmlns:p="http://schemas.microsoft.com/office/2006/metadata/properties" xmlns:xsi="http://www.w3.org/2001/XMLSchema-instance" xmlns:pc="http://schemas.microsoft.com/office/infopath/2007/PartnerControls">
   <documentManagement/>
@@ -17519,6 +18965,14 @@
 </file>
 
 <file path=customXml/itemProps1.xml><?xml version="1.0" encoding="utf-8"?>
+<ds:datastoreItem xmlns:ds="http://schemas.openxmlformats.org/officeDocument/2006/customXml" ds:itemID="{02A294DC-FDDB-4C19-A732-9D70B934EFDB}">
+  <ds:schemaRefs>
+    <ds:schemaRef ds:uri="http://schemas.microsoft.com/sharepoint/v3/contenttype/forms"/>
+  </ds:schemaRefs>
+</ds:datastoreItem>
+</file>
+
+<file path=customXml/itemProps2.xml><?xml version="1.0" encoding="utf-8"?>
 <ds:datastoreItem xmlns:ds="http://schemas.openxmlformats.org/officeDocument/2006/customXml" ds:itemID="{FDB0FCB8-DB46-4959-B9E6-F720DF2AB4B9}">
   <ds:schemaRefs>
     <ds:schemaRef ds:uri="http://schemas.microsoft.com/office/2006/metadata/contentType"/>
@@ -17532,14 +18986,6 @@
     <ds:schemaRef ds:uri="http://purl.org/dc/elements/1.1/"/>
     <ds:schemaRef ds:uri="http://purl.org/dc/terms/"/>
     <ds:schemaRef ds:uri="http://schemas.microsoft.com/internal/obd"/>
-  </ds:schemaRefs>
-</ds:datastoreItem>
-</file>
-
-<file path=customXml/itemProps2.xml><?xml version="1.0" encoding="utf-8"?>
-<ds:datastoreItem xmlns:ds="http://schemas.openxmlformats.org/officeDocument/2006/customXml" ds:itemID="{02A294DC-FDDB-4C19-A732-9D70B934EFDB}">
-  <ds:schemaRefs>
-    <ds:schemaRef ds:uri="http://schemas.microsoft.com/sharepoint/v3/contenttype/forms"/>
   </ds:schemaRefs>
 </ds:datastoreItem>
 </file>

--- a/Cryptanalysis on Asymmetric Ciphers — RSA & RSA.pptx
+++ b/Cryptanalysis on Asymmetric Ciphers — RSA & RSA.pptx
@@ -372,7 +372,7 @@
           <a:p>
             <a:fld id="{E1525300-05E8-4D28-85DB-000DB90F5912}" type="datetimeFigureOut">
               <a:rPr lang="en-US" smtClean="0"/>
-              <a:t>12/28/2025</a:t>
+              <a:t>12/29/2025</a:t>
             </a:fld>
             <a:endParaRPr lang="en-US"/>
           </a:p>
@@ -580,7 +580,7 @@
           <a:p>
             <a:fld id="{E1525300-05E8-4D28-85DB-000DB90F5912}" type="datetimeFigureOut">
               <a:rPr lang="en-US" smtClean="0"/>
-              <a:t>12/28/2025</a:t>
+              <a:t>12/29/2025</a:t>
             </a:fld>
             <a:endParaRPr lang="en-US"/>
           </a:p>
@@ -836,7 +836,7 @@
           <a:p>
             <a:fld id="{E1525300-05E8-4D28-85DB-000DB90F5912}" type="datetimeFigureOut">
               <a:rPr lang="en-US" smtClean="0"/>
-              <a:t>12/28/2025</a:t>
+              <a:t>12/29/2025</a:t>
             </a:fld>
             <a:endParaRPr lang="en-US"/>
           </a:p>
@@ -1010,7 +1010,7 @@
           <a:p>
             <a:fld id="{E1525300-05E8-4D28-85DB-000DB90F5912}" type="datetimeFigureOut">
               <a:rPr lang="en-US" smtClean="0"/>
-              <a:t>12/28/2025</a:t>
+              <a:t>12/29/2025</a:t>
             </a:fld>
             <a:endParaRPr lang="en-US"/>
           </a:p>
@@ -1353,7 +1353,7 @@
           <a:p>
             <a:fld id="{E1525300-05E8-4D28-85DB-000DB90F5912}" type="datetimeFigureOut">
               <a:rPr lang="en-US" smtClean="0"/>
-              <a:t>12/28/2025</a:t>
+              <a:t>12/29/2025</a:t>
             </a:fld>
             <a:endParaRPr lang="en-US"/>
           </a:p>
@@ -1628,7 +1628,7 @@
           <a:p>
             <a:fld id="{E1525300-05E8-4D28-85DB-000DB90F5912}" type="datetimeFigureOut">
               <a:rPr lang="en-US" smtClean="0"/>
-              <a:t>12/28/2025</a:t>
+              <a:t>12/29/2025</a:t>
             </a:fld>
             <a:endParaRPr lang="en-US"/>
           </a:p>
@@ -2007,7 +2007,7 @@
           <a:p>
             <a:fld id="{E1525300-05E8-4D28-85DB-000DB90F5912}" type="datetimeFigureOut">
               <a:rPr lang="en-US" smtClean="0"/>
-              <a:t>12/28/2025</a:t>
+              <a:t>12/29/2025</a:t>
             </a:fld>
             <a:endParaRPr lang="en-US"/>
           </a:p>
@@ -2125,7 +2125,7 @@
           <a:p>
             <a:fld id="{E1525300-05E8-4D28-85DB-000DB90F5912}" type="datetimeFigureOut">
               <a:rPr lang="en-US" smtClean="0"/>
-              <a:t>12/28/2025</a:t>
+              <a:t>12/29/2025</a:t>
             </a:fld>
             <a:endParaRPr lang="en-US"/>
           </a:p>
@@ -2296,7 +2296,7 @@
           <a:p>
             <a:fld id="{E1525300-05E8-4D28-85DB-000DB90F5912}" type="datetimeFigureOut">
               <a:rPr lang="en-US" smtClean="0"/>
-              <a:t>12/28/2025</a:t>
+              <a:t>12/29/2025</a:t>
             </a:fld>
             <a:endParaRPr lang="en-US"/>
           </a:p>
@@ -2650,7 +2650,7 @@
           <a:p>
             <a:fld id="{E1525300-05E8-4D28-85DB-000DB90F5912}" type="datetimeFigureOut">
               <a:rPr lang="en-US" smtClean="0"/>
-              <a:t>12/28/2025</a:t>
+              <a:t>12/29/2025</a:t>
             </a:fld>
             <a:endParaRPr lang="en-US"/>
           </a:p>
@@ -3032,7 +3032,7 @@
           <a:p>
             <a:fld id="{E1525300-05E8-4D28-85DB-000DB90F5912}" type="datetimeFigureOut">
               <a:rPr lang="en-US" smtClean="0"/>
-              <a:t>12/28/2025</a:t>
+              <a:t>12/29/2025</a:t>
             </a:fld>
             <a:endParaRPr lang="en-US"/>
           </a:p>
@@ -3319,7 +3319,7 @@
           <a:p>
             <a:fld id="{E1525300-05E8-4D28-85DB-000DB90F5912}" type="datetimeFigureOut">
               <a:rPr lang="en-US" smtClean="0"/>
-              <a:t>12/28/2025</a:t>
+              <a:t>12/29/2025</a:t>
             </a:fld>
             <a:endParaRPr lang="en-US"/>
           </a:p>
@@ -10329,6 +10329,22 @@
                           </a:rPr>
                           <m:t>𝑚</m:t>
                         </m:r>
+                        <m:r>
+                          <a:rPr lang="en-US" sz="3200" b="0" i="1" smtClean="0">
+                            <a:latin typeface="Cambria Math" panose="02040503050406030204" pitchFamily="18" charset="0"/>
+                            <a:ea typeface="Calibri" panose="020F0502020204030204" pitchFamily="34" charset="0"/>
+                            <a:cs typeface="Calibri" panose="020F0502020204030204" pitchFamily="34" charset="0"/>
+                          </a:rPr>
+                          <m:t>=</m:t>
+                        </m:r>
+                        <m:r>
+                          <a:rPr lang="en-US" sz="3200" b="0" i="1" smtClean="0">
+                            <a:latin typeface="Cambria Math" panose="02040503050406030204" pitchFamily="18" charset="0"/>
+                            <a:ea typeface="Calibri" panose="020F0502020204030204" pitchFamily="34" charset="0"/>
+                            <a:cs typeface="Calibri" panose="020F0502020204030204" pitchFamily="34" charset="0"/>
+                          </a:rPr>
+                          <m:t>𝑐</m:t>
+                        </m:r>
                       </m:e>
                       <m:sup>
                         <m:r>
@@ -13731,8 +13747,8 @@
           </a:p>
         </p:txBody>
       </p:sp>
-      <mc:AlternateContent xmlns:mc="http://schemas.openxmlformats.org/markup-compatibility/2006">
-        <mc:Choice xmlns:a14="http://schemas.microsoft.com/office/drawing/2010/main" Requires="a14">
+      <mc:AlternateContent xmlns:mc="http://schemas.openxmlformats.org/markup-compatibility/2006" xmlns:a14="http://schemas.microsoft.com/office/drawing/2010/main">
+        <mc:Choice Requires="a14">
           <p:sp>
             <p:nvSpPr>
               <p:cNvPr id="3" name="Content Placeholder 2">
@@ -14588,7 +14604,7 @@
             </p:txBody>
           </p:sp>
         </mc:Choice>
-        <mc:Fallback>
+        <mc:Fallback xmlns="">
           <p:sp>
             <p:nvSpPr>
               <p:cNvPr id="3" name="Content Placeholder 2">
@@ -14700,8 +14716,8 @@
           </a:p>
         </p:txBody>
       </p:sp>
-      <mc:AlternateContent xmlns:mc="http://schemas.openxmlformats.org/markup-compatibility/2006">
-        <mc:Choice xmlns:a14="http://schemas.microsoft.com/office/drawing/2010/main" Requires="a14">
+      <mc:AlternateContent xmlns:mc="http://schemas.openxmlformats.org/markup-compatibility/2006" xmlns:a14="http://schemas.microsoft.com/office/drawing/2010/main">
+        <mc:Choice Requires="a14">
           <p:sp>
             <p:nvSpPr>
               <p:cNvPr id="3" name="Content Placeholder 2">
@@ -15196,7 +15212,7 @@
             </p:txBody>
           </p:sp>
         </mc:Choice>
-        <mc:Fallback>
+        <mc:Fallback xmlns="">
           <p:sp>
             <p:nvSpPr>
               <p:cNvPr id="3" name="Content Placeholder 2">
@@ -18039,8 +18055,8 @@
           </a:p>
         </p:txBody>
       </p:sp>
-      <mc:AlternateContent xmlns:mc="http://schemas.openxmlformats.org/markup-compatibility/2006">
-        <mc:Choice xmlns:a14="http://schemas.microsoft.com/office/drawing/2010/main" Requires="a14">
+      <mc:AlternateContent xmlns:mc="http://schemas.openxmlformats.org/markup-compatibility/2006" xmlns:a14="http://schemas.microsoft.com/office/drawing/2010/main">
+        <mc:Choice Requires="a14">
           <p:sp>
             <p:nvSpPr>
               <p:cNvPr id="9" name="Content Placeholder 8">
@@ -18725,7 +18741,7 @@
             </p:txBody>
           </p:sp>
         </mc:Choice>
-        <mc:Fallback>
+        <mc:Fallback xmlns="">
           <p:sp>
             <p:nvSpPr>
               <p:cNvPr id="9" name="Content Placeholder 8">
@@ -18836,8 +18852,8 @@
           </a:p>
         </p:txBody>
       </p:sp>
-      <mc:AlternateContent xmlns:mc="http://schemas.openxmlformats.org/markup-compatibility/2006">
-        <mc:Choice xmlns:a14="http://schemas.microsoft.com/office/drawing/2010/main" Requires="a14">
+      <mc:AlternateContent xmlns:mc="http://schemas.openxmlformats.org/markup-compatibility/2006" xmlns:a14="http://schemas.microsoft.com/office/drawing/2010/main">
+        <mc:Choice Requires="a14">
           <p:sp>
             <p:nvSpPr>
               <p:cNvPr id="9" name="Content Placeholder 8">
@@ -19663,7 +19679,7 @@
             </p:txBody>
           </p:sp>
         </mc:Choice>
-        <mc:Fallback>
+        <mc:Fallback xmlns="">
           <p:sp>
             <p:nvSpPr>
               <p:cNvPr id="9" name="Content Placeholder 8">
@@ -23333,18 +23349,18 @@
 </file>
 
 <file path=customXml/item2.xml><?xml version="1.0" encoding="utf-8"?>
+<p:properties xmlns:p="http://schemas.microsoft.com/office/2006/metadata/properties" xmlns:xsi="http://www.w3.org/2001/XMLSchema-instance" xmlns:pc="http://schemas.microsoft.com/office/infopath/2007/PartnerControls">
+  <documentManagement/>
+</p:properties>
+</file>
+
+<file path=customXml/item3.xml><?xml version="1.0" encoding="utf-8"?>
 <?mso-contentType ?>
 <FormTemplates xmlns="http://schemas.microsoft.com/sharepoint/v3/contenttype/forms">
   <Display>DocumentLibraryForm</Display>
   <Edit>DocumentLibraryForm</Edit>
   <New>DocumentLibraryForm</New>
 </FormTemplates>
-</file>
-
-<file path=customXml/item3.xml><?xml version="1.0" encoding="utf-8"?>
-<p:properties xmlns:p="http://schemas.microsoft.com/office/2006/metadata/properties" xmlns:xsi="http://www.w3.org/2001/XMLSchema-instance" xmlns:pc="http://schemas.microsoft.com/office/infopath/2007/PartnerControls">
-  <documentManagement/>
-</p:properties>
 </file>
 
 <file path=customXml/itemProps1.xml><?xml version="1.0" encoding="utf-8"?>
@@ -23366,14 +23382,6 @@
 </file>
 
 <file path=customXml/itemProps2.xml><?xml version="1.0" encoding="utf-8"?>
-<ds:datastoreItem xmlns:ds="http://schemas.openxmlformats.org/officeDocument/2006/customXml" ds:itemID="{02A294DC-FDDB-4C19-A732-9D70B934EFDB}">
-  <ds:schemaRefs>
-    <ds:schemaRef ds:uri="http://schemas.microsoft.com/sharepoint/v3/contenttype/forms"/>
-  </ds:schemaRefs>
-</ds:datastoreItem>
-</file>
-
-<file path=customXml/itemProps3.xml><?xml version="1.0" encoding="utf-8"?>
 <ds:datastoreItem xmlns:ds="http://schemas.openxmlformats.org/officeDocument/2006/customXml" ds:itemID="{9EA5A663-36CB-4D52-ACF0-0994F2B58167}">
   <ds:schemaRefs>
     <ds:schemaRef ds:uri="http://purl.org/dc/dcmitype/"/>
@@ -23387,4 +23395,12 @@
     <ds:schemaRef ds:uri="http://schemas.microsoft.com/office/2006/metadata/properties"/>
   </ds:schemaRefs>
 </ds:datastoreItem>
+</file>
+
+<file path=customXml/itemProps3.xml><?xml version="1.0" encoding="utf-8"?>
+<ds:datastoreItem xmlns:ds="http://schemas.openxmlformats.org/officeDocument/2006/customXml" ds:itemID="{02A294DC-FDDB-4C19-A732-9D70B934EFDB}">
+  <ds:schemaRefs>
+    <ds:schemaRef ds:uri="http://schemas.microsoft.com/sharepoint/v3/contenttype/forms"/>
+  </ds:schemaRefs>
+</ds:datastoreItem>
 </file>
--- a/Cryptanalysis on Asymmetric Ciphers — RSA & RSA.pptx
+++ b/Cryptanalysis on Asymmetric Ciphers — RSA & RSA.pptx
@@ -7391,175 +7391,13 @@
               <a:rPr lang="en-US" dirty="0">
                 <a:latin typeface="Calibri (Body)"/>
               </a:rPr>
-              <a:t>QPS: ~450–520 QPS</a:t>
-            </a:r>
-          </a:p>
-          <a:p>
-            <a:pPr lvl="1">
-              <a:buFontTx/>
-              <a:buChar char="-"/>
-            </a:pPr>
-            <a:r>
-              <a:rPr lang="vi-VN" dirty="0">
-                <a:latin typeface="Calibri (Body)"/>
-              </a:rPr>
-              <a:t>Queries:</a:t>
-            </a:r>
-            <a:endParaRPr lang="en-US" dirty="0">
-              <a:latin typeface="Calibri (Body)"/>
-            </a:endParaRPr>
-          </a:p>
-          <a:p>
-            <a:pPr lvl="2">
-              <a:buFontTx/>
-              <a:buChar char="-"/>
-            </a:pPr>
-            <a:r>
-              <a:rPr lang="vi-VN" dirty="0">
-                <a:latin typeface="Calibri (Body)"/>
-              </a:rPr>
-              <a:t>Min: 46k</a:t>
-            </a:r>
-            <a:endParaRPr lang="en-US" dirty="0">
-              <a:latin typeface="Calibri (Body)"/>
-            </a:endParaRPr>
-          </a:p>
-          <a:p>
-            <a:pPr lvl="2">
-              <a:buFontTx/>
-              <a:buChar char="-"/>
-            </a:pPr>
-            <a:r>
-              <a:rPr lang="vi-VN" dirty="0">
-                <a:latin typeface="Calibri (Body)"/>
-              </a:rPr>
-              <a:t>Max: 779k</a:t>
-            </a:r>
-            <a:r>
-              <a:rPr lang="en-US" dirty="0">
-                <a:latin typeface="Calibri (Body)"/>
-              </a:rPr>
-              <a:t> -&gt; </a:t>
-            </a:r>
-            <a:r>
-              <a:rPr lang="vi-VN" dirty="0">
-                <a:latin typeface="Calibri (Body)"/>
-              </a:rPr>
-              <a:t>dao động lớn (</a:t>
-            </a:r>
-            <a:r>
-              <a:rPr lang="en-US" dirty="0" err="1">
-                <a:latin typeface="Calibri (Body)"/>
-              </a:rPr>
-              <a:t>phụ</a:t>
-            </a:r>
-            <a:r>
-              <a:rPr lang="en-US" dirty="0">
-                <a:latin typeface="Calibri (Body)"/>
-              </a:rPr>
-              <a:t> </a:t>
-            </a:r>
-            <a:r>
-              <a:rPr lang="en-US" dirty="0" err="1">
-                <a:latin typeface="Calibri (Body)"/>
-              </a:rPr>
-              <a:t>thuộc</a:t>
-            </a:r>
-            <a:r>
-              <a:rPr lang="en-US" dirty="0">
-                <a:latin typeface="Calibri (Body)"/>
-              </a:rPr>
-              <a:t> </a:t>
-            </a:r>
-            <a:r>
-              <a:rPr lang="en-US" dirty="0" err="1">
-                <a:latin typeface="Calibri (Body)"/>
-              </a:rPr>
-              <a:t>vào</a:t>
-            </a:r>
-            <a:r>
-              <a:rPr lang="en-US" dirty="0">
-                <a:latin typeface="Calibri (Body)"/>
-              </a:rPr>
-              <a:t> </a:t>
-            </a:r>
-            <a:r>
-              <a:rPr lang="en-US" dirty="0" err="1">
-                <a:latin typeface="Calibri (Body)"/>
-              </a:rPr>
-              <a:t>việc</a:t>
-            </a:r>
-            <a:r>
-              <a:rPr lang="en-US" dirty="0">
-                <a:latin typeface="Calibri (Body)"/>
-              </a:rPr>
-              <a:t> </a:t>
-            </a:r>
-            <a:r>
-              <a:rPr lang="en-US" dirty="0" err="1">
-                <a:latin typeface="Calibri (Body)"/>
-              </a:rPr>
-              <a:t>đoán</a:t>
-            </a:r>
-            <a:r>
-              <a:rPr lang="en-US" dirty="0">
-                <a:latin typeface="Calibri (Body)"/>
-              </a:rPr>
-              <a:t> s0 </a:t>
-            </a:r>
-            <a:r>
-              <a:rPr lang="en-US" dirty="0" err="1">
-                <a:latin typeface="Calibri (Body)"/>
-              </a:rPr>
-              <a:t>và</a:t>
-            </a:r>
-            <a:r>
-              <a:rPr lang="en-US" dirty="0">
-                <a:latin typeface="Calibri (Body)"/>
-              </a:rPr>
-              <a:t> </a:t>
-            </a:r>
-            <a:r>
-              <a:rPr lang="en-US" dirty="0" err="1">
-                <a:latin typeface="Calibri (Body)"/>
-              </a:rPr>
-              <a:t>độ</a:t>
-            </a:r>
-            <a:r>
-              <a:rPr lang="en-US" dirty="0">
-                <a:latin typeface="Calibri (Body)"/>
-              </a:rPr>
-              <a:t> </a:t>
-            </a:r>
-            <a:r>
-              <a:rPr lang="en-US" dirty="0" err="1">
-                <a:latin typeface="Calibri (Body)"/>
-              </a:rPr>
-              <a:t>hẹp</a:t>
-            </a:r>
-            <a:r>
-              <a:rPr lang="en-US" dirty="0">
-                <a:latin typeface="Calibri (Body)"/>
-              </a:rPr>
-              <a:t> </a:t>
-            </a:r>
-            <a:r>
-              <a:rPr lang="en-US" dirty="0" err="1">
-                <a:latin typeface="Calibri (Body)"/>
-              </a:rPr>
-              <a:t>khoảng</a:t>
-            </a:r>
-            <a:r>
-              <a:rPr lang="en-US" dirty="0">
-                <a:latin typeface="Calibri (Body)"/>
-              </a:rPr>
-              <a:t> M</a:t>
-            </a:r>
-            <a:r>
-              <a:rPr lang="vi-VN" dirty="0">
-                <a:latin typeface="Calibri (Body)"/>
-              </a:rPr>
-              <a:t>)</a:t>
+              <a:t>QPS: ~</a:t>
+            </a:r>
+            <a:r>
+              <a:rPr lang="en-US">
+                <a:latin typeface="Calibri (Body)"/>
+              </a:rPr>
+              <a:t>450–520 QPS</a:t>
             </a:r>
             <a:endParaRPr lang="en-US" dirty="0">
               <a:latin typeface="Calibri (Body)"/>
@@ -10171,8 +10009,8 @@
           </a:p>
         </p:txBody>
       </p:sp>
-      <mc:AlternateContent xmlns:mc="http://schemas.openxmlformats.org/markup-compatibility/2006">
-        <mc:Choice xmlns:a14="http://schemas.microsoft.com/office/drawing/2010/main" Requires="a14">
+      <mc:AlternateContent xmlns:mc="http://schemas.openxmlformats.org/markup-compatibility/2006" xmlns:a14="http://schemas.microsoft.com/office/drawing/2010/main">
+        <mc:Choice Requires="a14">
           <p:sp>
             <p:nvSpPr>
               <p:cNvPr id="3" name="Content Placeholder 2">
@@ -10718,7 +10556,7 @@
             </p:txBody>
           </p:sp>
         </mc:Choice>
-        <mc:Fallback>
+        <mc:Fallback xmlns="">
           <p:sp>
             <p:nvSpPr>
               <p:cNvPr id="3" name="Content Placeholder 2">
@@ -23205,6 +23043,12 @@
 </file>
 
 <file path=customXml/item1.xml><?xml version="1.0" encoding="utf-8"?>
+<p:properties xmlns:p="http://schemas.microsoft.com/office/2006/metadata/properties" xmlns:xsi="http://www.w3.org/2001/XMLSchema-instance" xmlns:pc="http://schemas.microsoft.com/office/infopath/2007/PartnerControls">
+  <documentManagement/>
+</p:properties>
+</file>
+
+<file path=customXml/item2.xml><?xml version="1.0" encoding="utf-8"?>
 <ct:contentTypeSchema xmlns:ct="http://schemas.microsoft.com/office/2006/metadata/contentType" xmlns:ma="http://schemas.microsoft.com/office/2006/metadata/properties/metaAttributes" ct:_="" ma:_="" ma:contentTypeName="Tài liệu" ma:contentTypeID="0x010100B1C9C9CFBA54554FAB72A368ED558EE9" ma:contentTypeVersion="4" ma:contentTypeDescription="Tạo tài liệu mới." ma:contentTypeScope="" ma:versionID="7afe8246de33ba856f7f9004637ff618">
   <xsd:schema xmlns:xsd="http://www.w3.org/2001/XMLSchema" xmlns:xs="http://www.w3.org/2001/XMLSchema" xmlns:p="http://schemas.microsoft.com/office/2006/metadata/properties" xmlns:ns3="7804a6fb-3003-4c78-85cc-87186ae6e246" targetNamespace="http://schemas.microsoft.com/office/2006/metadata/properties" ma:root="true" ma:fieldsID="1dbbbb438070c4d288d95d0c153f475e" ns3:_="">
     <xsd:import namespace="7804a6fb-3003-4c78-85cc-87186ae6e246"/>
@@ -23348,12 +23192,6 @@
 </ct:contentTypeSchema>
 </file>
 
-<file path=customXml/item2.xml><?xml version="1.0" encoding="utf-8"?>
-<p:properties xmlns:p="http://schemas.microsoft.com/office/2006/metadata/properties" xmlns:xsi="http://www.w3.org/2001/XMLSchema-instance" xmlns:pc="http://schemas.microsoft.com/office/infopath/2007/PartnerControls">
-  <documentManagement/>
-</p:properties>
-</file>
-
 <file path=customXml/item3.xml><?xml version="1.0" encoding="utf-8"?>
 <?mso-contentType ?>
 <FormTemplates xmlns="http://schemas.microsoft.com/sharepoint/v3/contenttype/forms">
@@ -23364,6 +23202,22 @@
 </file>
 
 <file path=customXml/itemProps1.xml><?xml version="1.0" encoding="utf-8"?>
+<ds:datastoreItem xmlns:ds="http://schemas.openxmlformats.org/officeDocument/2006/customXml" ds:itemID="{9EA5A663-36CB-4D52-ACF0-0994F2B58167}">
+  <ds:schemaRefs>
+    <ds:schemaRef ds:uri="http://purl.org/dc/dcmitype/"/>
+    <ds:schemaRef ds:uri="http://schemas.openxmlformats.org/package/2006/metadata/core-properties"/>
+    <ds:schemaRef ds:uri="http://purl.org/dc/elements/1.1/"/>
+    <ds:schemaRef ds:uri="http://purl.org/dc/terms/"/>
+    <ds:schemaRef ds:uri="http://www.w3.org/XML/1998/namespace"/>
+    <ds:schemaRef ds:uri="http://schemas.microsoft.com/office/2006/documentManagement/types"/>
+    <ds:schemaRef ds:uri="http://schemas.microsoft.com/office/infopath/2007/PartnerControls"/>
+    <ds:schemaRef ds:uri="7804a6fb-3003-4c78-85cc-87186ae6e246"/>
+    <ds:schemaRef ds:uri="http://schemas.microsoft.com/office/2006/metadata/properties"/>
+  </ds:schemaRefs>
+</ds:datastoreItem>
+</file>
+
+<file path=customXml/itemProps2.xml><?xml version="1.0" encoding="utf-8"?>
 <ds:datastoreItem xmlns:ds="http://schemas.openxmlformats.org/officeDocument/2006/customXml" ds:itemID="{FDB0FCB8-DB46-4959-B9E6-F720DF2AB4B9}">
   <ds:schemaRefs>
     <ds:schemaRef ds:uri="http://schemas.microsoft.com/office/2006/metadata/contentType"/>
@@ -23381,22 +23235,6 @@
 </ds:datastoreItem>
 </file>
 
-<file path=customXml/itemProps2.xml><?xml version="1.0" encoding="utf-8"?>
-<ds:datastoreItem xmlns:ds="http://schemas.openxmlformats.org/officeDocument/2006/customXml" ds:itemID="{9EA5A663-36CB-4D52-ACF0-0994F2B58167}">
-  <ds:schemaRefs>
-    <ds:schemaRef ds:uri="http://purl.org/dc/dcmitype/"/>
-    <ds:schemaRef ds:uri="http://schemas.openxmlformats.org/package/2006/metadata/core-properties"/>
-    <ds:schemaRef ds:uri="http://purl.org/dc/elements/1.1/"/>
-    <ds:schemaRef ds:uri="http://purl.org/dc/terms/"/>
-    <ds:schemaRef ds:uri="http://www.w3.org/XML/1998/namespace"/>
-    <ds:schemaRef ds:uri="http://schemas.microsoft.com/office/2006/documentManagement/types"/>
-    <ds:schemaRef ds:uri="http://schemas.microsoft.com/office/infopath/2007/PartnerControls"/>
-    <ds:schemaRef ds:uri="7804a6fb-3003-4c78-85cc-87186ae6e246"/>
-    <ds:schemaRef ds:uri="http://schemas.microsoft.com/office/2006/metadata/properties"/>
-  </ds:schemaRefs>
-</ds:datastoreItem>
-</file>
-
 <file path=customXml/itemProps3.xml><?xml version="1.0" encoding="utf-8"?>
 <ds:datastoreItem xmlns:ds="http://schemas.openxmlformats.org/officeDocument/2006/customXml" ds:itemID="{02A294DC-FDDB-4C19-A732-9D70B934EFDB}">
   <ds:schemaRefs>
